--- a/Final Project.pptx
+++ b/Final Project.pptx
@@ -5,29 +5,27 @@
     <p:sldMasterId id="2147483648" r:id="rId4"/>
   </p:sldMasterIdLst>
   <p:notesMasterIdLst>
-    <p:notesMasterId r:id="rId22"/>
+    <p:notesMasterId r:id="rId20"/>
   </p:notesMasterIdLst>
   <p:handoutMasterIdLst>
-    <p:handoutMasterId r:id="rId23"/>
+    <p:handoutMasterId r:id="rId21"/>
   </p:handoutMasterIdLst>
   <p:sldIdLst>
     <p:sldId id="256" r:id="rId5"/>
-    <p:sldId id="257" r:id="rId6"/>
-    <p:sldId id="266" r:id="rId7"/>
-    <p:sldId id="274" r:id="rId8"/>
-    <p:sldId id="270" r:id="rId9"/>
-    <p:sldId id="271" r:id="rId10"/>
-    <p:sldId id="272" r:id="rId11"/>
-    <p:sldId id="273" r:id="rId12"/>
-    <p:sldId id="258" r:id="rId13"/>
-    <p:sldId id="259" r:id="rId14"/>
-    <p:sldId id="260" r:id="rId15"/>
-    <p:sldId id="268" r:id="rId16"/>
-    <p:sldId id="261" r:id="rId17"/>
-    <p:sldId id="262" r:id="rId18"/>
-    <p:sldId id="263" r:id="rId19"/>
-    <p:sldId id="264" r:id="rId20"/>
-    <p:sldId id="265" r:id="rId21"/>
+    <p:sldId id="258" r:id="rId6"/>
+    <p:sldId id="257" r:id="rId7"/>
+    <p:sldId id="266" r:id="rId8"/>
+    <p:sldId id="274" r:id="rId9"/>
+    <p:sldId id="270" r:id="rId10"/>
+    <p:sldId id="271" r:id="rId11"/>
+    <p:sldId id="272" r:id="rId12"/>
+    <p:sldId id="273" r:id="rId13"/>
+    <p:sldId id="268" r:id="rId14"/>
+    <p:sldId id="262" r:id="rId15"/>
+    <p:sldId id="263" r:id="rId16"/>
+    <p:sldId id="264" r:id="rId17"/>
+    <p:sldId id="265" r:id="rId18"/>
+    <p:sldId id="275" r:id="rId19"/>
   </p:sldIdLst>
   <p:sldSz cx="12192000" cy="6858000"/>
   <p:notesSz cx="6858000" cy="9144000"/>
@@ -146,4382 +144,6 @@
     </p:ext>
   </p:extLst>
 </p:presentation>
-</file>
-
-<file path=ppt/diagrams/colors1.xml><?xml version="1.0" encoding="utf-8"?>
-<dgm:colorsDef xmlns:dgm="http://schemas.openxmlformats.org/drawingml/2006/diagram" xmlns:a="http://schemas.openxmlformats.org/drawingml/2006/main" uniqueId="urn:microsoft.com/office/officeart/2005/8/colors/accent1_2">
-  <dgm:title val=""/>
-  <dgm:desc val=""/>
-  <dgm:catLst>
-    <dgm:cat type="accent1" pri="11200"/>
-  </dgm:catLst>
-  <dgm:styleLbl name="node0">
-    <dgm:fillClrLst meth="repeat">
-      <a:schemeClr val="accent1"/>
-    </dgm:fillClrLst>
-    <dgm:linClrLst meth="repeat">
-      <a:schemeClr val="lt1"/>
-    </dgm:linClrLst>
-    <dgm:effectClrLst/>
-    <dgm:txLinClrLst/>
-    <dgm:txFillClrLst/>
-    <dgm:txEffectClrLst/>
-  </dgm:styleLbl>
-  <dgm:styleLbl name="alignNode1">
-    <dgm:fillClrLst meth="repeat">
-      <a:schemeClr val="accent1"/>
-    </dgm:fillClrLst>
-    <dgm:linClrLst meth="repeat">
-      <a:schemeClr val="accent1"/>
-    </dgm:linClrLst>
-    <dgm:effectClrLst/>
-    <dgm:txLinClrLst/>
-    <dgm:txFillClrLst/>
-    <dgm:txEffectClrLst/>
-  </dgm:styleLbl>
-  <dgm:styleLbl name="node1">
-    <dgm:fillClrLst meth="repeat">
-      <a:schemeClr val="accent1"/>
-    </dgm:fillClrLst>
-    <dgm:linClrLst meth="repeat">
-      <a:schemeClr val="lt1"/>
-    </dgm:linClrLst>
-    <dgm:effectClrLst/>
-    <dgm:txLinClrLst/>
-    <dgm:txFillClrLst/>
-    <dgm:txEffectClrLst/>
-  </dgm:styleLbl>
-  <dgm:styleLbl name="lnNode1">
-    <dgm:fillClrLst meth="repeat">
-      <a:schemeClr val="accent1"/>
-    </dgm:fillClrLst>
-    <dgm:linClrLst meth="repeat">
-      <a:schemeClr val="lt1"/>
-    </dgm:linClrLst>
-    <dgm:effectClrLst/>
-    <dgm:txLinClrLst/>
-    <dgm:txFillClrLst/>
-    <dgm:txEffectClrLst/>
-  </dgm:styleLbl>
-  <dgm:styleLbl name="vennNode1">
-    <dgm:fillClrLst meth="repeat">
-      <a:schemeClr val="accent1">
-        <a:alpha val="50000"/>
-      </a:schemeClr>
-    </dgm:fillClrLst>
-    <dgm:linClrLst meth="repeat">
-      <a:schemeClr val="lt1"/>
-    </dgm:linClrLst>
-    <dgm:effectClrLst/>
-    <dgm:txLinClrLst/>
-    <dgm:txFillClrLst/>
-    <dgm:txEffectClrLst/>
-  </dgm:styleLbl>
-  <dgm:styleLbl name="node2">
-    <dgm:fillClrLst meth="repeat">
-      <a:schemeClr val="accent1"/>
-    </dgm:fillClrLst>
-    <dgm:linClrLst meth="repeat">
-      <a:schemeClr val="lt1"/>
-    </dgm:linClrLst>
-    <dgm:effectClrLst/>
-    <dgm:txLinClrLst/>
-    <dgm:txFillClrLst/>
-    <dgm:txEffectClrLst/>
-  </dgm:styleLbl>
-  <dgm:styleLbl name="node3">
-    <dgm:fillClrLst meth="repeat">
-      <a:schemeClr val="accent1"/>
-    </dgm:fillClrLst>
-    <dgm:linClrLst meth="repeat">
-      <a:schemeClr val="lt1"/>
-    </dgm:linClrLst>
-    <dgm:effectClrLst/>
-    <dgm:txLinClrLst/>
-    <dgm:txFillClrLst/>
-    <dgm:txEffectClrLst/>
-  </dgm:styleLbl>
-  <dgm:styleLbl name="node4">
-    <dgm:fillClrLst meth="repeat">
-      <a:schemeClr val="accent1"/>
-    </dgm:fillClrLst>
-    <dgm:linClrLst meth="repeat">
-      <a:schemeClr val="lt1"/>
-    </dgm:linClrLst>
-    <dgm:effectClrLst/>
-    <dgm:txLinClrLst/>
-    <dgm:txFillClrLst/>
-    <dgm:txEffectClrLst/>
-  </dgm:styleLbl>
-  <dgm:styleLbl name="fgImgPlace1">
-    <dgm:fillClrLst meth="repeat">
-      <a:schemeClr val="accent1">
-        <a:tint val="50000"/>
-      </a:schemeClr>
-    </dgm:fillClrLst>
-    <dgm:linClrLst meth="repeat">
-      <a:schemeClr val="lt1"/>
-    </dgm:linClrLst>
-    <dgm:effectClrLst/>
-    <dgm:txLinClrLst/>
-    <dgm:txFillClrLst meth="repeat">
-      <a:schemeClr val="lt1"/>
-    </dgm:txFillClrLst>
-    <dgm:txEffectClrLst/>
-  </dgm:styleLbl>
-  <dgm:styleLbl name="alignImgPlace1">
-    <dgm:fillClrLst meth="repeat">
-      <a:schemeClr val="accent1">
-        <a:tint val="50000"/>
-      </a:schemeClr>
-    </dgm:fillClrLst>
-    <dgm:linClrLst meth="repeat">
-      <a:schemeClr val="lt1"/>
-    </dgm:linClrLst>
-    <dgm:effectClrLst/>
-    <dgm:txLinClrLst/>
-    <dgm:txFillClrLst meth="repeat">
-      <a:schemeClr val="lt1"/>
-    </dgm:txFillClrLst>
-    <dgm:txEffectClrLst/>
-  </dgm:styleLbl>
-  <dgm:styleLbl name="bgImgPlace1">
-    <dgm:fillClrLst meth="repeat">
-      <a:schemeClr val="accent1">
-        <a:tint val="50000"/>
-      </a:schemeClr>
-    </dgm:fillClrLst>
-    <dgm:linClrLst meth="repeat">
-      <a:schemeClr val="lt1"/>
-    </dgm:linClrLst>
-    <dgm:effectClrLst/>
-    <dgm:txLinClrLst/>
-    <dgm:txFillClrLst meth="repeat">
-      <a:schemeClr val="lt1"/>
-    </dgm:txFillClrLst>
-    <dgm:txEffectClrLst/>
-  </dgm:styleLbl>
-  <dgm:styleLbl name="sibTrans2D1">
-    <dgm:fillClrLst meth="repeat">
-      <a:schemeClr val="accent1">
-        <a:tint val="60000"/>
-      </a:schemeClr>
-    </dgm:fillClrLst>
-    <dgm:linClrLst meth="repeat">
-      <a:schemeClr val="accent1">
-        <a:tint val="60000"/>
-      </a:schemeClr>
-    </dgm:linClrLst>
-    <dgm:effectClrLst/>
-    <dgm:txLinClrLst/>
-    <dgm:txFillClrLst/>
-    <dgm:txEffectClrLst/>
-  </dgm:styleLbl>
-  <dgm:styleLbl name="fgSibTrans2D1">
-    <dgm:fillClrLst meth="repeat">
-      <a:schemeClr val="accent1">
-        <a:tint val="60000"/>
-      </a:schemeClr>
-    </dgm:fillClrLst>
-    <dgm:linClrLst meth="repeat">
-      <a:schemeClr val="accent1">
-        <a:tint val="60000"/>
-      </a:schemeClr>
-    </dgm:linClrLst>
-    <dgm:effectClrLst/>
-    <dgm:txLinClrLst/>
-    <dgm:txFillClrLst/>
-    <dgm:txEffectClrLst/>
-  </dgm:styleLbl>
-  <dgm:styleLbl name="bgSibTrans2D1">
-    <dgm:fillClrLst meth="repeat">
-      <a:schemeClr val="accent1">
-        <a:tint val="60000"/>
-      </a:schemeClr>
-    </dgm:fillClrLst>
-    <dgm:linClrLst meth="repeat">
-      <a:schemeClr val="accent1">
-        <a:tint val="60000"/>
-      </a:schemeClr>
-    </dgm:linClrLst>
-    <dgm:effectClrLst/>
-    <dgm:txLinClrLst/>
-    <dgm:txFillClrLst/>
-    <dgm:txEffectClrLst/>
-  </dgm:styleLbl>
-  <dgm:styleLbl name="sibTrans1D1">
-    <dgm:fillClrLst meth="repeat">
-      <a:schemeClr val="accent1"/>
-    </dgm:fillClrLst>
-    <dgm:linClrLst meth="repeat">
-      <a:schemeClr val="accent1"/>
-    </dgm:linClrLst>
-    <dgm:effectClrLst/>
-    <dgm:txLinClrLst/>
-    <dgm:txFillClrLst meth="repeat">
-      <a:schemeClr val="tx1"/>
-    </dgm:txFillClrLst>
-    <dgm:txEffectClrLst/>
-  </dgm:styleLbl>
-  <dgm:styleLbl name="callout">
-    <dgm:fillClrLst meth="repeat">
-      <a:schemeClr val="accent1"/>
-    </dgm:fillClrLst>
-    <dgm:linClrLst meth="repeat">
-      <a:schemeClr val="accent1">
-        <a:tint val="50000"/>
-      </a:schemeClr>
-    </dgm:linClrLst>
-    <dgm:effectClrLst/>
-    <dgm:txLinClrLst/>
-    <dgm:txFillClrLst meth="repeat">
-      <a:schemeClr val="tx1"/>
-    </dgm:txFillClrLst>
-    <dgm:txEffectClrLst/>
-  </dgm:styleLbl>
-  <dgm:styleLbl name="asst0">
-    <dgm:fillClrLst meth="repeat">
-      <a:schemeClr val="accent1"/>
-    </dgm:fillClrLst>
-    <dgm:linClrLst meth="repeat">
-      <a:schemeClr val="lt1"/>
-    </dgm:linClrLst>
-    <dgm:effectClrLst/>
-    <dgm:txLinClrLst/>
-    <dgm:txFillClrLst/>
-    <dgm:txEffectClrLst/>
-  </dgm:styleLbl>
-  <dgm:styleLbl name="asst1">
-    <dgm:fillClrLst meth="repeat">
-      <a:schemeClr val="accent1"/>
-    </dgm:fillClrLst>
-    <dgm:linClrLst meth="repeat">
-      <a:schemeClr val="lt1"/>
-    </dgm:linClrLst>
-    <dgm:effectClrLst/>
-    <dgm:txLinClrLst/>
-    <dgm:txFillClrLst/>
-    <dgm:txEffectClrLst/>
-  </dgm:styleLbl>
-  <dgm:styleLbl name="asst2">
-    <dgm:fillClrLst meth="repeat">
-      <a:schemeClr val="accent1"/>
-    </dgm:fillClrLst>
-    <dgm:linClrLst meth="repeat">
-      <a:schemeClr val="lt1"/>
-    </dgm:linClrLst>
-    <dgm:effectClrLst/>
-    <dgm:txLinClrLst/>
-    <dgm:txFillClrLst/>
-    <dgm:txEffectClrLst/>
-  </dgm:styleLbl>
-  <dgm:styleLbl name="asst3">
-    <dgm:fillClrLst meth="repeat">
-      <a:schemeClr val="accent1"/>
-    </dgm:fillClrLst>
-    <dgm:linClrLst meth="repeat">
-      <a:schemeClr val="lt1"/>
-    </dgm:linClrLst>
-    <dgm:effectClrLst/>
-    <dgm:txLinClrLst/>
-    <dgm:txFillClrLst/>
-    <dgm:txEffectClrLst/>
-  </dgm:styleLbl>
-  <dgm:styleLbl name="asst4">
-    <dgm:fillClrLst meth="repeat">
-      <a:schemeClr val="accent1"/>
-    </dgm:fillClrLst>
-    <dgm:linClrLst meth="repeat">
-      <a:schemeClr val="lt1"/>
-    </dgm:linClrLst>
-    <dgm:effectClrLst/>
-    <dgm:txLinClrLst/>
-    <dgm:txFillClrLst/>
-    <dgm:txEffectClrLst/>
-  </dgm:styleLbl>
-  <dgm:styleLbl name="parChTrans2D1">
-    <dgm:fillClrLst meth="repeat">
-      <a:schemeClr val="accent1">
-        <a:tint val="60000"/>
-      </a:schemeClr>
-    </dgm:fillClrLst>
-    <dgm:linClrLst meth="repeat">
-      <a:schemeClr val="accent1">
-        <a:tint val="60000"/>
-      </a:schemeClr>
-    </dgm:linClrLst>
-    <dgm:effectClrLst/>
-    <dgm:txLinClrLst/>
-    <dgm:txFillClrLst meth="repeat">
-      <a:schemeClr val="lt1"/>
-    </dgm:txFillClrLst>
-    <dgm:txEffectClrLst/>
-  </dgm:styleLbl>
-  <dgm:styleLbl name="parChTrans2D2">
-    <dgm:fillClrLst meth="repeat">
-      <a:schemeClr val="accent1"/>
-    </dgm:fillClrLst>
-    <dgm:linClrLst meth="repeat">
-      <a:schemeClr val="accent1"/>
-    </dgm:linClrLst>
-    <dgm:effectClrLst/>
-    <dgm:txLinClrLst/>
-    <dgm:txFillClrLst meth="repeat">
-      <a:schemeClr val="lt1"/>
-    </dgm:txFillClrLst>
-    <dgm:txEffectClrLst/>
-  </dgm:styleLbl>
-  <dgm:styleLbl name="parChTrans2D3">
-    <dgm:fillClrLst meth="repeat">
-      <a:schemeClr val="accent1"/>
-    </dgm:fillClrLst>
-    <dgm:linClrLst meth="repeat">
-      <a:schemeClr val="accent1"/>
-    </dgm:linClrLst>
-    <dgm:effectClrLst/>
-    <dgm:txLinClrLst/>
-    <dgm:txFillClrLst meth="repeat">
-      <a:schemeClr val="lt1"/>
-    </dgm:txFillClrLst>
-    <dgm:txEffectClrLst/>
-  </dgm:styleLbl>
-  <dgm:styleLbl name="parChTrans2D4">
-    <dgm:fillClrLst meth="repeat">
-      <a:schemeClr val="accent1"/>
-    </dgm:fillClrLst>
-    <dgm:linClrLst meth="repeat">
-      <a:schemeClr val="accent1"/>
-    </dgm:linClrLst>
-    <dgm:effectClrLst/>
-    <dgm:txLinClrLst/>
-    <dgm:txFillClrLst meth="repeat">
-      <a:schemeClr val="lt1"/>
-    </dgm:txFillClrLst>
-    <dgm:txEffectClrLst/>
-  </dgm:styleLbl>
-  <dgm:styleLbl name="parChTrans1D1">
-    <dgm:fillClrLst meth="repeat">
-      <a:schemeClr val="accent1"/>
-    </dgm:fillClrLst>
-    <dgm:linClrLst meth="repeat">
-      <a:schemeClr val="accent1">
-        <a:shade val="60000"/>
-      </a:schemeClr>
-    </dgm:linClrLst>
-    <dgm:effectClrLst/>
-    <dgm:txLinClrLst/>
-    <dgm:txFillClrLst meth="repeat">
-      <a:schemeClr val="tx1"/>
-    </dgm:txFillClrLst>
-    <dgm:txEffectClrLst/>
-  </dgm:styleLbl>
-  <dgm:styleLbl name="parChTrans1D2">
-    <dgm:fillClrLst meth="repeat">
-      <a:schemeClr val="accent1"/>
-    </dgm:fillClrLst>
-    <dgm:linClrLst meth="repeat">
-      <a:schemeClr val="accent1">
-        <a:shade val="60000"/>
-      </a:schemeClr>
-    </dgm:linClrLst>
-    <dgm:effectClrLst/>
-    <dgm:txLinClrLst/>
-    <dgm:txFillClrLst meth="repeat">
-      <a:schemeClr val="tx1"/>
-    </dgm:txFillClrLst>
-    <dgm:txEffectClrLst/>
-  </dgm:styleLbl>
-  <dgm:styleLbl name="parChTrans1D3">
-    <dgm:fillClrLst meth="repeat">
-      <a:schemeClr val="accent1"/>
-    </dgm:fillClrLst>
-    <dgm:linClrLst meth="repeat">
-      <a:schemeClr val="accent1">
-        <a:shade val="80000"/>
-      </a:schemeClr>
-    </dgm:linClrLst>
-    <dgm:effectClrLst/>
-    <dgm:txLinClrLst/>
-    <dgm:txFillClrLst meth="repeat">
-      <a:schemeClr val="tx1"/>
-    </dgm:txFillClrLst>
-    <dgm:txEffectClrLst/>
-  </dgm:styleLbl>
-  <dgm:styleLbl name="parChTrans1D4">
-    <dgm:fillClrLst meth="repeat">
-      <a:schemeClr val="accent1"/>
-    </dgm:fillClrLst>
-    <dgm:linClrLst meth="repeat">
-      <a:schemeClr val="accent1">
-        <a:shade val="80000"/>
-      </a:schemeClr>
-    </dgm:linClrLst>
-    <dgm:effectClrLst/>
-    <dgm:txLinClrLst/>
-    <dgm:txFillClrLst meth="repeat">
-      <a:schemeClr val="tx1"/>
-    </dgm:txFillClrLst>
-    <dgm:txEffectClrLst/>
-  </dgm:styleLbl>
-  <dgm:styleLbl name="fgAcc1">
-    <dgm:fillClrLst meth="repeat">
-      <a:schemeClr val="lt1">
-        <a:alpha val="90000"/>
-      </a:schemeClr>
-    </dgm:fillClrLst>
-    <dgm:linClrLst meth="repeat">
-      <a:schemeClr val="accent1"/>
-    </dgm:linClrLst>
-    <dgm:effectClrLst/>
-    <dgm:txLinClrLst/>
-    <dgm:txFillClrLst meth="repeat">
-      <a:schemeClr val="dk1"/>
-    </dgm:txFillClrLst>
-    <dgm:txEffectClrLst/>
-  </dgm:styleLbl>
-  <dgm:styleLbl name="conFgAcc1">
-    <dgm:fillClrLst meth="repeat">
-      <a:schemeClr val="lt1">
-        <a:alpha val="90000"/>
-      </a:schemeClr>
-    </dgm:fillClrLst>
-    <dgm:linClrLst meth="repeat">
-      <a:schemeClr val="accent1"/>
-    </dgm:linClrLst>
-    <dgm:effectClrLst/>
-    <dgm:txLinClrLst/>
-    <dgm:txFillClrLst meth="repeat">
-      <a:schemeClr val="dk1"/>
-    </dgm:txFillClrLst>
-    <dgm:txEffectClrLst/>
-  </dgm:styleLbl>
-  <dgm:styleLbl name="alignAcc1">
-    <dgm:fillClrLst meth="repeat">
-      <a:schemeClr val="lt1">
-        <a:alpha val="90000"/>
-      </a:schemeClr>
-    </dgm:fillClrLst>
-    <dgm:linClrLst meth="repeat">
-      <a:schemeClr val="accent1"/>
-    </dgm:linClrLst>
-    <dgm:effectClrLst/>
-    <dgm:txLinClrLst/>
-    <dgm:txFillClrLst meth="repeat">
-      <a:schemeClr val="dk1"/>
-    </dgm:txFillClrLst>
-    <dgm:txEffectClrLst/>
-  </dgm:styleLbl>
-  <dgm:styleLbl name="trAlignAcc1">
-    <dgm:fillClrLst meth="repeat">
-      <a:schemeClr val="lt1">
-        <a:alpha val="40000"/>
-      </a:schemeClr>
-    </dgm:fillClrLst>
-    <dgm:linClrLst meth="repeat">
-      <a:schemeClr val="accent1"/>
-    </dgm:linClrLst>
-    <dgm:effectClrLst/>
-    <dgm:txLinClrLst/>
-    <dgm:txFillClrLst meth="repeat">
-      <a:schemeClr val="dk1"/>
-    </dgm:txFillClrLst>
-    <dgm:txEffectClrLst/>
-  </dgm:styleLbl>
-  <dgm:styleLbl name="bgAcc1">
-    <dgm:fillClrLst meth="repeat">
-      <a:schemeClr val="lt1">
-        <a:alpha val="90000"/>
-      </a:schemeClr>
-    </dgm:fillClrLst>
-    <dgm:linClrLst meth="repeat">
-      <a:schemeClr val="accent1"/>
-    </dgm:linClrLst>
-    <dgm:effectClrLst/>
-    <dgm:txLinClrLst/>
-    <dgm:txFillClrLst meth="repeat">
-      <a:schemeClr val="dk1"/>
-    </dgm:txFillClrLst>
-    <dgm:txEffectClrLst/>
-  </dgm:styleLbl>
-  <dgm:styleLbl name="solidFgAcc1">
-    <dgm:fillClrLst meth="repeat">
-      <a:schemeClr val="lt1"/>
-    </dgm:fillClrLst>
-    <dgm:linClrLst meth="repeat">
-      <a:schemeClr val="accent1"/>
-    </dgm:linClrLst>
-    <dgm:effectClrLst/>
-    <dgm:txLinClrLst/>
-    <dgm:txFillClrLst meth="repeat">
-      <a:schemeClr val="dk1"/>
-    </dgm:txFillClrLst>
-    <dgm:txEffectClrLst/>
-  </dgm:styleLbl>
-  <dgm:styleLbl name="solidAlignAcc1">
-    <dgm:fillClrLst meth="repeat">
-      <a:schemeClr val="lt1"/>
-    </dgm:fillClrLst>
-    <dgm:linClrLst meth="repeat">
-      <a:schemeClr val="accent1"/>
-    </dgm:linClrLst>
-    <dgm:effectClrLst/>
-    <dgm:txLinClrLst/>
-    <dgm:txFillClrLst meth="repeat">
-      <a:schemeClr val="dk1"/>
-    </dgm:txFillClrLst>
-    <dgm:txEffectClrLst/>
-  </dgm:styleLbl>
-  <dgm:styleLbl name="solidBgAcc1">
-    <dgm:fillClrLst meth="repeat">
-      <a:schemeClr val="lt1"/>
-    </dgm:fillClrLst>
-    <dgm:linClrLst meth="repeat">
-      <a:schemeClr val="accent1"/>
-    </dgm:linClrLst>
-    <dgm:effectClrLst/>
-    <dgm:txLinClrLst/>
-    <dgm:txFillClrLst meth="repeat">
-      <a:schemeClr val="dk1"/>
-    </dgm:txFillClrLst>
-    <dgm:txEffectClrLst/>
-  </dgm:styleLbl>
-  <dgm:styleLbl name="fgAccFollowNode1">
-    <dgm:fillClrLst meth="repeat">
-      <a:schemeClr val="accent1">
-        <a:alpha val="90000"/>
-        <a:tint val="40000"/>
-      </a:schemeClr>
-    </dgm:fillClrLst>
-    <dgm:linClrLst meth="repeat">
-      <a:schemeClr val="accent1">
-        <a:alpha val="90000"/>
-        <a:tint val="40000"/>
-      </a:schemeClr>
-    </dgm:linClrLst>
-    <dgm:effectClrLst/>
-    <dgm:txLinClrLst/>
-    <dgm:txFillClrLst meth="repeat">
-      <a:schemeClr val="dk1"/>
-    </dgm:txFillClrLst>
-    <dgm:txEffectClrLst/>
-  </dgm:styleLbl>
-  <dgm:styleLbl name="alignAccFollowNode1">
-    <dgm:fillClrLst meth="repeat">
-      <a:schemeClr val="accent1">
-        <a:alpha val="90000"/>
-        <a:tint val="40000"/>
-      </a:schemeClr>
-    </dgm:fillClrLst>
-    <dgm:linClrLst meth="repeat">
-      <a:schemeClr val="accent1">
-        <a:alpha val="90000"/>
-        <a:tint val="40000"/>
-      </a:schemeClr>
-    </dgm:linClrLst>
-    <dgm:effectClrLst/>
-    <dgm:txLinClrLst/>
-    <dgm:txFillClrLst meth="repeat">
-      <a:schemeClr val="dk1"/>
-    </dgm:txFillClrLst>
-    <dgm:txEffectClrLst/>
-  </dgm:styleLbl>
-  <dgm:styleLbl name="bgAccFollowNode1">
-    <dgm:fillClrLst meth="repeat">
-      <a:schemeClr val="accent1">
-        <a:alpha val="90000"/>
-        <a:tint val="40000"/>
-      </a:schemeClr>
-    </dgm:fillClrLst>
-    <dgm:linClrLst meth="repeat">
-      <a:schemeClr val="accent1">
-        <a:alpha val="90000"/>
-        <a:tint val="40000"/>
-      </a:schemeClr>
-    </dgm:linClrLst>
-    <dgm:effectClrLst/>
-    <dgm:txLinClrLst/>
-    <dgm:txFillClrLst meth="repeat">
-      <a:schemeClr val="dk1"/>
-    </dgm:txFillClrLst>
-    <dgm:txEffectClrLst/>
-  </dgm:styleLbl>
-  <dgm:styleLbl name="fgAcc0">
-    <dgm:fillClrLst meth="repeat">
-      <a:schemeClr val="lt1">
-        <a:alpha val="90000"/>
-      </a:schemeClr>
-    </dgm:fillClrLst>
-    <dgm:linClrLst meth="repeat">
-      <a:schemeClr val="accent1"/>
-    </dgm:linClrLst>
-    <dgm:effectClrLst/>
-    <dgm:txLinClrLst/>
-    <dgm:txFillClrLst meth="repeat">
-      <a:schemeClr val="dk1"/>
-    </dgm:txFillClrLst>
-    <dgm:txEffectClrLst/>
-  </dgm:styleLbl>
-  <dgm:styleLbl name="fgAcc2">
-    <dgm:fillClrLst meth="repeat">
-      <a:schemeClr val="lt1">
-        <a:alpha val="90000"/>
-      </a:schemeClr>
-    </dgm:fillClrLst>
-    <dgm:linClrLst meth="repeat">
-      <a:schemeClr val="accent1"/>
-    </dgm:linClrLst>
-    <dgm:effectClrLst/>
-    <dgm:txLinClrLst/>
-    <dgm:txFillClrLst meth="repeat">
-      <a:schemeClr val="dk1"/>
-    </dgm:txFillClrLst>
-    <dgm:txEffectClrLst/>
-  </dgm:styleLbl>
-  <dgm:styleLbl name="fgAcc3">
-    <dgm:fillClrLst meth="repeat">
-      <a:schemeClr val="lt1">
-        <a:alpha val="90000"/>
-      </a:schemeClr>
-    </dgm:fillClrLst>
-    <dgm:linClrLst meth="repeat">
-      <a:schemeClr val="accent1"/>
-    </dgm:linClrLst>
-    <dgm:effectClrLst/>
-    <dgm:txLinClrLst/>
-    <dgm:txFillClrLst meth="repeat">
-      <a:schemeClr val="dk1"/>
-    </dgm:txFillClrLst>
-    <dgm:txEffectClrLst/>
-  </dgm:styleLbl>
-  <dgm:styleLbl name="fgAcc4">
-    <dgm:fillClrLst meth="repeat">
-      <a:schemeClr val="lt1">
-        <a:alpha val="90000"/>
-      </a:schemeClr>
-    </dgm:fillClrLst>
-    <dgm:linClrLst meth="repeat">
-      <a:schemeClr val="accent1"/>
-    </dgm:linClrLst>
-    <dgm:effectClrLst/>
-    <dgm:txLinClrLst/>
-    <dgm:txFillClrLst meth="repeat">
-      <a:schemeClr val="dk1"/>
-    </dgm:txFillClrLst>
-    <dgm:txEffectClrLst/>
-  </dgm:styleLbl>
-  <dgm:styleLbl name="bgShp">
-    <dgm:fillClrLst meth="repeat">
-      <a:schemeClr val="accent1">
-        <a:tint val="40000"/>
-      </a:schemeClr>
-    </dgm:fillClrLst>
-    <dgm:linClrLst meth="repeat">
-      <a:schemeClr val="accent1"/>
-    </dgm:linClrLst>
-    <dgm:effectClrLst/>
-    <dgm:txLinClrLst/>
-    <dgm:txFillClrLst meth="repeat">
-      <a:schemeClr val="dk1"/>
-    </dgm:txFillClrLst>
-    <dgm:txEffectClrLst/>
-  </dgm:styleLbl>
-  <dgm:styleLbl name="dkBgShp">
-    <dgm:fillClrLst meth="repeat">
-      <a:schemeClr val="accent1">
-        <a:shade val="80000"/>
-      </a:schemeClr>
-    </dgm:fillClrLst>
-    <dgm:linClrLst meth="repeat">
-      <a:schemeClr val="accent1"/>
-    </dgm:linClrLst>
-    <dgm:effectClrLst/>
-    <dgm:txLinClrLst/>
-    <dgm:txFillClrLst meth="repeat">
-      <a:schemeClr val="lt1"/>
-    </dgm:txFillClrLst>
-    <dgm:txEffectClrLst/>
-  </dgm:styleLbl>
-  <dgm:styleLbl name="trBgShp">
-    <dgm:fillClrLst meth="repeat">
-      <a:schemeClr val="accent1">
-        <a:tint val="50000"/>
-        <a:alpha val="40000"/>
-      </a:schemeClr>
-    </dgm:fillClrLst>
-    <dgm:linClrLst meth="repeat">
-      <a:schemeClr val="accent1"/>
-    </dgm:linClrLst>
-    <dgm:effectClrLst/>
-    <dgm:txLinClrLst/>
-    <dgm:txFillClrLst meth="repeat">
-      <a:schemeClr val="lt1"/>
-    </dgm:txFillClrLst>
-    <dgm:txEffectClrLst/>
-  </dgm:styleLbl>
-  <dgm:styleLbl name="fgShp">
-    <dgm:fillClrLst meth="repeat">
-      <a:schemeClr val="accent1">
-        <a:tint val="60000"/>
-      </a:schemeClr>
-    </dgm:fillClrLst>
-    <dgm:linClrLst meth="repeat">
-      <a:schemeClr val="lt1"/>
-    </dgm:linClrLst>
-    <dgm:effectClrLst/>
-    <dgm:txLinClrLst/>
-    <dgm:txFillClrLst meth="repeat">
-      <a:schemeClr val="dk1"/>
-    </dgm:txFillClrLst>
-    <dgm:txEffectClrLst/>
-  </dgm:styleLbl>
-  <dgm:styleLbl name="revTx">
-    <dgm:fillClrLst meth="repeat">
-      <a:schemeClr val="lt1">
-        <a:alpha val="0"/>
-      </a:schemeClr>
-    </dgm:fillClrLst>
-    <dgm:linClrLst meth="repeat">
-      <a:schemeClr val="dk1">
-        <a:alpha val="0"/>
-      </a:schemeClr>
-    </dgm:linClrLst>
-    <dgm:effectClrLst/>
-    <dgm:txLinClrLst/>
-    <dgm:txFillClrLst meth="repeat">
-      <a:schemeClr val="tx1"/>
-    </dgm:txFillClrLst>
-    <dgm:txEffectClrLst/>
-  </dgm:styleLbl>
-</dgm:colorsDef>
-</file>
-
-<file path=ppt/diagrams/data1.xml><?xml version="1.0" encoding="utf-8"?>
-<dgm:dataModel xmlns:dgm="http://schemas.openxmlformats.org/drawingml/2006/diagram" xmlns:a="http://schemas.openxmlformats.org/drawingml/2006/main">
-  <dgm:ptLst>
-    <dgm:pt modelId="{00C18FBF-3FF5-4C16-97CF-AF03740D7AB6}" type="doc">
-      <dgm:prSet loTypeId="urn:microsoft.com/office/officeart/2005/8/layout/hList9" loCatId="list" qsTypeId="urn:microsoft.com/office/officeart/2005/8/quickstyle/simple4" qsCatId="simple" csTypeId="urn:microsoft.com/office/officeart/2005/8/colors/accent1_2" csCatId="accent1" phldr="1"/>
-      <dgm:spPr/>
-      <dgm:t>
-        <a:bodyPr/>
-        <a:lstStyle/>
-        <a:p>
-          <a:endParaRPr lang="en-US"/>
-        </a:p>
-      </dgm:t>
-    </dgm:pt>
-    <dgm:pt modelId="{B4F1B46E-22B2-4721-950C-8704487586DC}">
-      <dgm:prSet phldrT="[Text]"/>
-      <dgm:spPr/>
-      <dgm:t>
-        <a:bodyPr/>
-        <a:lstStyle/>
-        <a:p>
-          <a:r>
-            <a:rPr lang="en-US"/>
-            <a:t>Step 1 Title</a:t>
-          </a:r>
-          <a:endParaRPr lang="en-US" dirty="0"/>
-        </a:p>
-      </dgm:t>
-    </dgm:pt>
-    <dgm:pt modelId="{E8A66543-CC4D-4785-A93E-5B125E09F826}" type="parTrans" cxnId="{2C8317B2-2EBB-4589-86EA-C77B3B6E81AA}">
-      <dgm:prSet/>
-      <dgm:spPr/>
-      <dgm:t>
-        <a:bodyPr/>
-        <a:lstStyle/>
-        <a:p>
-          <a:endParaRPr lang="en-US"/>
-        </a:p>
-      </dgm:t>
-    </dgm:pt>
-    <dgm:pt modelId="{A7E2530A-34E2-4E9F-BC78-8920BA140C41}" type="sibTrans" cxnId="{2C8317B2-2EBB-4589-86EA-C77B3B6E81AA}">
-      <dgm:prSet/>
-      <dgm:spPr/>
-      <dgm:t>
-        <a:bodyPr/>
-        <a:lstStyle/>
-        <a:p>
-          <a:endParaRPr lang="en-US"/>
-        </a:p>
-      </dgm:t>
-    </dgm:pt>
-    <dgm:pt modelId="{9D72CDD3-5859-43DB-BD75-0C3C30E3DE62}">
-      <dgm:prSet phldrT="[Text]"/>
-      <dgm:spPr/>
-      <dgm:t>
-        <a:bodyPr/>
-        <a:lstStyle/>
-        <a:p>
-          <a:r>
-            <a:rPr lang="en-US" dirty="0"/>
-            <a:t>Task description</a:t>
-          </a:r>
-        </a:p>
-      </dgm:t>
-    </dgm:pt>
-    <dgm:pt modelId="{1D5B1F83-33A7-4298-BC11-2B1252AFAEA5}" type="parTrans" cxnId="{DDB5AD9A-40B0-48EF-AF2C-8CCDA330F7FE}">
-      <dgm:prSet/>
-      <dgm:spPr/>
-      <dgm:t>
-        <a:bodyPr/>
-        <a:lstStyle/>
-        <a:p>
-          <a:endParaRPr lang="en-US"/>
-        </a:p>
-      </dgm:t>
-    </dgm:pt>
-    <dgm:pt modelId="{15E25BD4-1EBF-43C2-8885-DBF66B8429E1}" type="sibTrans" cxnId="{DDB5AD9A-40B0-48EF-AF2C-8CCDA330F7FE}">
-      <dgm:prSet/>
-      <dgm:spPr/>
-      <dgm:t>
-        <a:bodyPr/>
-        <a:lstStyle/>
-        <a:p>
-          <a:endParaRPr lang="en-US"/>
-        </a:p>
-      </dgm:t>
-    </dgm:pt>
-    <dgm:pt modelId="{F9D46839-CD06-4669-AAE4-4D1E9AFEDA78}">
-      <dgm:prSet phldrT="[Text]"/>
-      <dgm:spPr/>
-      <dgm:t>
-        <a:bodyPr/>
-        <a:lstStyle/>
-        <a:p>
-          <a:r>
-            <a:rPr lang="en-US" dirty="0"/>
-            <a:t>Task description</a:t>
-          </a:r>
-        </a:p>
-      </dgm:t>
-    </dgm:pt>
-    <dgm:pt modelId="{B6B535D8-00AB-4FA1-AAEC-92498ABC6F4C}" type="parTrans" cxnId="{AD25A8A0-4628-40E2-8C9E-64E6AD4D4D91}">
-      <dgm:prSet/>
-      <dgm:spPr/>
-      <dgm:t>
-        <a:bodyPr/>
-        <a:lstStyle/>
-        <a:p>
-          <a:endParaRPr lang="en-US"/>
-        </a:p>
-      </dgm:t>
-    </dgm:pt>
-    <dgm:pt modelId="{6497F199-DC2A-41F9-A449-D395E6BC4900}" type="sibTrans" cxnId="{AD25A8A0-4628-40E2-8C9E-64E6AD4D4D91}">
-      <dgm:prSet/>
-      <dgm:spPr/>
-      <dgm:t>
-        <a:bodyPr/>
-        <a:lstStyle/>
-        <a:p>
-          <a:endParaRPr lang="en-US"/>
-        </a:p>
-      </dgm:t>
-    </dgm:pt>
-    <dgm:pt modelId="{7CB6360B-4022-4E96-922B-A12DE0E2A39F}">
-      <dgm:prSet phldrT="[Text]"/>
-      <dgm:spPr/>
-      <dgm:t>
-        <a:bodyPr/>
-        <a:lstStyle/>
-        <a:p>
-          <a:r>
-            <a:rPr lang="en-US" dirty="0"/>
-            <a:t>Task description</a:t>
-          </a:r>
-        </a:p>
-      </dgm:t>
-    </dgm:pt>
-    <dgm:pt modelId="{44B2858F-607B-47DF-B44B-EA7D73FDC9F2}" type="parTrans" cxnId="{CD5EFFB3-C9FD-4DAC-8D97-0C2FB02B380B}">
-      <dgm:prSet/>
-      <dgm:spPr/>
-      <dgm:t>
-        <a:bodyPr/>
-        <a:lstStyle/>
-        <a:p>
-          <a:endParaRPr lang="en-US"/>
-        </a:p>
-      </dgm:t>
-    </dgm:pt>
-    <dgm:pt modelId="{B35ED9D1-2A17-4034-8D08-4945CA54F6C9}" type="sibTrans" cxnId="{CD5EFFB3-C9FD-4DAC-8D97-0C2FB02B380B}">
-      <dgm:prSet/>
-      <dgm:spPr/>
-      <dgm:t>
-        <a:bodyPr/>
-        <a:lstStyle/>
-        <a:p>
-          <a:endParaRPr lang="en-US"/>
-        </a:p>
-      </dgm:t>
-    </dgm:pt>
-    <dgm:pt modelId="{70879558-61CA-4CCD-B2D6-5349B01EF337}">
-      <dgm:prSet phldrT="[Text]"/>
-      <dgm:spPr/>
-      <dgm:t>
-        <a:bodyPr/>
-        <a:lstStyle/>
-        <a:p>
-          <a:r>
-            <a:rPr lang="en-US" dirty="0"/>
-            <a:t>Task description</a:t>
-          </a:r>
-        </a:p>
-      </dgm:t>
-    </dgm:pt>
-    <dgm:pt modelId="{95F5E6EE-4E8D-49F8-8C9E-8BBFD01B6A0E}" type="parTrans" cxnId="{8FAB4659-6291-457D-941A-93BCD304031A}">
-      <dgm:prSet/>
-      <dgm:spPr/>
-      <dgm:t>
-        <a:bodyPr/>
-        <a:lstStyle/>
-        <a:p>
-          <a:endParaRPr lang="en-US"/>
-        </a:p>
-      </dgm:t>
-    </dgm:pt>
-    <dgm:pt modelId="{053E317B-DD3F-4AFF-90D1-A55D37D325DC}" type="sibTrans" cxnId="{8FAB4659-6291-457D-941A-93BCD304031A}">
-      <dgm:prSet/>
-      <dgm:spPr/>
-      <dgm:t>
-        <a:bodyPr/>
-        <a:lstStyle/>
-        <a:p>
-          <a:endParaRPr lang="en-US"/>
-        </a:p>
-      </dgm:t>
-    </dgm:pt>
-    <dgm:pt modelId="{F2881FB1-6580-4F21-A283-BFAA6F91D5D2}">
-      <dgm:prSet phldrT="[Text]"/>
-      <dgm:spPr/>
-      <dgm:t>
-        <a:bodyPr/>
-        <a:lstStyle/>
-        <a:p>
-          <a:r>
-            <a:rPr lang="en-US" dirty="0"/>
-            <a:t>Step 2 Title</a:t>
-          </a:r>
-        </a:p>
-      </dgm:t>
-    </dgm:pt>
-    <dgm:pt modelId="{2D960FDD-BADA-480D-9043-497C56588AD3}" type="parTrans" cxnId="{4A31D641-1B5D-46D3-B685-0C4DC6EFE71B}">
-      <dgm:prSet/>
-      <dgm:spPr/>
-      <dgm:t>
-        <a:bodyPr/>
-        <a:lstStyle/>
-        <a:p>
-          <a:endParaRPr lang="en-US"/>
-        </a:p>
-      </dgm:t>
-    </dgm:pt>
-    <dgm:pt modelId="{A5ABDC17-7AB5-4F0E-992A-F9343F5D74EB}" type="sibTrans" cxnId="{4A31D641-1B5D-46D3-B685-0C4DC6EFE71B}">
-      <dgm:prSet/>
-      <dgm:spPr/>
-      <dgm:t>
-        <a:bodyPr/>
-        <a:lstStyle/>
-        <a:p>
-          <a:endParaRPr lang="en-US"/>
-        </a:p>
-      </dgm:t>
-    </dgm:pt>
-    <dgm:pt modelId="{D5197DDB-D5D2-499F-B255-CF7BB5AE2B43}">
-      <dgm:prSet phldrT="[Text]"/>
-      <dgm:spPr/>
-      <dgm:t>
-        <a:bodyPr/>
-        <a:lstStyle/>
-        <a:p>
-          <a:r>
-            <a:rPr lang="en-US" dirty="0"/>
-            <a:t>Task description</a:t>
-          </a:r>
-        </a:p>
-      </dgm:t>
-    </dgm:pt>
-    <dgm:pt modelId="{B14A4DC9-F40A-4867-ADB8-4BA8A1F83766}" type="parTrans" cxnId="{3204ED53-15A0-4643-A582-021A785F1BA2}">
-      <dgm:prSet/>
-      <dgm:spPr/>
-      <dgm:t>
-        <a:bodyPr/>
-        <a:lstStyle/>
-        <a:p>
-          <a:endParaRPr lang="en-US"/>
-        </a:p>
-      </dgm:t>
-    </dgm:pt>
-    <dgm:pt modelId="{29F2454A-2FA8-4B3A-AC63-4A0B9FD04A75}" type="sibTrans" cxnId="{3204ED53-15A0-4643-A582-021A785F1BA2}">
-      <dgm:prSet/>
-      <dgm:spPr/>
-      <dgm:t>
-        <a:bodyPr/>
-        <a:lstStyle/>
-        <a:p>
-          <a:endParaRPr lang="en-US"/>
-        </a:p>
-      </dgm:t>
-    </dgm:pt>
-    <dgm:pt modelId="{29E78340-8EBE-415C-B973-78A91A054B9C}">
-      <dgm:prSet phldrT="[Text]"/>
-      <dgm:spPr/>
-      <dgm:t>
-        <a:bodyPr/>
-        <a:lstStyle/>
-        <a:p>
-          <a:r>
-            <a:rPr lang="en-US" dirty="0"/>
-            <a:t>Task description</a:t>
-          </a:r>
-        </a:p>
-      </dgm:t>
-    </dgm:pt>
-    <dgm:pt modelId="{FF4E5F97-6974-4E39-A85D-DCB2E100798E}" type="parTrans" cxnId="{311348D8-FDE3-4C22-99F5-3B98C5F51F0D}">
-      <dgm:prSet/>
-      <dgm:spPr/>
-      <dgm:t>
-        <a:bodyPr/>
-        <a:lstStyle/>
-        <a:p>
-          <a:endParaRPr lang="en-US"/>
-        </a:p>
-      </dgm:t>
-    </dgm:pt>
-    <dgm:pt modelId="{B4B9A51E-FA34-465E-B5B4-81CD76EB3FC2}" type="sibTrans" cxnId="{311348D8-FDE3-4C22-99F5-3B98C5F51F0D}">
-      <dgm:prSet/>
-      <dgm:spPr/>
-      <dgm:t>
-        <a:bodyPr/>
-        <a:lstStyle/>
-        <a:p>
-          <a:endParaRPr lang="en-US"/>
-        </a:p>
-      </dgm:t>
-    </dgm:pt>
-    <dgm:pt modelId="{8321AB85-EA8C-4958-B404-B4C118CB3C18}">
-      <dgm:prSet phldrT="[Text]"/>
-      <dgm:spPr/>
-      <dgm:t>
-        <a:bodyPr/>
-        <a:lstStyle/>
-        <a:p>
-          <a:r>
-            <a:rPr lang="en-US" dirty="0"/>
-            <a:t>Task description</a:t>
-          </a:r>
-        </a:p>
-      </dgm:t>
-    </dgm:pt>
-    <dgm:pt modelId="{24ABE8B3-7220-436D-9636-F7B4C0B99576}" type="parTrans" cxnId="{129AEA77-5D2A-49D4-956D-99009974B6C5}">
-      <dgm:prSet/>
-      <dgm:spPr/>
-      <dgm:t>
-        <a:bodyPr/>
-        <a:lstStyle/>
-        <a:p>
-          <a:endParaRPr lang="en-US"/>
-        </a:p>
-      </dgm:t>
-    </dgm:pt>
-    <dgm:pt modelId="{AA5F76CE-8FD4-4692-8BB1-EF84CF9D365E}" type="sibTrans" cxnId="{129AEA77-5D2A-49D4-956D-99009974B6C5}">
-      <dgm:prSet/>
-      <dgm:spPr/>
-      <dgm:t>
-        <a:bodyPr/>
-        <a:lstStyle/>
-        <a:p>
-          <a:endParaRPr lang="en-US"/>
-        </a:p>
-      </dgm:t>
-    </dgm:pt>
-    <dgm:pt modelId="{6352CA33-6755-44BE-808F-400DA4CF80A7}">
-      <dgm:prSet phldrT="[Text]"/>
-      <dgm:spPr/>
-      <dgm:t>
-        <a:bodyPr/>
-        <a:lstStyle/>
-        <a:p>
-          <a:r>
-            <a:rPr lang="en-US" dirty="0"/>
-            <a:t>Step 3 Title</a:t>
-          </a:r>
-        </a:p>
-      </dgm:t>
-    </dgm:pt>
-    <dgm:pt modelId="{AEB59203-63BA-4A96-BADC-40BAEBD9AA40}" type="parTrans" cxnId="{82BAE5DD-3A79-4870-9019-1254385E0650}">
-      <dgm:prSet/>
-      <dgm:spPr/>
-      <dgm:t>
-        <a:bodyPr/>
-        <a:lstStyle/>
-        <a:p>
-          <a:endParaRPr lang="en-US"/>
-        </a:p>
-      </dgm:t>
-    </dgm:pt>
-    <dgm:pt modelId="{AAB4CF73-4B9B-4AA0-9074-16C2D2AE00A1}" type="sibTrans" cxnId="{82BAE5DD-3A79-4870-9019-1254385E0650}">
-      <dgm:prSet/>
-      <dgm:spPr/>
-      <dgm:t>
-        <a:bodyPr/>
-        <a:lstStyle/>
-        <a:p>
-          <a:endParaRPr lang="en-US"/>
-        </a:p>
-      </dgm:t>
-    </dgm:pt>
-    <dgm:pt modelId="{9614A323-64B1-4077-A841-022051EC749A}">
-      <dgm:prSet phldrT="[Text]"/>
-      <dgm:spPr/>
-      <dgm:t>
-        <a:bodyPr/>
-        <a:lstStyle/>
-        <a:p>
-          <a:r>
-            <a:rPr lang="en-US" dirty="0"/>
-            <a:t>Task description</a:t>
-          </a:r>
-        </a:p>
-      </dgm:t>
-    </dgm:pt>
-    <dgm:pt modelId="{E5F6BCBD-B84E-4018-BE9E-BF57FF3B4B36}" type="parTrans" cxnId="{FC7BD086-74EA-4D6C-9657-E916D355F209}">
-      <dgm:prSet/>
-      <dgm:spPr/>
-      <dgm:t>
-        <a:bodyPr/>
-        <a:lstStyle/>
-        <a:p>
-          <a:endParaRPr lang="en-US"/>
-        </a:p>
-      </dgm:t>
-    </dgm:pt>
-    <dgm:pt modelId="{FEC2A79F-8857-403A-A738-E8CE75C965E2}" type="sibTrans" cxnId="{FC7BD086-74EA-4D6C-9657-E916D355F209}">
-      <dgm:prSet/>
-      <dgm:spPr/>
-      <dgm:t>
-        <a:bodyPr/>
-        <a:lstStyle/>
-        <a:p>
-          <a:endParaRPr lang="en-US"/>
-        </a:p>
-      </dgm:t>
-    </dgm:pt>
-    <dgm:pt modelId="{3D5CDB25-F8FA-444B-8D4A-1D29D0CBA282}">
-      <dgm:prSet phldrT="[Text]"/>
-      <dgm:spPr/>
-      <dgm:t>
-        <a:bodyPr/>
-        <a:lstStyle/>
-        <a:p>
-          <a:r>
-            <a:rPr lang="en-US" dirty="0"/>
-            <a:t>Task description</a:t>
-          </a:r>
-        </a:p>
-      </dgm:t>
-    </dgm:pt>
-    <dgm:pt modelId="{4C229933-AC16-44B7-98EC-4C0F07FABCB0}" type="parTrans" cxnId="{2E3C97E6-67D4-4948-B47A-1115C2B2979F}">
-      <dgm:prSet/>
-      <dgm:spPr/>
-      <dgm:t>
-        <a:bodyPr/>
-        <a:lstStyle/>
-        <a:p>
-          <a:endParaRPr lang="en-US"/>
-        </a:p>
-      </dgm:t>
-    </dgm:pt>
-    <dgm:pt modelId="{189DA4C5-2A22-4C71-A806-7B4AB57767CC}" type="sibTrans" cxnId="{2E3C97E6-67D4-4948-B47A-1115C2B2979F}">
-      <dgm:prSet/>
-      <dgm:spPr/>
-      <dgm:t>
-        <a:bodyPr/>
-        <a:lstStyle/>
-        <a:p>
-          <a:endParaRPr lang="en-US"/>
-        </a:p>
-      </dgm:t>
-    </dgm:pt>
-    <dgm:pt modelId="{7FCE83D9-631B-4420-BBFC-CA0AFA59F747}">
-      <dgm:prSet phldrT="[Text]"/>
-      <dgm:spPr/>
-      <dgm:t>
-        <a:bodyPr/>
-        <a:lstStyle/>
-        <a:p>
-          <a:r>
-            <a:rPr lang="en-US" dirty="0"/>
-            <a:t>Step 4 Title</a:t>
-          </a:r>
-        </a:p>
-      </dgm:t>
-    </dgm:pt>
-    <dgm:pt modelId="{C61EC981-13FA-4710-B079-D35692EEB764}" type="parTrans" cxnId="{E572418E-4340-4448-940D-253A2FA3B9B3}">
-      <dgm:prSet/>
-      <dgm:spPr/>
-      <dgm:t>
-        <a:bodyPr/>
-        <a:lstStyle/>
-        <a:p>
-          <a:endParaRPr lang="en-US"/>
-        </a:p>
-      </dgm:t>
-    </dgm:pt>
-    <dgm:pt modelId="{1B48A0DE-4031-4D45-86A1-94CDAF68824A}" type="sibTrans" cxnId="{E572418E-4340-4448-940D-253A2FA3B9B3}">
-      <dgm:prSet/>
-      <dgm:spPr/>
-      <dgm:t>
-        <a:bodyPr/>
-        <a:lstStyle/>
-        <a:p>
-          <a:endParaRPr lang="en-US"/>
-        </a:p>
-      </dgm:t>
-    </dgm:pt>
-    <dgm:pt modelId="{DB9FB862-4759-4D6A-84F3-01524B92723B}">
-      <dgm:prSet phldrT="[Text]"/>
-      <dgm:spPr/>
-      <dgm:t>
-        <a:bodyPr/>
-        <a:lstStyle/>
-        <a:p>
-          <a:r>
-            <a:rPr lang="en-US" dirty="0"/>
-            <a:t>Task description</a:t>
-          </a:r>
-        </a:p>
-      </dgm:t>
-    </dgm:pt>
-    <dgm:pt modelId="{CD1EE44C-3116-420B-89E3-1D797CB25D34}" type="parTrans" cxnId="{70CAB4FC-3D17-49C2-8A7B-F387031FCDCA}">
-      <dgm:prSet/>
-      <dgm:spPr/>
-      <dgm:t>
-        <a:bodyPr/>
-        <a:lstStyle/>
-        <a:p>
-          <a:endParaRPr lang="en-US"/>
-        </a:p>
-      </dgm:t>
-    </dgm:pt>
-    <dgm:pt modelId="{4BD4D4A5-043E-4ED5-A5CA-8D46DADC3150}" type="sibTrans" cxnId="{70CAB4FC-3D17-49C2-8A7B-F387031FCDCA}">
-      <dgm:prSet/>
-      <dgm:spPr/>
-      <dgm:t>
-        <a:bodyPr/>
-        <a:lstStyle/>
-        <a:p>
-          <a:endParaRPr lang="en-US"/>
-        </a:p>
-      </dgm:t>
-    </dgm:pt>
-    <dgm:pt modelId="{50451020-5E1A-4778-9E8D-169182A36191}">
-      <dgm:prSet phldrT="[Text]"/>
-      <dgm:spPr/>
-      <dgm:t>
-        <a:bodyPr/>
-        <a:lstStyle/>
-        <a:p>
-          <a:r>
-            <a:rPr lang="en-US" dirty="0"/>
-            <a:t>Task description</a:t>
-          </a:r>
-        </a:p>
-      </dgm:t>
-    </dgm:pt>
-    <dgm:pt modelId="{7DFC3849-4A12-49FB-B614-8AFD597CCB9E}" type="parTrans" cxnId="{0F86DBDB-3C4F-4C84-981B-7F4CA2A8EAF3}">
-      <dgm:prSet/>
-      <dgm:spPr/>
-      <dgm:t>
-        <a:bodyPr/>
-        <a:lstStyle/>
-        <a:p>
-          <a:endParaRPr lang="en-US"/>
-        </a:p>
-      </dgm:t>
-    </dgm:pt>
-    <dgm:pt modelId="{EEDE2474-4F18-4F59-8E58-6382D253E514}" type="sibTrans" cxnId="{0F86DBDB-3C4F-4C84-981B-7F4CA2A8EAF3}">
-      <dgm:prSet/>
-      <dgm:spPr/>
-      <dgm:t>
-        <a:bodyPr/>
-        <a:lstStyle/>
-        <a:p>
-          <a:endParaRPr lang="en-US"/>
-        </a:p>
-      </dgm:t>
-    </dgm:pt>
-    <dgm:pt modelId="{0DC7A063-583D-4B0F-88B2-BD54F95D95AF}" type="pres">
-      <dgm:prSet presAssocID="{00C18FBF-3FF5-4C16-97CF-AF03740D7AB6}" presName="list" presStyleCnt="0">
-        <dgm:presLayoutVars>
-          <dgm:dir/>
-          <dgm:animLvl val="lvl"/>
-        </dgm:presLayoutVars>
-      </dgm:prSet>
-      <dgm:spPr/>
-    </dgm:pt>
-    <dgm:pt modelId="{3B23570A-ECC9-4DF8-BCB4-0465C69CBB88}" type="pres">
-      <dgm:prSet presAssocID="{B4F1B46E-22B2-4721-950C-8704487586DC}" presName="posSpace" presStyleCnt="0"/>
-      <dgm:spPr/>
-    </dgm:pt>
-    <dgm:pt modelId="{FC66A233-6BBA-46AF-B2F6-28E379B158E2}" type="pres">
-      <dgm:prSet presAssocID="{B4F1B46E-22B2-4721-950C-8704487586DC}" presName="vertFlow" presStyleCnt="0"/>
-      <dgm:spPr/>
-    </dgm:pt>
-    <dgm:pt modelId="{46739A04-1AA3-49C6-8EA7-EB1DE975B900}" type="pres">
-      <dgm:prSet presAssocID="{B4F1B46E-22B2-4721-950C-8704487586DC}" presName="topSpace" presStyleCnt="0"/>
-      <dgm:spPr/>
-    </dgm:pt>
-    <dgm:pt modelId="{535C6EC9-8098-42C5-8527-E62FF045E4EB}" type="pres">
-      <dgm:prSet presAssocID="{B4F1B46E-22B2-4721-950C-8704487586DC}" presName="firstComp" presStyleCnt="0"/>
-      <dgm:spPr/>
-    </dgm:pt>
-    <dgm:pt modelId="{6B08AC4B-4CEC-41E5-AE19-47A4E2720563}" type="pres">
-      <dgm:prSet presAssocID="{B4F1B46E-22B2-4721-950C-8704487586DC}" presName="firstChild" presStyleLbl="bgAccFollowNode1" presStyleIdx="0" presStyleCnt="11"/>
-      <dgm:spPr/>
-    </dgm:pt>
-    <dgm:pt modelId="{187D4E8C-5C91-4D00-870C-2C45D4EA263C}" type="pres">
-      <dgm:prSet presAssocID="{B4F1B46E-22B2-4721-950C-8704487586DC}" presName="firstChildTx" presStyleLbl="bgAccFollowNode1" presStyleIdx="0" presStyleCnt="11">
-        <dgm:presLayoutVars>
-          <dgm:bulletEnabled val="1"/>
-        </dgm:presLayoutVars>
-      </dgm:prSet>
-      <dgm:spPr/>
-    </dgm:pt>
-    <dgm:pt modelId="{ADF61BBD-28F4-4815-BC7F-82CF00464E8B}" type="pres">
-      <dgm:prSet presAssocID="{F9D46839-CD06-4669-AAE4-4D1E9AFEDA78}" presName="comp" presStyleCnt="0"/>
-      <dgm:spPr/>
-    </dgm:pt>
-    <dgm:pt modelId="{59179C9B-8BA4-4AC7-ACB1-A12DE00142E2}" type="pres">
-      <dgm:prSet presAssocID="{F9D46839-CD06-4669-AAE4-4D1E9AFEDA78}" presName="child" presStyleLbl="bgAccFollowNode1" presStyleIdx="1" presStyleCnt="11"/>
-      <dgm:spPr/>
-    </dgm:pt>
-    <dgm:pt modelId="{4AE7D907-B6F4-4647-AB3F-ABE94C438AE8}" type="pres">
-      <dgm:prSet presAssocID="{F9D46839-CD06-4669-AAE4-4D1E9AFEDA78}" presName="childTx" presStyleLbl="bgAccFollowNode1" presStyleIdx="1" presStyleCnt="11">
-        <dgm:presLayoutVars>
-          <dgm:bulletEnabled val="1"/>
-        </dgm:presLayoutVars>
-      </dgm:prSet>
-      <dgm:spPr/>
-    </dgm:pt>
-    <dgm:pt modelId="{E50A9A83-9985-4184-A476-E3402BD8E76E}" type="pres">
-      <dgm:prSet presAssocID="{7CB6360B-4022-4E96-922B-A12DE0E2A39F}" presName="comp" presStyleCnt="0"/>
-      <dgm:spPr/>
-    </dgm:pt>
-    <dgm:pt modelId="{1877502C-A892-4DC0-ADA6-FA065097BB90}" type="pres">
-      <dgm:prSet presAssocID="{7CB6360B-4022-4E96-922B-A12DE0E2A39F}" presName="child" presStyleLbl="bgAccFollowNode1" presStyleIdx="2" presStyleCnt="11"/>
-      <dgm:spPr/>
-    </dgm:pt>
-    <dgm:pt modelId="{D685DD23-B321-4B5E-842F-394CB33239FA}" type="pres">
-      <dgm:prSet presAssocID="{7CB6360B-4022-4E96-922B-A12DE0E2A39F}" presName="childTx" presStyleLbl="bgAccFollowNode1" presStyleIdx="2" presStyleCnt="11">
-        <dgm:presLayoutVars>
-          <dgm:bulletEnabled val="1"/>
-        </dgm:presLayoutVars>
-      </dgm:prSet>
-      <dgm:spPr/>
-    </dgm:pt>
-    <dgm:pt modelId="{E5677DE7-299C-4C9C-A4BC-6335CC601D12}" type="pres">
-      <dgm:prSet presAssocID="{70879558-61CA-4CCD-B2D6-5349B01EF337}" presName="comp" presStyleCnt="0"/>
-      <dgm:spPr/>
-    </dgm:pt>
-    <dgm:pt modelId="{51F68A05-A560-4C6F-BC90-521AEF3B0907}" type="pres">
-      <dgm:prSet presAssocID="{70879558-61CA-4CCD-B2D6-5349B01EF337}" presName="child" presStyleLbl="bgAccFollowNode1" presStyleIdx="3" presStyleCnt="11"/>
-      <dgm:spPr/>
-    </dgm:pt>
-    <dgm:pt modelId="{3EBE42F0-6491-49CC-95DC-985BA00CD458}" type="pres">
-      <dgm:prSet presAssocID="{70879558-61CA-4CCD-B2D6-5349B01EF337}" presName="childTx" presStyleLbl="bgAccFollowNode1" presStyleIdx="3" presStyleCnt="11">
-        <dgm:presLayoutVars>
-          <dgm:bulletEnabled val="1"/>
-        </dgm:presLayoutVars>
-      </dgm:prSet>
-      <dgm:spPr/>
-    </dgm:pt>
-    <dgm:pt modelId="{3845DB9A-BEF3-4D5D-B9C7-5FC0456401AC}" type="pres">
-      <dgm:prSet presAssocID="{B4F1B46E-22B2-4721-950C-8704487586DC}" presName="negSpace" presStyleCnt="0"/>
-      <dgm:spPr/>
-    </dgm:pt>
-    <dgm:pt modelId="{FC7ED273-8CFD-43C2-9C05-44FADF3E0637}" type="pres">
-      <dgm:prSet presAssocID="{B4F1B46E-22B2-4721-950C-8704487586DC}" presName="circle" presStyleLbl="node1" presStyleIdx="0" presStyleCnt="4"/>
-      <dgm:spPr/>
-    </dgm:pt>
-    <dgm:pt modelId="{13C564B0-C27E-4ABA-AFDA-59E145B256BA}" type="pres">
-      <dgm:prSet presAssocID="{A7E2530A-34E2-4E9F-BC78-8920BA140C41}" presName="transSpace" presStyleCnt="0"/>
-      <dgm:spPr/>
-    </dgm:pt>
-    <dgm:pt modelId="{6300E233-87DF-4270-9808-160BFEB8A5BE}" type="pres">
-      <dgm:prSet presAssocID="{F2881FB1-6580-4F21-A283-BFAA6F91D5D2}" presName="posSpace" presStyleCnt="0"/>
-      <dgm:spPr/>
-    </dgm:pt>
-    <dgm:pt modelId="{6E53DEF7-499E-42EE-802D-59B2F8915392}" type="pres">
-      <dgm:prSet presAssocID="{F2881FB1-6580-4F21-A283-BFAA6F91D5D2}" presName="vertFlow" presStyleCnt="0"/>
-      <dgm:spPr/>
-    </dgm:pt>
-    <dgm:pt modelId="{E08C30D1-35EA-4D05-9731-5D01E3FCBD09}" type="pres">
-      <dgm:prSet presAssocID="{F2881FB1-6580-4F21-A283-BFAA6F91D5D2}" presName="topSpace" presStyleCnt="0"/>
-      <dgm:spPr/>
-    </dgm:pt>
-    <dgm:pt modelId="{2F3BD88A-9166-4A26-B941-B9BAEE1A11D5}" type="pres">
-      <dgm:prSet presAssocID="{F2881FB1-6580-4F21-A283-BFAA6F91D5D2}" presName="firstComp" presStyleCnt="0"/>
-      <dgm:spPr/>
-    </dgm:pt>
-    <dgm:pt modelId="{F660F4B9-35DB-4256-A868-A35C6DCCF6B2}" type="pres">
-      <dgm:prSet presAssocID="{F2881FB1-6580-4F21-A283-BFAA6F91D5D2}" presName="firstChild" presStyleLbl="bgAccFollowNode1" presStyleIdx="4" presStyleCnt="11"/>
-      <dgm:spPr/>
-    </dgm:pt>
-    <dgm:pt modelId="{10C9E3CF-3A8F-4100-8ACD-91E2373197A2}" type="pres">
-      <dgm:prSet presAssocID="{F2881FB1-6580-4F21-A283-BFAA6F91D5D2}" presName="firstChildTx" presStyleLbl="bgAccFollowNode1" presStyleIdx="4" presStyleCnt="11">
-        <dgm:presLayoutVars>
-          <dgm:bulletEnabled val="1"/>
-        </dgm:presLayoutVars>
-      </dgm:prSet>
-      <dgm:spPr/>
-    </dgm:pt>
-    <dgm:pt modelId="{60887C36-4733-46AC-A452-5444F6BC3B23}" type="pres">
-      <dgm:prSet presAssocID="{29E78340-8EBE-415C-B973-78A91A054B9C}" presName="comp" presStyleCnt="0"/>
-      <dgm:spPr/>
-    </dgm:pt>
-    <dgm:pt modelId="{614EBA0E-D12B-447E-B378-B0FA2DEBEA2F}" type="pres">
-      <dgm:prSet presAssocID="{29E78340-8EBE-415C-B973-78A91A054B9C}" presName="child" presStyleLbl="bgAccFollowNode1" presStyleIdx="5" presStyleCnt="11"/>
-      <dgm:spPr/>
-    </dgm:pt>
-    <dgm:pt modelId="{B12AEB83-0A64-4B36-BF01-B2F834861BAA}" type="pres">
-      <dgm:prSet presAssocID="{29E78340-8EBE-415C-B973-78A91A054B9C}" presName="childTx" presStyleLbl="bgAccFollowNode1" presStyleIdx="5" presStyleCnt="11">
-        <dgm:presLayoutVars>
-          <dgm:bulletEnabled val="1"/>
-        </dgm:presLayoutVars>
-      </dgm:prSet>
-      <dgm:spPr/>
-    </dgm:pt>
-    <dgm:pt modelId="{3055F178-D8CA-413A-99F2-20C8231C0651}" type="pres">
-      <dgm:prSet presAssocID="{8321AB85-EA8C-4958-B404-B4C118CB3C18}" presName="comp" presStyleCnt="0"/>
-      <dgm:spPr/>
-    </dgm:pt>
-    <dgm:pt modelId="{68509703-D239-4E1B-8CF0-EF08079E1226}" type="pres">
-      <dgm:prSet presAssocID="{8321AB85-EA8C-4958-B404-B4C118CB3C18}" presName="child" presStyleLbl="bgAccFollowNode1" presStyleIdx="6" presStyleCnt="11"/>
-      <dgm:spPr/>
-    </dgm:pt>
-    <dgm:pt modelId="{E1767793-EDD5-4203-A612-8120A71CA906}" type="pres">
-      <dgm:prSet presAssocID="{8321AB85-EA8C-4958-B404-B4C118CB3C18}" presName="childTx" presStyleLbl="bgAccFollowNode1" presStyleIdx="6" presStyleCnt="11">
-        <dgm:presLayoutVars>
-          <dgm:bulletEnabled val="1"/>
-        </dgm:presLayoutVars>
-      </dgm:prSet>
-      <dgm:spPr/>
-    </dgm:pt>
-    <dgm:pt modelId="{69136330-53DB-4978-A56B-160862279381}" type="pres">
-      <dgm:prSet presAssocID="{F2881FB1-6580-4F21-A283-BFAA6F91D5D2}" presName="negSpace" presStyleCnt="0"/>
-      <dgm:spPr/>
-    </dgm:pt>
-    <dgm:pt modelId="{FD776C1E-557E-4553-9447-49B69EEC7907}" type="pres">
-      <dgm:prSet presAssocID="{F2881FB1-6580-4F21-A283-BFAA6F91D5D2}" presName="circle" presStyleLbl="node1" presStyleIdx="1" presStyleCnt="4"/>
-      <dgm:spPr/>
-    </dgm:pt>
-    <dgm:pt modelId="{FC2522F1-14BB-4B37-B60E-2E8A7E8A6C30}" type="pres">
-      <dgm:prSet presAssocID="{A5ABDC17-7AB5-4F0E-992A-F9343F5D74EB}" presName="transSpace" presStyleCnt="0"/>
-      <dgm:spPr/>
-    </dgm:pt>
-    <dgm:pt modelId="{2C2F6211-85A7-47FE-9239-DE94DF41A263}" type="pres">
-      <dgm:prSet presAssocID="{6352CA33-6755-44BE-808F-400DA4CF80A7}" presName="posSpace" presStyleCnt="0"/>
-      <dgm:spPr/>
-    </dgm:pt>
-    <dgm:pt modelId="{7B0C2EAE-70CB-4160-863D-210C3C66D5FD}" type="pres">
-      <dgm:prSet presAssocID="{6352CA33-6755-44BE-808F-400DA4CF80A7}" presName="vertFlow" presStyleCnt="0"/>
-      <dgm:spPr/>
-    </dgm:pt>
-    <dgm:pt modelId="{5AF3752E-55A6-443C-AD35-C49DF50A4566}" type="pres">
-      <dgm:prSet presAssocID="{6352CA33-6755-44BE-808F-400DA4CF80A7}" presName="topSpace" presStyleCnt="0"/>
-      <dgm:spPr/>
-    </dgm:pt>
-    <dgm:pt modelId="{53567A66-F0E9-4EF8-ADA9-764BA36AA6A9}" type="pres">
-      <dgm:prSet presAssocID="{6352CA33-6755-44BE-808F-400DA4CF80A7}" presName="firstComp" presStyleCnt="0"/>
-      <dgm:spPr/>
-    </dgm:pt>
-    <dgm:pt modelId="{AD2806AC-6A03-4F05-9F4D-F72EA0E56FBF}" type="pres">
-      <dgm:prSet presAssocID="{6352CA33-6755-44BE-808F-400DA4CF80A7}" presName="firstChild" presStyleLbl="bgAccFollowNode1" presStyleIdx="7" presStyleCnt="11"/>
-      <dgm:spPr/>
-    </dgm:pt>
-    <dgm:pt modelId="{F8977219-728E-448F-AE8B-46B14F4F17DE}" type="pres">
-      <dgm:prSet presAssocID="{6352CA33-6755-44BE-808F-400DA4CF80A7}" presName="firstChildTx" presStyleLbl="bgAccFollowNode1" presStyleIdx="7" presStyleCnt="11">
-        <dgm:presLayoutVars>
-          <dgm:bulletEnabled val="1"/>
-        </dgm:presLayoutVars>
-      </dgm:prSet>
-      <dgm:spPr/>
-    </dgm:pt>
-    <dgm:pt modelId="{46A8623B-DC64-4ED6-B73D-98FEAB030508}" type="pres">
-      <dgm:prSet presAssocID="{3D5CDB25-F8FA-444B-8D4A-1D29D0CBA282}" presName="comp" presStyleCnt="0"/>
-      <dgm:spPr/>
-    </dgm:pt>
-    <dgm:pt modelId="{5314AADB-0AD3-4BAE-9F15-B0FE4F44C802}" type="pres">
-      <dgm:prSet presAssocID="{3D5CDB25-F8FA-444B-8D4A-1D29D0CBA282}" presName="child" presStyleLbl="bgAccFollowNode1" presStyleIdx="8" presStyleCnt="11"/>
-      <dgm:spPr/>
-    </dgm:pt>
-    <dgm:pt modelId="{96624143-7928-48E9-817F-BC4A07250C32}" type="pres">
-      <dgm:prSet presAssocID="{3D5CDB25-F8FA-444B-8D4A-1D29D0CBA282}" presName="childTx" presStyleLbl="bgAccFollowNode1" presStyleIdx="8" presStyleCnt="11">
-        <dgm:presLayoutVars>
-          <dgm:bulletEnabled val="1"/>
-        </dgm:presLayoutVars>
-      </dgm:prSet>
-      <dgm:spPr/>
-    </dgm:pt>
-    <dgm:pt modelId="{FBCC4E74-37C0-494F-ABC0-7D18132E1437}" type="pres">
-      <dgm:prSet presAssocID="{6352CA33-6755-44BE-808F-400DA4CF80A7}" presName="negSpace" presStyleCnt="0"/>
-      <dgm:spPr/>
-    </dgm:pt>
-    <dgm:pt modelId="{89E6DA6E-7A23-44BD-8A99-378091FF741D}" type="pres">
-      <dgm:prSet presAssocID="{6352CA33-6755-44BE-808F-400DA4CF80A7}" presName="circle" presStyleLbl="node1" presStyleIdx="2" presStyleCnt="4"/>
-      <dgm:spPr/>
-    </dgm:pt>
-    <dgm:pt modelId="{E966790E-26B5-4EB8-981F-1094BF4B7611}" type="pres">
-      <dgm:prSet presAssocID="{AAB4CF73-4B9B-4AA0-9074-16C2D2AE00A1}" presName="transSpace" presStyleCnt="0"/>
-      <dgm:spPr/>
-    </dgm:pt>
-    <dgm:pt modelId="{229B7655-E1F4-4CF5-84B8-30F0491D32B5}" type="pres">
-      <dgm:prSet presAssocID="{7FCE83D9-631B-4420-BBFC-CA0AFA59F747}" presName="posSpace" presStyleCnt="0"/>
-      <dgm:spPr/>
-    </dgm:pt>
-    <dgm:pt modelId="{F85FFCDF-8E5F-492B-B22D-55A08EACE783}" type="pres">
-      <dgm:prSet presAssocID="{7FCE83D9-631B-4420-BBFC-CA0AFA59F747}" presName="vertFlow" presStyleCnt="0"/>
-      <dgm:spPr/>
-    </dgm:pt>
-    <dgm:pt modelId="{600B3FB2-1315-4A84-8613-B445666BC7D2}" type="pres">
-      <dgm:prSet presAssocID="{7FCE83D9-631B-4420-BBFC-CA0AFA59F747}" presName="topSpace" presStyleCnt="0"/>
-      <dgm:spPr/>
-    </dgm:pt>
-    <dgm:pt modelId="{E47C73E9-FBEE-4370-9B3F-E04EB7C4023A}" type="pres">
-      <dgm:prSet presAssocID="{7FCE83D9-631B-4420-BBFC-CA0AFA59F747}" presName="firstComp" presStyleCnt="0"/>
-      <dgm:spPr/>
-    </dgm:pt>
-    <dgm:pt modelId="{402C2C77-A32C-4D99-9940-12535E1181F2}" type="pres">
-      <dgm:prSet presAssocID="{7FCE83D9-631B-4420-BBFC-CA0AFA59F747}" presName="firstChild" presStyleLbl="bgAccFollowNode1" presStyleIdx="9" presStyleCnt="11"/>
-      <dgm:spPr/>
-    </dgm:pt>
-    <dgm:pt modelId="{5B88A17E-EFF5-4A04-9CC9-D2131DA9ECCC}" type="pres">
-      <dgm:prSet presAssocID="{7FCE83D9-631B-4420-BBFC-CA0AFA59F747}" presName="firstChildTx" presStyleLbl="bgAccFollowNode1" presStyleIdx="9" presStyleCnt="11">
-        <dgm:presLayoutVars>
-          <dgm:bulletEnabled val="1"/>
-        </dgm:presLayoutVars>
-      </dgm:prSet>
-      <dgm:spPr/>
-    </dgm:pt>
-    <dgm:pt modelId="{F3C2D87B-A5E7-46E2-B3D3-58E6D9562663}" type="pres">
-      <dgm:prSet presAssocID="{50451020-5E1A-4778-9E8D-169182A36191}" presName="comp" presStyleCnt="0"/>
-      <dgm:spPr/>
-    </dgm:pt>
-    <dgm:pt modelId="{3086D0BF-AAD1-4310-88ED-4D81A687BD50}" type="pres">
-      <dgm:prSet presAssocID="{50451020-5E1A-4778-9E8D-169182A36191}" presName="child" presStyleLbl="bgAccFollowNode1" presStyleIdx="10" presStyleCnt="11"/>
-      <dgm:spPr/>
-    </dgm:pt>
-    <dgm:pt modelId="{2B18CCD9-D6B1-4225-8D26-4BA691BB1837}" type="pres">
-      <dgm:prSet presAssocID="{50451020-5E1A-4778-9E8D-169182A36191}" presName="childTx" presStyleLbl="bgAccFollowNode1" presStyleIdx="10" presStyleCnt="11">
-        <dgm:presLayoutVars>
-          <dgm:bulletEnabled val="1"/>
-        </dgm:presLayoutVars>
-      </dgm:prSet>
-      <dgm:spPr/>
-    </dgm:pt>
-    <dgm:pt modelId="{9051EF7D-7D6C-4B43-A6C4-239F9933C94D}" type="pres">
-      <dgm:prSet presAssocID="{7FCE83D9-631B-4420-BBFC-CA0AFA59F747}" presName="negSpace" presStyleCnt="0"/>
-      <dgm:spPr/>
-    </dgm:pt>
-    <dgm:pt modelId="{7453D9C8-CD6E-4AA4-8A19-7F6F667528F0}" type="pres">
-      <dgm:prSet presAssocID="{7FCE83D9-631B-4420-BBFC-CA0AFA59F747}" presName="circle" presStyleLbl="node1" presStyleIdx="3" presStyleCnt="4"/>
-      <dgm:spPr/>
-    </dgm:pt>
-  </dgm:ptLst>
-  <dgm:cxnLst>
-    <dgm:cxn modelId="{0E640A01-5254-426D-9300-3ED2F4E3FC75}" type="presOf" srcId="{29E78340-8EBE-415C-B973-78A91A054B9C}" destId="{614EBA0E-D12B-447E-B378-B0FA2DEBEA2F}" srcOrd="0" destOrd="0" presId="urn:microsoft.com/office/officeart/2005/8/layout/hList9"/>
-    <dgm:cxn modelId="{91E5380B-556D-40F8-ABFD-10D81CAF19AA}" type="presOf" srcId="{7CB6360B-4022-4E96-922B-A12DE0E2A39F}" destId="{D685DD23-B321-4B5E-842F-394CB33239FA}" srcOrd="1" destOrd="0" presId="urn:microsoft.com/office/officeart/2005/8/layout/hList9"/>
-    <dgm:cxn modelId="{20AF3F0D-FCCC-4AE8-8B10-DDA56D69A389}" type="presOf" srcId="{6352CA33-6755-44BE-808F-400DA4CF80A7}" destId="{89E6DA6E-7A23-44BD-8A99-378091FF741D}" srcOrd="0" destOrd="0" presId="urn:microsoft.com/office/officeart/2005/8/layout/hList9"/>
-    <dgm:cxn modelId="{7F3B5912-CE3A-4F69-B6A0-82162798FA63}" type="presOf" srcId="{00C18FBF-3FF5-4C16-97CF-AF03740D7AB6}" destId="{0DC7A063-583D-4B0F-88B2-BD54F95D95AF}" srcOrd="0" destOrd="0" presId="urn:microsoft.com/office/officeart/2005/8/layout/hList9"/>
-    <dgm:cxn modelId="{9740321C-35B3-4F5F-BD46-905CB7B8FAEB}" type="presOf" srcId="{9614A323-64B1-4077-A841-022051EC749A}" destId="{AD2806AC-6A03-4F05-9F4D-F72EA0E56FBF}" srcOrd="0" destOrd="0" presId="urn:microsoft.com/office/officeart/2005/8/layout/hList9"/>
-    <dgm:cxn modelId="{C0DEB330-C4FA-4F66-86CA-0C9C52F1F01F}" type="presOf" srcId="{29E78340-8EBE-415C-B973-78A91A054B9C}" destId="{B12AEB83-0A64-4B36-BF01-B2F834861BAA}" srcOrd="1" destOrd="0" presId="urn:microsoft.com/office/officeart/2005/8/layout/hList9"/>
-    <dgm:cxn modelId="{70AA2139-FA57-4EAA-83C0-CFBB31F3B2CD}" type="presOf" srcId="{9D72CDD3-5859-43DB-BD75-0C3C30E3DE62}" destId="{187D4E8C-5C91-4D00-870C-2C45D4EA263C}" srcOrd="1" destOrd="0" presId="urn:microsoft.com/office/officeart/2005/8/layout/hList9"/>
-    <dgm:cxn modelId="{EDF0B63A-DCA1-49A5-910A-B447CA5609B2}" type="presOf" srcId="{3D5CDB25-F8FA-444B-8D4A-1D29D0CBA282}" destId="{96624143-7928-48E9-817F-BC4A07250C32}" srcOrd="1" destOrd="0" presId="urn:microsoft.com/office/officeart/2005/8/layout/hList9"/>
-    <dgm:cxn modelId="{FFE7CF3F-C427-4831-953F-615124811AB4}" type="presOf" srcId="{8321AB85-EA8C-4958-B404-B4C118CB3C18}" destId="{E1767793-EDD5-4203-A612-8120A71CA906}" srcOrd="1" destOrd="0" presId="urn:microsoft.com/office/officeart/2005/8/layout/hList9"/>
-    <dgm:cxn modelId="{4A31D641-1B5D-46D3-B685-0C4DC6EFE71B}" srcId="{00C18FBF-3FF5-4C16-97CF-AF03740D7AB6}" destId="{F2881FB1-6580-4F21-A283-BFAA6F91D5D2}" srcOrd="1" destOrd="0" parTransId="{2D960FDD-BADA-480D-9043-497C56588AD3}" sibTransId="{A5ABDC17-7AB5-4F0E-992A-F9343F5D74EB}"/>
-    <dgm:cxn modelId="{16E03549-76FD-4D73-932D-9C88E7D9FF05}" type="presOf" srcId="{DB9FB862-4759-4D6A-84F3-01524B92723B}" destId="{402C2C77-A32C-4D99-9940-12535E1181F2}" srcOrd="0" destOrd="0" presId="urn:microsoft.com/office/officeart/2005/8/layout/hList9"/>
-    <dgm:cxn modelId="{B635AE6E-37F7-4F2E-8725-C1D81C11EBE6}" type="presOf" srcId="{8321AB85-EA8C-4958-B404-B4C118CB3C18}" destId="{68509703-D239-4E1B-8CF0-EF08079E1226}" srcOrd="0" destOrd="0" presId="urn:microsoft.com/office/officeart/2005/8/layout/hList9"/>
-    <dgm:cxn modelId="{3F290A52-8A4A-4469-9AB4-D811A6E23C3C}" type="presOf" srcId="{F9D46839-CD06-4669-AAE4-4D1E9AFEDA78}" destId="{59179C9B-8BA4-4AC7-ACB1-A12DE00142E2}" srcOrd="0" destOrd="0" presId="urn:microsoft.com/office/officeart/2005/8/layout/hList9"/>
-    <dgm:cxn modelId="{3204ED53-15A0-4643-A582-021A785F1BA2}" srcId="{F2881FB1-6580-4F21-A283-BFAA6F91D5D2}" destId="{D5197DDB-D5D2-499F-B255-CF7BB5AE2B43}" srcOrd="0" destOrd="0" parTransId="{B14A4DC9-F40A-4867-ADB8-4BA8A1F83766}" sibTransId="{29F2454A-2FA8-4B3A-AC63-4A0B9FD04A75}"/>
-    <dgm:cxn modelId="{B2647B56-8947-4632-AB4A-42CBB9B48494}" type="presOf" srcId="{7FCE83D9-631B-4420-BBFC-CA0AFA59F747}" destId="{7453D9C8-CD6E-4AA4-8A19-7F6F667528F0}" srcOrd="0" destOrd="0" presId="urn:microsoft.com/office/officeart/2005/8/layout/hList9"/>
-    <dgm:cxn modelId="{129AEA77-5D2A-49D4-956D-99009974B6C5}" srcId="{F2881FB1-6580-4F21-A283-BFAA6F91D5D2}" destId="{8321AB85-EA8C-4958-B404-B4C118CB3C18}" srcOrd="2" destOrd="0" parTransId="{24ABE8B3-7220-436D-9636-F7B4C0B99576}" sibTransId="{AA5F76CE-8FD4-4692-8BB1-EF84CF9D365E}"/>
-    <dgm:cxn modelId="{8FAB4659-6291-457D-941A-93BCD304031A}" srcId="{B4F1B46E-22B2-4721-950C-8704487586DC}" destId="{70879558-61CA-4CCD-B2D6-5349B01EF337}" srcOrd="3" destOrd="0" parTransId="{95F5E6EE-4E8D-49F8-8C9E-8BBFD01B6A0E}" sibTransId="{053E317B-DD3F-4AFF-90D1-A55D37D325DC}"/>
-    <dgm:cxn modelId="{FC7BD086-74EA-4D6C-9657-E916D355F209}" srcId="{6352CA33-6755-44BE-808F-400DA4CF80A7}" destId="{9614A323-64B1-4077-A841-022051EC749A}" srcOrd="0" destOrd="0" parTransId="{E5F6BCBD-B84E-4018-BE9E-BF57FF3B4B36}" sibTransId="{FEC2A79F-8857-403A-A738-E8CE75C965E2}"/>
-    <dgm:cxn modelId="{E572418E-4340-4448-940D-253A2FA3B9B3}" srcId="{00C18FBF-3FF5-4C16-97CF-AF03740D7AB6}" destId="{7FCE83D9-631B-4420-BBFC-CA0AFA59F747}" srcOrd="3" destOrd="0" parTransId="{C61EC981-13FA-4710-B079-D35692EEB764}" sibTransId="{1B48A0DE-4031-4D45-86A1-94CDAF68824A}"/>
-    <dgm:cxn modelId="{B736D792-8630-4423-BF25-ED6293A18ADD}" type="presOf" srcId="{9614A323-64B1-4077-A841-022051EC749A}" destId="{F8977219-728E-448F-AE8B-46B14F4F17DE}" srcOrd="1" destOrd="0" presId="urn:microsoft.com/office/officeart/2005/8/layout/hList9"/>
-    <dgm:cxn modelId="{6C9D5899-99E2-4916-98F9-1660647928E3}" type="presOf" srcId="{DB9FB862-4759-4D6A-84F3-01524B92723B}" destId="{5B88A17E-EFF5-4A04-9CC9-D2131DA9ECCC}" srcOrd="1" destOrd="0" presId="urn:microsoft.com/office/officeart/2005/8/layout/hList9"/>
-    <dgm:cxn modelId="{DDB5AD9A-40B0-48EF-AF2C-8CCDA330F7FE}" srcId="{B4F1B46E-22B2-4721-950C-8704487586DC}" destId="{9D72CDD3-5859-43DB-BD75-0C3C30E3DE62}" srcOrd="0" destOrd="0" parTransId="{1D5B1F83-33A7-4298-BC11-2B1252AFAEA5}" sibTransId="{15E25BD4-1EBF-43C2-8885-DBF66B8429E1}"/>
-    <dgm:cxn modelId="{AD25A8A0-4628-40E2-8C9E-64E6AD4D4D91}" srcId="{B4F1B46E-22B2-4721-950C-8704487586DC}" destId="{F9D46839-CD06-4669-AAE4-4D1E9AFEDA78}" srcOrd="1" destOrd="0" parTransId="{B6B535D8-00AB-4FA1-AAEC-92498ABC6F4C}" sibTransId="{6497F199-DC2A-41F9-A449-D395E6BC4900}"/>
-    <dgm:cxn modelId="{3EF668B1-7B6A-40A1-9E64-0829B2EF0539}" type="presOf" srcId="{F9D46839-CD06-4669-AAE4-4D1E9AFEDA78}" destId="{4AE7D907-B6F4-4647-AB3F-ABE94C438AE8}" srcOrd="1" destOrd="0" presId="urn:microsoft.com/office/officeart/2005/8/layout/hList9"/>
-    <dgm:cxn modelId="{2C8317B2-2EBB-4589-86EA-C77B3B6E81AA}" srcId="{00C18FBF-3FF5-4C16-97CF-AF03740D7AB6}" destId="{B4F1B46E-22B2-4721-950C-8704487586DC}" srcOrd="0" destOrd="0" parTransId="{E8A66543-CC4D-4785-A93E-5B125E09F826}" sibTransId="{A7E2530A-34E2-4E9F-BC78-8920BA140C41}"/>
-    <dgm:cxn modelId="{CD5EFFB3-C9FD-4DAC-8D97-0C2FB02B380B}" srcId="{B4F1B46E-22B2-4721-950C-8704487586DC}" destId="{7CB6360B-4022-4E96-922B-A12DE0E2A39F}" srcOrd="2" destOrd="0" parTransId="{44B2858F-607B-47DF-B44B-EA7D73FDC9F2}" sibTransId="{B35ED9D1-2A17-4034-8D08-4945CA54F6C9}"/>
-    <dgm:cxn modelId="{70E22FBE-4510-487A-BD3F-D791559A8263}" type="presOf" srcId="{3D5CDB25-F8FA-444B-8D4A-1D29D0CBA282}" destId="{5314AADB-0AD3-4BAE-9F15-B0FE4F44C802}" srcOrd="0" destOrd="0" presId="urn:microsoft.com/office/officeart/2005/8/layout/hList9"/>
-    <dgm:cxn modelId="{2DF4FDC6-9998-45E2-B49B-7BDDAE43878E}" type="presOf" srcId="{B4F1B46E-22B2-4721-950C-8704487586DC}" destId="{FC7ED273-8CFD-43C2-9C05-44FADF3E0637}" srcOrd="0" destOrd="0" presId="urn:microsoft.com/office/officeart/2005/8/layout/hList9"/>
-    <dgm:cxn modelId="{A587C2CB-6562-4021-B4BF-D479DBE9444F}" type="presOf" srcId="{D5197DDB-D5D2-499F-B255-CF7BB5AE2B43}" destId="{F660F4B9-35DB-4256-A868-A35C6DCCF6B2}" srcOrd="0" destOrd="0" presId="urn:microsoft.com/office/officeart/2005/8/layout/hList9"/>
-    <dgm:cxn modelId="{77F620CE-FC2D-42CF-890C-6A28A43BA06E}" type="presOf" srcId="{F2881FB1-6580-4F21-A283-BFAA6F91D5D2}" destId="{FD776C1E-557E-4553-9447-49B69EEC7907}" srcOrd="0" destOrd="0" presId="urn:microsoft.com/office/officeart/2005/8/layout/hList9"/>
-    <dgm:cxn modelId="{AACC54D1-0243-46E9-9624-A663799E8A06}" type="presOf" srcId="{9D72CDD3-5859-43DB-BD75-0C3C30E3DE62}" destId="{6B08AC4B-4CEC-41E5-AE19-47A4E2720563}" srcOrd="0" destOrd="0" presId="urn:microsoft.com/office/officeart/2005/8/layout/hList9"/>
-    <dgm:cxn modelId="{F3210AD4-6CEB-4017-A75B-E24F2FA3B062}" type="presOf" srcId="{70879558-61CA-4CCD-B2D6-5349B01EF337}" destId="{51F68A05-A560-4C6F-BC90-521AEF3B0907}" srcOrd="0" destOrd="0" presId="urn:microsoft.com/office/officeart/2005/8/layout/hList9"/>
-    <dgm:cxn modelId="{311348D8-FDE3-4C22-99F5-3B98C5F51F0D}" srcId="{F2881FB1-6580-4F21-A283-BFAA6F91D5D2}" destId="{29E78340-8EBE-415C-B973-78A91A054B9C}" srcOrd="1" destOrd="0" parTransId="{FF4E5F97-6974-4E39-A85D-DCB2E100798E}" sibTransId="{B4B9A51E-FA34-465E-B5B4-81CD76EB3FC2}"/>
-    <dgm:cxn modelId="{0F86DBDB-3C4F-4C84-981B-7F4CA2A8EAF3}" srcId="{7FCE83D9-631B-4420-BBFC-CA0AFA59F747}" destId="{50451020-5E1A-4778-9E8D-169182A36191}" srcOrd="1" destOrd="0" parTransId="{7DFC3849-4A12-49FB-B614-8AFD597CCB9E}" sibTransId="{EEDE2474-4F18-4F59-8E58-6382D253E514}"/>
-    <dgm:cxn modelId="{82BAE5DD-3A79-4870-9019-1254385E0650}" srcId="{00C18FBF-3FF5-4C16-97CF-AF03740D7AB6}" destId="{6352CA33-6755-44BE-808F-400DA4CF80A7}" srcOrd="2" destOrd="0" parTransId="{AEB59203-63BA-4A96-BADC-40BAEBD9AA40}" sibTransId="{AAB4CF73-4B9B-4AA0-9074-16C2D2AE00A1}"/>
-    <dgm:cxn modelId="{2E3C97E6-67D4-4948-B47A-1115C2B2979F}" srcId="{6352CA33-6755-44BE-808F-400DA4CF80A7}" destId="{3D5CDB25-F8FA-444B-8D4A-1D29D0CBA282}" srcOrd="1" destOrd="0" parTransId="{4C229933-AC16-44B7-98EC-4C0F07FABCB0}" sibTransId="{189DA4C5-2A22-4C71-A806-7B4AB57767CC}"/>
-    <dgm:cxn modelId="{59E871E8-E7D2-4CCC-B749-A714977AF5E6}" type="presOf" srcId="{D5197DDB-D5D2-499F-B255-CF7BB5AE2B43}" destId="{10C9E3CF-3A8F-4100-8ACD-91E2373197A2}" srcOrd="1" destOrd="0" presId="urn:microsoft.com/office/officeart/2005/8/layout/hList9"/>
-    <dgm:cxn modelId="{114529EA-CDEE-4574-B59D-8F35E4FE7A75}" type="presOf" srcId="{50451020-5E1A-4778-9E8D-169182A36191}" destId="{3086D0BF-AAD1-4310-88ED-4D81A687BD50}" srcOrd="0" destOrd="0" presId="urn:microsoft.com/office/officeart/2005/8/layout/hList9"/>
-    <dgm:cxn modelId="{92B5CCEF-1CDF-4025-ACF6-0780E13B9A00}" type="presOf" srcId="{7CB6360B-4022-4E96-922B-A12DE0E2A39F}" destId="{1877502C-A892-4DC0-ADA6-FA065097BB90}" srcOrd="0" destOrd="0" presId="urn:microsoft.com/office/officeart/2005/8/layout/hList9"/>
-    <dgm:cxn modelId="{62ECA4F6-D6A0-41F0-AB7C-2AA480A6F080}" type="presOf" srcId="{70879558-61CA-4CCD-B2D6-5349B01EF337}" destId="{3EBE42F0-6491-49CC-95DC-985BA00CD458}" srcOrd="1" destOrd="0" presId="urn:microsoft.com/office/officeart/2005/8/layout/hList9"/>
-    <dgm:cxn modelId="{4CCFFDF9-D8E9-43FF-9A5C-0D554AC5AAB1}" type="presOf" srcId="{50451020-5E1A-4778-9E8D-169182A36191}" destId="{2B18CCD9-D6B1-4225-8D26-4BA691BB1837}" srcOrd="1" destOrd="0" presId="urn:microsoft.com/office/officeart/2005/8/layout/hList9"/>
-    <dgm:cxn modelId="{70CAB4FC-3D17-49C2-8A7B-F387031FCDCA}" srcId="{7FCE83D9-631B-4420-BBFC-CA0AFA59F747}" destId="{DB9FB862-4759-4D6A-84F3-01524B92723B}" srcOrd="0" destOrd="0" parTransId="{CD1EE44C-3116-420B-89E3-1D797CB25D34}" sibTransId="{4BD4D4A5-043E-4ED5-A5CA-8D46DADC3150}"/>
-    <dgm:cxn modelId="{E1D1E23B-EC87-45CC-9E87-38B27A23764D}" type="presParOf" srcId="{0DC7A063-583D-4B0F-88B2-BD54F95D95AF}" destId="{3B23570A-ECC9-4DF8-BCB4-0465C69CBB88}" srcOrd="0" destOrd="0" presId="urn:microsoft.com/office/officeart/2005/8/layout/hList9"/>
-    <dgm:cxn modelId="{82537023-5CD7-4BB7-84CF-DE8196338CF2}" type="presParOf" srcId="{0DC7A063-583D-4B0F-88B2-BD54F95D95AF}" destId="{FC66A233-6BBA-46AF-B2F6-28E379B158E2}" srcOrd="1" destOrd="0" presId="urn:microsoft.com/office/officeart/2005/8/layout/hList9"/>
-    <dgm:cxn modelId="{5DFED7C8-2E54-4441-B032-3A4788B2A8D3}" type="presParOf" srcId="{FC66A233-6BBA-46AF-B2F6-28E379B158E2}" destId="{46739A04-1AA3-49C6-8EA7-EB1DE975B900}" srcOrd="0" destOrd="0" presId="urn:microsoft.com/office/officeart/2005/8/layout/hList9"/>
-    <dgm:cxn modelId="{59D81910-4316-4EAE-9A67-0B3EDF027306}" type="presParOf" srcId="{FC66A233-6BBA-46AF-B2F6-28E379B158E2}" destId="{535C6EC9-8098-42C5-8527-E62FF045E4EB}" srcOrd="1" destOrd="0" presId="urn:microsoft.com/office/officeart/2005/8/layout/hList9"/>
-    <dgm:cxn modelId="{C4FBC461-0B5D-4B7E-9CAF-A88B1223F18A}" type="presParOf" srcId="{535C6EC9-8098-42C5-8527-E62FF045E4EB}" destId="{6B08AC4B-4CEC-41E5-AE19-47A4E2720563}" srcOrd="0" destOrd="0" presId="urn:microsoft.com/office/officeart/2005/8/layout/hList9"/>
-    <dgm:cxn modelId="{16A1B336-CE68-4171-8D18-284543992BEA}" type="presParOf" srcId="{535C6EC9-8098-42C5-8527-E62FF045E4EB}" destId="{187D4E8C-5C91-4D00-870C-2C45D4EA263C}" srcOrd="1" destOrd="0" presId="urn:microsoft.com/office/officeart/2005/8/layout/hList9"/>
-    <dgm:cxn modelId="{7A41C261-6E27-4943-9CD0-4E08EB7E56A7}" type="presParOf" srcId="{FC66A233-6BBA-46AF-B2F6-28E379B158E2}" destId="{ADF61BBD-28F4-4815-BC7F-82CF00464E8B}" srcOrd="2" destOrd="0" presId="urn:microsoft.com/office/officeart/2005/8/layout/hList9"/>
-    <dgm:cxn modelId="{03CD72CE-2160-4837-B2C9-B73CABBC437B}" type="presParOf" srcId="{ADF61BBD-28F4-4815-BC7F-82CF00464E8B}" destId="{59179C9B-8BA4-4AC7-ACB1-A12DE00142E2}" srcOrd="0" destOrd="0" presId="urn:microsoft.com/office/officeart/2005/8/layout/hList9"/>
-    <dgm:cxn modelId="{F9662DB2-653F-4128-AA82-4C07C6F00722}" type="presParOf" srcId="{ADF61BBD-28F4-4815-BC7F-82CF00464E8B}" destId="{4AE7D907-B6F4-4647-AB3F-ABE94C438AE8}" srcOrd="1" destOrd="0" presId="urn:microsoft.com/office/officeart/2005/8/layout/hList9"/>
-    <dgm:cxn modelId="{03977053-B57D-4C39-B7C2-51CB96F9B4FC}" type="presParOf" srcId="{FC66A233-6BBA-46AF-B2F6-28E379B158E2}" destId="{E50A9A83-9985-4184-A476-E3402BD8E76E}" srcOrd="3" destOrd="0" presId="urn:microsoft.com/office/officeart/2005/8/layout/hList9"/>
-    <dgm:cxn modelId="{8AFFD233-399B-4D57-9BB6-80A351FA6A3B}" type="presParOf" srcId="{E50A9A83-9985-4184-A476-E3402BD8E76E}" destId="{1877502C-A892-4DC0-ADA6-FA065097BB90}" srcOrd="0" destOrd="0" presId="urn:microsoft.com/office/officeart/2005/8/layout/hList9"/>
-    <dgm:cxn modelId="{9909963A-5660-453F-8E99-8BCC82487A65}" type="presParOf" srcId="{E50A9A83-9985-4184-A476-E3402BD8E76E}" destId="{D685DD23-B321-4B5E-842F-394CB33239FA}" srcOrd="1" destOrd="0" presId="urn:microsoft.com/office/officeart/2005/8/layout/hList9"/>
-    <dgm:cxn modelId="{B628A148-8501-42F8-B49E-281D353B606E}" type="presParOf" srcId="{FC66A233-6BBA-46AF-B2F6-28E379B158E2}" destId="{E5677DE7-299C-4C9C-A4BC-6335CC601D12}" srcOrd="4" destOrd="0" presId="urn:microsoft.com/office/officeart/2005/8/layout/hList9"/>
-    <dgm:cxn modelId="{8D569982-26E1-4090-9C18-DC58158F325D}" type="presParOf" srcId="{E5677DE7-299C-4C9C-A4BC-6335CC601D12}" destId="{51F68A05-A560-4C6F-BC90-521AEF3B0907}" srcOrd="0" destOrd="0" presId="urn:microsoft.com/office/officeart/2005/8/layout/hList9"/>
-    <dgm:cxn modelId="{2FA9E744-008C-4725-86D6-3B7B8883E6D9}" type="presParOf" srcId="{E5677DE7-299C-4C9C-A4BC-6335CC601D12}" destId="{3EBE42F0-6491-49CC-95DC-985BA00CD458}" srcOrd="1" destOrd="0" presId="urn:microsoft.com/office/officeart/2005/8/layout/hList9"/>
-    <dgm:cxn modelId="{DEF99A7A-98F1-424D-AC92-7C6B69A0E544}" type="presParOf" srcId="{0DC7A063-583D-4B0F-88B2-BD54F95D95AF}" destId="{3845DB9A-BEF3-4D5D-B9C7-5FC0456401AC}" srcOrd="2" destOrd="0" presId="urn:microsoft.com/office/officeart/2005/8/layout/hList9"/>
-    <dgm:cxn modelId="{ACD8FD0D-39C9-49DB-B77E-B03522FDF5FC}" type="presParOf" srcId="{0DC7A063-583D-4B0F-88B2-BD54F95D95AF}" destId="{FC7ED273-8CFD-43C2-9C05-44FADF3E0637}" srcOrd="3" destOrd="0" presId="urn:microsoft.com/office/officeart/2005/8/layout/hList9"/>
-    <dgm:cxn modelId="{2C72EC61-81F4-4DCD-A533-255CBC66AE34}" type="presParOf" srcId="{0DC7A063-583D-4B0F-88B2-BD54F95D95AF}" destId="{13C564B0-C27E-4ABA-AFDA-59E145B256BA}" srcOrd="4" destOrd="0" presId="urn:microsoft.com/office/officeart/2005/8/layout/hList9"/>
-    <dgm:cxn modelId="{775600F8-FCFE-4862-8108-85F84EA9DEE2}" type="presParOf" srcId="{0DC7A063-583D-4B0F-88B2-BD54F95D95AF}" destId="{6300E233-87DF-4270-9808-160BFEB8A5BE}" srcOrd="5" destOrd="0" presId="urn:microsoft.com/office/officeart/2005/8/layout/hList9"/>
-    <dgm:cxn modelId="{AE3B7A69-67E7-41D2-BC1A-3586A3CC259D}" type="presParOf" srcId="{0DC7A063-583D-4B0F-88B2-BD54F95D95AF}" destId="{6E53DEF7-499E-42EE-802D-59B2F8915392}" srcOrd="6" destOrd="0" presId="urn:microsoft.com/office/officeart/2005/8/layout/hList9"/>
-    <dgm:cxn modelId="{76A9B804-07B5-4060-AA61-249A1765ECB9}" type="presParOf" srcId="{6E53DEF7-499E-42EE-802D-59B2F8915392}" destId="{E08C30D1-35EA-4D05-9731-5D01E3FCBD09}" srcOrd="0" destOrd="0" presId="urn:microsoft.com/office/officeart/2005/8/layout/hList9"/>
-    <dgm:cxn modelId="{6162898E-21FD-497B-BFEE-B78CF45F7D9A}" type="presParOf" srcId="{6E53DEF7-499E-42EE-802D-59B2F8915392}" destId="{2F3BD88A-9166-4A26-B941-B9BAEE1A11D5}" srcOrd="1" destOrd="0" presId="urn:microsoft.com/office/officeart/2005/8/layout/hList9"/>
-    <dgm:cxn modelId="{71D4EFDE-15BC-4327-9242-5F72F9DAFAD4}" type="presParOf" srcId="{2F3BD88A-9166-4A26-B941-B9BAEE1A11D5}" destId="{F660F4B9-35DB-4256-A868-A35C6DCCF6B2}" srcOrd="0" destOrd="0" presId="urn:microsoft.com/office/officeart/2005/8/layout/hList9"/>
-    <dgm:cxn modelId="{9B414BA4-2018-40DF-8E7D-AD7E78EF0217}" type="presParOf" srcId="{2F3BD88A-9166-4A26-B941-B9BAEE1A11D5}" destId="{10C9E3CF-3A8F-4100-8ACD-91E2373197A2}" srcOrd="1" destOrd="0" presId="urn:microsoft.com/office/officeart/2005/8/layout/hList9"/>
-    <dgm:cxn modelId="{28BA3997-5DD1-4713-9F4F-B2881F36E8DC}" type="presParOf" srcId="{6E53DEF7-499E-42EE-802D-59B2F8915392}" destId="{60887C36-4733-46AC-A452-5444F6BC3B23}" srcOrd="2" destOrd="0" presId="urn:microsoft.com/office/officeart/2005/8/layout/hList9"/>
-    <dgm:cxn modelId="{7A6208FE-C5A8-4871-9488-BEEAE472C061}" type="presParOf" srcId="{60887C36-4733-46AC-A452-5444F6BC3B23}" destId="{614EBA0E-D12B-447E-B378-B0FA2DEBEA2F}" srcOrd="0" destOrd="0" presId="urn:microsoft.com/office/officeart/2005/8/layout/hList9"/>
-    <dgm:cxn modelId="{2148A8C9-9BA6-45BD-9008-59301C4B49FC}" type="presParOf" srcId="{60887C36-4733-46AC-A452-5444F6BC3B23}" destId="{B12AEB83-0A64-4B36-BF01-B2F834861BAA}" srcOrd="1" destOrd="0" presId="urn:microsoft.com/office/officeart/2005/8/layout/hList9"/>
-    <dgm:cxn modelId="{32E6E4AD-0BFD-4285-AC4A-131E4A0904F2}" type="presParOf" srcId="{6E53DEF7-499E-42EE-802D-59B2F8915392}" destId="{3055F178-D8CA-413A-99F2-20C8231C0651}" srcOrd="3" destOrd="0" presId="urn:microsoft.com/office/officeart/2005/8/layout/hList9"/>
-    <dgm:cxn modelId="{A1DB4BC0-DADA-4058-A3BB-D04BE7DF689A}" type="presParOf" srcId="{3055F178-D8CA-413A-99F2-20C8231C0651}" destId="{68509703-D239-4E1B-8CF0-EF08079E1226}" srcOrd="0" destOrd="0" presId="urn:microsoft.com/office/officeart/2005/8/layout/hList9"/>
-    <dgm:cxn modelId="{5B5F83FC-F721-4241-90AB-7117B39AABD5}" type="presParOf" srcId="{3055F178-D8CA-413A-99F2-20C8231C0651}" destId="{E1767793-EDD5-4203-A612-8120A71CA906}" srcOrd="1" destOrd="0" presId="urn:microsoft.com/office/officeart/2005/8/layout/hList9"/>
-    <dgm:cxn modelId="{D8406746-50BE-425E-A523-9ED524500743}" type="presParOf" srcId="{0DC7A063-583D-4B0F-88B2-BD54F95D95AF}" destId="{69136330-53DB-4978-A56B-160862279381}" srcOrd="7" destOrd="0" presId="urn:microsoft.com/office/officeart/2005/8/layout/hList9"/>
-    <dgm:cxn modelId="{A91BC494-75AC-4CCA-8CC1-7E9884C2F3AD}" type="presParOf" srcId="{0DC7A063-583D-4B0F-88B2-BD54F95D95AF}" destId="{FD776C1E-557E-4553-9447-49B69EEC7907}" srcOrd="8" destOrd="0" presId="urn:microsoft.com/office/officeart/2005/8/layout/hList9"/>
-    <dgm:cxn modelId="{487F9920-08DF-4AC5-BA64-D35F42602B66}" type="presParOf" srcId="{0DC7A063-583D-4B0F-88B2-BD54F95D95AF}" destId="{FC2522F1-14BB-4B37-B60E-2E8A7E8A6C30}" srcOrd="9" destOrd="0" presId="urn:microsoft.com/office/officeart/2005/8/layout/hList9"/>
-    <dgm:cxn modelId="{DC194D92-7E98-42DD-A8CA-BCD1EDD2C95D}" type="presParOf" srcId="{0DC7A063-583D-4B0F-88B2-BD54F95D95AF}" destId="{2C2F6211-85A7-47FE-9239-DE94DF41A263}" srcOrd="10" destOrd="0" presId="urn:microsoft.com/office/officeart/2005/8/layout/hList9"/>
-    <dgm:cxn modelId="{575F4FD6-9E0F-4F5E-88EE-9B265B6FD4F4}" type="presParOf" srcId="{0DC7A063-583D-4B0F-88B2-BD54F95D95AF}" destId="{7B0C2EAE-70CB-4160-863D-210C3C66D5FD}" srcOrd="11" destOrd="0" presId="urn:microsoft.com/office/officeart/2005/8/layout/hList9"/>
-    <dgm:cxn modelId="{8AE96C49-A416-4FC7-84EE-2BDAF35C57FF}" type="presParOf" srcId="{7B0C2EAE-70CB-4160-863D-210C3C66D5FD}" destId="{5AF3752E-55A6-443C-AD35-C49DF50A4566}" srcOrd="0" destOrd="0" presId="urn:microsoft.com/office/officeart/2005/8/layout/hList9"/>
-    <dgm:cxn modelId="{235B263C-399E-4245-95BD-2AA1F19D4AB4}" type="presParOf" srcId="{7B0C2EAE-70CB-4160-863D-210C3C66D5FD}" destId="{53567A66-F0E9-4EF8-ADA9-764BA36AA6A9}" srcOrd="1" destOrd="0" presId="urn:microsoft.com/office/officeart/2005/8/layout/hList9"/>
-    <dgm:cxn modelId="{265DA8D6-D429-4956-8CB8-10EE7EF20F0C}" type="presParOf" srcId="{53567A66-F0E9-4EF8-ADA9-764BA36AA6A9}" destId="{AD2806AC-6A03-4F05-9F4D-F72EA0E56FBF}" srcOrd="0" destOrd="0" presId="urn:microsoft.com/office/officeart/2005/8/layout/hList9"/>
-    <dgm:cxn modelId="{35A8C2CA-EB30-45FD-8152-A7470BE42B4C}" type="presParOf" srcId="{53567A66-F0E9-4EF8-ADA9-764BA36AA6A9}" destId="{F8977219-728E-448F-AE8B-46B14F4F17DE}" srcOrd="1" destOrd="0" presId="urn:microsoft.com/office/officeart/2005/8/layout/hList9"/>
-    <dgm:cxn modelId="{6ACEADBE-023B-4505-93FF-04069F754490}" type="presParOf" srcId="{7B0C2EAE-70CB-4160-863D-210C3C66D5FD}" destId="{46A8623B-DC64-4ED6-B73D-98FEAB030508}" srcOrd="2" destOrd="0" presId="urn:microsoft.com/office/officeart/2005/8/layout/hList9"/>
-    <dgm:cxn modelId="{AD010A9C-D63C-4BD8-BA56-A4D20026F974}" type="presParOf" srcId="{46A8623B-DC64-4ED6-B73D-98FEAB030508}" destId="{5314AADB-0AD3-4BAE-9F15-B0FE4F44C802}" srcOrd="0" destOrd="0" presId="urn:microsoft.com/office/officeart/2005/8/layout/hList9"/>
-    <dgm:cxn modelId="{10F973FE-8000-468C-900B-4ED99BE40E65}" type="presParOf" srcId="{46A8623B-DC64-4ED6-B73D-98FEAB030508}" destId="{96624143-7928-48E9-817F-BC4A07250C32}" srcOrd="1" destOrd="0" presId="urn:microsoft.com/office/officeart/2005/8/layout/hList9"/>
-    <dgm:cxn modelId="{EF3F399A-E096-436A-AD74-CF747D62B02A}" type="presParOf" srcId="{0DC7A063-583D-4B0F-88B2-BD54F95D95AF}" destId="{FBCC4E74-37C0-494F-ABC0-7D18132E1437}" srcOrd="12" destOrd="0" presId="urn:microsoft.com/office/officeart/2005/8/layout/hList9"/>
-    <dgm:cxn modelId="{5EA17F20-F6C6-4B5A-AFEB-38BD8F975065}" type="presParOf" srcId="{0DC7A063-583D-4B0F-88B2-BD54F95D95AF}" destId="{89E6DA6E-7A23-44BD-8A99-378091FF741D}" srcOrd="13" destOrd="0" presId="urn:microsoft.com/office/officeart/2005/8/layout/hList9"/>
-    <dgm:cxn modelId="{463280A8-1DBA-4FE7-B5B2-8151A298EB35}" type="presParOf" srcId="{0DC7A063-583D-4B0F-88B2-BD54F95D95AF}" destId="{E966790E-26B5-4EB8-981F-1094BF4B7611}" srcOrd="14" destOrd="0" presId="urn:microsoft.com/office/officeart/2005/8/layout/hList9"/>
-    <dgm:cxn modelId="{A4221FEF-656B-43DD-8382-199EAB5F1E7B}" type="presParOf" srcId="{0DC7A063-583D-4B0F-88B2-BD54F95D95AF}" destId="{229B7655-E1F4-4CF5-84B8-30F0491D32B5}" srcOrd="15" destOrd="0" presId="urn:microsoft.com/office/officeart/2005/8/layout/hList9"/>
-    <dgm:cxn modelId="{48FA6F14-4694-4C77-8D75-48D3A22A3540}" type="presParOf" srcId="{0DC7A063-583D-4B0F-88B2-BD54F95D95AF}" destId="{F85FFCDF-8E5F-492B-B22D-55A08EACE783}" srcOrd="16" destOrd="0" presId="urn:microsoft.com/office/officeart/2005/8/layout/hList9"/>
-    <dgm:cxn modelId="{3995A447-6B53-4DFA-8494-06C3A1F8D7F7}" type="presParOf" srcId="{F85FFCDF-8E5F-492B-B22D-55A08EACE783}" destId="{600B3FB2-1315-4A84-8613-B445666BC7D2}" srcOrd="0" destOrd="0" presId="urn:microsoft.com/office/officeart/2005/8/layout/hList9"/>
-    <dgm:cxn modelId="{C652D75D-BE73-43BB-9138-B232AAF272A1}" type="presParOf" srcId="{F85FFCDF-8E5F-492B-B22D-55A08EACE783}" destId="{E47C73E9-FBEE-4370-9B3F-E04EB7C4023A}" srcOrd="1" destOrd="0" presId="urn:microsoft.com/office/officeart/2005/8/layout/hList9"/>
-    <dgm:cxn modelId="{5F19BD3C-10AC-4F51-A8FD-00351A52371B}" type="presParOf" srcId="{E47C73E9-FBEE-4370-9B3F-E04EB7C4023A}" destId="{402C2C77-A32C-4D99-9940-12535E1181F2}" srcOrd="0" destOrd="0" presId="urn:microsoft.com/office/officeart/2005/8/layout/hList9"/>
-    <dgm:cxn modelId="{1D14EEBA-2351-4066-8BB7-C42885F1D780}" type="presParOf" srcId="{E47C73E9-FBEE-4370-9B3F-E04EB7C4023A}" destId="{5B88A17E-EFF5-4A04-9CC9-D2131DA9ECCC}" srcOrd="1" destOrd="0" presId="urn:microsoft.com/office/officeart/2005/8/layout/hList9"/>
-    <dgm:cxn modelId="{D230C2D8-6446-403F-971D-BA59F9482A7E}" type="presParOf" srcId="{F85FFCDF-8E5F-492B-B22D-55A08EACE783}" destId="{F3C2D87B-A5E7-46E2-B3D3-58E6D9562663}" srcOrd="2" destOrd="0" presId="urn:microsoft.com/office/officeart/2005/8/layout/hList9"/>
-    <dgm:cxn modelId="{71EFAC4F-7BC1-470A-9459-DE14D03A3B20}" type="presParOf" srcId="{F3C2D87B-A5E7-46E2-B3D3-58E6D9562663}" destId="{3086D0BF-AAD1-4310-88ED-4D81A687BD50}" srcOrd="0" destOrd="0" presId="urn:microsoft.com/office/officeart/2005/8/layout/hList9"/>
-    <dgm:cxn modelId="{6035C1AD-47FA-47BC-9D78-974272EBB1D2}" type="presParOf" srcId="{F3C2D87B-A5E7-46E2-B3D3-58E6D9562663}" destId="{2B18CCD9-D6B1-4225-8D26-4BA691BB1837}" srcOrd="1" destOrd="0" presId="urn:microsoft.com/office/officeart/2005/8/layout/hList9"/>
-    <dgm:cxn modelId="{ADA815FB-429E-4ABD-97FC-4AEA97B4630C}" type="presParOf" srcId="{0DC7A063-583D-4B0F-88B2-BD54F95D95AF}" destId="{9051EF7D-7D6C-4B43-A6C4-239F9933C94D}" srcOrd="17" destOrd="0" presId="urn:microsoft.com/office/officeart/2005/8/layout/hList9"/>
-    <dgm:cxn modelId="{7961C21C-3FE8-4B71-95E5-AB5835F91CC1}" type="presParOf" srcId="{0DC7A063-583D-4B0F-88B2-BD54F95D95AF}" destId="{7453D9C8-CD6E-4AA4-8A19-7F6F667528F0}" srcOrd="18" destOrd="0" presId="urn:microsoft.com/office/officeart/2005/8/layout/hList9"/>
-  </dgm:cxnLst>
-  <dgm:bg/>
-  <dgm:whole/>
-  <dgm:extLst>
-    <a:ext uri="http://schemas.microsoft.com/office/drawing/2008/diagram">
-      <dsp:dataModelExt xmlns:dsp="http://schemas.microsoft.com/office/drawing/2008/diagram" relId="rId6" minVer="http://schemas.openxmlformats.org/drawingml/2006/diagram"/>
-    </a:ext>
-  </dgm:extLst>
-</dgm:dataModel>
-</file>
-
-<file path=ppt/diagrams/drawing1.xml><?xml version="1.0" encoding="utf-8"?>
-<dsp:drawing xmlns:dgm="http://schemas.openxmlformats.org/drawingml/2006/diagram" xmlns:dsp="http://schemas.microsoft.com/office/drawing/2008/diagram" xmlns:a="http://schemas.openxmlformats.org/drawingml/2006/main">
-  <dsp:spTree>
-    <dsp:nvGrpSpPr>
-      <dsp:cNvPr id="0" name=""/>
-      <dsp:cNvGrpSpPr/>
-    </dsp:nvGrpSpPr>
-    <dsp:grpSpPr/>
-    <dsp:sp modelId="{6B08AC4B-4CEC-41E5-AE19-47A4E2720563}">
-      <dsp:nvSpPr>
-        <dsp:cNvPr id="0" name=""/>
-        <dsp:cNvSpPr/>
-      </dsp:nvSpPr>
-      <dsp:spPr>
-        <a:xfrm>
-          <a:off x="819461" y="453531"/>
-          <a:ext cx="1526209" cy="1017981"/>
-        </a:xfrm>
-        <a:prstGeom prst="rect">
-          <a:avLst/>
-        </a:prstGeom>
-        <a:solidFill>
-          <a:schemeClr val="accent1">
-            <a:alpha val="90000"/>
-            <a:tint val="40000"/>
-            <a:hueOff val="0"/>
-            <a:satOff val="0"/>
-            <a:lumOff val="0"/>
-            <a:alphaOff val="0"/>
-          </a:schemeClr>
-        </a:solidFill>
-        <a:ln w="6350" cap="rnd" cmpd="sng" algn="ctr">
-          <a:solidFill>
-            <a:schemeClr val="accent1">
-              <a:alpha val="90000"/>
-              <a:tint val="40000"/>
-              <a:hueOff val="0"/>
-              <a:satOff val="0"/>
-              <a:lumOff val="0"/>
-              <a:alphaOff val="0"/>
-            </a:schemeClr>
-          </a:solidFill>
-          <a:prstDash val="solid"/>
-        </a:ln>
-        <a:effectLst/>
-      </dsp:spPr>
-      <dsp:style>
-        <a:lnRef idx="1">
-          <a:scrgbClr r="0" g="0" b="0"/>
-        </a:lnRef>
-        <a:fillRef idx="1">
-          <a:scrgbClr r="0" g="0" b="0"/>
-        </a:fillRef>
-        <a:effectRef idx="0">
-          <a:scrgbClr r="0" g="0" b="0"/>
-        </a:effectRef>
-        <a:fontRef idx="minor"/>
-      </dsp:style>
-      <dsp:txBody>
-        <a:bodyPr spcFirstLastPara="0" vert="horz" wrap="square" lIns="0" tIns="120904" rIns="120904" bIns="120904" numCol="1" spcCol="1270" anchor="ctr" anchorCtr="0">
-          <a:noAutofit/>
-        </a:bodyPr>
-        <a:lstStyle/>
-        <a:p>
-          <a:pPr marL="0" lvl="0" indent="0" algn="l" defTabSz="755650">
-            <a:lnSpc>
-              <a:spcPct val="90000"/>
-            </a:lnSpc>
-            <a:spcBef>
-              <a:spcPct val="0"/>
-            </a:spcBef>
-            <a:spcAft>
-              <a:spcPct val="35000"/>
-            </a:spcAft>
-            <a:buNone/>
-          </a:pPr>
-          <a:r>
-            <a:rPr lang="en-US" sz="1700" kern="1200" dirty="0"/>
-            <a:t>Task description</a:t>
-          </a:r>
-        </a:p>
-      </dsp:txBody>
-      <dsp:txXfrm>
-        <a:off x="1063655" y="453531"/>
-        <a:ext cx="1282015" cy="1017981"/>
-      </dsp:txXfrm>
-    </dsp:sp>
-    <dsp:sp modelId="{59179C9B-8BA4-4AC7-ACB1-A12DE00142E2}">
-      <dsp:nvSpPr>
-        <dsp:cNvPr id="0" name=""/>
-        <dsp:cNvSpPr/>
-      </dsp:nvSpPr>
-      <dsp:spPr>
-        <a:xfrm>
-          <a:off x="819461" y="1471513"/>
-          <a:ext cx="1526209" cy="1017981"/>
-        </a:xfrm>
-        <a:prstGeom prst="rect">
-          <a:avLst/>
-        </a:prstGeom>
-        <a:solidFill>
-          <a:schemeClr val="accent1">
-            <a:alpha val="90000"/>
-            <a:tint val="40000"/>
-            <a:hueOff val="0"/>
-            <a:satOff val="0"/>
-            <a:lumOff val="0"/>
-            <a:alphaOff val="0"/>
-          </a:schemeClr>
-        </a:solidFill>
-        <a:ln w="6350" cap="rnd" cmpd="sng" algn="ctr">
-          <a:solidFill>
-            <a:schemeClr val="accent1">
-              <a:alpha val="90000"/>
-              <a:tint val="40000"/>
-              <a:hueOff val="0"/>
-              <a:satOff val="0"/>
-              <a:lumOff val="0"/>
-              <a:alphaOff val="0"/>
-            </a:schemeClr>
-          </a:solidFill>
-          <a:prstDash val="solid"/>
-        </a:ln>
-        <a:effectLst/>
-      </dsp:spPr>
-      <dsp:style>
-        <a:lnRef idx="1">
-          <a:scrgbClr r="0" g="0" b="0"/>
-        </a:lnRef>
-        <a:fillRef idx="1">
-          <a:scrgbClr r="0" g="0" b="0"/>
-        </a:fillRef>
-        <a:effectRef idx="0">
-          <a:scrgbClr r="0" g="0" b="0"/>
-        </a:effectRef>
-        <a:fontRef idx="minor"/>
-      </dsp:style>
-      <dsp:txBody>
-        <a:bodyPr spcFirstLastPara="0" vert="horz" wrap="square" lIns="0" tIns="120904" rIns="120904" bIns="120904" numCol="1" spcCol="1270" anchor="ctr" anchorCtr="0">
-          <a:noAutofit/>
-        </a:bodyPr>
-        <a:lstStyle/>
-        <a:p>
-          <a:pPr marL="0" lvl="0" indent="0" algn="l" defTabSz="755650">
-            <a:lnSpc>
-              <a:spcPct val="90000"/>
-            </a:lnSpc>
-            <a:spcBef>
-              <a:spcPct val="0"/>
-            </a:spcBef>
-            <a:spcAft>
-              <a:spcPct val="35000"/>
-            </a:spcAft>
-            <a:buNone/>
-          </a:pPr>
-          <a:r>
-            <a:rPr lang="en-US" sz="1700" kern="1200" dirty="0"/>
-            <a:t>Task description</a:t>
-          </a:r>
-        </a:p>
-      </dsp:txBody>
-      <dsp:txXfrm>
-        <a:off x="1063655" y="1471513"/>
-        <a:ext cx="1282015" cy="1017981"/>
-      </dsp:txXfrm>
-    </dsp:sp>
-    <dsp:sp modelId="{1877502C-A892-4DC0-ADA6-FA065097BB90}">
-      <dsp:nvSpPr>
-        <dsp:cNvPr id="0" name=""/>
-        <dsp:cNvSpPr/>
-      </dsp:nvSpPr>
-      <dsp:spPr>
-        <a:xfrm>
-          <a:off x="819461" y="2489494"/>
-          <a:ext cx="1526209" cy="1017981"/>
-        </a:xfrm>
-        <a:prstGeom prst="rect">
-          <a:avLst/>
-        </a:prstGeom>
-        <a:solidFill>
-          <a:schemeClr val="accent1">
-            <a:alpha val="90000"/>
-            <a:tint val="40000"/>
-            <a:hueOff val="0"/>
-            <a:satOff val="0"/>
-            <a:lumOff val="0"/>
-            <a:alphaOff val="0"/>
-          </a:schemeClr>
-        </a:solidFill>
-        <a:ln w="6350" cap="rnd" cmpd="sng" algn="ctr">
-          <a:solidFill>
-            <a:schemeClr val="accent1">
-              <a:alpha val="90000"/>
-              <a:tint val="40000"/>
-              <a:hueOff val="0"/>
-              <a:satOff val="0"/>
-              <a:lumOff val="0"/>
-              <a:alphaOff val="0"/>
-            </a:schemeClr>
-          </a:solidFill>
-          <a:prstDash val="solid"/>
-        </a:ln>
-        <a:effectLst/>
-      </dsp:spPr>
-      <dsp:style>
-        <a:lnRef idx="1">
-          <a:scrgbClr r="0" g="0" b="0"/>
-        </a:lnRef>
-        <a:fillRef idx="1">
-          <a:scrgbClr r="0" g="0" b="0"/>
-        </a:fillRef>
-        <a:effectRef idx="0">
-          <a:scrgbClr r="0" g="0" b="0"/>
-        </a:effectRef>
-        <a:fontRef idx="minor"/>
-      </dsp:style>
-      <dsp:txBody>
-        <a:bodyPr spcFirstLastPara="0" vert="horz" wrap="square" lIns="0" tIns="120904" rIns="120904" bIns="120904" numCol="1" spcCol="1270" anchor="ctr" anchorCtr="0">
-          <a:noAutofit/>
-        </a:bodyPr>
-        <a:lstStyle/>
-        <a:p>
-          <a:pPr marL="0" lvl="0" indent="0" algn="l" defTabSz="755650">
-            <a:lnSpc>
-              <a:spcPct val="90000"/>
-            </a:lnSpc>
-            <a:spcBef>
-              <a:spcPct val="0"/>
-            </a:spcBef>
-            <a:spcAft>
-              <a:spcPct val="35000"/>
-            </a:spcAft>
-            <a:buNone/>
-          </a:pPr>
-          <a:r>
-            <a:rPr lang="en-US" sz="1700" kern="1200" dirty="0"/>
-            <a:t>Task description</a:t>
-          </a:r>
-        </a:p>
-      </dsp:txBody>
-      <dsp:txXfrm>
-        <a:off x="1063655" y="2489494"/>
-        <a:ext cx="1282015" cy="1017981"/>
-      </dsp:txXfrm>
-    </dsp:sp>
-    <dsp:sp modelId="{51F68A05-A560-4C6F-BC90-521AEF3B0907}">
-      <dsp:nvSpPr>
-        <dsp:cNvPr id="0" name=""/>
-        <dsp:cNvSpPr/>
-      </dsp:nvSpPr>
-      <dsp:spPr>
-        <a:xfrm>
-          <a:off x="819461" y="3507476"/>
-          <a:ext cx="1526209" cy="1017981"/>
-        </a:xfrm>
-        <a:prstGeom prst="rect">
-          <a:avLst/>
-        </a:prstGeom>
-        <a:solidFill>
-          <a:schemeClr val="accent1">
-            <a:alpha val="90000"/>
-            <a:tint val="40000"/>
-            <a:hueOff val="0"/>
-            <a:satOff val="0"/>
-            <a:lumOff val="0"/>
-            <a:alphaOff val="0"/>
-          </a:schemeClr>
-        </a:solidFill>
-        <a:ln w="6350" cap="rnd" cmpd="sng" algn="ctr">
-          <a:solidFill>
-            <a:schemeClr val="accent1">
-              <a:alpha val="90000"/>
-              <a:tint val="40000"/>
-              <a:hueOff val="0"/>
-              <a:satOff val="0"/>
-              <a:lumOff val="0"/>
-              <a:alphaOff val="0"/>
-            </a:schemeClr>
-          </a:solidFill>
-          <a:prstDash val="solid"/>
-        </a:ln>
-        <a:effectLst/>
-      </dsp:spPr>
-      <dsp:style>
-        <a:lnRef idx="1">
-          <a:scrgbClr r="0" g="0" b="0"/>
-        </a:lnRef>
-        <a:fillRef idx="1">
-          <a:scrgbClr r="0" g="0" b="0"/>
-        </a:fillRef>
-        <a:effectRef idx="0">
-          <a:scrgbClr r="0" g="0" b="0"/>
-        </a:effectRef>
-        <a:fontRef idx="minor"/>
-      </dsp:style>
-      <dsp:txBody>
-        <a:bodyPr spcFirstLastPara="0" vert="horz" wrap="square" lIns="0" tIns="120904" rIns="120904" bIns="120904" numCol="1" spcCol="1270" anchor="ctr" anchorCtr="0">
-          <a:noAutofit/>
-        </a:bodyPr>
-        <a:lstStyle/>
-        <a:p>
-          <a:pPr marL="0" lvl="0" indent="0" algn="l" defTabSz="755650">
-            <a:lnSpc>
-              <a:spcPct val="90000"/>
-            </a:lnSpc>
-            <a:spcBef>
-              <a:spcPct val="0"/>
-            </a:spcBef>
-            <a:spcAft>
-              <a:spcPct val="35000"/>
-            </a:spcAft>
-            <a:buNone/>
-          </a:pPr>
-          <a:r>
-            <a:rPr lang="en-US" sz="1700" kern="1200" dirty="0"/>
-            <a:t>Task description</a:t>
-          </a:r>
-        </a:p>
-      </dsp:txBody>
-      <dsp:txXfrm>
-        <a:off x="1063655" y="3507476"/>
-        <a:ext cx="1282015" cy="1017981"/>
-      </dsp:txXfrm>
-    </dsp:sp>
-    <dsp:sp modelId="{FC7ED273-8CFD-43C2-9C05-44FADF3E0637}">
-      <dsp:nvSpPr>
-        <dsp:cNvPr id="0" name=""/>
-        <dsp:cNvSpPr/>
-      </dsp:nvSpPr>
-      <dsp:spPr>
-        <a:xfrm>
-          <a:off x="5483" y="46542"/>
-          <a:ext cx="1017472" cy="1017472"/>
-        </a:xfrm>
-        <a:prstGeom prst="ellipse">
-          <a:avLst/>
-        </a:prstGeom>
-        <a:gradFill rotWithShape="0">
-          <a:gsLst>
-            <a:gs pos="0">
-              <a:schemeClr val="accent1">
-                <a:hueOff val="0"/>
-                <a:satOff val="0"/>
-                <a:lumOff val="0"/>
-                <a:alphaOff val="0"/>
-                <a:shade val="100000"/>
-                <a:satMod val="137000"/>
-              </a:schemeClr>
-            </a:gs>
-            <a:gs pos="71000">
-              <a:schemeClr val="accent1">
-                <a:hueOff val="0"/>
-                <a:satOff val="0"/>
-                <a:lumOff val="0"/>
-                <a:alphaOff val="0"/>
-                <a:shade val="98000"/>
-                <a:satMod val="137000"/>
-              </a:schemeClr>
-            </a:gs>
-            <a:gs pos="100000">
-              <a:schemeClr val="accent1">
-                <a:hueOff val="0"/>
-                <a:satOff val="0"/>
-                <a:lumOff val="0"/>
-                <a:alphaOff val="0"/>
-                <a:shade val="75000"/>
-                <a:satMod val="137000"/>
-              </a:schemeClr>
-            </a:gs>
-          </a:gsLst>
-          <a:path path="rect">
-            <a:fillToRect l="50000" t="50000" r="50000" b="50000"/>
-          </a:path>
-        </a:gradFill>
-        <a:ln>
-          <a:noFill/>
-        </a:ln>
-        <a:effectLst>
-          <a:outerShdw blurRad="39000" dist="25400" dir="5400000" rotWithShape="0">
-            <a:srgbClr val="000000">
-              <a:alpha val="38000"/>
-            </a:srgbClr>
-          </a:outerShdw>
-        </a:effectLst>
-      </dsp:spPr>
-      <dsp:style>
-        <a:lnRef idx="0">
-          <a:scrgbClr r="0" g="0" b="0"/>
-        </a:lnRef>
-        <a:fillRef idx="3">
-          <a:scrgbClr r="0" g="0" b="0"/>
-        </a:fillRef>
-        <a:effectRef idx="2">
-          <a:scrgbClr r="0" g="0" b="0"/>
-        </a:effectRef>
-        <a:fontRef idx="minor">
-          <a:schemeClr val="lt1"/>
-        </a:fontRef>
-      </dsp:style>
-      <dsp:txBody>
-        <a:bodyPr spcFirstLastPara="0" vert="horz" wrap="square" lIns="0" tIns="0" rIns="0" bIns="0" numCol="1" spcCol="1270" anchor="ctr" anchorCtr="0">
-          <a:noAutofit/>
-        </a:bodyPr>
-        <a:lstStyle/>
-        <a:p>
-          <a:pPr marL="0" lvl="0" indent="0" algn="ctr" defTabSz="889000">
-            <a:lnSpc>
-              <a:spcPct val="90000"/>
-            </a:lnSpc>
-            <a:spcBef>
-              <a:spcPct val="0"/>
-            </a:spcBef>
-            <a:spcAft>
-              <a:spcPct val="35000"/>
-            </a:spcAft>
-            <a:buNone/>
-          </a:pPr>
-          <a:r>
-            <a:rPr lang="en-US" sz="2000" kern="1200"/>
-            <a:t>Step 1 Title</a:t>
-          </a:r>
-          <a:endParaRPr lang="en-US" sz="2000" kern="1200" dirty="0"/>
-        </a:p>
-      </dsp:txBody>
-      <dsp:txXfrm>
-        <a:off x="154488" y="195547"/>
-        <a:ext cx="719462" cy="719462"/>
-      </dsp:txXfrm>
-    </dsp:sp>
-    <dsp:sp modelId="{F660F4B9-35DB-4256-A868-A35C6DCCF6B2}">
-      <dsp:nvSpPr>
-        <dsp:cNvPr id="0" name=""/>
-        <dsp:cNvSpPr/>
-      </dsp:nvSpPr>
-      <dsp:spPr>
-        <a:xfrm>
-          <a:off x="3363143" y="453531"/>
-          <a:ext cx="1526209" cy="1017981"/>
-        </a:xfrm>
-        <a:prstGeom prst="rect">
-          <a:avLst/>
-        </a:prstGeom>
-        <a:solidFill>
-          <a:schemeClr val="accent1">
-            <a:alpha val="90000"/>
-            <a:tint val="40000"/>
-            <a:hueOff val="0"/>
-            <a:satOff val="0"/>
-            <a:lumOff val="0"/>
-            <a:alphaOff val="0"/>
-          </a:schemeClr>
-        </a:solidFill>
-        <a:ln w="6350" cap="rnd" cmpd="sng" algn="ctr">
-          <a:solidFill>
-            <a:schemeClr val="accent1">
-              <a:alpha val="90000"/>
-              <a:tint val="40000"/>
-              <a:hueOff val="0"/>
-              <a:satOff val="0"/>
-              <a:lumOff val="0"/>
-              <a:alphaOff val="0"/>
-            </a:schemeClr>
-          </a:solidFill>
-          <a:prstDash val="solid"/>
-        </a:ln>
-        <a:effectLst/>
-      </dsp:spPr>
-      <dsp:style>
-        <a:lnRef idx="1">
-          <a:scrgbClr r="0" g="0" b="0"/>
-        </a:lnRef>
-        <a:fillRef idx="1">
-          <a:scrgbClr r="0" g="0" b="0"/>
-        </a:fillRef>
-        <a:effectRef idx="0">
-          <a:scrgbClr r="0" g="0" b="0"/>
-        </a:effectRef>
-        <a:fontRef idx="minor"/>
-      </dsp:style>
-      <dsp:txBody>
-        <a:bodyPr spcFirstLastPara="0" vert="horz" wrap="square" lIns="0" tIns="120904" rIns="120904" bIns="120904" numCol="1" spcCol="1270" anchor="ctr" anchorCtr="0">
-          <a:noAutofit/>
-        </a:bodyPr>
-        <a:lstStyle/>
-        <a:p>
-          <a:pPr marL="0" lvl="0" indent="0" algn="l" defTabSz="755650">
-            <a:lnSpc>
-              <a:spcPct val="90000"/>
-            </a:lnSpc>
-            <a:spcBef>
-              <a:spcPct val="0"/>
-            </a:spcBef>
-            <a:spcAft>
-              <a:spcPct val="35000"/>
-            </a:spcAft>
-            <a:buNone/>
-          </a:pPr>
-          <a:r>
-            <a:rPr lang="en-US" sz="1700" kern="1200" dirty="0"/>
-            <a:t>Task description</a:t>
-          </a:r>
-        </a:p>
-      </dsp:txBody>
-      <dsp:txXfrm>
-        <a:off x="3607337" y="453531"/>
-        <a:ext cx="1282015" cy="1017981"/>
-      </dsp:txXfrm>
-    </dsp:sp>
-    <dsp:sp modelId="{614EBA0E-D12B-447E-B378-B0FA2DEBEA2F}">
-      <dsp:nvSpPr>
-        <dsp:cNvPr id="0" name=""/>
-        <dsp:cNvSpPr/>
-      </dsp:nvSpPr>
-      <dsp:spPr>
-        <a:xfrm>
-          <a:off x="3363143" y="1471513"/>
-          <a:ext cx="1526209" cy="1017981"/>
-        </a:xfrm>
-        <a:prstGeom prst="rect">
-          <a:avLst/>
-        </a:prstGeom>
-        <a:solidFill>
-          <a:schemeClr val="accent1">
-            <a:alpha val="90000"/>
-            <a:tint val="40000"/>
-            <a:hueOff val="0"/>
-            <a:satOff val="0"/>
-            <a:lumOff val="0"/>
-            <a:alphaOff val="0"/>
-          </a:schemeClr>
-        </a:solidFill>
-        <a:ln w="6350" cap="rnd" cmpd="sng" algn="ctr">
-          <a:solidFill>
-            <a:schemeClr val="accent1">
-              <a:alpha val="90000"/>
-              <a:tint val="40000"/>
-              <a:hueOff val="0"/>
-              <a:satOff val="0"/>
-              <a:lumOff val="0"/>
-              <a:alphaOff val="0"/>
-            </a:schemeClr>
-          </a:solidFill>
-          <a:prstDash val="solid"/>
-        </a:ln>
-        <a:effectLst/>
-      </dsp:spPr>
-      <dsp:style>
-        <a:lnRef idx="1">
-          <a:scrgbClr r="0" g="0" b="0"/>
-        </a:lnRef>
-        <a:fillRef idx="1">
-          <a:scrgbClr r="0" g="0" b="0"/>
-        </a:fillRef>
-        <a:effectRef idx="0">
-          <a:scrgbClr r="0" g="0" b="0"/>
-        </a:effectRef>
-        <a:fontRef idx="minor"/>
-      </dsp:style>
-      <dsp:txBody>
-        <a:bodyPr spcFirstLastPara="0" vert="horz" wrap="square" lIns="0" tIns="120904" rIns="120904" bIns="120904" numCol="1" spcCol="1270" anchor="ctr" anchorCtr="0">
-          <a:noAutofit/>
-        </a:bodyPr>
-        <a:lstStyle/>
-        <a:p>
-          <a:pPr marL="0" lvl="0" indent="0" algn="l" defTabSz="755650">
-            <a:lnSpc>
-              <a:spcPct val="90000"/>
-            </a:lnSpc>
-            <a:spcBef>
-              <a:spcPct val="0"/>
-            </a:spcBef>
-            <a:spcAft>
-              <a:spcPct val="35000"/>
-            </a:spcAft>
-            <a:buNone/>
-          </a:pPr>
-          <a:r>
-            <a:rPr lang="en-US" sz="1700" kern="1200" dirty="0"/>
-            <a:t>Task description</a:t>
-          </a:r>
-        </a:p>
-      </dsp:txBody>
-      <dsp:txXfrm>
-        <a:off x="3607337" y="1471513"/>
-        <a:ext cx="1282015" cy="1017981"/>
-      </dsp:txXfrm>
-    </dsp:sp>
-    <dsp:sp modelId="{68509703-D239-4E1B-8CF0-EF08079E1226}">
-      <dsp:nvSpPr>
-        <dsp:cNvPr id="0" name=""/>
-        <dsp:cNvSpPr/>
-      </dsp:nvSpPr>
-      <dsp:spPr>
-        <a:xfrm>
-          <a:off x="3363143" y="2489494"/>
-          <a:ext cx="1526209" cy="1017981"/>
-        </a:xfrm>
-        <a:prstGeom prst="rect">
-          <a:avLst/>
-        </a:prstGeom>
-        <a:solidFill>
-          <a:schemeClr val="accent1">
-            <a:alpha val="90000"/>
-            <a:tint val="40000"/>
-            <a:hueOff val="0"/>
-            <a:satOff val="0"/>
-            <a:lumOff val="0"/>
-            <a:alphaOff val="0"/>
-          </a:schemeClr>
-        </a:solidFill>
-        <a:ln w="6350" cap="rnd" cmpd="sng" algn="ctr">
-          <a:solidFill>
-            <a:schemeClr val="accent1">
-              <a:alpha val="90000"/>
-              <a:tint val="40000"/>
-              <a:hueOff val="0"/>
-              <a:satOff val="0"/>
-              <a:lumOff val="0"/>
-              <a:alphaOff val="0"/>
-            </a:schemeClr>
-          </a:solidFill>
-          <a:prstDash val="solid"/>
-        </a:ln>
-        <a:effectLst/>
-      </dsp:spPr>
-      <dsp:style>
-        <a:lnRef idx="1">
-          <a:scrgbClr r="0" g="0" b="0"/>
-        </a:lnRef>
-        <a:fillRef idx="1">
-          <a:scrgbClr r="0" g="0" b="0"/>
-        </a:fillRef>
-        <a:effectRef idx="0">
-          <a:scrgbClr r="0" g="0" b="0"/>
-        </a:effectRef>
-        <a:fontRef idx="minor"/>
-      </dsp:style>
-      <dsp:txBody>
-        <a:bodyPr spcFirstLastPara="0" vert="horz" wrap="square" lIns="0" tIns="120904" rIns="120904" bIns="120904" numCol="1" spcCol="1270" anchor="ctr" anchorCtr="0">
-          <a:noAutofit/>
-        </a:bodyPr>
-        <a:lstStyle/>
-        <a:p>
-          <a:pPr marL="0" lvl="0" indent="0" algn="l" defTabSz="755650">
-            <a:lnSpc>
-              <a:spcPct val="90000"/>
-            </a:lnSpc>
-            <a:spcBef>
-              <a:spcPct val="0"/>
-            </a:spcBef>
-            <a:spcAft>
-              <a:spcPct val="35000"/>
-            </a:spcAft>
-            <a:buNone/>
-          </a:pPr>
-          <a:r>
-            <a:rPr lang="en-US" sz="1700" kern="1200" dirty="0"/>
-            <a:t>Task description</a:t>
-          </a:r>
-        </a:p>
-      </dsp:txBody>
-      <dsp:txXfrm>
-        <a:off x="3607337" y="2489494"/>
-        <a:ext cx="1282015" cy="1017981"/>
-      </dsp:txXfrm>
-    </dsp:sp>
-    <dsp:sp modelId="{FD776C1E-557E-4553-9447-49B69EEC7907}">
-      <dsp:nvSpPr>
-        <dsp:cNvPr id="0" name=""/>
-        <dsp:cNvSpPr/>
-      </dsp:nvSpPr>
-      <dsp:spPr>
-        <a:xfrm>
-          <a:off x="2549165" y="46542"/>
-          <a:ext cx="1017472" cy="1017472"/>
-        </a:xfrm>
-        <a:prstGeom prst="ellipse">
-          <a:avLst/>
-        </a:prstGeom>
-        <a:gradFill rotWithShape="0">
-          <a:gsLst>
-            <a:gs pos="0">
-              <a:schemeClr val="accent1">
-                <a:hueOff val="0"/>
-                <a:satOff val="0"/>
-                <a:lumOff val="0"/>
-                <a:alphaOff val="0"/>
-                <a:shade val="100000"/>
-                <a:satMod val="137000"/>
-              </a:schemeClr>
-            </a:gs>
-            <a:gs pos="71000">
-              <a:schemeClr val="accent1">
-                <a:hueOff val="0"/>
-                <a:satOff val="0"/>
-                <a:lumOff val="0"/>
-                <a:alphaOff val="0"/>
-                <a:shade val="98000"/>
-                <a:satMod val="137000"/>
-              </a:schemeClr>
-            </a:gs>
-            <a:gs pos="100000">
-              <a:schemeClr val="accent1">
-                <a:hueOff val="0"/>
-                <a:satOff val="0"/>
-                <a:lumOff val="0"/>
-                <a:alphaOff val="0"/>
-                <a:shade val="75000"/>
-                <a:satMod val="137000"/>
-              </a:schemeClr>
-            </a:gs>
-          </a:gsLst>
-          <a:path path="rect">
-            <a:fillToRect l="50000" t="50000" r="50000" b="50000"/>
-          </a:path>
-        </a:gradFill>
-        <a:ln>
-          <a:noFill/>
-        </a:ln>
-        <a:effectLst>
-          <a:outerShdw blurRad="39000" dist="25400" dir="5400000" rotWithShape="0">
-            <a:srgbClr val="000000">
-              <a:alpha val="38000"/>
-            </a:srgbClr>
-          </a:outerShdw>
-        </a:effectLst>
-      </dsp:spPr>
-      <dsp:style>
-        <a:lnRef idx="0">
-          <a:scrgbClr r="0" g="0" b="0"/>
-        </a:lnRef>
-        <a:fillRef idx="3">
-          <a:scrgbClr r="0" g="0" b="0"/>
-        </a:fillRef>
-        <a:effectRef idx="2">
-          <a:scrgbClr r="0" g="0" b="0"/>
-        </a:effectRef>
-        <a:fontRef idx="minor">
-          <a:schemeClr val="lt1"/>
-        </a:fontRef>
-      </dsp:style>
-      <dsp:txBody>
-        <a:bodyPr spcFirstLastPara="0" vert="horz" wrap="square" lIns="0" tIns="0" rIns="0" bIns="0" numCol="1" spcCol="1270" anchor="ctr" anchorCtr="0">
-          <a:noAutofit/>
-        </a:bodyPr>
-        <a:lstStyle/>
-        <a:p>
-          <a:pPr marL="0" lvl="0" indent="0" algn="ctr" defTabSz="889000">
-            <a:lnSpc>
-              <a:spcPct val="90000"/>
-            </a:lnSpc>
-            <a:spcBef>
-              <a:spcPct val="0"/>
-            </a:spcBef>
-            <a:spcAft>
-              <a:spcPct val="35000"/>
-            </a:spcAft>
-            <a:buNone/>
-          </a:pPr>
-          <a:r>
-            <a:rPr lang="en-US" sz="2000" kern="1200" dirty="0"/>
-            <a:t>Step 2 Title</a:t>
-          </a:r>
-        </a:p>
-      </dsp:txBody>
-      <dsp:txXfrm>
-        <a:off x="2698170" y="195547"/>
-        <a:ext cx="719462" cy="719462"/>
-      </dsp:txXfrm>
-    </dsp:sp>
-    <dsp:sp modelId="{AD2806AC-6A03-4F05-9F4D-F72EA0E56FBF}">
-      <dsp:nvSpPr>
-        <dsp:cNvPr id="0" name=""/>
-        <dsp:cNvSpPr/>
-      </dsp:nvSpPr>
-      <dsp:spPr>
-        <a:xfrm>
-          <a:off x="5906825" y="453531"/>
-          <a:ext cx="1526209" cy="1017981"/>
-        </a:xfrm>
-        <a:prstGeom prst="rect">
-          <a:avLst/>
-        </a:prstGeom>
-        <a:solidFill>
-          <a:schemeClr val="accent1">
-            <a:alpha val="90000"/>
-            <a:tint val="40000"/>
-            <a:hueOff val="0"/>
-            <a:satOff val="0"/>
-            <a:lumOff val="0"/>
-            <a:alphaOff val="0"/>
-          </a:schemeClr>
-        </a:solidFill>
-        <a:ln w="6350" cap="rnd" cmpd="sng" algn="ctr">
-          <a:solidFill>
-            <a:schemeClr val="accent1">
-              <a:alpha val="90000"/>
-              <a:tint val="40000"/>
-              <a:hueOff val="0"/>
-              <a:satOff val="0"/>
-              <a:lumOff val="0"/>
-              <a:alphaOff val="0"/>
-            </a:schemeClr>
-          </a:solidFill>
-          <a:prstDash val="solid"/>
-        </a:ln>
-        <a:effectLst/>
-      </dsp:spPr>
-      <dsp:style>
-        <a:lnRef idx="1">
-          <a:scrgbClr r="0" g="0" b="0"/>
-        </a:lnRef>
-        <a:fillRef idx="1">
-          <a:scrgbClr r="0" g="0" b="0"/>
-        </a:fillRef>
-        <a:effectRef idx="0">
-          <a:scrgbClr r="0" g="0" b="0"/>
-        </a:effectRef>
-        <a:fontRef idx="minor"/>
-      </dsp:style>
-      <dsp:txBody>
-        <a:bodyPr spcFirstLastPara="0" vert="horz" wrap="square" lIns="0" tIns="120904" rIns="120904" bIns="120904" numCol="1" spcCol="1270" anchor="ctr" anchorCtr="0">
-          <a:noAutofit/>
-        </a:bodyPr>
-        <a:lstStyle/>
-        <a:p>
-          <a:pPr marL="0" lvl="0" indent="0" algn="l" defTabSz="755650">
-            <a:lnSpc>
-              <a:spcPct val="90000"/>
-            </a:lnSpc>
-            <a:spcBef>
-              <a:spcPct val="0"/>
-            </a:spcBef>
-            <a:spcAft>
-              <a:spcPct val="35000"/>
-            </a:spcAft>
-            <a:buNone/>
-          </a:pPr>
-          <a:r>
-            <a:rPr lang="en-US" sz="1700" kern="1200" dirty="0"/>
-            <a:t>Task description</a:t>
-          </a:r>
-        </a:p>
-      </dsp:txBody>
-      <dsp:txXfrm>
-        <a:off x="6151018" y="453531"/>
-        <a:ext cx="1282015" cy="1017981"/>
-      </dsp:txXfrm>
-    </dsp:sp>
-    <dsp:sp modelId="{5314AADB-0AD3-4BAE-9F15-B0FE4F44C802}">
-      <dsp:nvSpPr>
-        <dsp:cNvPr id="0" name=""/>
-        <dsp:cNvSpPr/>
-      </dsp:nvSpPr>
-      <dsp:spPr>
-        <a:xfrm>
-          <a:off x="5906825" y="1471513"/>
-          <a:ext cx="1526209" cy="1017981"/>
-        </a:xfrm>
-        <a:prstGeom prst="rect">
-          <a:avLst/>
-        </a:prstGeom>
-        <a:solidFill>
-          <a:schemeClr val="accent1">
-            <a:alpha val="90000"/>
-            <a:tint val="40000"/>
-            <a:hueOff val="0"/>
-            <a:satOff val="0"/>
-            <a:lumOff val="0"/>
-            <a:alphaOff val="0"/>
-          </a:schemeClr>
-        </a:solidFill>
-        <a:ln w="6350" cap="rnd" cmpd="sng" algn="ctr">
-          <a:solidFill>
-            <a:schemeClr val="accent1">
-              <a:alpha val="90000"/>
-              <a:tint val="40000"/>
-              <a:hueOff val="0"/>
-              <a:satOff val="0"/>
-              <a:lumOff val="0"/>
-              <a:alphaOff val="0"/>
-            </a:schemeClr>
-          </a:solidFill>
-          <a:prstDash val="solid"/>
-        </a:ln>
-        <a:effectLst/>
-      </dsp:spPr>
-      <dsp:style>
-        <a:lnRef idx="1">
-          <a:scrgbClr r="0" g="0" b="0"/>
-        </a:lnRef>
-        <a:fillRef idx="1">
-          <a:scrgbClr r="0" g="0" b="0"/>
-        </a:fillRef>
-        <a:effectRef idx="0">
-          <a:scrgbClr r="0" g="0" b="0"/>
-        </a:effectRef>
-        <a:fontRef idx="minor"/>
-      </dsp:style>
-      <dsp:txBody>
-        <a:bodyPr spcFirstLastPara="0" vert="horz" wrap="square" lIns="0" tIns="120904" rIns="120904" bIns="120904" numCol="1" spcCol="1270" anchor="ctr" anchorCtr="0">
-          <a:noAutofit/>
-        </a:bodyPr>
-        <a:lstStyle/>
-        <a:p>
-          <a:pPr marL="0" lvl="0" indent="0" algn="l" defTabSz="755650">
-            <a:lnSpc>
-              <a:spcPct val="90000"/>
-            </a:lnSpc>
-            <a:spcBef>
-              <a:spcPct val="0"/>
-            </a:spcBef>
-            <a:spcAft>
-              <a:spcPct val="35000"/>
-            </a:spcAft>
-            <a:buNone/>
-          </a:pPr>
-          <a:r>
-            <a:rPr lang="en-US" sz="1700" kern="1200" dirty="0"/>
-            <a:t>Task description</a:t>
-          </a:r>
-        </a:p>
-      </dsp:txBody>
-      <dsp:txXfrm>
-        <a:off x="6151018" y="1471513"/>
-        <a:ext cx="1282015" cy="1017981"/>
-      </dsp:txXfrm>
-    </dsp:sp>
-    <dsp:sp modelId="{89E6DA6E-7A23-44BD-8A99-378091FF741D}">
-      <dsp:nvSpPr>
-        <dsp:cNvPr id="0" name=""/>
-        <dsp:cNvSpPr/>
-      </dsp:nvSpPr>
-      <dsp:spPr>
-        <a:xfrm>
-          <a:off x="5092847" y="46542"/>
-          <a:ext cx="1017472" cy="1017472"/>
-        </a:xfrm>
-        <a:prstGeom prst="ellipse">
-          <a:avLst/>
-        </a:prstGeom>
-        <a:gradFill rotWithShape="0">
-          <a:gsLst>
-            <a:gs pos="0">
-              <a:schemeClr val="accent1">
-                <a:hueOff val="0"/>
-                <a:satOff val="0"/>
-                <a:lumOff val="0"/>
-                <a:alphaOff val="0"/>
-                <a:shade val="100000"/>
-                <a:satMod val="137000"/>
-              </a:schemeClr>
-            </a:gs>
-            <a:gs pos="71000">
-              <a:schemeClr val="accent1">
-                <a:hueOff val="0"/>
-                <a:satOff val="0"/>
-                <a:lumOff val="0"/>
-                <a:alphaOff val="0"/>
-                <a:shade val="98000"/>
-                <a:satMod val="137000"/>
-              </a:schemeClr>
-            </a:gs>
-            <a:gs pos="100000">
-              <a:schemeClr val="accent1">
-                <a:hueOff val="0"/>
-                <a:satOff val="0"/>
-                <a:lumOff val="0"/>
-                <a:alphaOff val="0"/>
-                <a:shade val="75000"/>
-                <a:satMod val="137000"/>
-              </a:schemeClr>
-            </a:gs>
-          </a:gsLst>
-          <a:path path="rect">
-            <a:fillToRect l="50000" t="50000" r="50000" b="50000"/>
-          </a:path>
-        </a:gradFill>
-        <a:ln>
-          <a:noFill/>
-        </a:ln>
-        <a:effectLst>
-          <a:outerShdw blurRad="39000" dist="25400" dir="5400000" rotWithShape="0">
-            <a:srgbClr val="000000">
-              <a:alpha val="38000"/>
-            </a:srgbClr>
-          </a:outerShdw>
-        </a:effectLst>
-      </dsp:spPr>
-      <dsp:style>
-        <a:lnRef idx="0">
-          <a:scrgbClr r="0" g="0" b="0"/>
-        </a:lnRef>
-        <a:fillRef idx="3">
-          <a:scrgbClr r="0" g="0" b="0"/>
-        </a:fillRef>
-        <a:effectRef idx="2">
-          <a:scrgbClr r="0" g="0" b="0"/>
-        </a:effectRef>
-        <a:fontRef idx="minor">
-          <a:schemeClr val="lt1"/>
-        </a:fontRef>
-      </dsp:style>
-      <dsp:txBody>
-        <a:bodyPr spcFirstLastPara="0" vert="horz" wrap="square" lIns="0" tIns="0" rIns="0" bIns="0" numCol="1" spcCol="1270" anchor="ctr" anchorCtr="0">
-          <a:noAutofit/>
-        </a:bodyPr>
-        <a:lstStyle/>
-        <a:p>
-          <a:pPr marL="0" lvl="0" indent="0" algn="ctr" defTabSz="889000">
-            <a:lnSpc>
-              <a:spcPct val="90000"/>
-            </a:lnSpc>
-            <a:spcBef>
-              <a:spcPct val="0"/>
-            </a:spcBef>
-            <a:spcAft>
-              <a:spcPct val="35000"/>
-            </a:spcAft>
-            <a:buNone/>
-          </a:pPr>
-          <a:r>
-            <a:rPr lang="en-US" sz="2000" kern="1200" dirty="0"/>
-            <a:t>Step 3 Title</a:t>
-          </a:r>
-        </a:p>
-      </dsp:txBody>
-      <dsp:txXfrm>
-        <a:off x="5241852" y="195547"/>
-        <a:ext cx="719462" cy="719462"/>
-      </dsp:txXfrm>
-    </dsp:sp>
-    <dsp:sp modelId="{402C2C77-A32C-4D99-9940-12535E1181F2}">
-      <dsp:nvSpPr>
-        <dsp:cNvPr id="0" name=""/>
-        <dsp:cNvSpPr/>
-      </dsp:nvSpPr>
-      <dsp:spPr>
-        <a:xfrm>
-          <a:off x="8450507" y="453531"/>
-          <a:ext cx="1526209" cy="1017981"/>
-        </a:xfrm>
-        <a:prstGeom prst="rect">
-          <a:avLst/>
-        </a:prstGeom>
-        <a:solidFill>
-          <a:schemeClr val="accent1">
-            <a:alpha val="90000"/>
-            <a:tint val="40000"/>
-            <a:hueOff val="0"/>
-            <a:satOff val="0"/>
-            <a:lumOff val="0"/>
-            <a:alphaOff val="0"/>
-          </a:schemeClr>
-        </a:solidFill>
-        <a:ln w="6350" cap="rnd" cmpd="sng" algn="ctr">
-          <a:solidFill>
-            <a:schemeClr val="accent1">
-              <a:alpha val="90000"/>
-              <a:tint val="40000"/>
-              <a:hueOff val="0"/>
-              <a:satOff val="0"/>
-              <a:lumOff val="0"/>
-              <a:alphaOff val="0"/>
-            </a:schemeClr>
-          </a:solidFill>
-          <a:prstDash val="solid"/>
-        </a:ln>
-        <a:effectLst/>
-      </dsp:spPr>
-      <dsp:style>
-        <a:lnRef idx="1">
-          <a:scrgbClr r="0" g="0" b="0"/>
-        </a:lnRef>
-        <a:fillRef idx="1">
-          <a:scrgbClr r="0" g="0" b="0"/>
-        </a:fillRef>
-        <a:effectRef idx="0">
-          <a:scrgbClr r="0" g="0" b="0"/>
-        </a:effectRef>
-        <a:fontRef idx="minor"/>
-      </dsp:style>
-      <dsp:txBody>
-        <a:bodyPr spcFirstLastPara="0" vert="horz" wrap="square" lIns="0" tIns="120904" rIns="120904" bIns="120904" numCol="1" spcCol="1270" anchor="ctr" anchorCtr="0">
-          <a:noAutofit/>
-        </a:bodyPr>
-        <a:lstStyle/>
-        <a:p>
-          <a:pPr marL="0" lvl="0" indent="0" algn="l" defTabSz="755650">
-            <a:lnSpc>
-              <a:spcPct val="90000"/>
-            </a:lnSpc>
-            <a:spcBef>
-              <a:spcPct val="0"/>
-            </a:spcBef>
-            <a:spcAft>
-              <a:spcPct val="35000"/>
-            </a:spcAft>
-            <a:buNone/>
-          </a:pPr>
-          <a:r>
-            <a:rPr lang="en-US" sz="1700" kern="1200" dirty="0"/>
-            <a:t>Task description</a:t>
-          </a:r>
-        </a:p>
-      </dsp:txBody>
-      <dsp:txXfrm>
-        <a:off x="8694700" y="453531"/>
-        <a:ext cx="1282015" cy="1017981"/>
-      </dsp:txXfrm>
-    </dsp:sp>
-    <dsp:sp modelId="{3086D0BF-AAD1-4310-88ED-4D81A687BD50}">
-      <dsp:nvSpPr>
-        <dsp:cNvPr id="0" name=""/>
-        <dsp:cNvSpPr/>
-      </dsp:nvSpPr>
-      <dsp:spPr>
-        <a:xfrm>
-          <a:off x="8450507" y="1471513"/>
-          <a:ext cx="1526209" cy="1017981"/>
-        </a:xfrm>
-        <a:prstGeom prst="rect">
-          <a:avLst/>
-        </a:prstGeom>
-        <a:solidFill>
-          <a:schemeClr val="accent1">
-            <a:alpha val="90000"/>
-            <a:tint val="40000"/>
-            <a:hueOff val="0"/>
-            <a:satOff val="0"/>
-            <a:lumOff val="0"/>
-            <a:alphaOff val="0"/>
-          </a:schemeClr>
-        </a:solidFill>
-        <a:ln w="6350" cap="rnd" cmpd="sng" algn="ctr">
-          <a:solidFill>
-            <a:schemeClr val="accent1">
-              <a:alpha val="90000"/>
-              <a:tint val="40000"/>
-              <a:hueOff val="0"/>
-              <a:satOff val="0"/>
-              <a:lumOff val="0"/>
-              <a:alphaOff val="0"/>
-            </a:schemeClr>
-          </a:solidFill>
-          <a:prstDash val="solid"/>
-        </a:ln>
-        <a:effectLst/>
-      </dsp:spPr>
-      <dsp:style>
-        <a:lnRef idx="1">
-          <a:scrgbClr r="0" g="0" b="0"/>
-        </a:lnRef>
-        <a:fillRef idx="1">
-          <a:scrgbClr r="0" g="0" b="0"/>
-        </a:fillRef>
-        <a:effectRef idx="0">
-          <a:scrgbClr r="0" g="0" b="0"/>
-        </a:effectRef>
-        <a:fontRef idx="minor"/>
-      </dsp:style>
-      <dsp:txBody>
-        <a:bodyPr spcFirstLastPara="0" vert="horz" wrap="square" lIns="0" tIns="120904" rIns="120904" bIns="120904" numCol="1" spcCol="1270" anchor="ctr" anchorCtr="0">
-          <a:noAutofit/>
-        </a:bodyPr>
-        <a:lstStyle/>
-        <a:p>
-          <a:pPr marL="0" lvl="0" indent="0" algn="l" defTabSz="755650">
-            <a:lnSpc>
-              <a:spcPct val="90000"/>
-            </a:lnSpc>
-            <a:spcBef>
-              <a:spcPct val="0"/>
-            </a:spcBef>
-            <a:spcAft>
-              <a:spcPct val="35000"/>
-            </a:spcAft>
-            <a:buNone/>
-          </a:pPr>
-          <a:r>
-            <a:rPr lang="en-US" sz="1700" kern="1200" dirty="0"/>
-            <a:t>Task description</a:t>
-          </a:r>
-        </a:p>
-      </dsp:txBody>
-      <dsp:txXfrm>
-        <a:off x="8694700" y="1471513"/>
-        <a:ext cx="1282015" cy="1017981"/>
-      </dsp:txXfrm>
-    </dsp:sp>
-    <dsp:sp modelId="{7453D9C8-CD6E-4AA4-8A19-7F6F667528F0}">
-      <dsp:nvSpPr>
-        <dsp:cNvPr id="0" name=""/>
-        <dsp:cNvSpPr/>
-      </dsp:nvSpPr>
-      <dsp:spPr>
-        <a:xfrm>
-          <a:off x="7636529" y="46542"/>
-          <a:ext cx="1017472" cy="1017472"/>
-        </a:xfrm>
-        <a:prstGeom prst="ellipse">
-          <a:avLst/>
-        </a:prstGeom>
-        <a:gradFill rotWithShape="0">
-          <a:gsLst>
-            <a:gs pos="0">
-              <a:schemeClr val="accent1">
-                <a:hueOff val="0"/>
-                <a:satOff val="0"/>
-                <a:lumOff val="0"/>
-                <a:alphaOff val="0"/>
-                <a:shade val="100000"/>
-                <a:satMod val="137000"/>
-              </a:schemeClr>
-            </a:gs>
-            <a:gs pos="71000">
-              <a:schemeClr val="accent1">
-                <a:hueOff val="0"/>
-                <a:satOff val="0"/>
-                <a:lumOff val="0"/>
-                <a:alphaOff val="0"/>
-                <a:shade val="98000"/>
-                <a:satMod val="137000"/>
-              </a:schemeClr>
-            </a:gs>
-            <a:gs pos="100000">
-              <a:schemeClr val="accent1">
-                <a:hueOff val="0"/>
-                <a:satOff val="0"/>
-                <a:lumOff val="0"/>
-                <a:alphaOff val="0"/>
-                <a:shade val="75000"/>
-                <a:satMod val="137000"/>
-              </a:schemeClr>
-            </a:gs>
-          </a:gsLst>
-          <a:path path="rect">
-            <a:fillToRect l="50000" t="50000" r="50000" b="50000"/>
-          </a:path>
-        </a:gradFill>
-        <a:ln>
-          <a:noFill/>
-        </a:ln>
-        <a:effectLst>
-          <a:outerShdw blurRad="39000" dist="25400" dir="5400000" rotWithShape="0">
-            <a:srgbClr val="000000">
-              <a:alpha val="38000"/>
-            </a:srgbClr>
-          </a:outerShdw>
-        </a:effectLst>
-      </dsp:spPr>
-      <dsp:style>
-        <a:lnRef idx="0">
-          <a:scrgbClr r="0" g="0" b="0"/>
-        </a:lnRef>
-        <a:fillRef idx="3">
-          <a:scrgbClr r="0" g="0" b="0"/>
-        </a:fillRef>
-        <a:effectRef idx="2">
-          <a:scrgbClr r="0" g="0" b="0"/>
-        </a:effectRef>
-        <a:fontRef idx="minor">
-          <a:schemeClr val="lt1"/>
-        </a:fontRef>
-      </dsp:style>
-      <dsp:txBody>
-        <a:bodyPr spcFirstLastPara="0" vert="horz" wrap="square" lIns="0" tIns="0" rIns="0" bIns="0" numCol="1" spcCol="1270" anchor="ctr" anchorCtr="0">
-          <a:noAutofit/>
-        </a:bodyPr>
-        <a:lstStyle/>
-        <a:p>
-          <a:pPr marL="0" lvl="0" indent="0" algn="ctr" defTabSz="889000">
-            <a:lnSpc>
-              <a:spcPct val="90000"/>
-            </a:lnSpc>
-            <a:spcBef>
-              <a:spcPct val="0"/>
-            </a:spcBef>
-            <a:spcAft>
-              <a:spcPct val="35000"/>
-            </a:spcAft>
-            <a:buNone/>
-          </a:pPr>
-          <a:r>
-            <a:rPr lang="en-US" sz="2000" kern="1200" dirty="0"/>
-            <a:t>Step 4 Title</a:t>
-          </a:r>
-        </a:p>
-      </dsp:txBody>
-      <dsp:txXfrm>
-        <a:off x="7785534" y="195547"/>
-        <a:ext cx="719462" cy="719462"/>
-      </dsp:txXfrm>
-    </dsp:sp>
-  </dsp:spTree>
-</dsp:drawing>
-</file>
-
-<file path=ppt/diagrams/layout1.xml><?xml version="1.0" encoding="utf-8"?>
-<dgm:layoutDef xmlns:dgm="http://schemas.openxmlformats.org/drawingml/2006/diagram" xmlns:a="http://schemas.openxmlformats.org/drawingml/2006/main" uniqueId="urn:microsoft.com/office/officeart/2005/8/layout/hList9">
-  <dgm:title val=""/>
-  <dgm:desc val=""/>
-  <dgm:catLst>
-    <dgm:cat type="list" pri="8000"/>
-  </dgm:catLst>
-  <dgm:sampData>
-    <dgm:dataModel>
-      <dgm:ptLst>
-        <dgm:pt modelId="0" type="doc"/>
-        <dgm:pt modelId="1">
-          <dgm:prSet phldr="1"/>
-        </dgm:pt>
-        <dgm:pt modelId="11">
-          <dgm:prSet phldr="1"/>
-        </dgm:pt>
-        <dgm:pt modelId="12">
-          <dgm:prSet phldr="1"/>
-        </dgm:pt>
-        <dgm:pt modelId="2">
-          <dgm:prSet phldr="1"/>
-        </dgm:pt>
-        <dgm:pt modelId="21">
-          <dgm:prSet phldr="1"/>
-        </dgm:pt>
-        <dgm:pt modelId="22">
-          <dgm:prSet phldr="1"/>
-        </dgm:pt>
-      </dgm:ptLst>
-      <dgm:cxnLst>
-        <dgm:cxn modelId="3" srcId="0" destId="1" srcOrd="0" destOrd="0"/>
-        <dgm:cxn modelId="4" srcId="0" destId="2" srcOrd="1" destOrd="0"/>
-        <dgm:cxn modelId="13" srcId="1" destId="11" srcOrd="0" destOrd="0"/>
-        <dgm:cxn modelId="14" srcId="1" destId="12" srcOrd="0" destOrd="0"/>
-        <dgm:cxn modelId="23" srcId="2" destId="21" srcOrd="0" destOrd="0"/>
-        <dgm:cxn modelId="24" srcId="2" destId="22" srcOrd="0" destOrd="0"/>
-      </dgm:cxnLst>
-      <dgm:bg/>
-      <dgm:whole/>
-    </dgm:dataModel>
-  </dgm:sampData>
-  <dgm:styleData>
-    <dgm:dataModel>
-      <dgm:ptLst>
-        <dgm:pt modelId="0" type="doc"/>
-        <dgm:pt modelId="1"/>
-        <dgm:pt modelId="2"/>
-      </dgm:ptLst>
-      <dgm:cxnLst>
-        <dgm:cxn modelId="3" srcId="0" destId="1" srcOrd="0" destOrd="0"/>
-        <dgm:cxn modelId="4" srcId="1" destId="2" srcOrd="0" destOrd="0"/>
-      </dgm:cxnLst>
-      <dgm:bg/>
-      <dgm:whole/>
-    </dgm:dataModel>
-  </dgm:styleData>
-  <dgm:clrData>
-    <dgm:dataModel>
-      <dgm:ptLst>
-        <dgm:pt modelId="0" type="doc"/>
-        <dgm:pt modelId="1"/>
-        <dgm:pt modelId="11"/>
-        <dgm:pt modelId="12"/>
-        <dgm:pt modelId="13"/>
-        <dgm:pt modelId="14"/>
-        <dgm:pt modelId="2"/>
-        <dgm:pt modelId="21"/>
-        <dgm:pt modelId="22"/>
-        <dgm:pt modelId="23"/>
-        <dgm:pt modelId="24"/>
-        <dgm:pt modelId="3"/>
-        <dgm:pt modelId="31"/>
-        <dgm:pt modelId="32"/>
-        <dgm:pt modelId="33"/>
-        <dgm:pt modelId="34"/>
-      </dgm:ptLst>
-      <dgm:cxnLst>
-        <dgm:cxn modelId="4" srcId="0" destId="1" srcOrd="0" destOrd="0"/>
-        <dgm:cxn modelId="5" srcId="0" destId="2" srcOrd="1" destOrd="0"/>
-        <dgm:cxn modelId="6" srcId="0" destId="3" srcOrd="1" destOrd="0"/>
-        <dgm:cxn modelId="15" srcId="1" destId="11" srcOrd="0" destOrd="0"/>
-        <dgm:cxn modelId="16" srcId="1" destId="12" srcOrd="0" destOrd="0"/>
-        <dgm:cxn modelId="17" srcId="1" destId="13" srcOrd="0" destOrd="0"/>
-        <dgm:cxn modelId="18" srcId="1" destId="14" srcOrd="0" destOrd="0"/>
-        <dgm:cxn modelId="25" srcId="2" destId="21" srcOrd="0" destOrd="0"/>
-        <dgm:cxn modelId="26" srcId="2" destId="22" srcOrd="0" destOrd="0"/>
-        <dgm:cxn modelId="27" srcId="2" destId="23" srcOrd="0" destOrd="0"/>
-        <dgm:cxn modelId="28" srcId="2" destId="24" srcOrd="0" destOrd="0"/>
-        <dgm:cxn modelId="35" srcId="3" destId="31" srcOrd="0" destOrd="0"/>
-        <dgm:cxn modelId="36" srcId="3" destId="32" srcOrd="0" destOrd="0"/>
-        <dgm:cxn modelId="37" srcId="3" destId="33" srcOrd="0" destOrd="0"/>
-        <dgm:cxn modelId="38" srcId="3" destId="34" srcOrd="0" destOrd="0"/>
-      </dgm:cxnLst>
-      <dgm:bg/>
-      <dgm:whole/>
-    </dgm:dataModel>
-  </dgm:clrData>
-  <dgm:layoutNode name="list">
-    <dgm:varLst>
-      <dgm:dir/>
-      <dgm:animLvl val="lvl"/>
-    </dgm:varLst>
-    <dgm:choose name="Name0">
-      <dgm:if name="Name1" func="var" arg="dir" op="equ" val="norm">
-        <dgm:alg type="lin">
-          <dgm:param type="linDir" val="fromL"/>
-          <dgm:param type="fallback" val="2D"/>
-          <dgm:param type="nodeVertAlign" val="t"/>
-        </dgm:alg>
-      </dgm:if>
-      <dgm:else name="Name2">
-        <dgm:alg type="lin">
-          <dgm:param type="linDir" val="fromR"/>
-          <dgm:param type="fallback" val="2D"/>
-          <dgm:param type="nodeVertAlign" val="t"/>
-        </dgm:alg>
-      </dgm:else>
-    </dgm:choose>
-    <dgm:shape xmlns:r="http://schemas.openxmlformats.org/officeDocument/2006/relationships" r:blip="">
-      <dgm:adjLst/>
-    </dgm:shape>
-    <dgm:presOf/>
-    <dgm:constrLst>
-      <dgm:constr type="w" for="ch" forName="circle" refType="w" fact="0.5"/>
-      <dgm:constr type="w" for="ch" forName="vertFlow" refType="w" fact="0.75"/>
-      <dgm:constr type="h" for="des" forName="firstComp" refType="w" refFor="ch" refForName="vertFlow" fact="0.667"/>
-      <dgm:constr type="h" for="des" forName="comp" refType="h" refFor="des" refForName="firstComp" op="equ"/>
-      <dgm:constr type="h" for="des" forName="topSpace" refType="w" refFor="ch" refForName="circle" op="equ" fact="0.4"/>
-      <dgm:constr type="w" for="ch" forName="posSpace" refType="w" fact="0.4"/>
-      <dgm:constr type="w" for="ch" forName="negSpace" refType="w" fact="-1.15"/>
-      <dgm:constr type="w" for="ch" forName="transSpace" refType="w" fact="0.75"/>
-      <dgm:constr type="primFontSz" for="ch" forName="circle" op="equ" val="65"/>
-      <dgm:constr type="primFontSz" for="des" forName="firstChildTx" val="65"/>
-      <dgm:constr type="primFontSz" for="des" forName="childTx" refType="primFontSz" refFor="des" refForName="firstChildTx" op="equ"/>
-    </dgm:constrLst>
-    <dgm:ruleLst/>
-    <dgm:forEach name="Name3" axis="ch" ptType="node">
-      <dgm:layoutNode name="posSpace">
-        <dgm:alg type="sp"/>
-        <dgm:shape xmlns:r="http://schemas.openxmlformats.org/officeDocument/2006/relationships" r:blip="">
-          <dgm:adjLst/>
-        </dgm:shape>
-        <dgm:presOf/>
-        <dgm:constrLst/>
-        <dgm:ruleLst/>
-      </dgm:layoutNode>
-      <dgm:layoutNode name="vertFlow">
-        <dgm:alg type="lin">
-          <dgm:param type="linDir" val="fromT"/>
-        </dgm:alg>
-        <dgm:shape xmlns:r="http://schemas.openxmlformats.org/officeDocument/2006/relationships" r:blip="">
-          <dgm:adjLst/>
-        </dgm:shape>
-        <dgm:presOf/>
-        <dgm:constrLst>
-          <dgm:constr type="w" for="ch" forName="firstComp" refType="w"/>
-          <dgm:constr type="w" for="ch" forName="comp" refType="w"/>
-        </dgm:constrLst>
-        <dgm:ruleLst/>
-        <dgm:layoutNode name="topSpace">
-          <dgm:alg type="sp"/>
-          <dgm:shape xmlns:r="http://schemas.openxmlformats.org/officeDocument/2006/relationships" r:blip="">
-            <dgm:adjLst/>
-          </dgm:shape>
-          <dgm:presOf/>
-          <dgm:constrLst/>
-          <dgm:ruleLst/>
-        </dgm:layoutNode>
-        <dgm:layoutNode name="firstComp">
-          <dgm:alg type="composite"/>
-          <dgm:shape xmlns:r="http://schemas.openxmlformats.org/officeDocument/2006/relationships" r:blip="">
-            <dgm:adjLst/>
-          </dgm:shape>
-          <dgm:presOf/>
-          <dgm:choose name="Name4">
-            <dgm:if name="Name5" func="var" arg="dir" op="equ" val="norm">
-              <dgm:constrLst>
-                <dgm:constr type="l" for="ch" forName="firstChild"/>
-                <dgm:constr type="t" for="ch" forName="firstChild"/>
-                <dgm:constr type="w" for="ch" forName="firstChild" refType="w"/>
-                <dgm:constr type="h" for="ch" forName="firstChild" refType="h"/>
-                <dgm:constr type="l" for="ch" forName="firstChildTx" refType="w" fact="0.16"/>
-                <dgm:constr type="r" for="ch" forName="firstChildTx" refType="w"/>
-                <dgm:constr type="h" for="ch" forName="firstChildTx" refFor="ch" refForName="firstChild" op="equ"/>
-              </dgm:constrLst>
-            </dgm:if>
-            <dgm:else name="Name6">
-              <dgm:constrLst>
-                <dgm:constr type="l" for="ch" forName="firstChild"/>
-                <dgm:constr type="t" for="ch" forName="firstChild"/>
-                <dgm:constr type="w" for="ch" forName="firstChild" refType="w"/>
-                <dgm:constr type="h" for="ch" forName="firstChild" refType="h"/>
-                <dgm:constr type="l" for="ch" forName="firstChildTx"/>
-                <dgm:constr type="r" for="ch" forName="firstChildTx" refType="w" fact="0.825"/>
-                <dgm:constr type="h" for="ch" forName="firstChildTx" refFor="ch" refForName="firstChild" op="equ"/>
-              </dgm:constrLst>
-            </dgm:else>
-          </dgm:choose>
-          <dgm:ruleLst/>
-          <dgm:layoutNode name="firstChild" styleLbl="bgAccFollowNode1">
-            <dgm:alg type="sp"/>
-            <dgm:shape xmlns:r="http://schemas.openxmlformats.org/officeDocument/2006/relationships" type="rect" r:blip="">
-              <dgm:adjLst/>
-            </dgm:shape>
-            <dgm:presOf axis="ch desOrSelf" ptType="node node" cnt="1 0"/>
-            <dgm:constrLst/>
-            <dgm:ruleLst/>
-          </dgm:layoutNode>
-          <dgm:layoutNode name="firstChildTx" styleLbl="bgAccFollowNode1">
-            <dgm:varLst>
-              <dgm:bulletEnabled val="1"/>
-            </dgm:varLst>
-            <dgm:alg type="tx">
-              <dgm:param type="parTxLTRAlign" val="l"/>
-            </dgm:alg>
-            <dgm:shape xmlns:r="http://schemas.openxmlformats.org/officeDocument/2006/relationships" type="rect" r:blip="" hideGeom="1">
-              <dgm:adjLst/>
-            </dgm:shape>
-            <dgm:presOf axis="ch desOrSelf" ptType="node node" cnt="1 0"/>
-            <dgm:choose name="Name7">
-              <dgm:if name="Name8" func="var" arg="dir" op="equ" val="norm">
-                <dgm:constrLst>
-                  <dgm:constr type="primFontSz" val="65"/>
-                  <dgm:constr type="lMarg"/>
-                </dgm:constrLst>
-              </dgm:if>
-              <dgm:else name="Name9">
-                <dgm:constrLst>
-                  <dgm:constr type="primFontSz" val="65"/>
-                  <dgm:constr type="rMarg"/>
-                </dgm:constrLst>
-              </dgm:else>
-            </dgm:choose>
-            <dgm:ruleLst>
-              <dgm:rule type="primFontSz" val="5" fact="NaN" max="NaN"/>
-            </dgm:ruleLst>
-          </dgm:layoutNode>
-        </dgm:layoutNode>
-        <dgm:forEach name="Name10" axis="ch" ptType="node" st="2">
-          <dgm:layoutNode name="comp">
-            <dgm:alg type="composite"/>
-            <dgm:shape xmlns:r="http://schemas.openxmlformats.org/officeDocument/2006/relationships" r:blip="">
-              <dgm:adjLst/>
-            </dgm:shape>
-            <dgm:presOf/>
-            <dgm:choose name="Name11">
-              <dgm:if name="Name12" func="var" arg="dir" op="equ" val="norm">
-                <dgm:constrLst>
-                  <dgm:constr type="l" for="ch" forName="child"/>
-                  <dgm:constr type="t" for="ch" forName="child"/>
-                  <dgm:constr type="w" for="ch" forName="child" refType="w"/>
-                  <dgm:constr type="h" for="ch" forName="child" refType="h"/>
-                  <dgm:constr type="l" for="ch" forName="childTx" refType="w" fact="0.16"/>
-                  <dgm:constr type="r" for="ch" forName="childTx" refType="w"/>
-                  <dgm:constr type="h" for="ch" forName="childTx" refFor="ch" refForName="child" op="equ"/>
-                </dgm:constrLst>
-              </dgm:if>
-              <dgm:else name="Name13">
-                <dgm:constrLst>
-                  <dgm:constr type="l" for="ch" forName="child"/>
-                  <dgm:constr type="t" for="ch" forName="child"/>
-                  <dgm:constr type="w" for="ch" forName="child" refType="w"/>
-                  <dgm:constr type="h" for="ch" forName="child" refType="h"/>
-                  <dgm:constr type="l" for="ch" forName="childTx"/>
-                  <dgm:constr type="r" for="ch" forName="childTx" refType="w" fact="0.825"/>
-                  <dgm:constr type="h" for="ch" forName="childTx" refFor="ch" refForName="child" op="equ"/>
-                </dgm:constrLst>
-              </dgm:else>
-            </dgm:choose>
-            <dgm:ruleLst/>
-            <dgm:layoutNode name="child" styleLbl="bgAccFollowNode1">
-              <dgm:alg type="sp"/>
-              <dgm:shape xmlns:r="http://schemas.openxmlformats.org/officeDocument/2006/relationships" type="rect" r:blip="">
-                <dgm:adjLst/>
-              </dgm:shape>
-              <dgm:presOf axis="desOrSelf" ptType="node"/>
-              <dgm:constrLst/>
-              <dgm:ruleLst/>
-            </dgm:layoutNode>
-            <dgm:layoutNode name="childTx" styleLbl="bgAccFollowNode1">
-              <dgm:varLst>
-                <dgm:bulletEnabled val="1"/>
-              </dgm:varLst>
-              <dgm:alg type="tx">
-                <dgm:param type="parTxLTRAlign" val="l"/>
-              </dgm:alg>
-              <dgm:shape xmlns:r="http://schemas.openxmlformats.org/officeDocument/2006/relationships" type="rect" r:blip="" hideGeom="1">
-                <dgm:adjLst/>
-              </dgm:shape>
-              <dgm:presOf axis="desOrSelf" ptType="node"/>
-              <dgm:choose name="Name14">
-                <dgm:if name="Name15" func="var" arg="dir" op="equ" val="norm">
-                  <dgm:constrLst>
-                    <dgm:constr type="primFontSz" val="65"/>
-                    <dgm:constr type="lMarg"/>
-                  </dgm:constrLst>
-                </dgm:if>
-                <dgm:else name="Name16">
-                  <dgm:constrLst>
-                    <dgm:constr type="primFontSz" val="65"/>
-                    <dgm:constr type="rMarg"/>
-                  </dgm:constrLst>
-                </dgm:else>
-              </dgm:choose>
-              <dgm:ruleLst>
-                <dgm:rule type="primFontSz" val="5" fact="NaN" max="NaN"/>
-              </dgm:ruleLst>
-            </dgm:layoutNode>
-          </dgm:layoutNode>
-        </dgm:forEach>
-      </dgm:layoutNode>
-      <dgm:layoutNode name="negSpace">
-        <dgm:alg type="sp"/>
-        <dgm:shape xmlns:r="http://schemas.openxmlformats.org/officeDocument/2006/relationships" r:blip="">
-          <dgm:adjLst/>
-        </dgm:shape>
-        <dgm:presOf/>
-        <dgm:constrLst/>
-        <dgm:ruleLst/>
-      </dgm:layoutNode>
-      <dgm:layoutNode name="circle" styleLbl="node1">
-        <dgm:alg type="tx"/>
-        <dgm:shape xmlns:r="http://schemas.openxmlformats.org/officeDocument/2006/relationships" type="ellipse" r:blip="">
-          <dgm:adjLst/>
-        </dgm:shape>
-        <dgm:presOf axis="self"/>
-        <dgm:constrLst>
-          <dgm:constr type="lMarg"/>
-          <dgm:constr type="rMarg"/>
-          <dgm:constr type="tMarg"/>
-          <dgm:constr type="bMarg"/>
-          <dgm:constr type="h" refType="w"/>
-        </dgm:constrLst>
-        <dgm:ruleLst>
-          <dgm:rule type="primFontSz" val="5" fact="NaN" max="NaN"/>
-        </dgm:ruleLst>
-      </dgm:layoutNode>
-      <dgm:forEach name="Name17" axis="followSib" ptType="sibTrans" cnt="1">
-        <dgm:layoutNode name="transSpace">
-          <dgm:alg type="sp"/>
-          <dgm:shape xmlns:r="http://schemas.openxmlformats.org/officeDocument/2006/relationships" r:blip="">
-            <dgm:adjLst/>
-          </dgm:shape>
-          <dgm:presOf/>
-          <dgm:constrLst/>
-          <dgm:ruleLst/>
-        </dgm:layoutNode>
-      </dgm:forEach>
-    </dgm:forEach>
-  </dgm:layoutNode>
-</dgm:layoutDef>
-</file>
-
-<file path=ppt/diagrams/quickStyle1.xml><?xml version="1.0" encoding="utf-8"?>
-<dgm:styleDef xmlns:dgm="http://schemas.openxmlformats.org/drawingml/2006/diagram" xmlns:a="http://schemas.openxmlformats.org/drawingml/2006/main" uniqueId="urn:microsoft.com/office/officeart/2005/8/quickstyle/simple4">
-  <dgm:title val=""/>
-  <dgm:desc val=""/>
-  <dgm:catLst>
-    <dgm:cat type="simple" pri="10400"/>
-  </dgm:catLst>
-  <dgm:scene3d>
-    <a:camera prst="orthographicFront"/>
-    <a:lightRig rig="threePt" dir="t"/>
-  </dgm:scene3d>
-  <dgm:styleLbl name="node0">
-    <dgm:scene3d>
-      <a:camera prst="orthographicFront"/>
-      <a:lightRig rig="threePt" dir="t"/>
-    </dgm:scene3d>
-    <dgm:sp3d/>
-    <dgm:txPr/>
-    <dgm:style>
-      <a:lnRef idx="0">
-        <a:scrgbClr r="0" g="0" b="0"/>
-      </a:lnRef>
-      <a:fillRef idx="3">
-        <a:scrgbClr r="0" g="0" b="0"/>
-      </a:fillRef>
-      <a:effectRef idx="2">
-        <a:scrgbClr r="0" g="0" b="0"/>
-      </a:effectRef>
-      <a:fontRef idx="minor">
-        <a:schemeClr val="lt1"/>
-      </a:fontRef>
-    </dgm:style>
-  </dgm:styleLbl>
-  <dgm:styleLbl name="lnNode1">
-    <dgm:scene3d>
-      <a:camera prst="orthographicFront"/>
-      <a:lightRig rig="threePt" dir="t"/>
-    </dgm:scene3d>
-    <dgm:sp3d/>
-    <dgm:txPr/>
-    <dgm:style>
-      <a:lnRef idx="1">
-        <a:scrgbClr r="0" g="0" b="0"/>
-      </a:lnRef>
-      <a:fillRef idx="3">
-        <a:scrgbClr r="0" g="0" b="0"/>
-      </a:fillRef>
-      <a:effectRef idx="2">
-        <a:scrgbClr r="0" g="0" b="0"/>
-      </a:effectRef>
-      <a:fontRef idx="minor">
-        <a:schemeClr val="lt1"/>
-      </a:fontRef>
-    </dgm:style>
-  </dgm:styleLbl>
-  <dgm:styleLbl name="vennNode1">
-    <dgm:scene3d>
-      <a:camera prst="orthographicFront"/>
-      <a:lightRig rig="threePt" dir="t"/>
-    </dgm:scene3d>
-    <dgm:sp3d/>
-    <dgm:txPr/>
-    <dgm:style>
-      <a:lnRef idx="0">
-        <a:scrgbClr r="0" g="0" b="0"/>
-      </a:lnRef>
-      <a:fillRef idx="3">
-        <a:scrgbClr r="0" g="0" b="0"/>
-      </a:fillRef>
-      <a:effectRef idx="0">
-        <a:scrgbClr r="0" g="0" b="0"/>
-      </a:effectRef>
-      <a:fontRef idx="minor">
-        <a:schemeClr val="tx1"/>
-      </a:fontRef>
-    </dgm:style>
-  </dgm:styleLbl>
-  <dgm:styleLbl name="alignNode1">
-    <dgm:scene3d>
-      <a:camera prst="orthographicFront"/>
-      <a:lightRig rig="threePt" dir="t"/>
-    </dgm:scene3d>
-    <dgm:sp3d/>
-    <dgm:txPr/>
-    <dgm:style>
-      <a:lnRef idx="1">
-        <a:scrgbClr r="0" g="0" b="0"/>
-      </a:lnRef>
-      <a:fillRef idx="3">
-        <a:scrgbClr r="0" g="0" b="0"/>
-      </a:fillRef>
-      <a:effectRef idx="2">
-        <a:scrgbClr r="0" g="0" b="0"/>
-      </a:effectRef>
-      <a:fontRef idx="minor">
-        <a:schemeClr val="lt1"/>
-      </a:fontRef>
-    </dgm:style>
-  </dgm:styleLbl>
-  <dgm:styleLbl name="node1">
-    <dgm:scene3d>
-      <a:camera prst="orthographicFront"/>
-      <a:lightRig rig="threePt" dir="t"/>
-    </dgm:scene3d>
-    <dgm:sp3d/>
-    <dgm:txPr/>
-    <dgm:style>
-      <a:lnRef idx="0">
-        <a:scrgbClr r="0" g="0" b="0"/>
-      </a:lnRef>
-      <a:fillRef idx="3">
-        <a:scrgbClr r="0" g="0" b="0"/>
-      </a:fillRef>
-      <a:effectRef idx="2">
-        <a:scrgbClr r="0" g="0" b="0"/>
-      </a:effectRef>
-      <a:fontRef idx="minor">
-        <a:schemeClr val="lt1"/>
-      </a:fontRef>
-    </dgm:style>
-  </dgm:styleLbl>
-  <dgm:styleLbl name="node2">
-    <dgm:scene3d>
-      <a:camera prst="orthographicFront"/>
-      <a:lightRig rig="threePt" dir="t"/>
-    </dgm:scene3d>
-    <dgm:sp3d/>
-    <dgm:txPr/>
-    <dgm:style>
-      <a:lnRef idx="0">
-        <a:scrgbClr r="0" g="0" b="0"/>
-      </a:lnRef>
-      <a:fillRef idx="3">
-        <a:scrgbClr r="0" g="0" b="0"/>
-      </a:fillRef>
-      <a:effectRef idx="2">
-        <a:scrgbClr r="0" g="0" b="0"/>
-      </a:effectRef>
-      <a:fontRef idx="minor">
-        <a:schemeClr val="lt1"/>
-      </a:fontRef>
-    </dgm:style>
-  </dgm:styleLbl>
-  <dgm:styleLbl name="node3">
-    <dgm:scene3d>
-      <a:camera prst="orthographicFront"/>
-      <a:lightRig rig="threePt" dir="t"/>
-    </dgm:scene3d>
-    <dgm:sp3d/>
-    <dgm:txPr/>
-    <dgm:style>
-      <a:lnRef idx="0">
-        <a:scrgbClr r="0" g="0" b="0"/>
-      </a:lnRef>
-      <a:fillRef idx="3">
-        <a:scrgbClr r="0" g="0" b="0"/>
-      </a:fillRef>
-      <a:effectRef idx="2">
-        <a:scrgbClr r="0" g="0" b="0"/>
-      </a:effectRef>
-      <a:fontRef idx="minor">
-        <a:schemeClr val="lt1"/>
-      </a:fontRef>
-    </dgm:style>
-  </dgm:styleLbl>
-  <dgm:styleLbl name="node4">
-    <dgm:scene3d>
-      <a:camera prst="orthographicFront"/>
-      <a:lightRig rig="threePt" dir="t"/>
-    </dgm:scene3d>
-    <dgm:sp3d/>
-    <dgm:txPr/>
-    <dgm:style>
-      <a:lnRef idx="0">
-        <a:scrgbClr r="0" g="0" b="0"/>
-      </a:lnRef>
-      <a:fillRef idx="3">
-        <a:scrgbClr r="0" g="0" b="0"/>
-      </a:fillRef>
-      <a:effectRef idx="2">
-        <a:scrgbClr r="0" g="0" b="0"/>
-      </a:effectRef>
-      <a:fontRef idx="minor">
-        <a:schemeClr val="lt1"/>
-      </a:fontRef>
-    </dgm:style>
-  </dgm:styleLbl>
-  <dgm:styleLbl name="fgImgPlace1">
-    <dgm:scene3d>
-      <a:camera prst="orthographicFront"/>
-      <a:lightRig rig="threePt" dir="t"/>
-    </dgm:scene3d>
-    <dgm:sp3d/>
-    <dgm:txPr/>
-    <dgm:style>
-      <a:lnRef idx="0">
-        <a:scrgbClr r="0" g="0" b="0"/>
-      </a:lnRef>
-      <a:fillRef idx="1">
-        <a:scrgbClr r="0" g="0" b="0"/>
-      </a:fillRef>
-      <a:effectRef idx="2">
-        <a:scrgbClr r="0" g="0" b="0"/>
-      </a:effectRef>
-      <a:fontRef idx="minor"/>
-    </dgm:style>
-  </dgm:styleLbl>
-  <dgm:styleLbl name="alignImgPlace1">
-    <dgm:scene3d>
-      <a:camera prst="orthographicFront"/>
-      <a:lightRig rig="threePt" dir="t"/>
-    </dgm:scene3d>
-    <dgm:sp3d/>
-    <dgm:txPr/>
-    <dgm:style>
-      <a:lnRef idx="0">
-        <a:scrgbClr r="0" g="0" b="0"/>
-      </a:lnRef>
-      <a:fillRef idx="1">
-        <a:scrgbClr r="0" g="0" b="0"/>
-      </a:fillRef>
-      <a:effectRef idx="2">
-        <a:scrgbClr r="0" g="0" b="0"/>
-      </a:effectRef>
-      <a:fontRef idx="minor"/>
-    </dgm:style>
-  </dgm:styleLbl>
-  <dgm:styleLbl name="bgImgPlace1">
-    <dgm:scene3d>
-      <a:camera prst="orthographicFront"/>
-      <a:lightRig rig="threePt" dir="t"/>
-    </dgm:scene3d>
-    <dgm:sp3d/>
-    <dgm:txPr/>
-    <dgm:style>
-      <a:lnRef idx="0">
-        <a:scrgbClr r="0" g="0" b="0"/>
-      </a:lnRef>
-      <a:fillRef idx="1">
-        <a:scrgbClr r="0" g="0" b="0"/>
-      </a:fillRef>
-      <a:effectRef idx="2">
-        <a:scrgbClr r="0" g="0" b="0"/>
-      </a:effectRef>
-      <a:fontRef idx="minor"/>
-    </dgm:style>
-  </dgm:styleLbl>
-  <dgm:styleLbl name="sibTrans2D1">
-    <dgm:scene3d>
-      <a:camera prst="orthographicFront"/>
-      <a:lightRig rig="threePt" dir="t"/>
-    </dgm:scene3d>
-    <dgm:sp3d/>
-    <dgm:txPr/>
-    <dgm:style>
-      <a:lnRef idx="0">
-        <a:scrgbClr r="0" g="0" b="0"/>
-      </a:lnRef>
-      <a:fillRef idx="3">
-        <a:scrgbClr r="0" g="0" b="0"/>
-      </a:fillRef>
-      <a:effectRef idx="2">
-        <a:scrgbClr r="0" g="0" b="0"/>
-      </a:effectRef>
-      <a:fontRef idx="minor">
-        <a:schemeClr val="lt1"/>
-      </a:fontRef>
-    </dgm:style>
-  </dgm:styleLbl>
-  <dgm:styleLbl name="fgSibTrans2D1">
-    <dgm:scene3d>
-      <a:camera prst="orthographicFront"/>
-      <a:lightRig rig="threePt" dir="t"/>
-    </dgm:scene3d>
-    <dgm:sp3d/>
-    <dgm:txPr/>
-    <dgm:style>
-      <a:lnRef idx="0">
-        <a:scrgbClr r="0" g="0" b="0"/>
-      </a:lnRef>
-      <a:fillRef idx="3">
-        <a:scrgbClr r="0" g="0" b="0"/>
-      </a:fillRef>
-      <a:effectRef idx="2">
-        <a:scrgbClr r="0" g="0" b="0"/>
-      </a:effectRef>
-      <a:fontRef idx="minor">
-        <a:schemeClr val="lt1"/>
-      </a:fontRef>
-    </dgm:style>
-  </dgm:styleLbl>
-  <dgm:styleLbl name="bgSibTrans2D1">
-    <dgm:scene3d>
-      <a:camera prst="orthographicFront"/>
-      <a:lightRig rig="threePt" dir="t"/>
-    </dgm:scene3d>
-    <dgm:sp3d/>
-    <dgm:txPr/>
-    <dgm:style>
-      <a:lnRef idx="0">
-        <a:scrgbClr r="0" g="0" b="0"/>
-      </a:lnRef>
-      <a:fillRef idx="3">
-        <a:scrgbClr r="0" g="0" b="0"/>
-      </a:fillRef>
-      <a:effectRef idx="2">
-        <a:scrgbClr r="0" g="0" b="0"/>
-      </a:effectRef>
-      <a:fontRef idx="minor">
-        <a:schemeClr val="lt1"/>
-      </a:fontRef>
-    </dgm:style>
-  </dgm:styleLbl>
-  <dgm:styleLbl name="sibTrans1D1">
-    <dgm:scene3d>
-      <a:camera prst="orthographicFront"/>
-      <a:lightRig rig="threePt" dir="t"/>
-    </dgm:scene3d>
-    <dgm:sp3d/>
-    <dgm:txPr/>
-    <dgm:style>
-      <a:lnRef idx="1">
-        <a:scrgbClr r="0" g="0" b="0"/>
-      </a:lnRef>
-      <a:fillRef idx="0">
-        <a:scrgbClr r="0" g="0" b="0"/>
-      </a:fillRef>
-      <a:effectRef idx="0">
-        <a:scrgbClr r="0" g="0" b="0"/>
-      </a:effectRef>
-      <a:fontRef idx="minor"/>
-    </dgm:style>
-  </dgm:styleLbl>
-  <dgm:styleLbl name="callout">
-    <dgm:scene3d>
-      <a:camera prst="orthographicFront"/>
-      <a:lightRig rig="threePt" dir="t"/>
-    </dgm:scene3d>
-    <dgm:sp3d/>
-    <dgm:txPr/>
-    <dgm:style>
-      <a:lnRef idx="2">
-        <a:scrgbClr r="0" g="0" b="0"/>
-      </a:lnRef>
-      <a:fillRef idx="1">
-        <a:scrgbClr r="0" g="0" b="0"/>
-      </a:fillRef>
-      <a:effectRef idx="1">
-        <a:scrgbClr r="0" g="0" b="0"/>
-      </a:effectRef>
-      <a:fontRef idx="minor"/>
-    </dgm:style>
-  </dgm:styleLbl>
-  <dgm:styleLbl name="asst0">
-    <dgm:scene3d>
-      <a:camera prst="orthographicFront"/>
-      <a:lightRig rig="threePt" dir="t"/>
-    </dgm:scene3d>
-    <dgm:sp3d/>
-    <dgm:txPr/>
-    <dgm:style>
-      <a:lnRef idx="0">
-        <a:scrgbClr r="0" g="0" b="0"/>
-      </a:lnRef>
-      <a:fillRef idx="3">
-        <a:scrgbClr r="0" g="0" b="0"/>
-      </a:fillRef>
-      <a:effectRef idx="2">
-        <a:scrgbClr r="0" g="0" b="0"/>
-      </a:effectRef>
-      <a:fontRef idx="minor">
-        <a:schemeClr val="lt1"/>
-      </a:fontRef>
-    </dgm:style>
-  </dgm:styleLbl>
-  <dgm:styleLbl name="asst1">
-    <dgm:scene3d>
-      <a:camera prst="orthographicFront"/>
-      <a:lightRig rig="threePt" dir="t"/>
-    </dgm:scene3d>
-    <dgm:sp3d/>
-    <dgm:txPr/>
-    <dgm:style>
-      <a:lnRef idx="0">
-        <a:scrgbClr r="0" g="0" b="0"/>
-      </a:lnRef>
-      <a:fillRef idx="3">
-        <a:scrgbClr r="0" g="0" b="0"/>
-      </a:fillRef>
-      <a:effectRef idx="2">
-        <a:scrgbClr r="0" g="0" b="0"/>
-      </a:effectRef>
-      <a:fontRef idx="minor">
-        <a:schemeClr val="lt1"/>
-      </a:fontRef>
-    </dgm:style>
-  </dgm:styleLbl>
-  <dgm:styleLbl name="asst2">
-    <dgm:scene3d>
-      <a:camera prst="orthographicFront"/>
-      <a:lightRig rig="threePt" dir="t"/>
-    </dgm:scene3d>
-    <dgm:sp3d/>
-    <dgm:txPr/>
-    <dgm:style>
-      <a:lnRef idx="0">
-        <a:scrgbClr r="0" g="0" b="0"/>
-      </a:lnRef>
-      <a:fillRef idx="3">
-        <a:scrgbClr r="0" g="0" b="0"/>
-      </a:fillRef>
-      <a:effectRef idx="2">
-        <a:scrgbClr r="0" g="0" b="0"/>
-      </a:effectRef>
-      <a:fontRef idx="minor">
-        <a:schemeClr val="lt1"/>
-      </a:fontRef>
-    </dgm:style>
-  </dgm:styleLbl>
-  <dgm:styleLbl name="asst3">
-    <dgm:scene3d>
-      <a:camera prst="orthographicFront"/>
-      <a:lightRig rig="threePt" dir="t"/>
-    </dgm:scene3d>
-    <dgm:sp3d/>
-    <dgm:txPr/>
-    <dgm:style>
-      <a:lnRef idx="0">
-        <a:scrgbClr r="0" g="0" b="0"/>
-      </a:lnRef>
-      <a:fillRef idx="3">
-        <a:scrgbClr r="0" g="0" b="0"/>
-      </a:fillRef>
-      <a:effectRef idx="2">
-        <a:scrgbClr r="0" g="0" b="0"/>
-      </a:effectRef>
-      <a:fontRef idx="minor">
-        <a:schemeClr val="lt1"/>
-      </a:fontRef>
-    </dgm:style>
-  </dgm:styleLbl>
-  <dgm:styleLbl name="asst4">
-    <dgm:scene3d>
-      <a:camera prst="orthographicFront"/>
-      <a:lightRig rig="threePt" dir="t"/>
-    </dgm:scene3d>
-    <dgm:sp3d/>
-    <dgm:txPr/>
-    <dgm:style>
-      <a:lnRef idx="0">
-        <a:scrgbClr r="0" g="0" b="0"/>
-      </a:lnRef>
-      <a:fillRef idx="3">
-        <a:scrgbClr r="0" g="0" b="0"/>
-      </a:fillRef>
-      <a:effectRef idx="2">
-        <a:scrgbClr r="0" g="0" b="0"/>
-      </a:effectRef>
-      <a:fontRef idx="minor">
-        <a:schemeClr val="lt1"/>
-      </a:fontRef>
-    </dgm:style>
-  </dgm:styleLbl>
-  <dgm:styleLbl name="parChTrans2D1">
-    <dgm:scene3d>
-      <a:camera prst="orthographicFront"/>
-      <a:lightRig rig="threePt" dir="t"/>
-    </dgm:scene3d>
-    <dgm:sp3d/>
-    <dgm:txPr/>
-    <dgm:style>
-      <a:lnRef idx="0">
-        <a:scrgbClr r="0" g="0" b="0"/>
-      </a:lnRef>
-      <a:fillRef idx="3">
-        <a:scrgbClr r="0" g="0" b="0"/>
-      </a:fillRef>
-      <a:effectRef idx="2">
-        <a:scrgbClr r="0" g="0" b="0"/>
-      </a:effectRef>
-      <a:fontRef idx="minor">
-        <a:schemeClr val="lt1"/>
-      </a:fontRef>
-    </dgm:style>
-  </dgm:styleLbl>
-  <dgm:styleLbl name="parChTrans2D2">
-    <dgm:scene3d>
-      <a:camera prst="orthographicFront"/>
-      <a:lightRig rig="threePt" dir="t"/>
-    </dgm:scene3d>
-    <dgm:sp3d/>
-    <dgm:txPr/>
-    <dgm:style>
-      <a:lnRef idx="0">
-        <a:scrgbClr r="0" g="0" b="0"/>
-      </a:lnRef>
-      <a:fillRef idx="3">
-        <a:scrgbClr r="0" g="0" b="0"/>
-      </a:fillRef>
-      <a:effectRef idx="2">
-        <a:scrgbClr r="0" g="0" b="0"/>
-      </a:effectRef>
-      <a:fontRef idx="minor">
-        <a:schemeClr val="lt1"/>
-      </a:fontRef>
-    </dgm:style>
-  </dgm:styleLbl>
-  <dgm:styleLbl name="parChTrans2D3">
-    <dgm:scene3d>
-      <a:camera prst="orthographicFront"/>
-      <a:lightRig rig="threePt" dir="t"/>
-    </dgm:scene3d>
-    <dgm:sp3d/>
-    <dgm:txPr/>
-    <dgm:style>
-      <a:lnRef idx="1">
-        <a:scrgbClr r="0" g="0" b="0"/>
-      </a:lnRef>
-      <a:fillRef idx="3">
-        <a:scrgbClr r="0" g="0" b="0"/>
-      </a:fillRef>
-      <a:effectRef idx="2">
-        <a:scrgbClr r="0" g="0" b="0"/>
-      </a:effectRef>
-      <a:fontRef idx="minor">
-        <a:schemeClr val="lt1"/>
-      </a:fontRef>
-    </dgm:style>
-  </dgm:styleLbl>
-  <dgm:styleLbl name="parChTrans2D4">
-    <dgm:scene3d>
-      <a:camera prst="orthographicFront"/>
-      <a:lightRig rig="threePt" dir="t"/>
-    </dgm:scene3d>
-    <dgm:sp3d/>
-    <dgm:txPr/>
-    <dgm:style>
-      <a:lnRef idx="1">
-        <a:scrgbClr r="0" g="0" b="0"/>
-      </a:lnRef>
-      <a:fillRef idx="3">
-        <a:scrgbClr r="0" g="0" b="0"/>
-      </a:fillRef>
-      <a:effectRef idx="2">
-        <a:scrgbClr r="0" g="0" b="0"/>
-      </a:effectRef>
-      <a:fontRef idx="minor">
-        <a:schemeClr val="lt1"/>
-      </a:fontRef>
-    </dgm:style>
-  </dgm:styleLbl>
-  <dgm:styleLbl name="parChTrans1D1">
-    <dgm:scene3d>
-      <a:camera prst="orthographicFront"/>
-      <a:lightRig rig="threePt" dir="t"/>
-    </dgm:scene3d>
-    <dgm:sp3d/>
-    <dgm:txPr/>
-    <dgm:style>
-      <a:lnRef idx="1">
-        <a:scrgbClr r="0" g="0" b="0"/>
-      </a:lnRef>
-      <a:fillRef idx="0">
-        <a:scrgbClr r="0" g="0" b="0"/>
-      </a:fillRef>
-      <a:effectRef idx="0">
-        <a:scrgbClr r="0" g="0" b="0"/>
-      </a:effectRef>
-      <a:fontRef idx="minor"/>
-    </dgm:style>
-  </dgm:styleLbl>
-  <dgm:styleLbl name="parChTrans1D2">
-    <dgm:scene3d>
-      <a:camera prst="orthographicFront"/>
-      <a:lightRig rig="threePt" dir="t"/>
-    </dgm:scene3d>
-    <dgm:sp3d/>
-    <dgm:txPr/>
-    <dgm:style>
-      <a:lnRef idx="1">
-        <a:scrgbClr r="0" g="0" b="0"/>
-      </a:lnRef>
-      <a:fillRef idx="0">
-        <a:scrgbClr r="0" g="0" b="0"/>
-      </a:fillRef>
-      <a:effectRef idx="0">
-        <a:scrgbClr r="0" g="0" b="0"/>
-      </a:effectRef>
-      <a:fontRef idx="minor"/>
-    </dgm:style>
-  </dgm:styleLbl>
-  <dgm:styleLbl name="parChTrans1D3">
-    <dgm:scene3d>
-      <a:camera prst="orthographicFront"/>
-      <a:lightRig rig="threePt" dir="t"/>
-    </dgm:scene3d>
-    <dgm:sp3d/>
-    <dgm:txPr/>
-    <dgm:style>
-      <a:lnRef idx="1">
-        <a:scrgbClr r="0" g="0" b="0"/>
-      </a:lnRef>
-      <a:fillRef idx="0">
-        <a:scrgbClr r="0" g="0" b="0"/>
-      </a:fillRef>
-      <a:effectRef idx="0">
-        <a:scrgbClr r="0" g="0" b="0"/>
-      </a:effectRef>
-      <a:fontRef idx="minor"/>
-    </dgm:style>
-  </dgm:styleLbl>
-  <dgm:styleLbl name="parChTrans1D4">
-    <dgm:scene3d>
-      <a:camera prst="orthographicFront"/>
-      <a:lightRig rig="threePt" dir="t"/>
-    </dgm:scene3d>
-    <dgm:sp3d/>
-    <dgm:txPr/>
-    <dgm:style>
-      <a:lnRef idx="1">
-        <a:scrgbClr r="0" g="0" b="0"/>
-      </a:lnRef>
-      <a:fillRef idx="0">
-        <a:scrgbClr r="0" g="0" b="0"/>
-      </a:fillRef>
-      <a:effectRef idx="0">
-        <a:scrgbClr r="0" g="0" b="0"/>
-      </a:effectRef>
-      <a:fontRef idx="minor"/>
-    </dgm:style>
-  </dgm:styleLbl>
-  <dgm:styleLbl name="fgAcc1">
-    <dgm:scene3d>
-      <a:camera prst="orthographicFront"/>
-      <a:lightRig rig="threePt" dir="t"/>
-    </dgm:scene3d>
-    <dgm:sp3d/>
-    <dgm:txPr/>
-    <dgm:style>
-      <a:lnRef idx="1">
-        <a:scrgbClr r="0" g="0" b="0"/>
-      </a:lnRef>
-      <a:fillRef idx="1">
-        <a:scrgbClr r="0" g="0" b="0"/>
-      </a:fillRef>
-      <a:effectRef idx="0">
-        <a:scrgbClr r="0" g="0" b="0"/>
-      </a:effectRef>
-      <a:fontRef idx="minor"/>
-    </dgm:style>
-  </dgm:styleLbl>
-  <dgm:styleLbl name="conFgAcc1">
-    <dgm:scene3d>
-      <a:camera prst="orthographicFront"/>
-      <a:lightRig rig="threePt" dir="t"/>
-    </dgm:scene3d>
-    <dgm:sp3d/>
-    <dgm:txPr/>
-    <dgm:style>
-      <a:lnRef idx="1">
-        <a:scrgbClr r="0" g="0" b="0"/>
-      </a:lnRef>
-      <a:fillRef idx="1">
-        <a:scrgbClr r="0" g="0" b="0"/>
-      </a:fillRef>
-      <a:effectRef idx="0">
-        <a:scrgbClr r="0" g="0" b="0"/>
-      </a:effectRef>
-      <a:fontRef idx="minor"/>
-    </dgm:style>
-  </dgm:styleLbl>
-  <dgm:styleLbl name="alignAcc1">
-    <dgm:scene3d>
-      <a:camera prst="orthographicFront"/>
-      <a:lightRig rig="threePt" dir="t"/>
-    </dgm:scene3d>
-    <dgm:sp3d/>
-    <dgm:txPr/>
-    <dgm:style>
-      <a:lnRef idx="1">
-        <a:scrgbClr r="0" g="0" b="0"/>
-      </a:lnRef>
-      <a:fillRef idx="1">
-        <a:scrgbClr r="0" g="0" b="0"/>
-      </a:fillRef>
-      <a:effectRef idx="0">
-        <a:scrgbClr r="0" g="0" b="0"/>
-      </a:effectRef>
-      <a:fontRef idx="minor"/>
-    </dgm:style>
-  </dgm:styleLbl>
-  <dgm:styleLbl name="trAlignAcc1">
-    <dgm:scene3d>
-      <a:camera prst="orthographicFront"/>
-      <a:lightRig rig="threePt" dir="t"/>
-    </dgm:scene3d>
-    <dgm:sp3d/>
-    <dgm:txPr/>
-    <dgm:style>
-      <a:lnRef idx="1">
-        <a:scrgbClr r="0" g="0" b="0"/>
-      </a:lnRef>
-      <a:fillRef idx="1">
-        <a:scrgbClr r="0" g="0" b="0"/>
-      </a:fillRef>
-      <a:effectRef idx="0">
-        <a:scrgbClr r="0" g="0" b="0"/>
-      </a:effectRef>
-      <a:fontRef idx="minor"/>
-    </dgm:style>
-  </dgm:styleLbl>
-  <dgm:styleLbl name="bgAcc1">
-    <dgm:scene3d>
-      <a:camera prst="orthographicFront"/>
-      <a:lightRig rig="threePt" dir="t"/>
-    </dgm:scene3d>
-    <dgm:sp3d/>
-    <dgm:txPr/>
-    <dgm:style>
-      <a:lnRef idx="1">
-        <a:scrgbClr r="0" g="0" b="0"/>
-      </a:lnRef>
-      <a:fillRef idx="1">
-        <a:scrgbClr r="0" g="0" b="0"/>
-      </a:fillRef>
-      <a:effectRef idx="0">
-        <a:scrgbClr r="0" g="0" b="0"/>
-      </a:effectRef>
-      <a:fontRef idx="minor"/>
-    </dgm:style>
-  </dgm:styleLbl>
-  <dgm:styleLbl name="solidFgAcc1">
-    <dgm:scene3d>
-      <a:camera prst="orthographicFront"/>
-      <a:lightRig rig="threePt" dir="t"/>
-    </dgm:scene3d>
-    <dgm:sp3d/>
-    <dgm:txPr/>
-    <dgm:style>
-      <a:lnRef idx="1">
-        <a:scrgbClr r="0" g="0" b="0"/>
-      </a:lnRef>
-      <a:fillRef idx="1">
-        <a:scrgbClr r="0" g="0" b="0"/>
-      </a:fillRef>
-      <a:effectRef idx="0">
-        <a:scrgbClr r="0" g="0" b="0"/>
-      </a:effectRef>
-      <a:fontRef idx="minor"/>
-    </dgm:style>
-  </dgm:styleLbl>
-  <dgm:styleLbl name="solidAlignAcc1">
-    <dgm:scene3d>
-      <a:camera prst="orthographicFront"/>
-      <a:lightRig rig="threePt" dir="t"/>
-    </dgm:scene3d>
-    <dgm:sp3d/>
-    <dgm:txPr/>
-    <dgm:style>
-      <a:lnRef idx="1">
-        <a:scrgbClr r="0" g="0" b="0"/>
-      </a:lnRef>
-      <a:fillRef idx="1">
-        <a:scrgbClr r="0" g="0" b="0"/>
-      </a:fillRef>
-      <a:effectRef idx="0">
-        <a:scrgbClr r="0" g="0" b="0"/>
-      </a:effectRef>
-      <a:fontRef idx="minor"/>
-    </dgm:style>
-  </dgm:styleLbl>
-  <dgm:styleLbl name="solidBgAcc1">
-    <dgm:scene3d>
-      <a:camera prst="orthographicFront"/>
-      <a:lightRig rig="threePt" dir="t"/>
-    </dgm:scene3d>
-    <dgm:sp3d/>
-    <dgm:txPr/>
-    <dgm:style>
-      <a:lnRef idx="1">
-        <a:scrgbClr r="0" g="0" b="0"/>
-      </a:lnRef>
-      <a:fillRef idx="1">
-        <a:scrgbClr r="0" g="0" b="0"/>
-      </a:fillRef>
-      <a:effectRef idx="0">
-        <a:scrgbClr r="0" g="0" b="0"/>
-      </a:effectRef>
-      <a:fontRef idx="minor"/>
-    </dgm:style>
-  </dgm:styleLbl>
-  <dgm:styleLbl name="fgAccFollowNode1">
-    <dgm:scene3d>
-      <a:camera prst="orthographicFront"/>
-      <a:lightRig rig="threePt" dir="t"/>
-    </dgm:scene3d>
-    <dgm:sp3d/>
-    <dgm:txPr/>
-    <dgm:style>
-      <a:lnRef idx="1">
-        <a:scrgbClr r="0" g="0" b="0"/>
-      </a:lnRef>
-      <a:fillRef idx="1">
-        <a:scrgbClr r="0" g="0" b="0"/>
-      </a:fillRef>
-      <a:effectRef idx="0">
-        <a:scrgbClr r="0" g="0" b="0"/>
-      </a:effectRef>
-      <a:fontRef idx="minor"/>
-    </dgm:style>
-  </dgm:styleLbl>
-  <dgm:styleLbl name="alignAccFollowNode1">
-    <dgm:scene3d>
-      <a:camera prst="orthographicFront"/>
-      <a:lightRig rig="threePt" dir="t"/>
-    </dgm:scene3d>
-    <dgm:sp3d/>
-    <dgm:txPr/>
-    <dgm:style>
-      <a:lnRef idx="1">
-        <a:scrgbClr r="0" g="0" b="0"/>
-      </a:lnRef>
-      <a:fillRef idx="1">
-        <a:scrgbClr r="0" g="0" b="0"/>
-      </a:fillRef>
-      <a:effectRef idx="0">
-        <a:scrgbClr r="0" g="0" b="0"/>
-      </a:effectRef>
-      <a:fontRef idx="minor"/>
-    </dgm:style>
-  </dgm:styleLbl>
-  <dgm:styleLbl name="bgAccFollowNode1">
-    <dgm:scene3d>
-      <a:camera prst="orthographicFront"/>
-      <a:lightRig rig="threePt" dir="t"/>
-    </dgm:scene3d>
-    <dgm:sp3d/>
-    <dgm:txPr/>
-    <dgm:style>
-      <a:lnRef idx="1">
-        <a:scrgbClr r="0" g="0" b="0"/>
-      </a:lnRef>
-      <a:fillRef idx="1">
-        <a:scrgbClr r="0" g="0" b="0"/>
-      </a:fillRef>
-      <a:effectRef idx="0">
-        <a:scrgbClr r="0" g="0" b="0"/>
-      </a:effectRef>
-      <a:fontRef idx="minor"/>
-    </dgm:style>
-  </dgm:styleLbl>
-  <dgm:styleLbl name="fgAcc0">
-    <dgm:scene3d>
-      <a:camera prst="orthographicFront"/>
-      <a:lightRig rig="threePt" dir="t"/>
-    </dgm:scene3d>
-    <dgm:sp3d/>
-    <dgm:txPr/>
-    <dgm:style>
-      <a:lnRef idx="1">
-        <a:scrgbClr r="0" g="0" b="0"/>
-      </a:lnRef>
-      <a:fillRef idx="1">
-        <a:scrgbClr r="0" g="0" b="0"/>
-      </a:fillRef>
-      <a:effectRef idx="0">
-        <a:scrgbClr r="0" g="0" b="0"/>
-      </a:effectRef>
-      <a:fontRef idx="minor"/>
-    </dgm:style>
-  </dgm:styleLbl>
-  <dgm:styleLbl name="fgAcc2">
-    <dgm:scene3d>
-      <a:camera prst="orthographicFront"/>
-      <a:lightRig rig="threePt" dir="t"/>
-    </dgm:scene3d>
-    <dgm:sp3d/>
-    <dgm:txPr/>
-    <dgm:style>
-      <a:lnRef idx="1">
-        <a:scrgbClr r="0" g="0" b="0"/>
-      </a:lnRef>
-      <a:fillRef idx="1">
-        <a:scrgbClr r="0" g="0" b="0"/>
-      </a:fillRef>
-      <a:effectRef idx="0">
-        <a:scrgbClr r="0" g="0" b="0"/>
-      </a:effectRef>
-      <a:fontRef idx="minor"/>
-    </dgm:style>
-  </dgm:styleLbl>
-  <dgm:styleLbl name="fgAcc3">
-    <dgm:scene3d>
-      <a:camera prst="orthographicFront"/>
-      <a:lightRig rig="threePt" dir="t"/>
-    </dgm:scene3d>
-    <dgm:sp3d/>
-    <dgm:txPr/>
-    <dgm:style>
-      <a:lnRef idx="1">
-        <a:scrgbClr r="0" g="0" b="0"/>
-      </a:lnRef>
-      <a:fillRef idx="1">
-        <a:scrgbClr r="0" g="0" b="0"/>
-      </a:fillRef>
-      <a:effectRef idx="0">
-        <a:scrgbClr r="0" g="0" b="0"/>
-      </a:effectRef>
-      <a:fontRef idx="minor"/>
-    </dgm:style>
-  </dgm:styleLbl>
-  <dgm:styleLbl name="fgAcc4">
-    <dgm:scene3d>
-      <a:camera prst="orthographicFront"/>
-      <a:lightRig rig="threePt" dir="t"/>
-    </dgm:scene3d>
-    <dgm:sp3d/>
-    <dgm:txPr/>
-    <dgm:style>
-      <a:lnRef idx="1">
-        <a:scrgbClr r="0" g="0" b="0"/>
-      </a:lnRef>
-      <a:fillRef idx="1">
-        <a:scrgbClr r="0" g="0" b="0"/>
-      </a:fillRef>
-      <a:effectRef idx="0">
-        <a:scrgbClr r="0" g="0" b="0"/>
-      </a:effectRef>
-      <a:fontRef idx="minor"/>
-    </dgm:style>
-  </dgm:styleLbl>
-  <dgm:styleLbl name="bgShp">
-    <dgm:scene3d>
-      <a:camera prst="orthographicFront"/>
-      <a:lightRig rig="threePt" dir="t"/>
-    </dgm:scene3d>
-    <dgm:sp3d/>
-    <dgm:txPr/>
-    <dgm:style>
-      <a:lnRef idx="0">
-        <a:scrgbClr r="0" g="0" b="0"/>
-      </a:lnRef>
-      <a:fillRef idx="1">
-        <a:scrgbClr r="0" g="0" b="0"/>
-      </a:fillRef>
-      <a:effectRef idx="2">
-        <a:scrgbClr r="0" g="0" b="0"/>
-      </a:effectRef>
-      <a:fontRef idx="minor"/>
-    </dgm:style>
-  </dgm:styleLbl>
-  <dgm:styleLbl name="dkBgShp">
-    <dgm:scene3d>
-      <a:camera prst="orthographicFront"/>
-      <a:lightRig rig="threePt" dir="t"/>
-    </dgm:scene3d>
-    <dgm:sp3d/>
-    <dgm:txPr/>
-    <dgm:style>
-      <a:lnRef idx="0">
-        <a:scrgbClr r="0" g="0" b="0"/>
-      </a:lnRef>
-      <a:fillRef idx="1">
-        <a:scrgbClr r="0" g="0" b="0"/>
-      </a:fillRef>
-      <a:effectRef idx="2">
-        <a:scrgbClr r="0" g="0" b="0"/>
-      </a:effectRef>
-      <a:fontRef idx="minor"/>
-    </dgm:style>
-  </dgm:styleLbl>
-  <dgm:styleLbl name="trBgShp">
-    <dgm:scene3d>
-      <a:camera prst="orthographicFront"/>
-      <a:lightRig rig="threePt" dir="t"/>
-    </dgm:scene3d>
-    <dgm:sp3d/>
-    <dgm:txPr/>
-    <dgm:style>
-      <a:lnRef idx="0">
-        <a:scrgbClr r="0" g="0" b="0"/>
-      </a:lnRef>
-      <a:fillRef idx="1">
-        <a:scrgbClr r="0" g="0" b="0"/>
-      </a:fillRef>
-      <a:effectRef idx="0">
-        <a:scrgbClr r="0" g="0" b="0"/>
-      </a:effectRef>
-      <a:fontRef idx="minor"/>
-    </dgm:style>
-  </dgm:styleLbl>
-  <dgm:styleLbl name="fgShp">
-    <dgm:scene3d>
-      <a:camera prst="orthographicFront"/>
-      <a:lightRig rig="threePt" dir="t"/>
-    </dgm:scene3d>
-    <dgm:sp3d/>
-    <dgm:txPr/>
-    <dgm:style>
-      <a:lnRef idx="0">
-        <a:scrgbClr r="0" g="0" b="0"/>
-      </a:lnRef>
-      <a:fillRef idx="3">
-        <a:scrgbClr r="0" g="0" b="0"/>
-      </a:fillRef>
-      <a:effectRef idx="2">
-        <a:scrgbClr r="0" g="0" b="0"/>
-      </a:effectRef>
-      <a:fontRef idx="minor"/>
-    </dgm:style>
-  </dgm:styleLbl>
-  <dgm:styleLbl name="revTx">
-    <dgm:scene3d>
-      <a:camera prst="orthographicFront"/>
-      <a:lightRig rig="threePt" dir="t"/>
-    </dgm:scene3d>
-    <dgm:sp3d/>
-    <dgm:txPr/>
-    <dgm:style>
-      <a:lnRef idx="0">
-        <a:scrgbClr r="0" g="0" b="0"/>
-      </a:lnRef>
-      <a:fillRef idx="0">
-        <a:scrgbClr r="0" g="0" b="0"/>
-      </a:fillRef>
-      <a:effectRef idx="0">
-        <a:scrgbClr r="0" g="0" b="0"/>
-      </a:effectRef>
-      <a:fontRef idx="minor"/>
-    </dgm:style>
-  </dgm:styleLbl>
-</dgm:styleDef>
 </file>
 
 <file path=ppt/handoutMasters/handoutMaster1.xml><?xml version="1.0" encoding="utf-8"?>
@@ -9304,6 +4926,14 @@
 <file path=ppt/slides/slide1.xml><?xml version="1.0" encoding="utf-8"?>
 <p:sld xmlns:a="http://schemas.openxmlformats.org/drawingml/2006/main" xmlns:r="http://schemas.openxmlformats.org/officeDocument/2006/relationships" xmlns:p="http://schemas.openxmlformats.org/presentationml/2006/main">
   <p:cSld>
+    <p:bg>
+      <p:bgPr>
+        <a:solidFill>
+          <a:schemeClr val="bg1"/>
+        </a:solidFill>
+        <a:effectLst/>
+      </p:bgPr>
+    </p:bg>
     <p:spTree>
       <p:nvGrpSpPr>
         <p:cNvPr id="1" name=""/>
@@ -9348,6 +4978,10 @@
                 </a:solidFill>
               </a:rPr>
               <a:t>Final Project</a:t>
+            </a:r>
+            <a:r>
+              <a:rPr lang="en-US" dirty="0"/>
+              <a:t/>
             </a:r>
             <a:br>
               <a:rPr lang="en-US" dirty="0"/>
@@ -9418,6 +5052,14 @@
 <file path=ppt/slides/slide10.xml><?xml version="1.0" encoding="utf-8"?>
 <p:sld xmlns:a="http://schemas.openxmlformats.org/drawingml/2006/main" xmlns:r="http://schemas.openxmlformats.org/officeDocument/2006/relationships" xmlns:p="http://schemas.openxmlformats.org/presentationml/2006/main">
   <p:cSld>
+    <p:bg>
+      <p:bgPr>
+        <a:solidFill>
+          <a:schemeClr val="bg1"/>
+        </a:solidFill>
+        <a:effectLst/>
+      </p:bgPr>
+    </p:bg>
     <p:spTree>
       <p:nvGrpSpPr>
         <p:cNvPr id="1" name=""/>
@@ -9439,7 +5081,7 @@
             <a:spLocks noGrp="1"/>
           </p:cNvSpPr>
           <p:nvPr>
-            <p:ph type="title"/>
+            <p:ph type="ctrTitle"/>
           </p:nvPr>
         </p:nvSpPr>
         <p:spPr/>
@@ -9448,462 +5090,10 @@
           <a:lstStyle/>
           <a:p>
             <a:r>
-              <a:rPr lang="en-US"/>
-              <a:t>Two Content Layout with Table</a:t>
-            </a:r>
-          </a:p>
-        </p:txBody>
-      </p:sp>
-      <p:sp>
-        <p:nvSpPr>
-          <p:cNvPr id="3" name="Content Placeholder 2"/>
-          <p:cNvSpPr>
-            <a:spLocks noGrp="1"/>
-          </p:cNvSpPr>
-          <p:nvPr>
-            <p:ph sz="half" idx="1"/>
-          </p:nvPr>
-        </p:nvSpPr>
-        <p:spPr/>
-        <p:txBody>
-          <a:bodyPr/>
-          <a:lstStyle/>
-          <a:p>
-            <a:r>
-              <a:rPr lang="en-US" dirty="0"/>
-              <a:t>First bullet point here</a:t>
-            </a:r>
-          </a:p>
-          <a:p>
-            <a:r>
-              <a:rPr lang="en-US" dirty="0"/>
-              <a:t>Second bullet point here</a:t>
-            </a:r>
-          </a:p>
-          <a:p>
-            <a:r>
-              <a:rPr lang="en-US" dirty="0"/>
-              <a:t>Third bullet point here</a:t>
-            </a:r>
-          </a:p>
-        </p:txBody>
-      </p:sp>
-      <p:graphicFrame>
-        <p:nvGraphicFramePr>
-          <p:cNvPr id="16" name="Content Placeholder 15"/>
-          <p:cNvGraphicFramePr>
-            <a:graphicFrameLocks noGrp="1"/>
-          </p:cNvGraphicFramePr>
-          <p:nvPr>
-            <p:ph sz="half" idx="2"/>
-            <p:extLst>
-              <p:ext uri="{D42A27DB-BD31-4B8C-83A1-F6EECF244321}">
-                <p14:modId xmlns:p14="http://schemas.microsoft.com/office/powerpoint/2010/main" val="1139291616"/>
-              </p:ext>
-            </p:extLst>
-          </p:nvPr>
-        </p:nvGraphicFramePr>
-        <p:xfrm>
-          <a:off x="6172200" y="1600200"/>
-          <a:ext cx="4914900" cy="1828800"/>
-        </p:xfrm>
-        <a:graphic>
-          <a:graphicData uri="http://schemas.openxmlformats.org/drawingml/2006/table">
-            <a:tbl>
-              <a:tblPr firstRow="1" bandRow="1">
-                <a:tableStyleId>{5C22544A-7EE6-4342-B048-85BDC9FD1C3A}</a:tableStyleId>
-              </a:tblPr>
-              <a:tblGrid>
-                <a:gridCol w="1638300">
-                  <a:extLst>
-                    <a:ext uri="{9D8B030D-6E8A-4147-A177-3AD203B41FA5}">
-                      <a16:colId xmlns:a16="http://schemas.microsoft.com/office/drawing/2014/main" val="20000"/>
-                    </a:ext>
-                  </a:extLst>
-                </a:gridCol>
-                <a:gridCol w="1638300">
-                  <a:extLst>
-                    <a:ext uri="{9D8B030D-6E8A-4147-A177-3AD203B41FA5}">
-                      <a16:colId xmlns:a16="http://schemas.microsoft.com/office/drawing/2014/main" val="20001"/>
-                    </a:ext>
-                  </a:extLst>
-                </a:gridCol>
-                <a:gridCol w="1638300">
-                  <a:extLst>
-                    <a:ext uri="{9D8B030D-6E8A-4147-A177-3AD203B41FA5}">
-                      <a16:colId xmlns:a16="http://schemas.microsoft.com/office/drawing/2014/main" val="20002"/>
-                    </a:ext>
-                  </a:extLst>
-                </a:gridCol>
-              </a:tblGrid>
-              <a:tr h="457200">
-                <a:tc>
-                  <a:txBody>
-                    <a:bodyPr/>
-                    <a:lstStyle/>
-                    <a:p>
-                      <a:r>
-                        <a:rPr lang="en-US" dirty="0"/>
-                        <a:t>Class</a:t>
-                      </a:r>
-                      <a:endParaRPr dirty="0"/>
-                    </a:p>
-                  </a:txBody>
-                  <a:tcPr anchor="ctr"/>
-                </a:tc>
-                <a:tc>
-                  <a:txBody>
-                    <a:bodyPr/>
-                    <a:lstStyle/>
-                    <a:p>
-                      <a:pPr algn="ctr"/>
-                      <a:r>
-                        <a:rPr dirty="0"/>
-                        <a:t>Group 1</a:t>
-                      </a:r>
-                    </a:p>
-                  </a:txBody>
-                  <a:tcPr anchor="ctr"/>
-                </a:tc>
-                <a:tc>
-                  <a:txBody>
-                    <a:bodyPr/>
-                    <a:lstStyle/>
-                    <a:p>
-                      <a:pPr algn="ctr"/>
-                      <a:r>
-                        <a:rPr dirty="0"/>
-                        <a:t>Group 2</a:t>
-                      </a:r>
-                    </a:p>
-                  </a:txBody>
-                  <a:tcPr anchor="ctr"/>
-                </a:tc>
-                <a:extLst>
-                  <a:ext uri="{0D108BD9-81ED-4DB2-BD59-A6C34878D82A}">
-                    <a16:rowId xmlns:a16="http://schemas.microsoft.com/office/drawing/2014/main" val="10000"/>
-                  </a:ext>
-                </a:extLst>
-              </a:tr>
-              <a:tr h="457200">
-                <a:tc>
-                  <a:txBody>
-                    <a:bodyPr/>
-                    <a:lstStyle/>
-                    <a:p>
-                      <a:r>
-                        <a:rPr dirty="0"/>
-                        <a:t>Class 1</a:t>
-                      </a:r>
-                    </a:p>
-                  </a:txBody>
-                  <a:tcPr anchor="ctr"/>
-                </a:tc>
-                <a:tc>
-                  <a:txBody>
-                    <a:bodyPr/>
-                    <a:lstStyle/>
-                    <a:p>
-                      <a:pPr algn="ctr"/>
-                      <a:r>
-                        <a:rPr dirty="0"/>
-                        <a:t>82</a:t>
-                      </a:r>
-                    </a:p>
-                  </a:txBody>
-                  <a:tcPr anchor="ctr"/>
-                </a:tc>
-                <a:tc>
-                  <a:txBody>
-                    <a:bodyPr/>
-                    <a:lstStyle/>
-                    <a:p>
-                      <a:pPr algn="ctr"/>
-                      <a:r>
-                        <a:t>95</a:t>
-                      </a:r>
-                    </a:p>
-                  </a:txBody>
-                  <a:tcPr anchor="ctr"/>
-                </a:tc>
-                <a:extLst>
-                  <a:ext uri="{0D108BD9-81ED-4DB2-BD59-A6C34878D82A}">
-                    <a16:rowId xmlns:a16="http://schemas.microsoft.com/office/drawing/2014/main" val="10001"/>
-                  </a:ext>
-                </a:extLst>
-              </a:tr>
-              <a:tr h="457200">
-                <a:tc>
-                  <a:txBody>
-                    <a:bodyPr/>
-                    <a:lstStyle/>
-                    <a:p>
-                      <a:r>
-                        <a:t>Class</a:t>
-                      </a:r>
-                      <a:r>
-                        <a:rPr baseline="0"/>
-                        <a:t> 2</a:t>
-                      </a:r>
-                      <a:endParaRPr/>
-                    </a:p>
-                  </a:txBody>
-                  <a:tcPr anchor="ctr"/>
-                </a:tc>
-                <a:tc>
-                  <a:txBody>
-                    <a:bodyPr/>
-                    <a:lstStyle/>
-                    <a:p>
-                      <a:pPr algn="ctr"/>
-                      <a:r>
-                        <a:rPr dirty="0"/>
-                        <a:t>76</a:t>
-                      </a:r>
-                    </a:p>
-                  </a:txBody>
-                  <a:tcPr anchor="ctr"/>
-                </a:tc>
-                <a:tc>
-                  <a:txBody>
-                    <a:bodyPr/>
-                    <a:lstStyle/>
-                    <a:p>
-                      <a:pPr algn="ctr"/>
-                      <a:r>
-                        <a:rPr dirty="0"/>
-                        <a:t>88</a:t>
-                      </a:r>
-                    </a:p>
-                  </a:txBody>
-                  <a:tcPr anchor="ctr"/>
-                </a:tc>
-                <a:extLst>
-                  <a:ext uri="{0D108BD9-81ED-4DB2-BD59-A6C34878D82A}">
-                    <a16:rowId xmlns:a16="http://schemas.microsoft.com/office/drawing/2014/main" val="10002"/>
-                  </a:ext>
-                </a:extLst>
-              </a:tr>
-              <a:tr h="457200">
-                <a:tc>
-                  <a:txBody>
-                    <a:bodyPr/>
-                    <a:lstStyle/>
-                    <a:p>
-                      <a:r>
-                        <a:t>Class 3</a:t>
-                      </a:r>
-                    </a:p>
-                  </a:txBody>
-                  <a:tcPr anchor="ctr"/>
-                </a:tc>
-                <a:tc>
-                  <a:txBody>
-                    <a:bodyPr/>
-                    <a:lstStyle/>
-                    <a:p>
-                      <a:pPr algn="ctr"/>
-                      <a:r>
-                        <a:t>84</a:t>
-                      </a:r>
-                    </a:p>
-                  </a:txBody>
-                  <a:tcPr anchor="ctr"/>
-                </a:tc>
-                <a:tc>
-                  <a:txBody>
-                    <a:bodyPr/>
-                    <a:lstStyle/>
-                    <a:p>
-                      <a:pPr algn="ctr"/>
-                      <a:r>
-                        <a:rPr dirty="0"/>
-                        <a:t>90</a:t>
-                      </a:r>
-                    </a:p>
-                  </a:txBody>
-                  <a:tcPr anchor="ctr"/>
-                </a:tc>
-                <a:extLst>
-                  <a:ext uri="{0D108BD9-81ED-4DB2-BD59-A6C34878D82A}">
-                    <a16:rowId xmlns:a16="http://schemas.microsoft.com/office/drawing/2014/main" val="10003"/>
-                  </a:ext>
-                </a:extLst>
-              </a:tr>
-            </a:tbl>
-          </a:graphicData>
-        </a:graphic>
-      </p:graphicFrame>
-    </p:spTree>
-    <p:extLst>
-      <p:ext uri="{BB962C8B-B14F-4D97-AF65-F5344CB8AC3E}">
-        <p14:creationId xmlns:p14="http://schemas.microsoft.com/office/powerpoint/2010/main" val="2853788422"/>
-      </p:ext>
-    </p:extLst>
-  </p:cSld>
-  <p:clrMapOvr>
-    <a:masterClrMapping/>
-  </p:clrMapOvr>
-  <mc:AlternateContent xmlns:mc="http://schemas.openxmlformats.org/markup-compatibility/2006" xmlns:p14="http://schemas.microsoft.com/office/powerpoint/2010/main">
-    <mc:Choice Requires="p14">
-      <p:transition spd="med" p14:dur="700">
-        <p:fade/>
-      </p:transition>
-    </mc:Choice>
-    <mc:Fallback xmlns="">
-      <p:transition spd="med">
-        <p:fade/>
-      </p:transition>
-    </mc:Fallback>
-  </mc:AlternateContent>
-</p:sld>
-</file>
-
-<file path=ppt/slides/slide11.xml><?xml version="1.0" encoding="utf-8"?>
-<p:sld xmlns:a="http://schemas.openxmlformats.org/drawingml/2006/main" xmlns:r="http://schemas.openxmlformats.org/officeDocument/2006/relationships" xmlns:p="http://schemas.openxmlformats.org/presentationml/2006/main">
-  <p:cSld>
-    <p:spTree>
-      <p:nvGrpSpPr>
-        <p:cNvPr id="1" name=""/>
-        <p:cNvGrpSpPr/>
-        <p:nvPr/>
-      </p:nvGrpSpPr>
-      <p:grpSpPr>
-        <a:xfrm>
-          <a:off x="0" y="0"/>
-          <a:ext cx="0" cy="0"/>
-          <a:chOff x="0" y="0"/>
-          <a:chExt cx="0" cy="0"/>
-        </a:xfrm>
-      </p:grpSpPr>
-      <p:sp>
-        <p:nvSpPr>
-          <p:cNvPr id="2" name="Title 1"/>
-          <p:cNvSpPr>
-            <a:spLocks noGrp="1"/>
-          </p:cNvSpPr>
-          <p:nvPr>
-            <p:ph type="title"/>
-          </p:nvPr>
-        </p:nvSpPr>
-        <p:spPr/>
-        <p:txBody>
-          <a:bodyPr/>
-          <a:lstStyle/>
-          <a:p>
-            <a:r>
-              <a:rPr lang="en-US"/>
-              <a:t>Title and Content Layout with SmartArt</a:t>
+              <a:rPr lang="en-US" dirty="0" smtClean="0"/>
+              <a:t>Design Decisions</a:t>
             </a:r>
             <a:endParaRPr lang="en-US" dirty="0"/>
-          </a:p>
-        </p:txBody>
-      </p:sp>
-      <p:graphicFrame>
-        <p:nvGraphicFramePr>
-          <p:cNvPr id="4" name="Content Placeholder 3" descr="Stacked List showing 4 groups arranged from left to right with task descriptions under each group"/>
-          <p:cNvGraphicFramePr>
-            <a:graphicFrameLocks noGrp="1"/>
-          </p:cNvGraphicFramePr>
-          <p:nvPr>
-            <p:ph idx="1"/>
-            <p:extLst>
-              <p:ext uri="{D42A27DB-BD31-4B8C-83A1-F6EECF244321}">
-                <p14:modId xmlns:p14="http://schemas.microsoft.com/office/powerpoint/2010/main" val="1992573085"/>
-              </p:ext>
-            </p:extLst>
-          </p:nvPr>
-        </p:nvGraphicFramePr>
-        <p:xfrm>
-          <a:off x="1104900" y="1600200"/>
-          <a:ext cx="9982200" cy="4572000"/>
-        </p:xfrm>
-        <a:graphic>
-          <a:graphicData uri="http://schemas.openxmlformats.org/drawingml/2006/diagram">
-            <dgm:relIds xmlns:dgm="http://schemas.openxmlformats.org/drawingml/2006/diagram" xmlns:r="http://schemas.openxmlformats.org/officeDocument/2006/relationships" r:dm="rId2" r:lo="rId3" r:qs="rId4" r:cs="rId5"/>
-          </a:graphicData>
-        </a:graphic>
-      </p:graphicFrame>
-    </p:spTree>
-    <p:extLst>
-      <p:ext uri="{BB962C8B-B14F-4D97-AF65-F5344CB8AC3E}">
-        <p14:creationId xmlns:p14="http://schemas.microsoft.com/office/powerpoint/2010/main" val="4224509479"/>
-      </p:ext>
-    </p:extLst>
-  </p:cSld>
-  <p:clrMapOvr>
-    <a:masterClrMapping/>
-  </p:clrMapOvr>
-  <mc:AlternateContent xmlns:mc="http://schemas.openxmlformats.org/markup-compatibility/2006" xmlns:p14="http://schemas.microsoft.com/office/powerpoint/2010/main">
-    <mc:Choice Requires="p14">
-      <p:transition spd="med" p14:dur="700">
-        <p:fade/>
-      </p:transition>
-    </mc:Choice>
-    <mc:Fallback xmlns="">
-      <p:transition spd="med">
-        <p:fade/>
-      </p:transition>
-    </mc:Fallback>
-  </mc:AlternateContent>
-</p:sld>
-</file>
-
-<file path=ppt/slides/slide12.xml><?xml version="1.0" encoding="utf-8"?>
-<p:sld xmlns:a="http://schemas.openxmlformats.org/drawingml/2006/main" xmlns:r="http://schemas.openxmlformats.org/officeDocument/2006/relationships" xmlns:p="http://schemas.openxmlformats.org/presentationml/2006/main">
-  <p:cSld>
-    <p:spTree>
-      <p:nvGrpSpPr>
-        <p:cNvPr id="1" name=""/>
-        <p:cNvGrpSpPr/>
-        <p:nvPr/>
-      </p:nvGrpSpPr>
-      <p:grpSpPr>
-        <a:xfrm>
-          <a:off x="0" y="0"/>
-          <a:ext cx="0" cy="0"/>
-          <a:chOff x="0" y="0"/>
-          <a:chExt cx="0" cy="0"/>
-        </a:xfrm>
-      </p:grpSpPr>
-      <p:sp>
-        <p:nvSpPr>
-          <p:cNvPr id="2" name="Title 1"/>
-          <p:cNvSpPr>
-            <a:spLocks noGrp="1"/>
-          </p:cNvSpPr>
-          <p:nvPr>
-            <p:ph type="ctrTitle"/>
-          </p:nvPr>
-        </p:nvSpPr>
-        <p:spPr/>
-        <p:txBody>
-          <a:bodyPr/>
-          <a:lstStyle/>
-          <a:p>
-            <a:r>
-              <a:rPr lang="en-US" dirty="0"/>
-              <a:t>Add a Slide Title - 1</a:t>
-            </a:r>
-          </a:p>
-        </p:txBody>
-      </p:sp>
-      <p:sp>
-        <p:nvSpPr>
-          <p:cNvPr id="3" name="Subtitle 2"/>
-          <p:cNvSpPr>
-            <a:spLocks noGrp="1"/>
-          </p:cNvSpPr>
-          <p:nvPr>
-            <p:ph type="subTitle" idx="1"/>
-          </p:nvPr>
-        </p:nvSpPr>
-        <p:spPr/>
-        <p:txBody>
-          <a:bodyPr/>
-          <a:lstStyle/>
-          <a:p>
-            <a:endParaRPr lang="en-US"/>
           </a:p>
         </p:txBody>
       </p:sp>
@@ -9932,92 +5122,17 @@
 </p:sld>
 </file>
 
-<file path=ppt/slides/slide13.xml><?xml version="1.0" encoding="utf-8"?>
+<file path=ppt/slides/slide11.xml><?xml version="1.0" encoding="utf-8"?>
 <p:sld xmlns:a="http://schemas.openxmlformats.org/drawingml/2006/main" xmlns:r="http://schemas.openxmlformats.org/officeDocument/2006/relationships" xmlns:p="http://schemas.openxmlformats.org/presentationml/2006/main">
   <p:cSld>
-    <p:spTree>
-      <p:nvGrpSpPr>
-        <p:cNvPr id="1" name=""/>
-        <p:cNvGrpSpPr/>
-        <p:nvPr/>
-      </p:nvGrpSpPr>
-      <p:grpSpPr>
-        <a:xfrm>
-          <a:off x="0" y="0"/>
-          <a:ext cx="0" cy="0"/>
-          <a:chOff x="0" y="0"/>
-          <a:chExt cx="0" cy="0"/>
-        </a:xfrm>
-      </p:grpSpPr>
-      <p:sp>
-        <p:nvSpPr>
-          <p:cNvPr id="2" name="Title 1"/>
-          <p:cNvSpPr>
-            <a:spLocks noGrp="1"/>
-          </p:cNvSpPr>
-          <p:nvPr>
-            <p:ph type="title"/>
-          </p:nvPr>
-        </p:nvSpPr>
-        <p:spPr/>
-        <p:txBody>
-          <a:bodyPr/>
-          <a:lstStyle/>
-          <a:p>
-            <a:r>
-              <a:rPr lang="en-US" dirty="0"/>
-              <a:t>Add a Slide Title - 2</a:t>
-            </a:r>
-          </a:p>
-        </p:txBody>
-      </p:sp>
-      <p:sp>
-        <p:nvSpPr>
-          <p:cNvPr id="3" name="Text Placeholder 2"/>
-          <p:cNvSpPr>
-            <a:spLocks noGrp="1"/>
-          </p:cNvSpPr>
-          <p:nvPr>
-            <p:ph type="body" idx="1"/>
-          </p:nvPr>
-        </p:nvSpPr>
-        <p:spPr/>
-        <p:txBody>
-          <a:bodyPr/>
-          <a:lstStyle/>
-          <a:p>
-            <a:endParaRPr lang="en-US"/>
-          </a:p>
-        </p:txBody>
-      </p:sp>
-    </p:spTree>
-    <p:extLst>
-      <p:ext uri="{BB962C8B-B14F-4D97-AF65-F5344CB8AC3E}">
-        <p14:creationId xmlns:p14="http://schemas.microsoft.com/office/powerpoint/2010/main" val="132884364"/>
-      </p:ext>
-    </p:extLst>
-  </p:cSld>
-  <p:clrMapOvr>
-    <a:masterClrMapping/>
-  </p:clrMapOvr>
-  <mc:AlternateContent xmlns:mc="http://schemas.openxmlformats.org/markup-compatibility/2006" xmlns:p14="http://schemas.microsoft.com/office/powerpoint/2010/main">
-    <mc:Choice Requires="p14">
-      <p:transition spd="med" p14:dur="700">
-        <p:fade/>
-      </p:transition>
-    </mc:Choice>
-    <mc:Fallback xmlns="">
-      <p:transition spd="med">
-        <p:fade/>
-      </p:transition>
-    </mc:Fallback>
-  </mc:AlternateContent>
-</p:sld>
-</file>
-
-<file path=ppt/slides/slide14.xml><?xml version="1.0" encoding="utf-8"?>
-<p:sld xmlns:a="http://schemas.openxmlformats.org/drawingml/2006/main" xmlns:r="http://schemas.openxmlformats.org/officeDocument/2006/relationships" xmlns:p="http://schemas.openxmlformats.org/presentationml/2006/main">
-  <p:cSld>
+    <p:bg>
+      <p:bgPr>
+        <a:solidFill>
+          <a:schemeClr val="bg1"/>
+        </a:solidFill>
+        <a:effectLst/>
+      </p:bgPr>
+    </p:bg>
     <p:spTree>
       <p:nvGrpSpPr>
         <p:cNvPr id="1" name=""/>
@@ -10155,9 +5270,17 @@
 </p:sld>
 </file>
 
-<file path=ppt/slides/slide15.xml><?xml version="1.0" encoding="utf-8"?>
+<file path=ppt/slides/slide12.xml><?xml version="1.0" encoding="utf-8"?>
 <p:sld xmlns:a="http://schemas.openxmlformats.org/drawingml/2006/main" xmlns:r="http://schemas.openxmlformats.org/officeDocument/2006/relationships" xmlns:p="http://schemas.openxmlformats.org/presentationml/2006/main">
   <p:cSld>
+    <p:bg>
+      <p:bgPr>
+        <a:solidFill>
+          <a:schemeClr val="bg1"/>
+        </a:solidFill>
+        <a:effectLst/>
+      </p:bgPr>
+    </p:bg>
     <p:spTree>
       <p:nvGrpSpPr>
         <p:cNvPr id="1" name=""/>
@@ -10219,9 +5342,17 @@
 </p:sld>
 </file>
 
-<file path=ppt/slides/slide16.xml><?xml version="1.0" encoding="utf-8"?>
+<file path=ppt/slides/slide13.xml><?xml version="1.0" encoding="utf-8"?>
 <p:sld xmlns:a="http://schemas.openxmlformats.org/drawingml/2006/main" xmlns:r="http://schemas.openxmlformats.org/officeDocument/2006/relationships" xmlns:p="http://schemas.openxmlformats.org/presentationml/2006/main">
   <p:cSld>
+    <p:bg>
+      <p:bgPr>
+        <a:solidFill>
+          <a:schemeClr val="bg1"/>
+        </a:solidFill>
+        <a:effectLst/>
+      </p:bgPr>
+    </p:bg>
     <p:spTree>
       <p:nvGrpSpPr>
         <p:cNvPr id="1" name=""/>
@@ -10261,9 +5392,17 @@
 </p:sld>
 </file>
 
-<file path=ppt/slides/slide17.xml><?xml version="1.0" encoding="utf-8"?>
+<file path=ppt/slides/slide14.xml><?xml version="1.0" encoding="utf-8"?>
 <p:sld xmlns:a="http://schemas.openxmlformats.org/drawingml/2006/main" xmlns:r="http://schemas.openxmlformats.org/officeDocument/2006/relationships" xmlns:p="http://schemas.openxmlformats.org/presentationml/2006/main">
   <p:cSld>
+    <p:bg>
+      <p:bgPr>
+        <a:solidFill>
+          <a:schemeClr val="bg1"/>
+        </a:solidFill>
+        <a:effectLst/>
+      </p:bgPr>
+    </p:bg>
     <p:spTree>
       <p:nvGrpSpPr>
         <p:cNvPr id="1" name=""/>
@@ -10363,9 +5502,17 @@
 </p:sld>
 </file>
 
-<file path=ppt/slides/slide2.xml><?xml version="1.0" encoding="utf-8"?>
+<file path=ppt/slides/slide15.xml><?xml version="1.0" encoding="utf-8"?>
 <p:sld xmlns:a="http://schemas.openxmlformats.org/drawingml/2006/main" xmlns:r="http://schemas.openxmlformats.org/officeDocument/2006/relationships" xmlns:p="http://schemas.openxmlformats.org/presentationml/2006/main">
   <p:cSld>
+    <p:bg>
+      <p:bgPr>
+        <a:solidFill>
+          <a:schemeClr val="bg1"/>
+        </a:solidFill>
+        <a:effectLst/>
+      </p:bgPr>
+    </p:bg>
     <p:spTree>
       <p:nvGrpSpPr>
         <p:cNvPr id="1" name=""/>
@@ -10382,12 +5529,12 @@
       </p:grpSpPr>
       <p:sp>
         <p:nvSpPr>
-          <p:cNvPr id="13" name="Title 12"/>
-          <p:cNvSpPr>
-            <a:spLocks noGrp="1"/>
-          </p:cNvSpPr>
-          <p:nvPr>
-            <p:ph type="title"/>
+          <p:cNvPr id="2" name="Title 1"/>
+          <p:cNvSpPr>
+            <a:spLocks noGrp="1"/>
+          </p:cNvSpPr>
+          <p:nvPr>
+            <p:ph type="ctrTitle"/>
           </p:nvPr>
         </p:nvSpPr>
         <p:spPr/>
@@ -10396,9 +5543,234 @@
           <a:lstStyle/>
           <a:p>
             <a:r>
+              <a:rPr lang="en-US" dirty="0" smtClean="0"/>
+              <a:t>END</a:t>
+            </a:r>
+            <a:endParaRPr lang="en-US" dirty="0"/>
+          </a:p>
+        </p:txBody>
+      </p:sp>
+      <p:sp>
+        <p:nvSpPr>
+          <p:cNvPr id="3" name="Subtitle 2"/>
+          <p:cNvSpPr>
+            <a:spLocks noGrp="1"/>
+          </p:cNvSpPr>
+          <p:nvPr>
+            <p:ph type="subTitle" idx="1"/>
+          </p:nvPr>
+        </p:nvSpPr>
+        <p:spPr/>
+        <p:txBody>
+          <a:bodyPr/>
+          <a:lstStyle/>
+          <a:p>
+            <a:r>
+              <a:rPr lang="en-US" dirty="0" smtClean="0"/>
+              <a:t>William Berthouex</a:t>
+            </a:r>
+          </a:p>
+          <a:p>
+            <a:r>
+              <a:rPr lang="en-US" dirty="0" err="1" smtClean="0"/>
+              <a:t>Github</a:t>
+            </a:r>
+            <a:r>
               <a:rPr lang="en-US" dirty="0"/>
-              <a:t>Project Overview</a:t>
-            </a:r>
+              <a:t> link: </a:t>
+            </a:r>
+            <a:r>
+              <a:rPr lang="en-US" dirty="0">
+                <a:hlinkClick r:id="rId2"/>
+              </a:rPr>
+              <a:t>https://</a:t>
+            </a:r>
+            <a:r>
+              <a:rPr lang="en-US" dirty="0" smtClean="0">
+                <a:hlinkClick r:id="rId2"/>
+              </a:rPr>
+              <a:t>github.com/StateControlled/SE450_Final_Project</a:t>
+            </a:r>
+            <a:endParaRPr lang="en-US" dirty="0"/>
+          </a:p>
+        </p:txBody>
+      </p:sp>
+    </p:spTree>
+    <p:extLst>
+      <p:ext uri="{BB962C8B-B14F-4D97-AF65-F5344CB8AC3E}">
+        <p14:creationId xmlns:p14="http://schemas.microsoft.com/office/powerpoint/2010/main" val="36831291"/>
+      </p:ext>
+    </p:extLst>
+  </p:cSld>
+  <p:clrMapOvr>
+    <a:masterClrMapping/>
+  </p:clrMapOvr>
+  <mc:AlternateContent xmlns:mc="http://schemas.openxmlformats.org/markup-compatibility/2006" xmlns:p14="http://schemas.microsoft.com/office/powerpoint/2010/main">
+    <mc:Choice Requires="p14">
+      <p:transition spd="med" p14:dur="700">
+        <p:fade/>
+      </p:transition>
+    </mc:Choice>
+    <mc:Fallback xmlns="">
+      <p:transition spd="med">
+        <p:fade/>
+      </p:transition>
+    </mc:Fallback>
+  </mc:AlternateContent>
+</p:sld>
+</file>
+
+<file path=ppt/slides/slide2.xml><?xml version="1.0" encoding="utf-8"?>
+<p:sld xmlns:a="http://schemas.openxmlformats.org/drawingml/2006/main" xmlns:r="http://schemas.openxmlformats.org/officeDocument/2006/relationships" xmlns:p="http://schemas.openxmlformats.org/presentationml/2006/main">
+  <p:cSld>
+    <p:bg>
+      <p:bgPr>
+        <a:solidFill>
+          <a:schemeClr val="bg1"/>
+        </a:solidFill>
+        <a:effectLst/>
+      </p:bgPr>
+    </p:bg>
+    <p:spTree>
+      <p:nvGrpSpPr>
+        <p:cNvPr id="1" name=""/>
+        <p:cNvGrpSpPr/>
+        <p:nvPr/>
+      </p:nvGrpSpPr>
+      <p:grpSpPr>
+        <a:xfrm>
+          <a:off x="0" y="0"/>
+          <a:ext cx="0" cy="0"/>
+          <a:chOff x="0" y="0"/>
+          <a:chExt cx="0" cy="0"/>
+        </a:xfrm>
+      </p:grpSpPr>
+      <p:sp>
+        <p:nvSpPr>
+          <p:cNvPr id="2" name="Title 1"/>
+          <p:cNvSpPr>
+            <a:spLocks noGrp="1"/>
+          </p:cNvSpPr>
+          <p:nvPr>
+            <p:ph type="title"/>
+          </p:nvPr>
+        </p:nvSpPr>
+        <p:spPr/>
+        <p:txBody>
+          <a:bodyPr/>
+          <a:lstStyle/>
+          <a:p>
+            <a:r>
+              <a:rPr lang="en-US" dirty="0" smtClean="0"/>
+              <a:t>General Flow</a:t>
+            </a:r>
+            <a:endParaRPr lang="en-US" dirty="0"/>
+          </a:p>
+        </p:txBody>
+      </p:sp>
+      <p:pic>
+        <p:nvPicPr>
+          <p:cNvPr id="4" name="Content Placeholder 3"/>
+          <p:cNvPicPr>
+            <a:picLocks noGrp="1" noChangeAspect="1"/>
+          </p:cNvPicPr>
+          <p:nvPr>
+            <p:ph idx="1"/>
+          </p:nvPr>
+        </p:nvPicPr>
+        <p:blipFill>
+          <a:blip r:embed="rId2">
+            <a:extLst>
+              <a:ext uri="{28A0092B-C50C-407E-A947-70E740481C1C}">
+                <a14:useLocalDpi xmlns:a14="http://schemas.microsoft.com/office/drawing/2010/main" val="0"/>
+              </a:ext>
+            </a:extLst>
+          </a:blip>
+          <a:stretch>
+            <a:fillRect/>
+          </a:stretch>
+        </p:blipFill>
+        <p:spPr>
+          <a:xfrm>
+            <a:off x="1347893" y="1600200"/>
+            <a:ext cx="9496213" cy="4572000"/>
+          </a:xfrm>
+        </p:spPr>
+      </p:pic>
+    </p:spTree>
+    <p:extLst>
+      <p:ext uri="{BB962C8B-B14F-4D97-AF65-F5344CB8AC3E}">
+        <p14:creationId xmlns:p14="http://schemas.microsoft.com/office/powerpoint/2010/main" val="4010278615"/>
+      </p:ext>
+    </p:extLst>
+  </p:cSld>
+  <p:clrMapOvr>
+    <a:masterClrMapping/>
+  </p:clrMapOvr>
+  <mc:AlternateContent xmlns:mc="http://schemas.openxmlformats.org/markup-compatibility/2006" xmlns:p14="http://schemas.microsoft.com/office/powerpoint/2010/main">
+    <mc:Choice Requires="p14">
+      <p:transition spd="med" p14:dur="700">
+        <p:fade/>
+      </p:transition>
+    </mc:Choice>
+    <mc:Fallback xmlns="">
+      <p:transition spd="med">
+        <p:fade/>
+      </p:transition>
+    </mc:Fallback>
+  </mc:AlternateContent>
+</p:sld>
+</file>
+
+<file path=ppt/slides/slide3.xml><?xml version="1.0" encoding="utf-8"?>
+<p:sld xmlns:a="http://schemas.openxmlformats.org/drawingml/2006/main" xmlns:r="http://schemas.openxmlformats.org/officeDocument/2006/relationships" xmlns:p="http://schemas.openxmlformats.org/presentationml/2006/main">
+  <p:cSld>
+    <p:bg>
+      <p:bgPr>
+        <a:solidFill>
+          <a:schemeClr val="bg1"/>
+        </a:solidFill>
+        <a:effectLst/>
+      </p:bgPr>
+    </p:bg>
+    <p:spTree>
+      <p:nvGrpSpPr>
+        <p:cNvPr id="1" name=""/>
+        <p:cNvGrpSpPr/>
+        <p:nvPr/>
+      </p:nvGrpSpPr>
+      <p:grpSpPr>
+        <a:xfrm>
+          <a:off x="0" y="0"/>
+          <a:ext cx="0" cy="0"/>
+          <a:chOff x="0" y="0"/>
+          <a:chExt cx="0" cy="0"/>
+        </a:xfrm>
+      </p:grpSpPr>
+      <p:sp>
+        <p:nvSpPr>
+          <p:cNvPr id="13" name="Title 12"/>
+          <p:cNvSpPr>
+            <a:spLocks noGrp="1"/>
+          </p:cNvSpPr>
+          <p:nvPr>
+            <p:ph type="title"/>
+          </p:nvPr>
+        </p:nvSpPr>
+        <p:spPr/>
+        <p:txBody>
+          <a:bodyPr/>
+          <a:lstStyle/>
+          <a:p>
+            <a:r>
+              <a:rPr lang="en-US" dirty="0"/>
+              <a:t>Project </a:t>
+            </a:r>
+            <a:r>
+              <a:rPr lang="en-US" dirty="0" smtClean="0"/>
+              <a:t>Overview : Major Components</a:t>
+            </a:r>
+            <a:endParaRPr lang="en-US" dirty="0"/>
           </a:p>
         </p:txBody>
       </p:sp>
@@ -10479,9 +5851,17 @@
 </p:sld>
 </file>
 
-<file path=ppt/slides/slide3.xml><?xml version="1.0" encoding="utf-8"?>
+<file path=ppt/slides/slide4.xml><?xml version="1.0" encoding="utf-8"?>
 <p:sld xmlns:a="http://schemas.openxmlformats.org/drawingml/2006/main" xmlns:r="http://schemas.openxmlformats.org/officeDocument/2006/relationships" xmlns:p="http://schemas.openxmlformats.org/presentationml/2006/main">
   <p:cSld>
+    <p:bg>
+      <p:bgPr>
+        <a:solidFill>
+          <a:schemeClr val="bg1"/>
+        </a:solidFill>
+        <a:effectLst/>
+      </p:bgPr>
+    </p:bg>
     <p:spTree>
       <p:nvGrpSpPr>
         <p:cNvPr id="1" name=""/>
@@ -10569,7 +5949,7 @@
           <p:cNvPr id="10" name="Picture Placeholder 9">
             <a:extLst>
               <a:ext uri="{FF2B5EF4-FFF2-40B4-BE49-F238E27FC236}">
-                <a16:creationId xmlns:a16="http://schemas.microsoft.com/office/drawing/2014/main" id="{6FAB620E-4672-AED5-D7D3-AEB83910373C}"/>
+                <a16:creationId xmlns:a16="http://schemas.microsoft.com/office/drawing/2014/main" xmlns="" id="{6FAB620E-4672-AED5-D7D3-AEB83910373C}"/>
               </a:ext>
             </a:extLst>
           </p:cNvPr>
@@ -10624,9 +6004,17 @@
 </p:sld>
 </file>
 
-<file path=ppt/slides/slide4.xml><?xml version="1.0" encoding="utf-8"?>
+<file path=ppt/slides/slide5.xml><?xml version="1.0" encoding="utf-8"?>
 <p:sld xmlns:a="http://schemas.openxmlformats.org/drawingml/2006/main" xmlns:r="http://schemas.openxmlformats.org/officeDocument/2006/relationships" xmlns:p="http://schemas.openxmlformats.org/presentationml/2006/main">
   <p:cSld>
+    <p:bg>
+      <p:bgPr>
+        <a:solidFill>
+          <a:schemeClr val="bg1"/>
+        </a:solidFill>
+        <a:effectLst/>
+      </p:bgPr>
+    </p:bg>
     <p:spTree>
       <p:nvGrpSpPr>
         <p:cNvPr id="1" name=""/>
@@ -10786,13 +6174,13 @@
   <p:clrMapOvr>
     <a:masterClrMapping/>
   </p:clrMapOvr>
-  <mc:AlternateContent xmlns:mc="http://schemas.openxmlformats.org/markup-compatibility/2006">
-    <mc:Choice xmlns:p14="http://schemas.microsoft.com/office/powerpoint/2010/main" Requires="p14">
+  <mc:AlternateContent xmlns:mc="http://schemas.openxmlformats.org/markup-compatibility/2006" xmlns:p14="http://schemas.microsoft.com/office/powerpoint/2010/main">
+    <mc:Choice Requires="p14">
       <p:transition spd="med" p14:dur="700">
         <p:fade/>
       </p:transition>
     </mc:Choice>
-    <mc:Fallback>
+    <mc:Fallback xmlns="">
       <p:transition spd="med">
         <p:fade/>
       </p:transition>
@@ -10801,9 +6189,17 @@
 </p:sld>
 </file>
 
-<file path=ppt/slides/slide5.xml><?xml version="1.0" encoding="utf-8"?>
+<file path=ppt/slides/slide6.xml><?xml version="1.0" encoding="utf-8"?>
 <p:sld xmlns:a="http://schemas.openxmlformats.org/drawingml/2006/main" xmlns:r="http://schemas.openxmlformats.org/officeDocument/2006/relationships" xmlns:p="http://schemas.openxmlformats.org/presentationml/2006/main">
   <p:cSld>
+    <p:bg>
+      <p:bgPr>
+        <a:solidFill>
+          <a:schemeClr val="bg1"/>
+        </a:solidFill>
+        <a:effectLst/>
+      </p:bgPr>
+    </p:bg>
     <p:spTree>
       <p:nvGrpSpPr>
         <p:cNvPr id="1" name=""/>
@@ -10911,13 +6307,13 @@
   <p:clrMapOvr>
     <a:masterClrMapping/>
   </p:clrMapOvr>
-  <mc:AlternateContent xmlns:mc="http://schemas.openxmlformats.org/markup-compatibility/2006">
-    <mc:Choice xmlns:p14="http://schemas.microsoft.com/office/powerpoint/2010/main" Requires="p14">
+  <mc:AlternateContent xmlns:mc="http://schemas.openxmlformats.org/markup-compatibility/2006" xmlns:p14="http://schemas.microsoft.com/office/powerpoint/2010/main">
+    <mc:Choice Requires="p14">
       <p:transition spd="med" p14:dur="700">
         <p:fade/>
       </p:transition>
     </mc:Choice>
-    <mc:Fallback>
+    <mc:Fallback xmlns="">
       <p:transition spd="med">
         <p:fade/>
       </p:transition>
@@ -10926,9 +6322,17 @@
 </p:sld>
 </file>
 
-<file path=ppt/slides/slide6.xml><?xml version="1.0" encoding="utf-8"?>
+<file path=ppt/slides/slide7.xml><?xml version="1.0" encoding="utf-8"?>
 <p:sld xmlns:a="http://schemas.openxmlformats.org/drawingml/2006/main" xmlns:r="http://schemas.openxmlformats.org/officeDocument/2006/relationships" xmlns:p="http://schemas.openxmlformats.org/presentationml/2006/main">
   <p:cSld>
+    <p:bg>
+      <p:bgPr>
+        <a:solidFill>
+          <a:schemeClr val="bg1"/>
+        </a:solidFill>
+        <a:effectLst/>
+      </p:bgPr>
+    </p:bg>
     <p:spTree>
       <p:nvGrpSpPr>
         <p:cNvPr id="1" name=""/>
@@ -11023,13 +6427,13 @@
   <p:clrMapOvr>
     <a:masterClrMapping/>
   </p:clrMapOvr>
-  <mc:AlternateContent xmlns:mc="http://schemas.openxmlformats.org/markup-compatibility/2006">
-    <mc:Choice xmlns:p14="http://schemas.microsoft.com/office/powerpoint/2010/main" Requires="p14">
+  <mc:AlternateContent xmlns:mc="http://schemas.openxmlformats.org/markup-compatibility/2006" xmlns:p14="http://schemas.microsoft.com/office/powerpoint/2010/main">
+    <mc:Choice Requires="p14">
       <p:transition spd="med" p14:dur="700">
         <p:fade/>
       </p:transition>
     </mc:Choice>
-    <mc:Fallback>
+    <mc:Fallback xmlns="">
       <p:transition spd="med">
         <p:fade/>
       </p:transition>
@@ -11038,9 +6442,17 @@
 </p:sld>
 </file>
 
-<file path=ppt/slides/slide7.xml><?xml version="1.0" encoding="utf-8"?>
+<file path=ppt/slides/slide8.xml><?xml version="1.0" encoding="utf-8"?>
 <p:sld xmlns:a="http://schemas.openxmlformats.org/drawingml/2006/main" xmlns:r="http://schemas.openxmlformats.org/officeDocument/2006/relationships" xmlns:p="http://schemas.openxmlformats.org/presentationml/2006/main">
   <p:cSld>
+    <p:bg>
+      <p:bgPr>
+        <a:solidFill>
+          <a:schemeClr val="bg1"/>
+        </a:solidFill>
+        <a:effectLst/>
+      </p:bgPr>
+    </p:bg>
     <p:spTree>
       <p:nvGrpSpPr>
         <p:cNvPr id="1" name=""/>
@@ -11109,8 +6521,41 @@
             </a:r>
             <a:r>
               <a:rPr lang="en-US" dirty="0"/>
-              <a:t>class simulates credit card validation.</a:t>
-            </a:r>
+              <a:t>class simulates credit card validation</a:t>
+            </a:r>
+            <a:r>
+              <a:rPr lang="en-US" dirty="0" smtClean="0"/>
+              <a:t>.</a:t>
+            </a:r>
+          </a:p>
+          <a:p>
+            <a:pPr marL="0" indent="0">
+              <a:buNone/>
+            </a:pPr>
+            <a:r>
+              <a:rPr lang="en-US" dirty="0" smtClean="0"/>
+              <a:t>Simple checks ensure that the credit card number, expiration date, and security code are of an acceptable length (this is only a simulation and is not intended to accurately represent credit card validation).</a:t>
+            </a:r>
+            <a:endParaRPr lang="en-US" dirty="0" smtClean="0"/>
+          </a:p>
+          <a:p>
+            <a:pPr marL="0" indent="0">
+              <a:buNone/>
+            </a:pPr>
+            <a:r>
+              <a:rPr lang="en-US" dirty="0" smtClean="0"/>
+              <a:t>After a credit card passes validation checks, the application proceeds to Order Processing.</a:t>
+            </a:r>
+          </a:p>
+          <a:p>
+            <a:pPr marL="0" indent="0">
+              <a:buNone/>
+            </a:pPr>
+            <a:r>
+              <a:rPr lang="en-US" dirty="0" smtClean="0"/>
+              <a:t>It is possible for a credit card to fail validation checks, at which point the order is cancelled.</a:t>
+            </a:r>
+            <a:endParaRPr lang="en-US" dirty="0"/>
           </a:p>
         </p:txBody>
       </p:sp>
@@ -11124,13 +6569,13 @@
   <p:clrMapOvr>
     <a:masterClrMapping/>
   </p:clrMapOvr>
-  <mc:AlternateContent xmlns:mc="http://schemas.openxmlformats.org/markup-compatibility/2006">
-    <mc:Choice xmlns:p14="http://schemas.microsoft.com/office/powerpoint/2010/main" Requires="p14">
+  <mc:AlternateContent xmlns:mc="http://schemas.openxmlformats.org/markup-compatibility/2006" xmlns:p14="http://schemas.microsoft.com/office/powerpoint/2010/main">
+    <mc:Choice Requires="p14">
       <p:transition spd="med" p14:dur="700">
         <p:fade/>
       </p:transition>
     </mc:Choice>
-    <mc:Fallback>
+    <mc:Fallback xmlns="">
       <p:transition spd="med">
         <p:fade/>
       </p:transition>
@@ -11139,9 +6584,17 @@
 </p:sld>
 </file>
 
-<file path=ppt/slides/slide8.xml><?xml version="1.0" encoding="utf-8"?>
+<file path=ppt/slides/slide9.xml><?xml version="1.0" encoding="utf-8"?>
 <p:sld xmlns:a="http://schemas.openxmlformats.org/drawingml/2006/main" xmlns:r="http://schemas.openxmlformats.org/officeDocument/2006/relationships" xmlns:p="http://schemas.openxmlformats.org/presentationml/2006/main">
   <p:cSld>
+    <p:bg>
+      <p:bgPr>
+        <a:solidFill>
+          <a:schemeClr val="bg1"/>
+        </a:solidFill>
+        <a:effectLst/>
+      </p:bgPr>
+    </p:bg>
     <p:spTree>
       <p:nvGrpSpPr>
         <p:cNvPr id="1" name=""/>
@@ -11193,6 +6646,22 @@
           <a:bodyPr/>
           <a:lstStyle/>
           <a:p>
+            <a:pPr marL="0" indent="0">
+              <a:buNone/>
+            </a:pPr>
+            <a:r>
+              <a:rPr lang="en-US" dirty="0" smtClean="0"/>
+              <a:t>A new order is only truly created after a user’s credit card has passed validation.</a:t>
+            </a:r>
+          </a:p>
+          <a:p>
+            <a:pPr marL="0" indent="0">
+              <a:buNone/>
+            </a:pPr>
+            <a:r>
+              <a:rPr lang="en-US" dirty="0" smtClean="0"/>
+              <a:t>The new order is added to the Order Database and the user receives a confirmation message and order number.</a:t>
+            </a:r>
             <a:endParaRPr lang="en-US" dirty="0"/>
           </a:p>
         </p:txBody>
@@ -11201,95 +6670,6 @@
     <p:extLst>
       <p:ext uri="{BB962C8B-B14F-4D97-AF65-F5344CB8AC3E}">
         <p14:creationId xmlns:p14="http://schemas.microsoft.com/office/powerpoint/2010/main" val="293115603"/>
-      </p:ext>
-    </p:extLst>
-  </p:cSld>
-  <p:clrMapOvr>
-    <a:masterClrMapping/>
-  </p:clrMapOvr>
-  <mc:AlternateContent xmlns:mc="http://schemas.openxmlformats.org/markup-compatibility/2006">
-    <mc:Choice xmlns:p14="http://schemas.microsoft.com/office/powerpoint/2010/main" Requires="p14">
-      <p:transition spd="med" p14:dur="700">
-        <p:fade/>
-      </p:transition>
-    </mc:Choice>
-    <mc:Fallback>
-      <p:transition spd="med">
-        <p:fade/>
-      </p:transition>
-    </mc:Fallback>
-  </mc:AlternateContent>
-</p:sld>
-</file>
-
-<file path=ppt/slides/slide9.xml><?xml version="1.0" encoding="utf-8"?>
-<p:sld xmlns:a="http://schemas.openxmlformats.org/drawingml/2006/main" xmlns:r="http://schemas.openxmlformats.org/officeDocument/2006/relationships" xmlns:p="http://schemas.openxmlformats.org/presentationml/2006/main">
-  <p:cSld>
-    <p:spTree>
-      <p:nvGrpSpPr>
-        <p:cNvPr id="1" name=""/>
-        <p:cNvGrpSpPr/>
-        <p:nvPr/>
-      </p:nvGrpSpPr>
-      <p:grpSpPr>
-        <a:xfrm>
-          <a:off x="0" y="0"/>
-          <a:ext cx="0" cy="0"/>
-          <a:chOff x="0" y="0"/>
-          <a:chExt cx="0" cy="0"/>
-        </a:xfrm>
-      </p:grpSpPr>
-      <p:sp>
-        <p:nvSpPr>
-          <p:cNvPr id="2" name="Title 1"/>
-          <p:cNvSpPr>
-            <a:spLocks noGrp="1"/>
-          </p:cNvSpPr>
-          <p:nvPr>
-            <p:ph type="title"/>
-          </p:nvPr>
-        </p:nvSpPr>
-        <p:spPr/>
-        <p:txBody>
-          <a:bodyPr/>
-          <a:lstStyle/>
-          <a:p>
-            <a:r>
-              <a:rPr lang="en-US" dirty="0"/>
-              <a:t>UML Diagram : Shopping System</a:t>
-            </a:r>
-          </a:p>
-        </p:txBody>
-      </p:sp>
-      <p:sp>
-        <p:nvSpPr>
-          <p:cNvPr id="9" name="Content Placeholder 8">
-            <a:extLst>
-              <a:ext uri="{FF2B5EF4-FFF2-40B4-BE49-F238E27FC236}">
-                <a16:creationId xmlns:a16="http://schemas.microsoft.com/office/drawing/2014/main" id="{6685D8E7-6805-DA5F-168E-99B2CCEA19F7}"/>
-              </a:ext>
-            </a:extLst>
-          </p:cNvPr>
-          <p:cNvSpPr>
-            <a:spLocks noGrp="1"/>
-          </p:cNvSpPr>
-          <p:nvPr>
-            <p:ph idx="1"/>
-          </p:nvPr>
-        </p:nvSpPr>
-        <p:spPr/>
-        <p:txBody>
-          <a:bodyPr/>
-          <a:lstStyle/>
-          <a:p>
-            <a:endParaRPr lang="en-US" dirty="0"/>
-          </a:p>
-        </p:txBody>
-      </p:sp>
-    </p:spTree>
-    <p:extLst>
-      <p:ext uri="{BB962C8B-B14F-4D97-AF65-F5344CB8AC3E}">
-        <p14:creationId xmlns:p14="http://schemas.microsoft.com/office/powerpoint/2010/main" val="4010278615"/>
       </p:ext>
     </p:extLst>
   </p:cSld>
@@ -12059,132 +7439,6 @@
 </file>
 
 <file path=customXml/item1.xml><?xml version="1.0" encoding="utf-8"?>
-<p:properties xmlns:p="http://schemas.microsoft.com/office/2006/metadata/properties" xmlns:xsi="http://www.w3.org/2001/XMLSchema-instance" xmlns:pc="http://schemas.microsoft.com/office/infopath/2007/PartnerControls">
-  <documentManagement>
-    <APDescription xmlns="4873beb7-5857-4685-be1f-d57550cc96cc" xsi:nil="true"/>
-    <AssetExpire xmlns="4873beb7-5857-4685-be1f-d57550cc96cc">2029-01-01T08:00:00+00:00</AssetExpire>
-    <CampaignTagsTaxHTField0 xmlns="4873beb7-5857-4685-be1f-d57550cc96cc">
-      <Terms xmlns="http://schemas.microsoft.com/office/infopath/2007/PartnerControls"/>
-    </CampaignTagsTaxHTField0>
-    <IntlLangReviewDate xmlns="4873beb7-5857-4685-be1f-d57550cc96cc" xsi:nil="true"/>
-    <TPFriendlyName xmlns="4873beb7-5857-4685-be1f-d57550cc96cc" xsi:nil="true"/>
-    <IntlLangReview xmlns="4873beb7-5857-4685-be1f-d57550cc96cc">false</IntlLangReview>
-    <LocLastLocAttemptVersionLookup xmlns="4873beb7-5857-4685-be1f-d57550cc96cc">855024</LocLastLocAttemptVersionLookup>
-    <PolicheckWords xmlns="4873beb7-5857-4685-be1f-d57550cc96cc" xsi:nil="true"/>
-    <SubmitterId xmlns="4873beb7-5857-4685-be1f-d57550cc96cc" xsi:nil="true"/>
-    <AcquiredFrom xmlns="4873beb7-5857-4685-be1f-d57550cc96cc">Internal MS</AcquiredFrom>
-    <EditorialStatus xmlns="4873beb7-5857-4685-be1f-d57550cc96cc">Complete</EditorialStatus>
-    <Markets xmlns="4873beb7-5857-4685-be1f-d57550cc96cc"/>
-    <OriginAsset xmlns="4873beb7-5857-4685-be1f-d57550cc96cc" xsi:nil="true"/>
-    <AssetStart xmlns="4873beb7-5857-4685-be1f-d57550cc96cc">2012-08-31T08:50:00+00:00</AssetStart>
-    <FriendlyTitle xmlns="4873beb7-5857-4685-be1f-d57550cc96cc" xsi:nil="true"/>
-    <MarketSpecific xmlns="4873beb7-5857-4685-be1f-d57550cc96cc">false</MarketSpecific>
-    <TPNamespace xmlns="4873beb7-5857-4685-be1f-d57550cc96cc" xsi:nil="true"/>
-    <PublishStatusLookup xmlns="4873beb7-5857-4685-be1f-d57550cc96cc">
-      <Value>1616423</Value>
-    </PublishStatusLookup>
-    <APAuthor xmlns="4873beb7-5857-4685-be1f-d57550cc96cc">
-      <UserInfo>
-        <DisplayName>REDMOND\kristaa</DisplayName>
-        <AccountId>136</AccountId>
-        <AccountType/>
-      </UserInfo>
-    </APAuthor>
-    <TPCommandLine xmlns="4873beb7-5857-4685-be1f-d57550cc96cc" xsi:nil="true"/>
-    <IntlLangReviewer xmlns="4873beb7-5857-4685-be1f-d57550cc96cc" xsi:nil="true"/>
-    <OpenTemplate xmlns="4873beb7-5857-4685-be1f-d57550cc96cc">true</OpenTemplate>
-    <CSXSubmissionDate xmlns="4873beb7-5857-4685-be1f-d57550cc96cc" xsi:nil="true"/>
-    <TaxCatchAll xmlns="4873beb7-5857-4685-be1f-d57550cc96cc"/>
-    <Manager xmlns="4873beb7-5857-4685-be1f-d57550cc96cc" xsi:nil="true"/>
-    <NumericId xmlns="4873beb7-5857-4685-be1f-d57550cc96cc" xsi:nil="true"/>
-    <ParentAssetId xmlns="4873beb7-5857-4685-be1f-d57550cc96cc" xsi:nil="true"/>
-    <OriginalSourceMarket xmlns="4873beb7-5857-4685-be1f-d57550cc96cc" xsi:nil="true"/>
-    <ApprovalStatus xmlns="4873beb7-5857-4685-be1f-d57550cc96cc">InProgress</ApprovalStatus>
-    <TPComponent xmlns="4873beb7-5857-4685-be1f-d57550cc96cc" xsi:nil="true"/>
-    <EditorialTags xmlns="4873beb7-5857-4685-be1f-d57550cc96cc" xsi:nil="true"/>
-    <TPExecutable xmlns="4873beb7-5857-4685-be1f-d57550cc96cc" xsi:nil="true"/>
-    <TPLaunchHelpLink xmlns="4873beb7-5857-4685-be1f-d57550cc96cc" xsi:nil="true"/>
-    <LocComments xmlns="4873beb7-5857-4685-be1f-d57550cc96cc" xsi:nil="true"/>
-    <LocRecommendedHandoff xmlns="4873beb7-5857-4685-be1f-d57550cc96cc" xsi:nil="true"/>
-    <SourceTitle xmlns="4873beb7-5857-4685-be1f-d57550cc96cc" xsi:nil="true"/>
-    <CSXUpdate xmlns="4873beb7-5857-4685-be1f-d57550cc96cc">false</CSXUpdate>
-    <IntlLocPriority xmlns="4873beb7-5857-4685-be1f-d57550cc96cc" xsi:nil="true"/>
-    <UAProjectedTotalWords xmlns="4873beb7-5857-4685-be1f-d57550cc96cc" xsi:nil="true"/>
-    <AssetType xmlns="4873beb7-5857-4685-be1f-d57550cc96cc">TP</AssetType>
-    <MachineTranslated xmlns="4873beb7-5857-4685-be1f-d57550cc96cc">false</MachineTranslated>
-    <OutputCachingOn xmlns="4873beb7-5857-4685-be1f-d57550cc96cc">false</OutputCachingOn>
-    <TemplateStatus xmlns="4873beb7-5857-4685-be1f-d57550cc96cc">Complete</TemplateStatus>
-    <IsSearchable xmlns="4873beb7-5857-4685-be1f-d57550cc96cc">true</IsSearchable>
-    <ContentItem xmlns="4873beb7-5857-4685-be1f-d57550cc96cc" xsi:nil="true"/>
-    <HandoffToMSDN xmlns="4873beb7-5857-4685-be1f-d57550cc96cc" xsi:nil="true"/>
-    <ShowIn xmlns="4873beb7-5857-4685-be1f-d57550cc96cc">Show everywhere</ShowIn>
-    <ThumbnailAssetId xmlns="4873beb7-5857-4685-be1f-d57550cc96cc" xsi:nil="true"/>
-    <UALocComments xmlns="4873beb7-5857-4685-be1f-d57550cc96cc" xsi:nil="true"/>
-    <UALocRecommendation xmlns="4873beb7-5857-4685-be1f-d57550cc96cc">Localize</UALocRecommendation>
-    <LastModifiedDateTime xmlns="4873beb7-5857-4685-be1f-d57550cc96cc" xsi:nil="true"/>
-    <LegacyData xmlns="4873beb7-5857-4685-be1f-d57550cc96cc" xsi:nil="true"/>
-    <LocManualTestRequired xmlns="4873beb7-5857-4685-be1f-d57550cc96cc">false</LocManualTestRequired>
-    <LocMarketGroupTiers2 xmlns="4873beb7-5857-4685-be1f-d57550cc96cc" xsi:nil="true"/>
-    <ClipArtFilename xmlns="4873beb7-5857-4685-be1f-d57550cc96cc" xsi:nil="true"/>
-    <TPApplication xmlns="4873beb7-5857-4685-be1f-d57550cc96cc" xsi:nil="true"/>
-    <CSXHash xmlns="4873beb7-5857-4685-be1f-d57550cc96cc" xsi:nil="true"/>
-    <DirectSourceMarket xmlns="4873beb7-5857-4685-be1f-d57550cc96cc" xsi:nil="true"/>
-    <PrimaryImageGen xmlns="4873beb7-5857-4685-be1f-d57550cc96cc">true</PrimaryImageGen>
-    <PlannedPubDate xmlns="4873beb7-5857-4685-be1f-d57550cc96cc" xsi:nil="true"/>
-    <CSXSubmissionMarket xmlns="4873beb7-5857-4685-be1f-d57550cc96cc" xsi:nil="true"/>
-    <Downloads xmlns="4873beb7-5857-4685-be1f-d57550cc96cc">0</Downloads>
-    <ArtSampleDocs xmlns="4873beb7-5857-4685-be1f-d57550cc96cc" xsi:nil="true"/>
-    <TrustLevel xmlns="4873beb7-5857-4685-be1f-d57550cc96cc">1 Microsoft Managed Content</TrustLevel>
-    <BlockPublish xmlns="4873beb7-5857-4685-be1f-d57550cc96cc">false</BlockPublish>
-    <TPLaunchHelpLinkType xmlns="4873beb7-5857-4685-be1f-d57550cc96cc">Template</TPLaunchHelpLinkType>
-    <LocalizationTagsTaxHTField0 xmlns="4873beb7-5857-4685-be1f-d57550cc96cc">
-      <Terms xmlns="http://schemas.microsoft.com/office/infopath/2007/PartnerControls"/>
-    </LocalizationTagsTaxHTField0>
-    <BusinessGroup xmlns="4873beb7-5857-4685-be1f-d57550cc96cc" xsi:nil="true"/>
-    <Providers xmlns="4873beb7-5857-4685-be1f-d57550cc96cc" xsi:nil="true"/>
-    <TemplateTemplateType xmlns="4873beb7-5857-4685-be1f-d57550cc96cc">PowerPoint Presentation Template</TemplateTemplateType>
-    <TimesCloned xmlns="4873beb7-5857-4685-be1f-d57550cc96cc" xsi:nil="true"/>
-    <TPAppVersion xmlns="4873beb7-5857-4685-be1f-d57550cc96cc" xsi:nil="true"/>
-    <VoteCount xmlns="4873beb7-5857-4685-be1f-d57550cc96cc" xsi:nil="true"/>
-    <AverageRating xmlns="4873beb7-5857-4685-be1f-d57550cc96cc" xsi:nil="true"/>
-    <FeatureTagsTaxHTField0 xmlns="4873beb7-5857-4685-be1f-d57550cc96cc">
-      <Terms xmlns="http://schemas.microsoft.com/office/infopath/2007/PartnerControls"/>
-    </FeatureTagsTaxHTField0>
-    <Provider xmlns="4873beb7-5857-4685-be1f-d57550cc96cc" xsi:nil="true"/>
-    <UACurrentWords xmlns="4873beb7-5857-4685-be1f-d57550cc96cc" xsi:nil="true"/>
-    <AssetId xmlns="4873beb7-5857-4685-be1f-d57550cc96cc">TP103431361</AssetId>
-    <TPClientViewer xmlns="4873beb7-5857-4685-be1f-d57550cc96cc" xsi:nil="true"/>
-    <DSATActionTaken xmlns="4873beb7-5857-4685-be1f-d57550cc96cc" xsi:nil="true"/>
-    <APEditor xmlns="4873beb7-5857-4685-be1f-d57550cc96cc">
-      <UserInfo>
-        <DisplayName/>
-        <AccountId xsi:nil="true"/>
-        <AccountType/>
-      </UserInfo>
-    </APEditor>
-    <TPInstallLocation xmlns="4873beb7-5857-4685-be1f-d57550cc96cc" xsi:nil="true"/>
-    <OOCacheId xmlns="4873beb7-5857-4685-be1f-d57550cc96cc" xsi:nil="true"/>
-    <IsDeleted xmlns="4873beb7-5857-4685-be1f-d57550cc96cc">false</IsDeleted>
-    <PublishTargets xmlns="4873beb7-5857-4685-be1f-d57550cc96cc">OfficeOnlineVNext</PublishTargets>
-    <ApprovalLog xmlns="4873beb7-5857-4685-be1f-d57550cc96cc" xsi:nil="true"/>
-    <BugNumber xmlns="4873beb7-5857-4685-be1f-d57550cc96cc" xsi:nil="true"/>
-    <CrawlForDependencies xmlns="4873beb7-5857-4685-be1f-d57550cc96cc">false</CrawlForDependencies>
-    <InternalTagsTaxHTField0 xmlns="4873beb7-5857-4685-be1f-d57550cc96cc">
-      <Terms xmlns="http://schemas.microsoft.com/office/infopath/2007/PartnerControls"/>
-    </InternalTagsTaxHTField0>
-    <LastHandOff xmlns="4873beb7-5857-4685-be1f-d57550cc96cc" xsi:nil="true"/>
-    <Milestone xmlns="4873beb7-5857-4685-be1f-d57550cc96cc" xsi:nil="true"/>
-    <OriginalRelease xmlns="4873beb7-5857-4685-be1f-d57550cc96cc">15</OriginalRelease>
-    <RecommendationsModifier xmlns="4873beb7-5857-4685-be1f-d57550cc96cc" xsi:nil="true"/>
-    <ScenarioTagsTaxHTField0 xmlns="4873beb7-5857-4685-be1f-d57550cc96cc">
-      <Terms xmlns="http://schemas.microsoft.com/office/infopath/2007/PartnerControls"/>
-    </ScenarioTagsTaxHTField0>
-    <UANotes xmlns="4873beb7-5857-4685-be1f-d57550cc96cc" xsi:nil="true"/>
-  </documentManagement>
-</p:properties>
-</file>
-
-<file path=customXml/item2.xml><?xml version="1.0" encoding="utf-8"?>
 <ct:contentTypeSchema xmlns:ct="http://schemas.microsoft.com/office/2006/metadata/contentType" xmlns:ma="http://schemas.microsoft.com/office/2006/metadata/properties/metaAttributes" ct:_="" ma:_="" ma:contentTypeName="TemplateFile" ma:contentTypeID="0x0101006EDDDB5EE6D98C44930B742096920B300400F5B6D36B3EF94B4E9A635CDF2A18F5B8" ma:contentTypeVersion="72" ma:contentTypeDescription="Create a new document." ma:contentTypeScope="" ma:versionID="a23e56308344d904b51738559c3d67c9">
   <xsd:schema xmlns:xsd="http://www.w3.org/2001/XMLSchema" xmlns:xs="http://www.w3.org/2001/XMLSchema" xmlns:p="http://schemas.microsoft.com/office/2006/metadata/properties" xmlns:ns2="4873beb7-5857-4685-be1f-d57550cc96cc" targetNamespace="http://schemas.microsoft.com/office/2006/metadata/properties" ma:root="true" ma:fieldsID="cd0908cc4600e77bf5da051303e00c8d" ns2:_="">
     <xsd:import namespace="4873beb7-5857-4685-be1f-d57550cc96cc"/>
@@ -13224,6 +8478,132 @@
 </ct:contentTypeSchema>
 </file>
 
+<file path=customXml/item2.xml><?xml version="1.0" encoding="utf-8"?>
+<p:properties xmlns:p="http://schemas.microsoft.com/office/2006/metadata/properties" xmlns:xsi="http://www.w3.org/2001/XMLSchema-instance" xmlns:pc="http://schemas.microsoft.com/office/infopath/2007/PartnerControls">
+  <documentManagement>
+    <APDescription xmlns="4873beb7-5857-4685-be1f-d57550cc96cc" xsi:nil="true"/>
+    <AssetExpire xmlns="4873beb7-5857-4685-be1f-d57550cc96cc">2029-01-01T08:00:00+00:00</AssetExpire>
+    <CampaignTagsTaxHTField0 xmlns="4873beb7-5857-4685-be1f-d57550cc96cc">
+      <Terms xmlns="http://schemas.microsoft.com/office/infopath/2007/PartnerControls"/>
+    </CampaignTagsTaxHTField0>
+    <IntlLangReviewDate xmlns="4873beb7-5857-4685-be1f-d57550cc96cc" xsi:nil="true"/>
+    <TPFriendlyName xmlns="4873beb7-5857-4685-be1f-d57550cc96cc" xsi:nil="true"/>
+    <IntlLangReview xmlns="4873beb7-5857-4685-be1f-d57550cc96cc">false</IntlLangReview>
+    <LocLastLocAttemptVersionLookup xmlns="4873beb7-5857-4685-be1f-d57550cc96cc">855024</LocLastLocAttemptVersionLookup>
+    <PolicheckWords xmlns="4873beb7-5857-4685-be1f-d57550cc96cc" xsi:nil="true"/>
+    <SubmitterId xmlns="4873beb7-5857-4685-be1f-d57550cc96cc" xsi:nil="true"/>
+    <AcquiredFrom xmlns="4873beb7-5857-4685-be1f-d57550cc96cc">Internal MS</AcquiredFrom>
+    <EditorialStatus xmlns="4873beb7-5857-4685-be1f-d57550cc96cc">Complete</EditorialStatus>
+    <Markets xmlns="4873beb7-5857-4685-be1f-d57550cc96cc"/>
+    <OriginAsset xmlns="4873beb7-5857-4685-be1f-d57550cc96cc" xsi:nil="true"/>
+    <AssetStart xmlns="4873beb7-5857-4685-be1f-d57550cc96cc">2012-08-31T08:50:00+00:00</AssetStart>
+    <FriendlyTitle xmlns="4873beb7-5857-4685-be1f-d57550cc96cc" xsi:nil="true"/>
+    <MarketSpecific xmlns="4873beb7-5857-4685-be1f-d57550cc96cc">false</MarketSpecific>
+    <TPNamespace xmlns="4873beb7-5857-4685-be1f-d57550cc96cc" xsi:nil="true"/>
+    <PublishStatusLookup xmlns="4873beb7-5857-4685-be1f-d57550cc96cc">
+      <Value>1616423</Value>
+    </PublishStatusLookup>
+    <APAuthor xmlns="4873beb7-5857-4685-be1f-d57550cc96cc">
+      <UserInfo>
+        <DisplayName>REDMOND\kristaa</DisplayName>
+        <AccountId>136</AccountId>
+        <AccountType/>
+      </UserInfo>
+    </APAuthor>
+    <TPCommandLine xmlns="4873beb7-5857-4685-be1f-d57550cc96cc" xsi:nil="true"/>
+    <IntlLangReviewer xmlns="4873beb7-5857-4685-be1f-d57550cc96cc" xsi:nil="true"/>
+    <OpenTemplate xmlns="4873beb7-5857-4685-be1f-d57550cc96cc">true</OpenTemplate>
+    <CSXSubmissionDate xmlns="4873beb7-5857-4685-be1f-d57550cc96cc" xsi:nil="true"/>
+    <TaxCatchAll xmlns="4873beb7-5857-4685-be1f-d57550cc96cc"/>
+    <Manager xmlns="4873beb7-5857-4685-be1f-d57550cc96cc" xsi:nil="true"/>
+    <NumericId xmlns="4873beb7-5857-4685-be1f-d57550cc96cc" xsi:nil="true"/>
+    <ParentAssetId xmlns="4873beb7-5857-4685-be1f-d57550cc96cc" xsi:nil="true"/>
+    <OriginalSourceMarket xmlns="4873beb7-5857-4685-be1f-d57550cc96cc" xsi:nil="true"/>
+    <ApprovalStatus xmlns="4873beb7-5857-4685-be1f-d57550cc96cc">InProgress</ApprovalStatus>
+    <TPComponent xmlns="4873beb7-5857-4685-be1f-d57550cc96cc" xsi:nil="true"/>
+    <EditorialTags xmlns="4873beb7-5857-4685-be1f-d57550cc96cc" xsi:nil="true"/>
+    <TPExecutable xmlns="4873beb7-5857-4685-be1f-d57550cc96cc" xsi:nil="true"/>
+    <TPLaunchHelpLink xmlns="4873beb7-5857-4685-be1f-d57550cc96cc" xsi:nil="true"/>
+    <LocComments xmlns="4873beb7-5857-4685-be1f-d57550cc96cc" xsi:nil="true"/>
+    <LocRecommendedHandoff xmlns="4873beb7-5857-4685-be1f-d57550cc96cc" xsi:nil="true"/>
+    <SourceTitle xmlns="4873beb7-5857-4685-be1f-d57550cc96cc" xsi:nil="true"/>
+    <CSXUpdate xmlns="4873beb7-5857-4685-be1f-d57550cc96cc">false</CSXUpdate>
+    <IntlLocPriority xmlns="4873beb7-5857-4685-be1f-d57550cc96cc" xsi:nil="true"/>
+    <UAProjectedTotalWords xmlns="4873beb7-5857-4685-be1f-d57550cc96cc" xsi:nil="true"/>
+    <AssetType xmlns="4873beb7-5857-4685-be1f-d57550cc96cc">TP</AssetType>
+    <MachineTranslated xmlns="4873beb7-5857-4685-be1f-d57550cc96cc">false</MachineTranslated>
+    <OutputCachingOn xmlns="4873beb7-5857-4685-be1f-d57550cc96cc">false</OutputCachingOn>
+    <TemplateStatus xmlns="4873beb7-5857-4685-be1f-d57550cc96cc">Complete</TemplateStatus>
+    <IsSearchable xmlns="4873beb7-5857-4685-be1f-d57550cc96cc">true</IsSearchable>
+    <ContentItem xmlns="4873beb7-5857-4685-be1f-d57550cc96cc" xsi:nil="true"/>
+    <HandoffToMSDN xmlns="4873beb7-5857-4685-be1f-d57550cc96cc" xsi:nil="true"/>
+    <ShowIn xmlns="4873beb7-5857-4685-be1f-d57550cc96cc">Show everywhere</ShowIn>
+    <ThumbnailAssetId xmlns="4873beb7-5857-4685-be1f-d57550cc96cc" xsi:nil="true"/>
+    <UALocComments xmlns="4873beb7-5857-4685-be1f-d57550cc96cc" xsi:nil="true"/>
+    <UALocRecommendation xmlns="4873beb7-5857-4685-be1f-d57550cc96cc">Localize</UALocRecommendation>
+    <LastModifiedDateTime xmlns="4873beb7-5857-4685-be1f-d57550cc96cc" xsi:nil="true"/>
+    <LegacyData xmlns="4873beb7-5857-4685-be1f-d57550cc96cc" xsi:nil="true"/>
+    <LocManualTestRequired xmlns="4873beb7-5857-4685-be1f-d57550cc96cc">false</LocManualTestRequired>
+    <LocMarketGroupTiers2 xmlns="4873beb7-5857-4685-be1f-d57550cc96cc" xsi:nil="true"/>
+    <ClipArtFilename xmlns="4873beb7-5857-4685-be1f-d57550cc96cc" xsi:nil="true"/>
+    <TPApplication xmlns="4873beb7-5857-4685-be1f-d57550cc96cc" xsi:nil="true"/>
+    <CSXHash xmlns="4873beb7-5857-4685-be1f-d57550cc96cc" xsi:nil="true"/>
+    <DirectSourceMarket xmlns="4873beb7-5857-4685-be1f-d57550cc96cc" xsi:nil="true"/>
+    <PrimaryImageGen xmlns="4873beb7-5857-4685-be1f-d57550cc96cc">true</PrimaryImageGen>
+    <PlannedPubDate xmlns="4873beb7-5857-4685-be1f-d57550cc96cc" xsi:nil="true"/>
+    <CSXSubmissionMarket xmlns="4873beb7-5857-4685-be1f-d57550cc96cc" xsi:nil="true"/>
+    <Downloads xmlns="4873beb7-5857-4685-be1f-d57550cc96cc">0</Downloads>
+    <ArtSampleDocs xmlns="4873beb7-5857-4685-be1f-d57550cc96cc" xsi:nil="true"/>
+    <TrustLevel xmlns="4873beb7-5857-4685-be1f-d57550cc96cc">1 Microsoft Managed Content</TrustLevel>
+    <BlockPublish xmlns="4873beb7-5857-4685-be1f-d57550cc96cc">false</BlockPublish>
+    <TPLaunchHelpLinkType xmlns="4873beb7-5857-4685-be1f-d57550cc96cc">Template</TPLaunchHelpLinkType>
+    <LocalizationTagsTaxHTField0 xmlns="4873beb7-5857-4685-be1f-d57550cc96cc">
+      <Terms xmlns="http://schemas.microsoft.com/office/infopath/2007/PartnerControls"/>
+    </LocalizationTagsTaxHTField0>
+    <BusinessGroup xmlns="4873beb7-5857-4685-be1f-d57550cc96cc" xsi:nil="true"/>
+    <Providers xmlns="4873beb7-5857-4685-be1f-d57550cc96cc" xsi:nil="true"/>
+    <TemplateTemplateType xmlns="4873beb7-5857-4685-be1f-d57550cc96cc">PowerPoint Presentation Template</TemplateTemplateType>
+    <TimesCloned xmlns="4873beb7-5857-4685-be1f-d57550cc96cc" xsi:nil="true"/>
+    <TPAppVersion xmlns="4873beb7-5857-4685-be1f-d57550cc96cc" xsi:nil="true"/>
+    <VoteCount xmlns="4873beb7-5857-4685-be1f-d57550cc96cc" xsi:nil="true"/>
+    <AverageRating xmlns="4873beb7-5857-4685-be1f-d57550cc96cc" xsi:nil="true"/>
+    <FeatureTagsTaxHTField0 xmlns="4873beb7-5857-4685-be1f-d57550cc96cc">
+      <Terms xmlns="http://schemas.microsoft.com/office/infopath/2007/PartnerControls"/>
+    </FeatureTagsTaxHTField0>
+    <Provider xmlns="4873beb7-5857-4685-be1f-d57550cc96cc" xsi:nil="true"/>
+    <UACurrentWords xmlns="4873beb7-5857-4685-be1f-d57550cc96cc" xsi:nil="true"/>
+    <AssetId xmlns="4873beb7-5857-4685-be1f-d57550cc96cc">TP103431361</AssetId>
+    <TPClientViewer xmlns="4873beb7-5857-4685-be1f-d57550cc96cc" xsi:nil="true"/>
+    <DSATActionTaken xmlns="4873beb7-5857-4685-be1f-d57550cc96cc" xsi:nil="true"/>
+    <APEditor xmlns="4873beb7-5857-4685-be1f-d57550cc96cc">
+      <UserInfo>
+        <DisplayName/>
+        <AccountId xsi:nil="true"/>
+        <AccountType/>
+      </UserInfo>
+    </APEditor>
+    <TPInstallLocation xmlns="4873beb7-5857-4685-be1f-d57550cc96cc" xsi:nil="true"/>
+    <OOCacheId xmlns="4873beb7-5857-4685-be1f-d57550cc96cc" xsi:nil="true"/>
+    <IsDeleted xmlns="4873beb7-5857-4685-be1f-d57550cc96cc">false</IsDeleted>
+    <PublishTargets xmlns="4873beb7-5857-4685-be1f-d57550cc96cc">OfficeOnlineVNext</PublishTargets>
+    <ApprovalLog xmlns="4873beb7-5857-4685-be1f-d57550cc96cc" xsi:nil="true"/>
+    <BugNumber xmlns="4873beb7-5857-4685-be1f-d57550cc96cc" xsi:nil="true"/>
+    <CrawlForDependencies xmlns="4873beb7-5857-4685-be1f-d57550cc96cc">false</CrawlForDependencies>
+    <InternalTagsTaxHTField0 xmlns="4873beb7-5857-4685-be1f-d57550cc96cc">
+      <Terms xmlns="http://schemas.microsoft.com/office/infopath/2007/PartnerControls"/>
+    </InternalTagsTaxHTField0>
+    <LastHandOff xmlns="4873beb7-5857-4685-be1f-d57550cc96cc" xsi:nil="true"/>
+    <Milestone xmlns="4873beb7-5857-4685-be1f-d57550cc96cc" xsi:nil="true"/>
+    <OriginalRelease xmlns="4873beb7-5857-4685-be1f-d57550cc96cc">15</OriginalRelease>
+    <RecommendationsModifier xmlns="4873beb7-5857-4685-be1f-d57550cc96cc" xsi:nil="true"/>
+    <ScenarioTagsTaxHTField0 xmlns="4873beb7-5857-4685-be1f-d57550cc96cc">
+      <Terms xmlns="http://schemas.microsoft.com/office/infopath/2007/PartnerControls"/>
+    </ScenarioTagsTaxHTField0>
+    <UANotes xmlns="4873beb7-5857-4685-be1f-d57550cc96cc" xsi:nil="true"/>
+  </documentManagement>
+</p:properties>
+</file>
+
 <file path=customXml/item3.xml><?xml version="1.0" encoding="utf-8"?>
 <?mso-contentType ?>
 <FormTemplates xmlns="http://schemas.microsoft.com/sharepoint/v3/contenttype/forms">
@@ -13234,22 +8614,6 @@
 </file>
 
 <file path=customXml/itemProps1.xml><?xml version="1.0" encoding="utf-8"?>
-<ds:datastoreItem xmlns:ds="http://schemas.openxmlformats.org/officeDocument/2006/customXml" ds:itemID="{8CDDBB83-77C1-4099-A0AA-289882E745E2}">
-  <ds:schemaRefs>
-    <ds:schemaRef ds:uri="http://purl.org/dc/elements/1.1/"/>
-    <ds:schemaRef ds:uri="http://schemas.microsoft.com/office/2006/metadata/properties"/>
-    <ds:schemaRef ds:uri="4873beb7-5857-4685-be1f-d57550cc96cc"/>
-    <ds:schemaRef ds:uri="http://schemas.openxmlformats.org/package/2006/metadata/core-properties"/>
-    <ds:schemaRef ds:uri="http://purl.org/dc/terms/"/>
-    <ds:schemaRef ds:uri="http://schemas.microsoft.com/office/2006/documentManagement/types"/>
-    <ds:schemaRef ds:uri="http://schemas.microsoft.com/office/infopath/2007/PartnerControls"/>
-    <ds:schemaRef ds:uri="http://www.w3.org/XML/1998/namespace"/>
-    <ds:schemaRef ds:uri="http://purl.org/dc/dcmitype/"/>
-  </ds:schemaRefs>
-</ds:datastoreItem>
-</file>
-
-<file path=customXml/itemProps2.xml><?xml version="1.0" encoding="utf-8"?>
 <ds:datastoreItem xmlns:ds="http://schemas.openxmlformats.org/officeDocument/2006/customXml" ds:itemID="{28C8B9CA-0273-4370-889A-FC05DA5C2FA5}">
   <ds:schemaRefs>
     <ds:schemaRef ds:uri="http://schemas.microsoft.com/office/2006/metadata/contentType"/>
@@ -13267,6 +8631,22 @@
 </ds:datastoreItem>
 </file>
 
+<file path=customXml/itemProps2.xml><?xml version="1.0" encoding="utf-8"?>
+<ds:datastoreItem xmlns:ds="http://schemas.openxmlformats.org/officeDocument/2006/customXml" ds:itemID="{8CDDBB83-77C1-4099-A0AA-289882E745E2}">
+  <ds:schemaRefs>
+    <ds:schemaRef ds:uri="http://purl.org/dc/elements/1.1/"/>
+    <ds:schemaRef ds:uri="http://schemas.microsoft.com/office/2006/metadata/properties"/>
+    <ds:schemaRef ds:uri="4873beb7-5857-4685-be1f-d57550cc96cc"/>
+    <ds:schemaRef ds:uri="http://schemas.openxmlformats.org/package/2006/metadata/core-properties"/>
+    <ds:schemaRef ds:uri="http://purl.org/dc/terms/"/>
+    <ds:schemaRef ds:uri="http://schemas.microsoft.com/office/2006/documentManagement/types"/>
+    <ds:schemaRef ds:uri="http://schemas.microsoft.com/office/infopath/2007/PartnerControls"/>
+    <ds:schemaRef ds:uri="http://www.w3.org/XML/1998/namespace"/>
+    <ds:schemaRef ds:uri="http://purl.org/dc/dcmitype/"/>
+  </ds:schemaRefs>
+</ds:datastoreItem>
+</file>
+
 <file path=customXml/itemProps3.xml><?xml version="1.0" encoding="utf-8"?>
 <ds:datastoreItem xmlns:ds="http://schemas.openxmlformats.org/officeDocument/2006/customXml" ds:itemID="{561E720F-F05D-4536-9C34-0CFCED65D3B7}">
   <ds:schemaRefs>

--- a/Final Project.pptx
+++ b/Final Project.pptx
@@ -5,27 +5,26 @@
     <p:sldMasterId id="2147483648" r:id="rId4"/>
   </p:sldMasterIdLst>
   <p:notesMasterIdLst>
-    <p:notesMasterId r:id="rId20"/>
+    <p:notesMasterId r:id="rId19"/>
   </p:notesMasterIdLst>
   <p:handoutMasterIdLst>
-    <p:handoutMasterId r:id="rId21"/>
+    <p:handoutMasterId r:id="rId20"/>
   </p:handoutMasterIdLst>
   <p:sldIdLst>
     <p:sldId id="256" r:id="rId5"/>
-    <p:sldId id="258" r:id="rId6"/>
-    <p:sldId id="257" r:id="rId7"/>
-    <p:sldId id="266" r:id="rId8"/>
-    <p:sldId id="274" r:id="rId9"/>
-    <p:sldId id="270" r:id="rId10"/>
-    <p:sldId id="271" r:id="rId11"/>
-    <p:sldId id="272" r:id="rId12"/>
-    <p:sldId id="273" r:id="rId13"/>
-    <p:sldId id="268" r:id="rId14"/>
-    <p:sldId id="262" r:id="rId15"/>
-    <p:sldId id="263" r:id="rId16"/>
-    <p:sldId id="264" r:id="rId17"/>
-    <p:sldId id="265" r:id="rId18"/>
-    <p:sldId id="275" r:id="rId19"/>
+    <p:sldId id="257" r:id="rId6"/>
+    <p:sldId id="266" r:id="rId7"/>
+    <p:sldId id="274" r:id="rId8"/>
+    <p:sldId id="270" r:id="rId9"/>
+    <p:sldId id="271" r:id="rId10"/>
+    <p:sldId id="272" r:id="rId11"/>
+    <p:sldId id="273" r:id="rId12"/>
+    <p:sldId id="268" r:id="rId13"/>
+    <p:sldId id="262" r:id="rId14"/>
+    <p:sldId id="263" r:id="rId15"/>
+    <p:sldId id="264" r:id="rId16"/>
+    <p:sldId id="265" r:id="rId17"/>
+    <p:sldId id="275" r:id="rId18"/>
   </p:sldIdLst>
   <p:sldSz cx="12192000" cy="6858000"/>
   <p:notesSz cx="6858000" cy="9144000"/>
@@ -4979,10 +4978,6 @@
               </a:rPr>
               <a:t>Final Project</a:t>
             </a:r>
-            <a:r>
-              <a:rPr lang="en-US" dirty="0"/>
-              <a:t/>
-            </a:r>
             <a:br>
               <a:rPr lang="en-US" dirty="0"/>
             </a:br>
@@ -5081,7 +5076,7 @@
             <a:spLocks noGrp="1"/>
           </p:cNvSpPr>
           <p:nvPr>
-            <p:ph type="ctrTitle"/>
+            <p:ph type="title"/>
           </p:nvPr>
         </p:nvSpPr>
         <p:spPr/>
@@ -5090,17 +5085,92 @@
           <a:lstStyle/>
           <a:p>
             <a:r>
-              <a:rPr lang="en-US" dirty="0" smtClean="0"/>
-              <a:t>Design Decisions</a:t>
-            </a:r>
-            <a:endParaRPr lang="en-US" dirty="0"/>
+              <a:rPr lang="en-US" dirty="0"/>
+              <a:t>Add a Slide Title - 3</a:t>
+            </a:r>
+          </a:p>
+        </p:txBody>
+      </p:sp>
+      <p:sp>
+        <p:nvSpPr>
+          <p:cNvPr id="3" name="Text Placeholder 2"/>
+          <p:cNvSpPr>
+            <a:spLocks noGrp="1"/>
+          </p:cNvSpPr>
+          <p:nvPr>
+            <p:ph type="body" idx="1"/>
+          </p:nvPr>
+        </p:nvSpPr>
+        <p:spPr/>
+        <p:txBody>
+          <a:bodyPr/>
+          <a:lstStyle/>
+          <a:p>
+            <a:endParaRPr lang="en-US"/>
+          </a:p>
+        </p:txBody>
+      </p:sp>
+      <p:sp>
+        <p:nvSpPr>
+          <p:cNvPr id="4" name="Content Placeholder 3"/>
+          <p:cNvSpPr>
+            <a:spLocks noGrp="1"/>
+          </p:cNvSpPr>
+          <p:nvPr>
+            <p:ph sz="half" idx="2"/>
+          </p:nvPr>
+        </p:nvSpPr>
+        <p:spPr/>
+        <p:txBody>
+          <a:bodyPr/>
+          <a:lstStyle/>
+          <a:p>
+            <a:endParaRPr lang="en-US"/>
+          </a:p>
+        </p:txBody>
+      </p:sp>
+      <p:sp>
+        <p:nvSpPr>
+          <p:cNvPr id="5" name="Text Placeholder 4"/>
+          <p:cNvSpPr>
+            <a:spLocks noGrp="1"/>
+          </p:cNvSpPr>
+          <p:nvPr>
+            <p:ph type="body" sz="quarter" idx="3"/>
+          </p:nvPr>
+        </p:nvSpPr>
+        <p:spPr/>
+        <p:txBody>
+          <a:bodyPr/>
+          <a:lstStyle/>
+          <a:p>
+            <a:endParaRPr lang="en-US"/>
+          </a:p>
+        </p:txBody>
+      </p:sp>
+      <p:sp>
+        <p:nvSpPr>
+          <p:cNvPr id="6" name="Content Placeholder 5"/>
+          <p:cNvSpPr>
+            <a:spLocks noGrp="1"/>
+          </p:cNvSpPr>
+          <p:nvPr>
+            <p:ph sz="quarter" idx="4"/>
+          </p:nvPr>
+        </p:nvSpPr>
+        <p:spPr/>
+        <p:txBody>
+          <a:bodyPr/>
+          <a:lstStyle/>
+          <a:p>
+            <a:endParaRPr lang="en-US"/>
           </a:p>
         </p:txBody>
       </p:sp>
     </p:spTree>
     <p:extLst>
       <p:ext uri="{BB962C8B-B14F-4D97-AF65-F5344CB8AC3E}">
-        <p14:creationId xmlns:p14="http://schemas.microsoft.com/office/powerpoint/2010/main" val="1315647518"/>
+        <p14:creationId xmlns:p14="http://schemas.microsoft.com/office/powerpoint/2010/main" val="2224495804"/>
       </p:ext>
     </p:extLst>
   </p:cSld>
@@ -5164,154 +5234,6 @@
           <a:p>
             <a:r>
               <a:rPr lang="en-US" dirty="0"/>
-              <a:t>Add a Slide Title - 3</a:t>
-            </a:r>
-          </a:p>
-        </p:txBody>
-      </p:sp>
-      <p:sp>
-        <p:nvSpPr>
-          <p:cNvPr id="3" name="Text Placeholder 2"/>
-          <p:cNvSpPr>
-            <a:spLocks noGrp="1"/>
-          </p:cNvSpPr>
-          <p:nvPr>
-            <p:ph type="body" idx="1"/>
-          </p:nvPr>
-        </p:nvSpPr>
-        <p:spPr/>
-        <p:txBody>
-          <a:bodyPr/>
-          <a:lstStyle/>
-          <a:p>
-            <a:endParaRPr lang="en-US"/>
-          </a:p>
-        </p:txBody>
-      </p:sp>
-      <p:sp>
-        <p:nvSpPr>
-          <p:cNvPr id="4" name="Content Placeholder 3"/>
-          <p:cNvSpPr>
-            <a:spLocks noGrp="1"/>
-          </p:cNvSpPr>
-          <p:nvPr>
-            <p:ph sz="half" idx="2"/>
-          </p:nvPr>
-        </p:nvSpPr>
-        <p:spPr/>
-        <p:txBody>
-          <a:bodyPr/>
-          <a:lstStyle/>
-          <a:p>
-            <a:endParaRPr lang="en-US"/>
-          </a:p>
-        </p:txBody>
-      </p:sp>
-      <p:sp>
-        <p:nvSpPr>
-          <p:cNvPr id="5" name="Text Placeholder 4"/>
-          <p:cNvSpPr>
-            <a:spLocks noGrp="1"/>
-          </p:cNvSpPr>
-          <p:nvPr>
-            <p:ph type="body" sz="quarter" idx="3"/>
-          </p:nvPr>
-        </p:nvSpPr>
-        <p:spPr/>
-        <p:txBody>
-          <a:bodyPr/>
-          <a:lstStyle/>
-          <a:p>
-            <a:endParaRPr lang="en-US"/>
-          </a:p>
-        </p:txBody>
-      </p:sp>
-      <p:sp>
-        <p:nvSpPr>
-          <p:cNvPr id="6" name="Content Placeholder 5"/>
-          <p:cNvSpPr>
-            <a:spLocks noGrp="1"/>
-          </p:cNvSpPr>
-          <p:nvPr>
-            <p:ph sz="quarter" idx="4"/>
-          </p:nvPr>
-        </p:nvSpPr>
-        <p:spPr/>
-        <p:txBody>
-          <a:bodyPr/>
-          <a:lstStyle/>
-          <a:p>
-            <a:endParaRPr lang="en-US"/>
-          </a:p>
-        </p:txBody>
-      </p:sp>
-    </p:spTree>
-    <p:extLst>
-      <p:ext uri="{BB962C8B-B14F-4D97-AF65-F5344CB8AC3E}">
-        <p14:creationId xmlns:p14="http://schemas.microsoft.com/office/powerpoint/2010/main" val="2224495804"/>
-      </p:ext>
-    </p:extLst>
-  </p:cSld>
-  <p:clrMapOvr>
-    <a:masterClrMapping/>
-  </p:clrMapOvr>
-  <mc:AlternateContent xmlns:mc="http://schemas.openxmlformats.org/markup-compatibility/2006" xmlns:p14="http://schemas.microsoft.com/office/powerpoint/2010/main">
-    <mc:Choice Requires="p14">
-      <p:transition spd="med" p14:dur="700">
-        <p:fade/>
-      </p:transition>
-    </mc:Choice>
-    <mc:Fallback xmlns="">
-      <p:transition spd="med">
-        <p:fade/>
-      </p:transition>
-    </mc:Fallback>
-  </mc:AlternateContent>
-</p:sld>
-</file>
-
-<file path=ppt/slides/slide12.xml><?xml version="1.0" encoding="utf-8"?>
-<p:sld xmlns:a="http://schemas.openxmlformats.org/drawingml/2006/main" xmlns:r="http://schemas.openxmlformats.org/officeDocument/2006/relationships" xmlns:p="http://schemas.openxmlformats.org/presentationml/2006/main">
-  <p:cSld>
-    <p:bg>
-      <p:bgPr>
-        <a:solidFill>
-          <a:schemeClr val="bg1"/>
-        </a:solidFill>
-        <a:effectLst/>
-      </p:bgPr>
-    </p:bg>
-    <p:spTree>
-      <p:nvGrpSpPr>
-        <p:cNvPr id="1" name=""/>
-        <p:cNvGrpSpPr/>
-        <p:nvPr/>
-      </p:nvGrpSpPr>
-      <p:grpSpPr>
-        <a:xfrm>
-          <a:off x="0" y="0"/>
-          <a:ext cx="0" cy="0"/>
-          <a:chOff x="0" y="0"/>
-          <a:chExt cx="0" cy="0"/>
-        </a:xfrm>
-      </p:grpSpPr>
-      <p:sp>
-        <p:nvSpPr>
-          <p:cNvPr id="2" name="Title 1"/>
-          <p:cNvSpPr>
-            <a:spLocks noGrp="1"/>
-          </p:cNvSpPr>
-          <p:nvPr>
-            <p:ph type="title"/>
-          </p:nvPr>
-        </p:nvSpPr>
-        <p:spPr/>
-        <p:txBody>
-          <a:bodyPr/>
-          <a:lstStyle/>
-          <a:p>
-            <a:r>
-              <a:rPr lang="en-US" dirty="0"/>
               <a:t>Add a Slide Title - 4</a:t>
             </a:r>
           </a:p>
@@ -5342,7 +5264,7 @@
 </p:sld>
 </file>
 
-<file path=ppt/slides/slide13.xml><?xml version="1.0" encoding="utf-8"?>
+<file path=ppt/slides/slide12.xml><?xml version="1.0" encoding="utf-8"?>
 <p:sld xmlns:a="http://schemas.openxmlformats.org/drawingml/2006/main" xmlns:r="http://schemas.openxmlformats.org/officeDocument/2006/relationships" xmlns:p="http://schemas.openxmlformats.org/presentationml/2006/main">
   <p:cSld>
     <p:bg>
@@ -5392,6 +5314,116 @@
 </p:sld>
 </file>
 
+<file path=ppt/slides/slide13.xml><?xml version="1.0" encoding="utf-8"?>
+<p:sld xmlns:a="http://schemas.openxmlformats.org/drawingml/2006/main" xmlns:r="http://schemas.openxmlformats.org/officeDocument/2006/relationships" xmlns:p="http://schemas.openxmlformats.org/presentationml/2006/main">
+  <p:cSld>
+    <p:bg>
+      <p:bgPr>
+        <a:solidFill>
+          <a:schemeClr val="bg1"/>
+        </a:solidFill>
+        <a:effectLst/>
+      </p:bgPr>
+    </p:bg>
+    <p:spTree>
+      <p:nvGrpSpPr>
+        <p:cNvPr id="1" name=""/>
+        <p:cNvGrpSpPr/>
+        <p:nvPr/>
+      </p:nvGrpSpPr>
+      <p:grpSpPr>
+        <a:xfrm>
+          <a:off x="0" y="0"/>
+          <a:ext cx="0" cy="0"/>
+          <a:chOff x="0" y="0"/>
+          <a:chExt cx="0" cy="0"/>
+        </a:xfrm>
+      </p:grpSpPr>
+      <p:sp>
+        <p:nvSpPr>
+          <p:cNvPr id="2" name="Title 1"/>
+          <p:cNvSpPr>
+            <a:spLocks noGrp="1"/>
+          </p:cNvSpPr>
+          <p:nvPr>
+            <p:ph type="title"/>
+          </p:nvPr>
+        </p:nvSpPr>
+        <p:spPr/>
+        <p:txBody>
+          <a:bodyPr/>
+          <a:lstStyle/>
+          <a:p>
+            <a:r>
+              <a:rPr lang="en-US" dirty="0"/>
+              <a:t>Add a Slide Title - 5</a:t>
+            </a:r>
+          </a:p>
+        </p:txBody>
+      </p:sp>
+      <p:sp>
+        <p:nvSpPr>
+          <p:cNvPr id="4" name="Text Placeholder 3"/>
+          <p:cNvSpPr>
+            <a:spLocks noGrp="1"/>
+          </p:cNvSpPr>
+          <p:nvPr>
+            <p:ph type="body" sz="half" idx="2"/>
+          </p:nvPr>
+        </p:nvSpPr>
+        <p:spPr/>
+        <p:txBody>
+          <a:bodyPr/>
+          <a:lstStyle/>
+          <a:p>
+            <a:endParaRPr lang="en-US"/>
+          </a:p>
+        </p:txBody>
+      </p:sp>
+      <p:sp>
+        <p:nvSpPr>
+          <p:cNvPr id="3" name="Content Placeholder 2"/>
+          <p:cNvSpPr>
+            <a:spLocks noGrp="1"/>
+          </p:cNvSpPr>
+          <p:nvPr>
+            <p:ph idx="1"/>
+          </p:nvPr>
+        </p:nvSpPr>
+        <p:spPr/>
+        <p:txBody>
+          <a:bodyPr/>
+          <a:lstStyle/>
+          <a:p>
+            <a:endParaRPr lang="en-US"/>
+          </a:p>
+        </p:txBody>
+      </p:sp>
+    </p:spTree>
+    <p:extLst>
+      <p:ext uri="{BB962C8B-B14F-4D97-AF65-F5344CB8AC3E}">
+        <p14:creationId xmlns:p14="http://schemas.microsoft.com/office/powerpoint/2010/main" val="3197023440"/>
+      </p:ext>
+    </p:extLst>
+  </p:cSld>
+  <p:clrMapOvr>
+    <a:masterClrMapping/>
+  </p:clrMapOvr>
+  <mc:AlternateContent xmlns:mc="http://schemas.openxmlformats.org/markup-compatibility/2006" xmlns:p14="http://schemas.microsoft.com/office/powerpoint/2010/main">
+    <mc:Choice Requires="p14">
+      <p:transition spd="med" p14:dur="700">
+        <p:fade/>
+      </p:transition>
+    </mc:Choice>
+    <mc:Fallback xmlns="">
+      <p:transition spd="med">
+        <p:fade/>
+      </p:transition>
+    </mc:Fallback>
+  </mc:AlternateContent>
+</p:sld>
+</file>
+
 <file path=ppt/slides/slide14.xml><?xml version="1.0" encoding="utf-8"?>
 <p:sld xmlns:a="http://schemas.openxmlformats.org/drawingml/2006/main" xmlns:r="http://schemas.openxmlformats.org/officeDocument/2006/relationships" xmlns:p="http://schemas.openxmlformats.org/presentationml/2006/main">
   <p:cSld>
@@ -5424,7 +5456,7 @@
             <a:spLocks noGrp="1"/>
           </p:cNvSpPr>
           <p:nvPr>
-            <p:ph type="title"/>
+            <p:ph type="ctrTitle"/>
           </p:nvPr>
         </p:nvSpPr>
         <p:spPr/>
@@ -5434,19 +5466,19 @@
           <a:p>
             <a:r>
               <a:rPr lang="en-US" dirty="0"/>
-              <a:t>Add a Slide Title - 5</a:t>
-            </a:r>
-          </a:p>
-        </p:txBody>
-      </p:sp>
-      <p:sp>
-        <p:nvSpPr>
-          <p:cNvPr id="4" name="Text Placeholder 3"/>
-          <p:cNvSpPr>
-            <a:spLocks noGrp="1"/>
-          </p:cNvSpPr>
-          <p:nvPr>
-            <p:ph type="body" sz="half" idx="2"/>
+              <a:t>END</a:t>
+            </a:r>
+          </a:p>
+        </p:txBody>
+      </p:sp>
+      <p:sp>
+        <p:nvSpPr>
+          <p:cNvPr id="3" name="Subtitle 2"/>
+          <p:cNvSpPr>
+            <a:spLocks noGrp="1"/>
+          </p:cNvSpPr>
+          <p:nvPr>
+            <p:ph type="subTitle" idx="1"/>
           </p:nvPr>
         </p:nvSpPr>
         <p:spPr/>
@@ -5454,125 +5486,14 @@
           <a:bodyPr/>
           <a:lstStyle/>
           <a:p>
-            <a:endParaRPr lang="en-US"/>
-          </a:p>
-        </p:txBody>
-      </p:sp>
-      <p:sp>
-        <p:nvSpPr>
-          <p:cNvPr id="3" name="Content Placeholder 2"/>
-          <p:cNvSpPr>
-            <a:spLocks noGrp="1"/>
-          </p:cNvSpPr>
-          <p:nvPr>
-            <p:ph idx="1"/>
-          </p:nvPr>
-        </p:nvSpPr>
-        <p:spPr/>
-        <p:txBody>
-          <a:bodyPr/>
-          <a:lstStyle/>
-          <a:p>
-            <a:endParaRPr lang="en-US"/>
-          </a:p>
-        </p:txBody>
-      </p:sp>
-    </p:spTree>
-    <p:extLst>
-      <p:ext uri="{BB962C8B-B14F-4D97-AF65-F5344CB8AC3E}">
-        <p14:creationId xmlns:p14="http://schemas.microsoft.com/office/powerpoint/2010/main" val="3197023440"/>
-      </p:ext>
-    </p:extLst>
-  </p:cSld>
-  <p:clrMapOvr>
-    <a:masterClrMapping/>
-  </p:clrMapOvr>
-  <mc:AlternateContent xmlns:mc="http://schemas.openxmlformats.org/markup-compatibility/2006" xmlns:p14="http://schemas.microsoft.com/office/powerpoint/2010/main">
-    <mc:Choice Requires="p14">
-      <p:transition spd="med" p14:dur="700">
-        <p:fade/>
-      </p:transition>
-    </mc:Choice>
-    <mc:Fallback xmlns="">
-      <p:transition spd="med">
-        <p:fade/>
-      </p:transition>
-    </mc:Fallback>
-  </mc:AlternateContent>
-</p:sld>
-</file>
-
-<file path=ppt/slides/slide15.xml><?xml version="1.0" encoding="utf-8"?>
-<p:sld xmlns:a="http://schemas.openxmlformats.org/drawingml/2006/main" xmlns:r="http://schemas.openxmlformats.org/officeDocument/2006/relationships" xmlns:p="http://schemas.openxmlformats.org/presentationml/2006/main">
-  <p:cSld>
-    <p:bg>
-      <p:bgPr>
-        <a:solidFill>
-          <a:schemeClr val="bg1"/>
-        </a:solidFill>
-        <a:effectLst/>
-      </p:bgPr>
-    </p:bg>
-    <p:spTree>
-      <p:nvGrpSpPr>
-        <p:cNvPr id="1" name=""/>
-        <p:cNvGrpSpPr/>
-        <p:nvPr/>
-      </p:nvGrpSpPr>
-      <p:grpSpPr>
-        <a:xfrm>
-          <a:off x="0" y="0"/>
-          <a:ext cx="0" cy="0"/>
-          <a:chOff x="0" y="0"/>
-          <a:chExt cx="0" cy="0"/>
-        </a:xfrm>
-      </p:grpSpPr>
-      <p:sp>
-        <p:nvSpPr>
-          <p:cNvPr id="2" name="Title 1"/>
-          <p:cNvSpPr>
-            <a:spLocks noGrp="1"/>
-          </p:cNvSpPr>
-          <p:nvPr>
-            <p:ph type="ctrTitle"/>
-          </p:nvPr>
-        </p:nvSpPr>
-        <p:spPr/>
-        <p:txBody>
-          <a:bodyPr/>
-          <a:lstStyle/>
-          <a:p>
-            <a:r>
-              <a:rPr lang="en-US" dirty="0" smtClean="0"/>
-              <a:t>END</a:t>
-            </a:r>
-            <a:endParaRPr lang="en-US" dirty="0"/>
-          </a:p>
-        </p:txBody>
-      </p:sp>
-      <p:sp>
-        <p:nvSpPr>
-          <p:cNvPr id="3" name="Subtitle 2"/>
-          <p:cNvSpPr>
-            <a:spLocks noGrp="1"/>
-          </p:cNvSpPr>
-          <p:nvPr>
-            <p:ph type="subTitle" idx="1"/>
-          </p:nvPr>
-        </p:nvSpPr>
-        <p:spPr/>
-        <p:txBody>
-          <a:bodyPr/>
-          <a:lstStyle/>
-          <a:p>
-            <a:r>
-              <a:rPr lang="en-US" dirty="0" smtClean="0"/>
+            <a:r>
+              <a:rPr lang="en-US" dirty="0"/>
               <a:t>William Berthouex</a:t>
             </a:r>
           </a:p>
           <a:p>
             <a:r>
-              <a:rPr lang="en-US" dirty="0" err="1" smtClean="0"/>
+              <a:rPr lang="en-US" dirty="0" err="1"/>
               <a:t>Github</a:t>
             </a:r>
             <a:r>
@@ -5583,13 +5504,7 @@
               <a:rPr lang="en-US" dirty="0">
                 <a:hlinkClick r:id="rId2"/>
               </a:rPr>
-              <a:t>https://</a:t>
-            </a:r>
-            <a:r>
-              <a:rPr lang="en-US" dirty="0" smtClean="0">
-                <a:hlinkClick r:id="rId2"/>
-              </a:rPr>
-              <a:t>github.com/StateControlled/SE450_Final_Project</a:t>
+              <a:t>https://github.com/StateControlled/SE450_Final_Project</a:t>
             </a:r>
             <a:endParaRPr lang="en-US" dirty="0"/>
           </a:p>
@@ -5647,7 +5562,7 @@
       </p:grpSpPr>
       <p:sp>
         <p:nvSpPr>
-          <p:cNvPr id="2" name="Title 1"/>
+          <p:cNvPr id="13" name="Title 12"/>
           <p:cNvSpPr>
             <a:spLocks noGrp="1"/>
           </p:cNvSpPr>
@@ -5661,46 +5576,68 @@
           <a:lstStyle/>
           <a:p>
             <a:r>
-              <a:rPr lang="en-US" dirty="0" smtClean="0"/>
-              <a:t>General Flow</a:t>
-            </a:r>
-            <a:endParaRPr lang="en-US" dirty="0"/>
-          </a:p>
-        </p:txBody>
-      </p:sp>
-      <p:pic>
-        <p:nvPicPr>
-          <p:cNvPr id="4" name="Content Placeholder 3"/>
-          <p:cNvPicPr>
-            <a:picLocks noGrp="1" noChangeAspect="1"/>
-          </p:cNvPicPr>
+              <a:rPr lang="en-US" dirty="0"/>
+              <a:t>Project Overview : Major Components</a:t>
+            </a:r>
+          </a:p>
+        </p:txBody>
+      </p:sp>
+      <p:sp>
+        <p:nvSpPr>
+          <p:cNvPr id="14" name="Content Placeholder 13"/>
+          <p:cNvSpPr>
+            <a:spLocks noGrp="1"/>
+          </p:cNvSpPr>
           <p:nvPr>
             <p:ph idx="1"/>
           </p:nvPr>
-        </p:nvPicPr>
-        <p:blipFill>
-          <a:blip r:embed="rId2">
-            <a:extLst>
-              <a:ext uri="{28A0092B-C50C-407E-A947-70E740481C1C}">
-                <a14:useLocalDpi xmlns:a14="http://schemas.microsoft.com/office/drawing/2010/main" val="0"/>
-              </a:ext>
-            </a:extLst>
-          </a:blip>
-          <a:stretch>
-            <a:fillRect/>
-          </a:stretch>
-        </p:blipFill>
-        <p:spPr>
-          <a:xfrm>
-            <a:off x="1347893" y="1600200"/>
-            <a:ext cx="9496213" cy="4572000"/>
-          </a:xfrm>
-        </p:spPr>
-      </p:pic>
+        </p:nvSpPr>
+        <p:spPr/>
+        <p:txBody>
+          <a:bodyPr/>
+          <a:lstStyle/>
+          <a:p>
+            <a:r>
+              <a:rPr lang="en-US" dirty="0"/>
+              <a:t>GUI</a:t>
+            </a:r>
+          </a:p>
+          <a:p>
+            <a:r>
+              <a:rPr lang="en-US" dirty="0"/>
+              <a:t>User Authentication</a:t>
+            </a:r>
+          </a:p>
+          <a:p>
+            <a:r>
+              <a:rPr lang="en-US" dirty="0"/>
+              <a:t>Product Catalogue</a:t>
+            </a:r>
+          </a:p>
+          <a:p>
+            <a:r>
+              <a:rPr lang="en-US" dirty="0"/>
+              <a:t>Order Processing</a:t>
+            </a:r>
+          </a:p>
+          <a:p>
+            <a:r>
+              <a:rPr lang="en-US" dirty="0"/>
+              <a:t>Payment Processing</a:t>
+            </a:r>
+          </a:p>
+          <a:p>
+            <a:r>
+              <a:rPr lang="en-US" dirty="0"/>
+              <a:t>Event Logging</a:t>
+            </a:r>
+          </a:p>
+        </p:txBody>
+      </p:sp>
     </p:spTree>
     <p:extLst>
       <p:ext uri="{BB962C8B-B14F-4D97-AF65-F5344CB8AC3E}">
-        <p14:creationId xmlns:p14="http://schemas.microsoft.com/office/powerpoint/2010/main" val="4010278615"/>
+        <p14:creationId xmlns:p14="http://schemas.microsoft.com/office/powerpoint/2010/main" val="1654255301"/>
       </p:ext>
     </p:extLst>
   </p:cSld>
@@ -5749,7 +5686,7 @@
       </p:grpSpPr>
       <p:sp>
         <p:nvSpPr>
-          <p:cNvPr id="13" name="Title 12"/>
+          <p:cNvPr id="2" name="Title 1"/>
           <p:cNvSpPr>
             <a:spLocks noGrp="1"/>
           </p:cNvSpPr>
@@ -5764,24 +5701,19 @@
           <a:p>
             <a:r>
               <a:rPr lang="en-US" dirty="0"/>
-              <a:t>Project </a:t>
-            </a:r>
-            <a:r>
-              <a:rPr lang="en-US" dirty="0" smtClean="0"/>
-              <a:t>Overview : Major Components</a:t>
-            </a:r>
-            <a:endParaRPr lang="en-US" dirty="0"/>
-          </a:p>
-        </p:txBody>
-      </p:sp>
-      <p:sp>
-        <p:nvSpPr>
-          <p:cNvPr id="14" name="Content Placeholder 13"/>
-          <p:cNvSpPr>
-            <a:spLocks noGrp="1"/>
-          </p:cNvSpPr>
-          <p:nvPr>
-            <p:ph idx="1"/>
+              <a:t>GUI</a:t>
+            </a:r>
+          </a:p>
+        </p:txBody>
+      </p:sp>
+      <p:sp>
+        <p:nvSpPr>
+          <p:cNvPr id="4" name="Text Placeholder 3"/>
+          <p:cNvSpPr>
+            <a:spLocks noGrp="1"/>
+          </p:cNvSpPr>
+          <p:nvPr>
+            <p:ph type="body" sz="half" idx="2"/>
           </p:nvPr>
         </p:nvSpPr>
         <p:spPr/>
@@ -5791,45 +5723,74 @@
           <a:p>
             <a:r>
               <a:rPr lang="en-US" dirty="0"/>
-              <a:t>GUI</a:t>
+              <a:t>A simple GUI allows the user to interact with the application.</a:t>
             </a:r>
           </a:p>
           <a:p>
             <a:r>
               <a:rPr lang="en-US" dirty="0"/>
-              <a:t>User Authentication</a:t>
+              <a:t>A user can log in to an existing account, create a new account, or check out a purchase.</a:t>
             </a:r>
           </a:p>
           <a:p>
             <a:r>
               <a:rPr lang="en-US" dirty="0"/>
-              <a:t>Product Catalogue</a:t>
+              <a:t>Once logged in, a user can add items to their cart and then check out.</a:t>
             </a:r>
           </a:p>
           <a:p>
             <a:r>
               <a:rPr lang="en-US" dirty="0"/>
-              <a:t>Order Processing</a:t>
+              <a:t>Checking out brings up a new window to enter credit card information.</a:t>
             </a:r>
           </a:p>
           <a:p>
             <a:r>
               <a:rPr lang="en-US" dirty="0"/>
-              <a:t>Payment Processing</a:t>
-            </a:r>
-          </a:p>
-          <a:p>
-            <a:r>
-              <a:rPr lang="en-US" dirty="0"/>
-              <a:t>Event Logging</a:t>
-            </a:r>
-          </a:p>
-        </p:txBody>
-      </p:sp>
+              <a:t>If the credit card passes validation checks, the user receives confirmation of their order.</a:t>
+            </a:r>
+          </a:p>
+        </p:txBody>
+      </p:sp>
+      <p:pic>
+        <p:nvPicPr>
+          <p:cNvPr id="10" name="Picture Placeholder 9">
+            <a:extLst>
+              <a:ext uri="{FF2B5EF4-FFF2-40B4-BE49-F238E27FC236}">
+                <a16:creationId xmlns:a16="http://schemas.microsoft.com/office/drawing/2014/main" id="{6FAB620E-4672-AED5-D7D3-AEB83910373C}"/>
+              </a:ext>
+            </a:extLst>
+          </p:cNvPr>
+          <p:cNvPicPr preferRelativeResize="0">
+            <a:picLocks noGrp="1" noChangeAspect="1"/>
+          </p:cNvPicPr>
+          <p:nvPr>
+            <p:ph type="pic" idx="1"/>
+          </p:nvPr>
+        </p:nvPicPr>
+        <p:blipFill>
+          <a:blip r:embed="rId2">
+            <a:extLst>
+              <a:ext uri="{28A0092B-C50C-407E-A947-70E740481C1C}">
+                <a14:useLocalDpi xmlns:a14="http://schemas.microsoft.com/office/drawing/2010/main" val="0"/>
+              </a:ext>
+            </a:extLst>
+          </a:blip>
+          <a:stretch>
+            <a:fillRect/>
+          </a:stretch>
+        </p:blipFill>
+        <p:spPr>
+          <a:xfrm>
+            <a:off x="4577712" y="1600199"/>
+            <a:ext cx="6507870" cy="3799937"/>
+          </a:xfrm>
+        </p:spPr>
+      </p:pic>
     </p:spTree>
     <p:extLst>
       <p:ext uri="{BB962C8B-B14F-4D97-AF65-F5344CB8AC3E}">
-        <p14:creationId xmlns:p14="http://schemas.microsoft.com/office/powerpoint/2010/main" val="1654255301"/>
+        <p14:creationId xmlns:p14="http://schemas.microsoft.com/office/powerpoint/2010/main" val="3683544629"/>
       </p:ext>
     </p:extLst>
   </p:cSld>
@@ -5878,7 +5839,7 @@
       </p:grpSpPr>
       <p:sp>
         <p:nvSpPr>
-          <p:cNvPr id="2" name="Title 1"/>
+          <p:cNvPr id="13" name="Title 12"/>
           <p:cNvSpPr>
             <a:spLocks noGrp="1"/>
           </p:cNvSpPr>
@@ -5893,19 +5854,19 @@
           <a:p>
             <a:r>
               <a:rPr lang="en-US" dirty="0"/>
-              <a:t>GUI</a:t>
-            </a:r>
-          </a:p>
-        </p:txBody>
-      </p:sp>
-      <p:sp>
-        <p:nvSpPr>
-          <p:cNvPr id="4" name="Text Placeholder 3"/>
-          <p:cNvSpPr>
-            <a:spLocks noGrp="1"/>
-          </p:cNvSpPr>
-          <p:nvPr>
-            <p:ph type="body" sz="half" idx="2"/>
+              <a:t>Event Logging</a:t>
+            </a:r>
+          </a:p>
+        </p:txBody>
+      </p:sp>
+      <p:sp>
+        <p:nvSpPr>
+          <p:cNvPr id="14" name="Content Placeholder 13"/>
+          <p:cNvSpPr>
+            <a:spLocks noGrp="1"/>
+          </p:cNvSpPr>
+          <p:nvPr>
+            <p:ph idx="1"/>
           </p:nvPr>
         </p:nvSpPr>
         <p:spPr/>
@@ -5913,76 +5874,108 @@
           <a:bodyPr/>
           <a:lstStyle/>
           <a:p>
+            <a:pPr marL="0" indent="0">
+              <a:buNone/>
+            </a:pPr>
             <a:r>
               <a:rPr lang="en-US" dirty="0"/>
-              <a:t>A simple GUI allows the user to interact with the application.</a:t>
-            </a:r>
-          </a:p>
-          <a:p>
+              <a:t>A </a:t>
+            </a:r>
+            <a:r>
+              <a:rPr lang="en-US" i="1" dirty="0" err="1"/>
+              <a:t>LogWriter</a:t>
+            </a:r>
             <a:r>
               <a:rPr lang="en-US" dirty="0"/>
-              <a:t>A user can log in to an existing account, create a new account, or check out a purchase.</a:t>
-            </a:r>
-          </a:p>
-          <a:p>
+              <a:t> class records user actions, various methods called by class files, and errors the application encounters.</a:t>
+            </a:r>
+          </a:p>
+          <a:p>
+            <a:pPr marL="0" indent="0">
+              <a:buNone/>
+            </a:pPr>
             <a:r>
               <a:rPr lang="en-US" dirty="0"/>
-              <a:t>Once logged in, a user can add items to their cart and then check out.</a:t>
-            </a:r>
-          </a:p>
-          <a:p>
+              <a:t>The </a:t>
+            </a:r>
+            <a:r>
+              <a:rPr lang="en-US" i="1" dirty="0" err="1"/>
+              <a:t>LogWriter</a:t>
+            </a:r>
+            <a:r>
+              <a:rPr lang="en-US" i="1" dirty="0"/>
+              <a:t> </a:t>
+            </a:r>
             <a:r>
               <a:rPr lang="en-US" dirty="0"/>
-              <a:t>Checking out brings up a new window to enter credit card information.</a:t>
-            </a:r>
-          </a:p>
-          <a:p>
+              <a:t>is implemented as a singleton.</a:t>
+            </a:r>
+          </a:p>
+          <a:p>
+            <a:pPr marL="0" indent="0">
+              <a:buNone/>
+            </a:pPr>
             <a:r>
               <a:rPr lang="en-US" dirty="0"/>
-              <a:t>If the credit card passes validation checks, the user receives confirmation of their order.</a:t>
-            </a:r>
-          </a:p>
-        </p:txBody>
-      </p:sp>
-      <p:pic>
-        <p:nvPicPr>
-          <p:cNvPr id="10" name="Picture Placeholder 9">
-            <a:extLst>
-              <a:ext uri="{FF2B5EF4-FFF2-40B4-BE49-F238E27FC236}">
-                <a16:creationId xmlns:a16="http://schemas.microsoft.com/office/drawing/2014/main" xmlns="" id="{6FAB620E-4672-AED5-D7D3-AEB83910373C}"/>
-              </a:ext>
-            </a:extLst>
-          </p:cNvPr>
-          <p:cNvPicPr preferRelativeResize="0">
-            <a:picLocks noGrp="1" noChangeAspect="1"/>
-          </p:cNvPicPr>
-          <p:nvPr>
-            <p:ph type="pic" idx="1"/>
-          </p:nvPr>
-        </p:nvPicPr>
-        <p:blipFill>
-          <a:blip r:embed="rId2">
-            <a:extLst>
-              <a:ext uri="{28A0092B-C50C-407E-A947-70E740481C1C}">
-                <a14:useLocalDpi xmlns:a14="http://schemas.microsoft.com/office/drawing/2010/main" val="0"/>
-              </a:ext>
-            </a:extLst>
-          </a:blip>
-          <a:stretch>
-            <a:fillRect/>
-          </a:stretch>
-        </p:blipFill>
-        <p:spPr>
-          <a:xfrm>
-            <a:off x="4577712" y="1600199"/>
-            <a:ext cx="6507870" cy="3799937"/>
-          </a:xfrm>
-        </p:spPr>
-      </p:pic>
+              <a:t>The </a:t>
+            </a:r>
+            <a:r>
+              <a:rPr lang="en-US" i="1" dirty="0" err="1"/>
+              <a:t>LogWriter</a:t>
+            </a:r>
+            <a:r>
+              <a:rPr lang="en-US" i="1" dirty="0"/>
+              <a:t> </a:t>
+            </a:r>
+            <a:r>
+              <a:rPr lang="en-US" dirty="0"/>
+              <a:t>is instantiated in a static block before anything else.</a:t>
+            </a:r>
+          </a:p>
+          <a:p>
+            <a:pPr marL="0" indent="0">
+              <a:buNone/>
+            </a:pPr>
+            <a:r>
+              <a:rPr lang="en-US" dirty="0"/>
+              <a:t>The </a:t>
+            </a:r>
+            <a:r>
+              <a:rPr lang="en-US" i="1" dirty="0" err="1"/>
+              <a:t>LogWriter</a:t>
+            </a:r>
+            <a:r>
+              <a:rPr lang="en-US" i="1" dirty="0"/>
+              <a:t> </a:t>
+            </a:r>
+            <a:r>
+              <a:rPr lang="en-US" dirty="0"/>
+              <a:t>is modeled after the Logger in the </a:t>
+            </a:r>
+            <a:r>
+              <a:rPr lang="en-US" dirty="0" err="1"/>
+              <a:t>java.util.logging</a:t>
+            </a:r>
+            <a:r>
+              <a:rPr lang="en-US" dirty="0"/>
+              <a:t> package.</a:t>
+            </a:r>
+          </a:p>
+          <a:p>
+            <a:pPr marL="0" indent="0">
+              <a:buNone/>
+            </a:pPr>
+            <a:r>
+              <a:rPr lang="en-US" dirty="0"/>
+              <a:t>The log is stored in a file in the project root directory. This log is not overwritten and subsequent instances of the application will append their logs to the existing log file.</a:t>
+            </a:r>
+          </a:p>
+        </p:txBody>
+      </p:sp>
     </p:spTree>
     <p:extLst>
       <p:ext uri="{BB962C8B-B14F-4D97-AF65-F5344CB8AC3E}">
-        <p14:creationId xmlns:p14="http://schemas.microsoft.com/office/powerpoint/2010/main" val="3683544629"/>
+        <p14:creationId xmlns:p14="http://schemas.microsoft.com/office/powerpoint/2010/main" val="3656155741"/>
       </p:ext>
     </p:extLst>
   </p:cSld>
@@ -6046,7 +6039,7 @@
           <a:p>
             <a:r>
               <a:rPr lang="en-US" dirty="0"/>
-              <a:t>Event Logging</a:t>
+              <a:t>User Authentication</a:t>
             </a:r>
           </a:p>
         </p:txBody>
@@ -6071,15 +6064,16 @@
             </a:pPr>
             <a:r>
               <a:rPr lang="en-US" dirty="0"/>
-              <a:t>A </a:t>
-            </a:r>
-            <a:r>
-              <a:rPr lang="en-US" i="1" dirty="0" err="1"/>
-              <a:t>LogWriter</a:t>
-            </a:r>
+              <a:t>When a user enters a username and password into the corresponding fields in the GUI, the application checks these against a “database” of existing users.</a:t>
+            </a:r>
+          </a:p>
+          <a:p>
+            <a:pPr marL="0" indent="0">
+              <a:buNone/>
+            </a:pPr>
             <a:r>
               <a:rPr lang="en-US" dirty="0"/>
-              <a:t> class records user actions, various methods called by class files, and errors the application encounters.</a:t>
+              <a:t>If the username and password match, the user is allowed to log in. A successful login displays the message “Welcome &lt;USERNAME&gt;!” on the GUI.</a:t>
             </a:r>
           </a:p>
           <a:p>
@@ -6088,19 +6082,16 @@
             </a:pPr>
             <a:r>
               <a:rPr lang="en-US" dirty="0"/>
-              <a:t>The </a:t>
-            </a:r>
-            <a:r>
-              <a:rPr lang="en-US" i="1" dirty="0" err="1"/>
-              <a:t>LogWriter</a:t>
-            </a:r>
-            <a:r>
-              <a:rPr lang="en-US" i="1" dirty="0"/>
-              <a:t> </a:t>
-            </a:r>
+              <a:t>If there is no match, nothing happens.</a:t>
+            </a:r>
+          </a:p>
+          <a:p>
+            <a:pPr marL="0" indent="0">
+              <a:buNone/>
+            </a:pPr>
             <a:r>
               <a:rPr lang="en-US" dirty="0"/>
-              <a:t>is implemented as a singleton.</a:t>
+              <a:t>If the user opts to create a new account, a new record is added to the user database.</a:t>
             </a:r>
           </a:p>
           <a:p>
@@ -6109,57 +6100,7 @@
             </a:pPr>
             <a:r>
               <a:rPr lang="en-US" dirty="0"/>
-              <a:t>The </a:t>
-            </a:r>
-            <a:r>
-              <a:rPr lang="en-US" i="1" dirty="0" err="1"/>
-              <a:t>LogWriter</a:t>
-            </a:r>
-            <a:r>
-              <a:rPr lang="en-US" i="1" dirty="0"/>
-              <a:t> </a:t>
-            </a:r>
-            <a:r>
-              <a:rPr lang="en-US" dirty="0"/>
-              <a:t>is instantiated in a static block before anything else.</a:t>
-            </a:r>
-          </a:p>
-          <a:p>
-            <a:pPr marL="0" indent="0">
-              <a:buNone/>
-            </a:pPr>
-            <a:r>
-              <a:rPr lang="en-US" dirty="0"/>
-              <a:t>The </a:t>
-            </a:r>
-            <a:r>
-              <a:rPr lang="en-US" i="1" dirty="0" err="1"/>
-              <a:t>LogWriter</a:t>
-            </a:r>
-            <a:r>
-              <a:rPr lang="en-US" i="1" dirty="0"/>
-              <a:t> </a:t>
-            </a:r>
-            <a:r>
-              <a:rPr lang="en-US" dirty="0"/>
-              <a:t>is modeled after the Logger in the </a:t>
-            </a:r>
-            <a:r>
-              <a:rPr lang="en-US" dirty="0" err="1"/>
-              <a:t>java.util.logging</a:t>
-            </a:r>
-            <a:r>
-              <a:rPr lang="en-US" dirty="0"/>
-              <a:t> package.</a:t>
-            </a:r>
-          </a:p>
-          <a:p>
-            <a:pPr marL="0" indent="0">
-              <a:buNone/>
-            </a:pPr>
-            <a:r>
-              <a:rPr lang="en-US" dirty="0"/>
-              <a:t>The log is stored in a file in the project root directory. This log is not overwritten and subsequent instances of the application will append their logs to the existing log file.</a:t>
+              <a:t>Following best practices, the plaintext password is never stored. Only a hashed password is stored.</a:t>
             </a:r>
           </a:p>
         </p:txBody>
@@ -6167,7 +6108,7 @@
     </p:spTree>
     <p:extLst>
       <p:ext uri="{BB962C8B-B14F-4D97-AF65-F5344CB8AC3E}">
-        <p14:creationId xmlns:p14="http://schemas.microsoft.com/office/powerpoint/2010/main" val="3656155741"/>
+        <p14:creationId xmlns:p14="http://schemas.microsoft.com/office/powerpoint/2010/main" val="3713622924"/>
       </p:ext>
     </p:extLst>
   </p:cSld>
@@ -6231,7 +6172,7 @@
           <a:p>
             <a:r>
               <a:rPr lang="en-US" dirty="0"/>
-              <a:t>User Authentication</a:t>
+              <a:t>Product Catalogue</a:t>
             </a:r>
           </a:p>
         </p:txBody>
@@ -6256,7 +6197,15 @@
             </a:pPr>
             <a:r>
               <a:rPr lang="en-US" dirty="0"/>
-              <a:t>When a user enters a username and password into the corresponding fields in the GUI, the application checks these against a “database” of existing users.</a:t>
+              <a:t>The </a:t>
+            </a:r>
+            <a:r>
+              <a:rPr lang="en-US" i="1" dirty="0"/>
+              <a:t>Catalogue</a:t>
+            </a:r>
+            <a:r>
+              <a:rPr lang="en-US" dirty="0"/>
+              <a:t> is implemented as a singleton pattern.</a:t>
             </a:r>
           </a:p>
           <a:p>
@@ -6265,42 +6214,21 @@
             </a:pPr>
             <a:r>
               <a:rPr lang="en-US" dirty="0"/>
-              <a:t>If the username and password match, the user is allowed to log in. A successful login displays the message “Welcome &lt;USERNAME&gt;!” on the GUI.</a:t>
+              <a:t>It is instantiated at the start of the application’s runtime.</a:t>
             </a:r>
           </a:p>
           <a:p>
             <a:pPr marL="0" indent="0">
               <a:buNone/>
             </a:pPr>
-            <a:r>
-              <a:rPr lang="en-US" dirty="0"/>
-              <a:t>If there is no match, nothing happens.</a:t>
-            </a:r>
-          </a:p>
-          <a:p>
-            <a:pPr marL="0" indent="0">
-              <a:buNone/>
-            </a:pPr>
-            <a:r>
-              <a:rPr lang="en-US" dirty="0"/>
-              <a:t>If the user opts to create a new account, a new record is added to the user database.</a:t>
-            </a:r>
-          </a:p>
-          <a:p>
-            <a:pPr marL="0" indent="0">
-              <a:buNone/>
-            </a:pPr>
-            <a:r>
-              <a:rPr lang="en-US" dirty="0"/>
-              <a:t>Following best practices, the plaintext password is never stored. Only a hashed password is stored.</a:t>
-            </a:r>
+            <a:endParaRPr lang="en-US" dirty="0"/>
           </a:p>
         </p:txBody>
       </p:sp>
     </p:spTree>
     <p:extLst>
       <p:ext uri="{BB962C8B-B14F-4D97-AF65-F5344CB8AC3E}">
-        <p14:creationId xmlns:p14="http://schemas.microsoft.com/office/powerpoint/2010/main" val="3713622924"/>
+        <p14:creationId xmlns:p14="http://schemas.microsoft.com/office/powerpoint/2010/main" val="144026131"/>
       </p:ext>
     </p:extLst>
   </p:cSld>
@@ -6364,7 +6292,7 @@
           <a:p>
             <a:r>
               <a:rPr lang="en-US" dirty="0"/>
-              <a:t>Product Catalogue</a:t>
+              <a:t>Payment Processing</a:t>
             </a:r>
           </a:p>
         </p:txBody>
@@ -6389,15 +6317,19 @@
             </a:pPr>
             <a:r>
               <a:rPr lang="en-US" dirty="0"/>
-              <a:t>The </a:t>
+              <a:t>A </a:t>
+            </a:r>
+            <a:r>
+              <a:rPr lang="en-US" i="1" dirty="0" err="1"/>
+              <a:t>PaymentProcessor</a:t>
             </a:r>
             <a:r>
               <a:rPr lang="en-US" i="1" dirty="0"/>
-              <a:t>Catalogue</a:t>
+              <a:t> </a:t>
             </a:r>
             <a:r>
               <a:rPr lang="en-US" dirty="0"/>
-              <a:t> is implemented as a singleton pattern.</a:t>
+              <a:t>class simulates credit card validation.</a:t>
             </a:r>
           </a:p>
           <a:p>
@@ -6406,21 +6338,33 @@
             </a:pPr>
             <a:r>
               <a:rPr lang="en-US" dirty="0"/>
-              <a:t>It is instantiated at the start of the application’s runtime.</a:t>
+              <a:t>Simple checks ensure that the credit card number, expiration date, and security code are of an acceptable length (this is only a simulation and is not intended to accurately represent credit card validation).</a:t>
             </a:r>
           </a:p>
           <a:p>
             <a:pPr marL="0" indent="0">
               <a:buNone/>
             </a:pPr>
-            <a:endParaRPr lang="en-US" dirty="0"/>
+            <a:r>
+              <a:rPr lang="en-US" dirty="0"/>
+              <a:t>After a credit card passes validation checks, the application proceeds to Order Processing.</a:t>
+            </a:r>
+          </a:p>
+          <a:p>
+            <a:pPr marL="0" indent="0">
+              <a:buNone/>
+            </a:pPr>
+            <a:r>
+              <a:rPr lang="en-US" dirty="0"/>
+              <a:t>It is possible for a credit card to fail validation checks, at which point the order is cancelled.</a:t>
+            </a:r>
           </a:p>
         </p:txBody>
       </p:sp>
     </p:spTree>
     <p:extLst>
       <p:ext uri="{BB962C8B-B14F-4D97-AF65-F5344CB8AC3E}">
-        <p14:creationId xmlns:p14="http://schemas.microsoft.com/office/powerpoint/2010/main" val="144026131"/>
+        <p14:creationId xmlns:p14="http://schemas.microsoft.com/office/powerpoint/2010/main" val="1497199551"/>
       </p:ext>
     </p:extLst>
   </p:cSld>
@@ -6484,7 +6428,7 @@
           <a:p>
             <a:r>
               <a:rPr lang="en-US" dirty="0"/>
-              <a:t>Payment Processing</a:t>
+              <a:t>Order Processing</a:t>
             </a:r>
           </a:p>
         </p:txBody>
@@ -6509,60 +6453,24 @@
             </a:pPr>
             <a:r>
               <a:rPr lang="en-US" dirty="0"/>
-              <a:t>A </a:t>
-            </a:r>
-            <a:r>
-              <a:rPr lang="en-US" i="1" dirty="0" err="1"/>
-              <a:t>PaymentProcessor</a:t>
-            </a:r>
-            <a:r>
-              <a:rPr lang="en-US" i="1" dirty="0"/>
-              <a:t> </a:t>
-            </a:r>
+              <a:t>A new order is only truly created after a user’s credit card has passed validation.</a:t>
+            </a:r>
+          </a:p>
+          <a:p>
+            <a:pPr marL="0" indent="0">
+              <a:buNone/>
+            </a:pPr>
             <a:r>
               <a:rPr lang="en-US" dirty="0"/>
-              <a:t>class simulates credit card validation</a:t>
-            </a:r>
-            <a:r>
-              <a:rPr lang="en-US" dirty="0" smtClean="0"/>
-              <a:t>.</a:t>
-            </a:r>
-          </a:p>
-          <a:p>
-            <a:pPr marL="0" indent="0">
-              <a:buNone/>
-            </a:pPr>
-            <a:r>
-              <a:rPr lang="en-US" dirty="0" smtClean="0"/>
-              <a:t>Simple checks ensure that the credit card number, expiration date, and security code are of an acceptable length (this is only a simulation and is not intended to accurately represent credit card validation).</a:t>
-            </a:r>
-            <a:endParaRPr lang="en-US" dirty="0" smtClean="0"/>
-          </a:p>
-          <a:p>
-            <a:pPr marL="0" indent="0">
-              <a:buNone/>
-            </a:pPr>
-            <a:r>
-              <a:rPr lang="en-US" dirty="0" smtClean="0"/>
-              <a:t>After a credit card passes validation checks, the application proceeds to Order Processing.</a:t>
-            </a:r>
-          </a:p>
-          <a:p>
-            <a:pPr marL="0" indent="0">
-              <a:buNone/>
-            </a:pPr>
-            <a:r>
-              <a:rPr lang="en-US" dirty="0" smtClean="0"/>
-              <a:t>It is possible for a credit card to fail validation checks, at which point the order is cancelled.</a:t>
-            </a:r>
-            <a:endParaRPr lang="en-US" dirty="0"/>
+              <a:t>The new order is added to the Order Database and the user receives a confirmation message and order number.</a:t>
+            </a:r>
           </a:p>
         </p:txBody>
       </p:sp>
     </p:spTree>
     <p:extLst>
       <p:ext uri="{BB962C8B-B14F-4D97-AF65-F5344CB8AC3E}">
-        <p14:creationId xmlns:p14="http://schemas.microsoft.com/office/powerpoint/2010/main" val="1497199551"/>
+        <p14:creationId xmlns:p14="http://schemas.microsoft.com/office/powerpoint/2010/main" val="293115603"/>
       </p:ext>
     </p:extLst>
   </p:cSld>
@@ -6611,12 +6519,12 @@
       </p:grpSpPr>
       <p:sp>
         <p:nvSpPr>
-          <p:cNvPr id="13" name="Title 12"/>
-          <p:cNvSpPr>
-            <a:spLocks noGrp="1"/>
-          </p:cNvSpPr>
-          <p:nvPr>
-            <p:ph type="title"/>
+          <p:cNvPr id="2" name="Title 1"/>
+          <p:cNvSpPr>
+            <a:spLocks noGrp="1"/>
+          </p:cNvSpPr>
+          <p:nvPr>
+            <p:ph type="ctrTitle"/>
           </p:nvPr>
         </p:nvSpPr>
         <p:spPr/>
@@ -6626,50 +6534,15 @@
           <a:p>
             <a:r>
               <a:rPr lang="en-US" dirty="0"/>
-              <a:t>Order Processing</a:t>
-            </a:r>
-          </a:p>
-        </p:txBody>
-      </p:sp>
-      <p:sp>
-        <p:nvSpPr>
-          <p:cNvPr id="14" name="Content Placeholder 13"/>
-          <p:cNvSpPr>
-            <a:spLocks noGrp="1"/>
-          </p:cNvSpPr>
-          <p:nvPr>
-            <p:ph idx="1"/>
-          </p:nvPr>
-        </p:nvSpPr>
-        <p:spPr/>
-        <p:txBody>
-          <a:bodyPr/>
-          <a:lstStyle/>
-          <a:p>
-            <a:pPr marL="0" indent="0">
-              <a:buNone/>
-            </a:pPr>
-            <a:r>
-              <a:rPr lang="en-US" dirty="0" smtClean="0"/>
-              <a:t>A new order is only truly created after a user’s credit card has passed validation.</a:t>
-            </a:r>
-          </a:p>
-          <a:p>
-            <a:pPr marL="0" indent="0">
-              <a:buNone/>
-            </a:pPr>
-            <a:r>
-              <a:rPr lang="en-US" dirty="0" smtClean="0"/>
-              <a:t>The new order is added to the Order Database and the user receives a confirmation message and order number.</a:t>
-            </a:r>
-            <a:endParaRPr lang="en-US" dirty="0"/>
+              <a:t>Design Decisions</a:t>
+            </a:r>
           </a:p>
         </p:txBody>
       </p:sp>
     </p:spTree>
     <p:extLst>
       <p:ext uri="{BB962C8B-B14F-4D97-AF65-F5344CB8AC3E}">
-        <p14:creationId xmlns:p14="http://schemas.microsoft.com/office/powerpoint/2010/main" val="293115603"/>
+        <p14:creationId xmlns:p14="http://schemas.microsoft.com/office/powerpoint/2010/main" val="1315647518"/>
       </p:ext>
     </p:extLst>
   </p:cSld>
@@ -7439,6 +7312,132 @@
 </file>
 
 <file path=customXml/item1.xml><?xml version="1.0" encoding="utf-8"?>
+<p:properties xmlns:p="http://schemas.microsoft.com/office/2006/metadata/properties" xmlns:xsi="http://www.w3.org/2001/XMLSchema-instance" xmlns:pc="http://schemas.microsoft.com/office/infopath/2007/PartnerControls">
+  <documentManagement>
+    <APDescription xmlns="4873beb7-5857-4685-be1f-d57550cc96cc" xsi:nil="true"/>
+    <AssetExpire xmlns="4873beb7-5857-4685-be1f-d57550cc96cc">2029-01-01T08:00:00+00:00</AssetExpire>
+    <CampaignTagsTaxHTField0 xmlns="4873beb7-5857-4685-be1f-d57550cc96cc">
+      <Terms xmlns="http://schemas.microsoft.com/office/infopath/2007/PartnerControls"/>
+    </CampaignTagsTaxHTField0>
+    <IntlLangReviewDate xmlns="4873beb7-5857-4685-be1f-d57550cc96cc" xsi:nil="true"/>
+    <TPFriendlyName xmlns="4873beb7-5857-4685-be1f-d57550cc96cc" xsi:nil="true"/>
+    <IntlLangReview xmlns="4873beb7-5857-4685-be1f-d57550cc96cc">false</IntlLangReview>
+    <LocLastLocAttemptVersionLookup xmlns="4873beb7-5857-4685-be1f-d57550cc96cc">855024</LocLastLocAttemptVersionLookup>
+    <PolicheckWords xmlns="4873beb7-5857-4685-be1f-d57550cc96cc" xsi:nil="true"/>
+    <SubmitterId xmlns="4873beb7-5857-4685-be1f-d57550cc96cc" xsi:nil="true"/>
+    <AcquiredFrom xmlns="4873beb7-5857-4685-be1f-d57550cc96cc">Internal MS</AcquiredFrom>
+    <EditorialStatus xmlns="4873beb7-5857-4685-be1f-d57550cc96cc">Complete</EditorialStatus>
+    <Markets xmlns="4873beb7-5857-4685-be1f-d57550cc96cc"/>
+    <OriginAsset xmlns="4873beb7-5857-4685-be1f-d57550cc96cc" xsi:nil="true"/>
+    <AssetStart xmlns="4873beb7-5857-4685-be1f-d57550cc96cc">2012-08-31T08:50:00+00:00</AssetStart>
+    <FriendlyTitle xmlns="4873beb7-5857-4685-be1f-d57550cc96cc" xsi:nil="true"/>
+    <MarketSpecific xmlns="4873beb7-5857-4685-be1f-d57550cc96cc">false</MarketSpecific>
+    <TPNamespace xmlns="4873beb7-5857-4685-be1f-d57550cc96cc" xsi:nil="true"/>
+    <PublishStatusLookup xmlns="4873beb7-5857-4685-be1f-d57550cc96cc">
+      <Value>1616423</Value>
+    </PublishStatusLookup>
+    <APAuthor xmlns="4873beb7-5857-4685-be1f-d57550cc96cc">
+      <UserInfo>
+        <DisplayName>REDMOND\kristaa</DisplayName>
+        <AccountId>136</AccountId>
+        <AccountType/>
+      </UserInfo>
+    </APAuthor>
+    <TPCommandLine xmlns="4873beb7-5857-4685-be1f-d57550cc96cc" xsi:nil="true"/>
+    <IntlLangReviewer xmlns="4873beb7-5857-4685-be1f-d57550cc96cc" xsi:nil="true"/>
+    <OpenTemplate xmlns="4873beb7-5857-4685-be1f-d57550cc96cc">true</OpenTemplate>
+    <CSXSubmissionDate xmlns="4873beb7-5857-4685-be1f-d57550cc96cc" xsi:nil="true"/>
+    <TaxCatchAll xmlns="4873beb7-5857-4685-be1f-d57550cc96cc"/>
+    <Manager xmlns="4873beb7-5857-4685-be1f-d57550cc96cc" xsi:nil="true"/>
+    <NumericId xmlns="4873beb7-5857-4685-be1f-d57550cc96cc" xsi:nil="true"/>
+    <ParentAssetId xmlns="4873beb7-5857-4685-be1f-d57550cc96cc" xsi:nil="true"/>
+    <OriginalSourceMarket xmlns="4873beb7-5857-4685-be1f-d57550cc96cc" xsi:nil="true"/>
+    <ApprovalStatus xmlns="4873beb7-5857-4685-be1f-d57550cc96cc">InProgress</ApprovalStatus>
+    <TPComponent xmlns="4873beb7-5857-4685-be1f-d57550cc96cc" xsi:nil="true"/>
+    <EditorialTags xmlns="4873beb7-5857-4685-be1f-d57550cc96cc" xsi:nil="true"/>
+    <TPExecutable xmlns="4873beb7-5857-4685-be1f-d57550cc96cc" xsi:nil="true"/>
+    <TPLaunchHelpLink xmlns="4873beb7-5857-4685-be1f-d57550cc96cc" xsi:nil="true"/>
+    <LocComments xmlns="4873beb7-5857-4685-be1f-d57550cc96cc" xsi:nil="true"/>
+    <LocRecommendedHandoff xmlns="4873beb7-5857-4685-be1f-d57550cc96cc" xsi:nil="true"/>
+    <SourceTitle xmlns="4873beb7-5857-4685-be1f-d57550cc96cc" xsi:nil="true"/>
+    <CSXUpdate xmlns="4873beb7-5857-4685-be1f-d57550cc96cc">false</CSXUpdate>
+    <IntlLocPriority xmlns="4873beb7-5857-4685-be1f-d57550cc96cc" xsi:nil="true"/>
+    <UAProjectedTotalWords xmlns="4873beb7-5857-4685-be1f-d57550cc96cc" xsi:nil="true"/>
+    <AssetType xmlns="4873beb7-5857-4685-be1f-d57550cc96cc">TP</AssetType>
+    <MachineTranslated xmlns="4873beb7-5857-4685-be1f-d57550cc96cc">false</MachineTranslated>
+    <OutputCachingOn xmlns="4873beb7-5857-4685-be1f-d57550cc96cc">false</OutputCachingOn>
+    <TemplateStatus xmlns="4873beb7-5857-4685-be1f-d57550cc96cc">Complete</TemplateStatus>
+    <IsSearchable xmlns="4873beb7-5857-4685-be1f-d57550cc96cc">true</IsSearchable>
+    <ContentItem xmlns="4873beb7-5857-4685-be1f-d57550cc96cc" xsi:nil="true"/>
+    <HandoffToMSDN xmlns="4873beb7-5857-4685-be1f-d57550cc96cc" xsi:nil="true"/>
+    <ShowIn xmlns="4873beb7-5857-4685-be1f-d57550cc96cc">Show everywhere</ShowIn>
+    <ThumbnailAssetId xmlns="4873beb7-5857-4685-be1f-d57550cc96cc" xsi:nil="true"/>
+    <UALocComments xmlns="4873beb7-5857-4685-be1f-d57550cc96cc" xsi:nil="true"/>
+    <UALocRecommendation xmlns="4873beb7-5857-4685-be1f-d57550cc96cc">Localize</UALocRecommendation>
+    <LastModifiedDateTime xmlns="4873beb7-5857-4685-be1f-d57550cc96cc" xsi:nil="true"/>
+    <LegacyData xmlns="4873beb7-5857-4685-be1f-d57550cc96cc" xsi:nil="true"/>
+    <LocManualTestRequired xmlns="4873beb7-5857-4685-be1f-d57550cc96cc">false</LocManualTestRequired>
+    <LocMarketGroupTiers2 xmlns="4873beb7-5857-4685-be1f-d57550cc96cc" xsi:nil="true"/>
+    <ClipArtFilename xmlns="4873beb7-5857-4685-be1f-d57550cc96cc" xsi:nil="true"/>
+    <TPApplication xmlns="4873beb7-5857-4685-be1f-d57550cc96cc" xsi:nil="true"/>
+    <CSXHash xmlns="4873beb7-5857-4685-be1f-d57550cc96cc" xsi:nil="true"/>
+    <DirectSourceMarket xmlns="4873beb7-5857-4685-be1f-d57550cc96cc" xsi:nil="true"/>
+    <PrimaryImageGen xmlns="4873beb7-5857-4685-be1f-d57550cc96cc">true</PrimaryImageGen>
+    <PlannedPubDate xmlns="4873beb7-5857-4685-be1f-d57550cc96cc" xsi:nil="true"/>
+    <CSXSubmissionMarket xmlns="4873beb7-5857-4685-be1f-d57550cc96cc" xsi:nil="true"/>
+    <Downloads xmlns="4873beb7-5857-4685-be1f-d57550cc96cc">0</Downloads>
+    <ArtSampleDocs xmlns="4873beb7-5857-4685-be1f-d57550cc96cc" xsi:nil="true"/>
+    <TrustLevel xmlns="4873beb7-5857-4685-be1f-d57550cc96cc">1 Microsoft Managed Content</TrustLevel>
+    <BlockPublish xmlns="4873beb7-5857-4685-be1f-d57550cc96cc">false</BlockPublish>
+    <TPLaunchHelpLinkType xmlns="4873beb7-5857-4685-be1f-d57550cc96cc">Template</TPLaunchHelpLinkType>
+    <LocalizationTagsTaxHTField0 xmlns="4873beb7-5857-4685-be1f-d57550cc96cc">
+      <Terms xmlns="http://schemas.microsoft.com/office/infopath/2007/PartnerControls"/>
+    </LocalizationTagsTaxHTField0>
+    <BusinessGroup xmlns="4873beb7-5857-4685-be1f-d57550cc96cc" xsi:nil="true"/>
+    <Providers xmlns="4873beb7-5857-4685-be1f-d57550cc96cc" xsi:nil="true"/>
+    <TemplateTemplateType xmlns="4873beb7-5857-4685-be1f-d57550cc96cc">PowerPoint Presentation Template</TemplateTemplateType>
+    <TimesCloned xmlns="4873beb7-5857-4685-be1f-d57550cc96cc" xsi:nil="true"/>
+    <TPAppVersion xmlns="4873beb7-5857-4685-be1f-d57550cc96cc" xsi:nil="true"/>
+    <VoteCount xmlns="4873beb7-5857-4685-be1f-d57550cc96cc" xsi:nil="true"/>
+    <AverageRating xmlns="4873beb7-5857-4685-be1f-d57550cc96cc" xsi:nil="true"/>
+    <FeatureTagsTaxHTField0 xmlns="4873beb7-5857-4685-be1f-d57550cc96cc">
+      <Terms xmlns="http://schemas.microsoft.com/office/infopath/2007/PartnerControls"/>
+    </FeatureTagsTaxHTField0>
+    <Provider xmlns="4873beb7-5857-4685-be1f-d57550cc96cc" xsi:nil="true"/>
+    <UACurrentWords xmlns="4873beb7-5857-4685-be1f-d57550cc96cc" xsi:nil="true"/>
+    <AssetId xmlns="4873beb7-5857-4685-be1f-d57550cc96cc">TP103431361</AssetId>
+    <TPClientViewer xmlns="4873beb7-5857-4685-be1f-d57550cc96cc" xsi:nil="true"/>
+    <DSATActionTaken xmlns="4873beb7-5857-4685-be1f-d57550cc96cc" xsi:nil="true"/>
+    <APEditor xmlns="4873beb7-5857-4685-be1f-d57550cc96cc">
+      <UserInfo>
+        <DisplayName/>
+        <AccountId xsi:nil="true"/>
+        <AccountType/>
+      </UserInfo>
+    </APEditor>
+    <TPInstallLocation xmlns="4873beb7-5857-4685-be1f-d57550cc96cc" xsi:nil="true"/>
+    <OOCacheId xmlns="4873beb7-5857-4685-be1f-d57550cc96cc" xsi:nil="true"/>
+    <IsDeleted xmlns="4873beb7-5857-4685-be1f-d57550cc96cc">false</IsDeleted>
+    <PublishTargets xmlns="4873beb7-5857-4685-be1f-d57550cc96cc">OfficeOnlineVNext</PublishTargets>
+    <ApprovalLog xmlns="4873beb7-5857-4685-be1f-d57550cc96cc" xsi:nil="true"/>
+    <BugNumber xmlns="4873beb7-5857-4685-be1f-d57550cc96cc" xsi:nil="true"/>
+    <CrawlForDependencies xmlns="4873beb7-5857-4685-be1f-d57550cc96cc">false</CrawlForDependencies>
+    <InternalTagsTaxHTField0 xmlns="4873beb7-5857-4685-be1f-d57550cc96cc">
+      <Terms xmlns="http://schemas.microsoft.com/office/infopath/2007/PartnerControls"/>
+    </InternalTagsTaxHTField0>
+    <LastHandOff xmlns="4873beb7-5857-4685-be1f-d57550cc96cc" xsi:nil="true"/>
+    <Milestone xmlns="4873beb7-5857-4685-be1f-d57550cc96cc" xsi:nil="true"/>
+    <OriginalRelease xmlns="4873beb7-5857-4685-be1f-d57550cc96cc">15</OriginalRelease>
+    <RecommendationsModifier xmlns="4873beb7-5857-4685-be1f-d57550cc96cc" xsi:nil="true"/>
+    <ScenarioTagsTaxHTField0 xmlns="4873beb7-5857-4685-be1f-d57550cc96cc">
+      <Terms xmlns="http://schemas.microsoft.com/office/infopath/2007/PartnerControls"/>
+    </ScenarioTagsTaxHTField0>
+    <UANotes xmlns="4873beb7-5857-4685-be1f-d57550cc96cc" xsi:nil="true"/>
+  </documentManagement>
+</p:properties>
+</file>
+
+<file path=customXml/item2.xml><?xml version="1.0" encoding="utf-8"?>
 <ct:contentTypeSchema xmlns:ct="http://schemas.microsoft.com/office/2006/metadata/contentType" xmlns:ma="http://schemas.microsoft.com/office/2006/metadata/properties/metaAttributes" ct:_="" ma:_="" ma:contentTypeName="TemplateFile" ma:contentTypeID="0x0101006EDDDB5EE6D98C44930B742096920B300400F5B6D36B3EF94B4E9A635CDF2A18F5B8" ma:contentTypeVersion="72" ma:contentTypeDescription="Create a new document." ma:contentTypeScope="" ma:versionID="a23e56308344d904b51738559c3d67c9">
   <xsd:schema xmlns:xsd="http://www.w3.org/2001/XMLSchema" xmlns:xs="http://www.w3.org/2001/XMLSchema" xmlns:p="http://schemas.microsoft.com/office/2006/metadata/properties" xmlns:ns2="4873beb7-5857-4685-be1f-d57550cc96cc" targetNamespace="http://schemas.microsoft.com/office/2006/metadata/properties" ma:root="true" ma:fieldsID="cd0908cc4600e77bf5da051303e00c8d" ns2:_="">
     <xsd:import namespace="4873beb7-5857-4685-be1f-d57550cc96cc"/>
@@ -8478,132 +8477,6 @@
 </ct:contentTypeSchema>
 </file>
 
-<file path=customXml/item2.xml><?xml version="1.0" encoding="utf-8"?>
-<p:properties xmlns:p="http://schemas.microsoft.com/office/2006/metadata/properties" xmlns:xsi="http://www.w3.org/2001/XMLSchema-instance" xmlns:pc="http://schemas.microsoft.com/office/infopath/2007/PartnerControls">
-  <documentManagement>
-    <APDescription xmlns="4873beb7-5857-4685-be1f-d57550cc96cc" xsi:nil="true"/>
-    <AssetExpire xmlns="4873beb7-5857-4685-be1f-d57550cc96cc">2029-01-01T08:00:00+00:00</AssetExpire>
-    <CampaignTagsTaxHTField0 xmlns="4873beb7-5857-4685-be1f-d57550cc96cc">
-      <Terms xmlns="http://schemas.microsoft.com/office/infopath/2007/PartnerControls"/>
-    </CampaignTagsTaxHTField0>
-    <IntlLangReviewDate xmlns="4873beb7-5857-4685-be1f-d57550cc96cc" xsi:nil="true"/>
-    <TPFriendlyName xmlns="4873beb7-5857-4685-be1f-d57550cc96cc" xsi:nil="true"/>
-    <IntlLangReview xmlns="4873beb7-5857-4685-be1f-d57550cc96cc">false</IntlLangReview>
-    <LocLastLocAttemptVersionLookup xmlns="4873beb7-5857-4685-be1f-d57550cc96cc">855024</LocLastLocAttemptVersionLookup>
-    <PolicheckWords xmlns="4873beb7-5857-4685-be1f-d57550cc96cc" xsi:nil="true"/>
-    <SubmitterId xmlns="4873beb7-5857-4685-be1f-d57550cc96cc" xsi:nil="true"/>
-    <AcquiredFrom xmlns="4873beb7-5857-4685-be1f-d57550cc96cc">Internal MS</AcquiredFrom>
-    <EditorialStatus xmlns="4873beb7-5857-4685-be1f-d57550cc96cc">Complete</EditorialStatus>
-    <Markets xmlns="4873beb7-5857-4685-be1f-d57550cc96cc"/>
-    <OriginAsset xmlns="4873beb7-5857-4685-be1f-d57550cc96cc" xsi:nil="true"/>
-    <AssetStart xmlns="4873beb7-5857-4685-be1f-d57550cc96cc">2012-08-31T08:50:00+00:00</AssetStart>
-    <FriendlyTitle xmlns="4873beb7-5857-4685-be1f-d57550cc96cc" xsi:nil="true"/>
-    <MarketSpecific xmlns="4873beb7-5857-4685-be1f-d57550cc96cc">false</MarketSpecific>
-    <TPNamespace xmlns="4873beb7-5857-4685-be1f-d57550cc96cc" xsi:nil="true"/>
-    <PublishStatusLookup xmlns="4873beb7-5857-4685-be1f-d57550cc96cc">
-      <Value>1616423</Value>
-    </PublishStatusLookup>
-    <APAuthor xmlns="4873beb7-5857-4685-be1f-d57550cc96cc">
-      <UserInfo>
-        <DisplayName>REDMOND\kristaa</DisplayName>
-        <AccountId>136</AccountId>
-        <AccountType/>
-      </UserInfo>
-    </APAuthor>
-    <TPCommandLine xmlns="4873beb7-5857-4685-be1f-d57550cc96cc" xsi:nil="true"/>
-    <IntlLangReviewer xmlns="4873beb7-5857-4685-be1f-d57550cc96cc" xsi:nil="true"/>
-    <OpenTemplate xmlns="4873beb7-5857-4685-be1f-d57550cc96cc">true</OpenTemplate>
-    <CSXSubmissionDate xmlns="4873beb7-5857-4685-be1f-d57550cc96cc" xsi:nil="true"/>
-    <TaxCatchAll xmlns="4873beb7-5857-4685-be1f-d57550cc96cc"/>
-    <Manager xmlns="4873beb7-5857-4685-be1f-d57550cc96cc" xsi:nil="true"/>
-    <NumericId xmlns="4873beb7-5857-4685-be1f-d57550cc96cc" xsi:nil="true"/>
-    <ParentAssetId xmlns="4873beb7-5857-4685-be1f-d57550cc96cc" xsi:nil="true"/>
-    <OriginalSourceMarket xmlns="4873beb7-5857-4685-be1f-d57550cc96cc" xsi:nil="true"/>
-    <ApprovalStatus xmlns="4873beb7-5857-4685-be1f-d57550cc96cc">InProgress</ApprovalStatus>
-    <TPComponent xmlns="4873beb7-5857-4685-be1f-d57550cc96cc" xsi:nil="true"/>
-    <EditorialTags xmlns="4873beb7-5857-4685-be1f-d57550cc96cc" xsi:nil="true"/>
-    <TPExecutable xmlns="4873beb7-5857-4685-be1f-d57550cc96cc" xsi:nil="true"/>
-    <TPLaunchHelpLink xmlns="4873beb7-5857-4685-be1f-d57550cc96cc" xsi:nil="true"/>
-    <LocComments xmlns="4873beb7-5857-4685-be1f-d57550cc96cc" xsi:nil="true"/>
-    <LocRecommendedHandoff xmlns="4873beb7-5857-4685-be1f-d57550cc96cc" xsi:nil="true"/>
-    <SourceTitle xmlns="4873beb7-5857-4685-be1f-d57550cc96cc" xsi:nil="true"/>
-    <CSXUpdate xmlns="4873beb7-5857-4685-be1f-d57550cc96cc">false</CSXUpdate>
-    <IntlLocPriority xmlns="4873beb7-5857-4685-be1f-d57550cc96cc" xsi:nil="true"/>
-    <UAProjectedTotalWords xmlns="4873beb7-5857-4685-be1f-d57550cc96cc" xsi:nil="true"/>
-    <AssetType xmlns="4873beb7-5857-4685-be1f-d57550cc96cc">TP</AssetType>
-    <MachineTranslated xmlns="4873beb7-5857-4685-be1f-d57550cc96cc">false</MachineTranslated>
-    <OutputCachingOn xmlns="4873beb7-5857-4685-be1f-d57550cc96cc">false</OutputCachingOn>
-    <TemplateStatus xmlns="4873beb7-5857-4685-be1f-d57550cc96cc">Complete</TemplateStatus>
-    <IsSearchable xmlns="4873beb7-5857-4685-be1f-d57550cc96cc">true</IsSearchable>
-    <ContentItem xmlns="4873beb7-5857-4685-be1f-d57550cc96cc" xsi:nil="true"/>
-    <HandoffToMSDN xmlns="4873beb7-5857-4685-be1f-d57550cc96cc" xsi:nil="true"/>
-    <ShowIn xmlns="4873beb7-5857-4685-be1f-d57550cc96cc">Show everywhere</ShowIn>
-    <ThumbnailAssetId xmlns="4873beb7-5857-4685-be1f-d57550cc96cc" xsi:nil="true"/>
-    <UALocComments xmlns="4873beb7-5857-4685-be1f-d57550cc96cc" xsi:nil="true"/>
-    <UALocRecommendation xmlns="4873beb7-5857-4685-be1f-d57550cc96cc">Localize</UALocRecommendation>
-    <LastModifiedDateTime xmlns="4873beb7-5857-4685-be1f-d57550cc96cc" xsi:nil="true"/>
-    <LegacyData xmlns="4873beb7-5857-4685-be1f-d57550cc96cc" xsi:nil="true"/>
-    <LocManualTestRequired xmlns="4873beb7-5857-4685-be1f-d57550cc96cc">false</LocManualTestRequired>
-    <LocMarketGroupTiers2 xmlns="4873beb7-5857-4685-be1f-d57550cc96cc" xsi:nil="true"/>
-    <ClipArtFilename xmlns="4873beb7-5857-4685-be1f-d57550cc96cc" xsi:nil="true"/>
-    <TPApplication xmlns="4873beb7-5857-4685-be1f-d57550cc96cc" xsi:nil="true"/>
-    <CSXHash xmlns="4873beb7-5857-4685-be1f-d57550cc96cc" xsi:nil="true"/>
-    <DirectSourceMarket xmlns="4873beb7-5857-4685-be1f-d57550cc96cc" xsi:nil="true"/>
-    <PrimaryImageGen xmlns="4873beb7-5857-4685-be1f-d57550cc96cc">true</PrimaryImageGen>
-    <PlannedPubDate xmlns="4873beb7-5857-4685-be1f-d57550cc96cc" xsi:nil="true"/>
-    <CSXSubmissionMarket xmlns="4873beb7-5857-4685-be1f-d57550cc96cc" xsi:nil="true"/>
-    <Downloads xmlns="4873beb7-5857-4685-be1f-d57550cc96cc">0</Downloads>
-    <ArtSampleDocs xmlns="4873beb7-5857-4685-be1f-d57550cc96cc" xsi:nil="true"/>
-    <TrustLevel xmlns="4873beb7-5857-4685-be1f-d57550cc96cc">1 Microsoft Managed Content</TrustLevel>
-    <BlockPublish xmlns="4873beb7-5857-4685-be1f-d57550cc96cc">false</BlockPublish>
-    <TPLaunchHelpLinkType xmlns="4873beb7-5857-4685-be1f-d57550cc96cc">Template</TPLaunchHelpLinkType>
-    <LocalizationTagsTaxHTField0 xmlns="4873beb7-5857-4685-be1f-d57550cc96cc">
-      <Terms xmlns="http://schemas.microsoft.com/office/infopath/2007/PartnerControls"/>
-    </LocalizationTagsTaxHTField0>
-    <BusinessGroup xmlns="4873beb7-5857-4685-be1f-d57550cc96cc" xsi:nil="true"/>
-    <Providers xmlns="4873beb7-5857-4685-be1f-d57550cc96cc" xsi:nil="true"/>
-    <TemplateTemplateType xmlns="4873beb7-5857-4685-be1f-d57550cc96cc">PowerPoint Presentation Template</TemplateTemplateType>
-    <TimesCloned xmlns="4873beb7-5857-4685-be1f-d57550cc96cc" xsi:nil="true"/>
-    <TPAppVersion xmlns="4873beb7-5857-4685-be1f-d57550cc96cc" xsi:nil="true"/>
-    <VoteCount xmlns="4873beb7-5857-4685-be1f-d57550cc96cc" xsi:nil="true"/>
-    <AverageRating xmlns="4873beb7-5857-4685-be1f-d57550cc96cc" xsi:nil="true"/>
-    <FeatureTagsTaxHTField0 xmlns="4873beb7-5857-4685-be1f-d57550cc96cc">
-      <Terms xmlns="http://schemas.microsoft.com/office/infopath/2007/PartnerControls"/>
-    </FeatureTagsTaxHTField0>
-    <Provider xmlns="4873beb7-5857-4685-be1f-d57550cc96cc" xsi:nil="true"/>
-    <UACurrentWords xmlns="4873beb7-5857-4685-be1f-d57550cc96cc" xsi:nil="true"/>
-    <AssetId xmlns="4873beb7-5857-4685-be1f-d57550cc96cc">TP103431361</AssetId>
-    <TPClientViewer xmlns="4873beb7-5857-4685-be1f-d57550cc96cc" xsi:nil="true"/>
-    <DSATActionTaken xmlns="4873beb7-5857-4685-be1f-d57550cc96cc" xsi:nil="true"/>
-    <APEditor xmlns="4873beb7-5857-4685-be1f-d57550cc96cc">
-      <UserInfo>
-        <DisplayName/>
-        <AccountId xsi:nil="true"/>
-        <AccountType/>
-      </UserInfo>
-    </APEditor>
-    <TPInstallLocation xmlns="4873beb7-5857-4685-be1f-d57550cc96cc" xsi:nil="true"/>
-    <OOCacheId xmlns="4873beb7-5857-4685-be1f-d57550cc96cc" xsi:nil="true"/>
-    <IsDeleted xmlns="4873beb7-5857-4685-be1f-d57550cc96cc">false</IsDeleted>
-    <PublishTargets xmlns="4873beb7-5857-4685-be1f-d57550cc96cc">OfficeOnlineVNext</PublishTargets>
-    <ApprovalLog xmlns="4873beb7-5857-4685-be1f-d57550cc96cc" xsi:nil="true"/>
-    <BugNumber xmlns="4873beb7-5857-4685-be1f-d57550cc96cc" xsi:nil="true"/>
-    <CrawlForDependencies xmlns="4873beb7-5857-4685-be1f-d57550cc96cc">false</CrawlForDependencies>
-    <InternalTagsTaxHTField0 xmlns="4873beb7-5857-4685-be1f-d57550cc96cc">
-      <Terms xmlns="http://schemas.microsoft.com/office/infopath/2007/PartnerControls"/>
-    </InternalTagsTaxHTField0>
-    <LastHandOff xmlns="4873beb7-5857-4685-be1f-d57550cc96cc" xsi:nil="true"/>
-    <Milestone xmlns="4873beb7-5857-4685-be1f-d57550cc96cc" xsi:nil="true"/>
-    <OriginalRelease xmlns="4873beb7-5857-4685-be1f-d57550cc96cc">15</OriginalRelease>
-    <RecommendationsModifier xmlns="4873beb7-5857-4685-be1f-d57550cc96cc" xsi:nil="true"/>
-    <ScenarioTagsTaxHTField0 xmlns="4873beb7-5857-4685-be1f-d57550cc96cc">
-      <Terms xmlns="http://schemas.microsoft.com/office/infopath/2007/PartnerControls"/>
-    </ScenarioTagsTaxHTField0>
-    <UANotes xmlns="4873beb7-5857-4685-be1f-d57550cc96cc" xsi:nil="true"/>
-  </documentManagement>
-</p:properties>
-</file>
-
 <file path=customXml/item3.xml><?xml version="1.0" encoding="utf-8"?>
 <?mso-contentType ?>
 <FormTemplates xmlns="http://schemas.microsoft.com/sharepoint/v3/contenttype/forms">
@@ -8614,6 +8487,22 @@
 </file>
 
 <file path=customXml/itemProps1.xml><?xml version="1.0" encoding="utf-8"?>
+<ds:datastoreItem xmlns:ds="http://schemas.openxmlformats.org/officeDocument/2006/customXml" ds:itemID="{8CDDBB83-77C1-4099-A0AA-289882E745E2}">
+  <ds:schemaRefs>
+    <ds:schemaRef ds:uri="http://purl.org/dc/elements/1.1/"/>
+    <ds:schemaRef ds:uri="http://schemas.microsoft.com/office/2006/metadata/properties"/>
+    <ds:schemaRef ds:uri="4873beb7-5857-4685-be1f-d57550cc96cc"/>
+    <ds:schemaRef ds:uri="http://schemas.openxmlformats.org/package/2006/metadata/core-properties"/>
+    <ds:schemaRef ds:uri="http://purl.org/dc/terms/"/>
+    <ds:schemaRef ds:uri="http://schemas.microsoft.com/office/2006/documentManagement/types"/>
+    <ds:schemaRef ds:uri="http://schemas.microsoft.com/office/infopath/2007/PartnerControls"/>
+    <ds:schemaRef ds:uri="http://www.w3.org/XML/1998/namespace"/>
+    <ds:schemaRef ds:uri="http://purl.org/dc/dcmitype/"/>
+  </ds:schemaRefs>
+</ds:datastoreItem>
+</file>
+
+<file path=customXml/itemProps2.xml><?xml version="1.0" encoding="utf-8"?>
 <ds:datastoreItem xmlns:ds="http://schemas.openxmlformats.org/officeDocument/2006/customXml" ds:itemID="{28C8B9CA-0273-4370-889A-FC05DA5C2FA5}">
   <ds:schemaRefs>
     <ds:schemaRef ds:uri="http://schemas.microsoft.com/office/2006/metadata/contentType"/>
@@ -8631,22 +8520,6 @@
 </ds:datastoreItem>
 </file>
 
-<file path=customXml/itemProps2.xml><?xml version="1.0" encoding="utf-8"?>
-<ds:datastoreItem xmlns:ds="http://schemas.openxmlformats.org/officeDocument/2006/customXml" ds:itemID="{8CDDBB83-77C1-4099-A0AA-289882E745E2}">
-  <ds:schemaRefs>
-    <ds:schemaRef ds:uri="http://purl.org/dc/elements/1.1/"/>
-    <ds:schemaRef ds:uri="http://schemas.microsoft.com/office/2006/metadata/properties"/>
-    <ds:schemaRef ds:uri="4873beb7-5857-4685-be1f-d57550cc96cc"/>
-    <ds:schemaRef ds:uri="http://schemas.openxmlformats.org/package/2006/metadata/core-properties"/>
-    <ds:schemaRef ds:uri="http://purl.org/dc/terms/"/>
-    <ds:schemaRef ds:uri="http://schemas.microsoft.com/office/2006/documentManagement/types"/>
-    <ds:schemaRef ds:uri="http://schemas.microsoft.com/office/infopath/2007/PartnerControls"/>
-    <ds:schemaRef ds:uri="http://www.w3.org/XML/1998/namespace"/>
-    <ds:schemaRef ds:uri="http://purl.org/dc/dcmitype/"/>
-  </ds:schemaRefs>
-</ds:datastoreItem>
-</file>
-
 <file path=customXml/itemProps3.xml><?xml version="1.0" encoding="utf-8"?>
 <ds:datastoreItem xmlns:ds="http://schemas.openxmlformats.org/officeDocument/2006/customXml" ds:itemID="{561E720F-F05D-4536-9C34-0CFCED65D3B7}">
   <ds:schemaRefs>

--- a/Final Project.pptx
+++ b/Final Project.pptx
@@ -5,10 +5,10 @@
     <p:sldMasterId id="2147483648" r:id="rId4"/>
   </p:sldMasterIdLst>
   <p:notesMasterIdLst>
-    <p:notesMasterId r:id="rId19"/>
+    <p:notesMasterId r:id="rId20"/>
   </p:notesMasterIdLst>
   <p:handoutMasterIdLst>
-    <p:handoutMasterId r:id="rId20"/>
+    <p:handoutMasterId r:id="rId21"/>
   </p:handoutMasterIdLst>
   <p:sldIdLst>
     <p:sldId id="256" r:id="rId5"/>
@@ -21,10 +21,11 @@
     <p:sldId id="273" r:id="rId12"/>
     <p:sldId id="268" r:id="rId13"/>
     <p:sldId id="262" r:id="rId14"/>
-    <p:sldId id="263" r:id="rId15"/>
-    <p:sldId id="264" r:id="rId16"/>
-    <p:sldId id="265" r:id="rId17"/>
-    <p:sldId id="275" r:id="rId18"/>
+    <p:sldId id="276" r:id="rId15"/>
+    <p:sldId id="277" r:id="rId16"/>
+    <p:sldId id="278" r:id="rId17"/>
+    <p:sldId id="279" r:id="rId18"/>
+    <p:sldId id="275" r:id="rId19"/>
   </p:sldIdLst>
   <p:sldSz cx="12192000" cy="6858000"/>
   <p:notesSz cx="6858000" cy="9144000"/>
@@ -698,22 +699,10 @@
           <a:bodyPr/>
           <a:lstStyle/>
           <a:p>
-            <a:r>
-              <a:rPr lang="en-US" b="1" i="1" dirty="0">
-                <a:latin typeface="Arial" pitchFamily="34" charset="0"/>
-                <a:cs typeface="Arial" pitchFamily="34" charset="0"/>
-              </a:rPr>
-              <a:t>NOTE:</a:t>
-            </a:r>
-          </a:p>
-          <a:p>
-            <a:r>
-              <a:rPr lang="en-US" i="1" dirty="0">
-                <a:latin typeface="Arial" pitchFamily="34" charset="0"/>
-                <a:cs typeface="Arial" pitchFamily="34" charset="0"/>
-              </a:rPr>
-              <a:t>To change the  image on this slide, select the picture and delete it. Then click the Pictures icon in the placeholder to insert your own image.</a:t>
-            </a:r>
+            <a:endParaRPr lang="en-US" b="1" i="1" dirty="0">
+              <a:latin typeface="Arial" pitchFamily="34" charset="0"/>
+              <a:cs typeface="Arial" pitchFamily="34" charset="0"/>
+            </a:endParaRPr>
           </a:p>
         </p:txBody>
       </p:sp>
@@ -5086,87 +5075,96 @@
           <a:p>
             <a:r>
               <a:rPr lang="en-US" dirty="0"/>
-              <a:t>Add a Slide Title - 3</a:t>
-            </a:r>
-          </a:p>
-        </p:txBody>
-      </p:sp>
-      <p:sp>
-        <p:nvSpPr>
-          <p:cNvPr id="3" name="Text Placeholder 2"/>
-          <p:cNvSpPr>
-            <a:spLocks noGrp="1"/>
-          </p:cNvSpPr>
-          <p:nvPr>
-            <p:ph type="body" idx="1"/>
-          </p:nvPr>
-        </p:nvSpPr>
-        <p:spPr/>
+              <a:t>Item Implementation</a:t>
+            </a:r>
+          </a:p>
+        </p:txBody>
+      </p:sp>
+      <p:sp>
+        <p:nvSpPr>
+          <p:cNvPr id="4" name="Content Placeholder 3"/>
+          <p:cNvSpPr>
+            <a:spLocks noGrp="1"/>
+          </p:cNvSpPr>
+          <p:nvPr>
+            <p:ph sz="half" idx="2"/>
+          </p:nvPr>
+        </p:nvSpPr>
+        <p:spPr>
+          <a:xfrm>
+            <a:off x="1104901" y="1509624"/>
+            <a:ext cx="2923636" cy="4325928"/>
+          </a:xfrm>
+        </p:spPr>
         <p:txBody>
           <a:bodyPr/>
           <a:lstStyle/>
           <a:p>
-            <a:endParaRPr lang="en-US"/>
-          </a:p>
-        </p:txBody>
-      </p:sp>
-      <p:sp>
-        <p:nvSpPr>
-          <p:cNvPr id="4" name="Content Placeholder 3"/>
-          <p:cNvSpPr>
-            <a:spLocks noGrp="1"/>
-          </p:cNvSpPr>
-          <p:nvPr>
-            <p:ph sz="half" idx="2"/>
-          </p:nvPr>
-        </p:nvSpPr>
-        <p:spPr/>
-        <p:txBody>
-          <a:bodyPr/>
-          <a:lstStyle/>
-          <a:p>
-            <a:endParaRPr lang="en-US"/>
-          </a:p>
-        </p:txBody>
-      </p:sp>
-      <p:sp>
-        <p:nvSpPr>
-          <p:cNvPr id="5" name="Text Placeholder 4"/>
-          <p:cNvSpPr>
-            <a:spLocks noGrp="1"/>
-          </p:cNvSpPr>
-          <p:nvPr>
-            <p:ph type="body" sz="quarter" idx="3"/>
-          </p:nvPr>
-        </p:nvSpPr>
-        <p:spPr/>
-        <p:txBody>
-          <a:bodyPr/>
-          <a:lstStyle/>
-          <a:p>
-            <a:endParaRPr lang="en-US"/>
-          </a:p>
-        </p:txBody>
-      </p:sp>
-      <p:sp>
-        <p:nvSpPr>
-          <p:cNvPr id="6" name="Content Placeholder 5"/>
-          <p:cNvSpPr>
-            <a:spLocks noGrp="1"/>
-          </p:cNvSpPr>
+            <a:pPr marL="0" indent="0">
+              <a:buNone/>
+            </a:pPr>
+            <a:r>
+              <a:rPr lang="en-US" dirty="0" err="1"/>
+              <a:t>AbstractItem</a:t>
+            </a:r>
+            <a:r>
+              <a:rPr lang="en-US" dirty="0"/>
+              <a:t> class is super-class for all items.</a:t>
+            </a:r>
+          </a:p>
+          <a:p>
+            <a:pPr marL="0" indent="0">
+              <a:buNone/>
+            </a:pPr>
+            <a:r>
+              <a:rPr lang="en-US" dirty="0" err="1"/>
+              <a:t>SuperFactory</a:t>
+            </a:r>
+            <a:r>
+              <a:rPr lang="en-US" dirty="0"/>
+              <a:t> uses sub-factories to generate items. It is not an abstract class or interface.</a:t>
+            </a:r>
+          </a:p>
+        </p:txBody>
+      </p:sp>
+      <p:pic>
+        <p:nvPicPr>
+          <p:cNvPr id="22" name="Content Placeholder 21">
+            <a:extLst>
+              <a:ext uri="{FF2B5EF4-FFF2-40B4-BE49-F238E27FC236}">
+                <a16:creationId xmlns:a16="http://schemas.microsoft.com/office/drawing/2014/main" id="{58D51C67-D58A-99F8-2861-7E62E5A3E4E7}"/>
+              </a:ext>
+            </a:extLst>
+          </p:cNvPr>
+          <p:cNvPicPr>
+            <a:picLocks noGrp="1" noChangeAspect="1"/>
+          </p:cNvPicPr>
           <p:nvPr>
             <p:ph sz="quarter" idx="4"/>
           </p:nvPr>
-        </p:nvSpPr>
-        <p:spPr/>
-        <p:txBody>
-          <a:bodyPr/>
-          <a:lstStyle/>
-          <a:p>
-            <a:endParaRPr lang="en-US"/>
-          </a:p>
-        </p:txBody>
-      </p:sp>
+        </p:nvPicPr>
+        <p:blipFill>
+          <a:blip r:embed="rId2" cstate="print">
+            <a:extLst>
+              <a:ext uri="{28A0092B-C50C-407E-A947-70E740481C1C}">
+                <a14:useLocalDpi xmlns:a14="http://schemas.microsoft.com/office/drawing/2010/main" val="0"/>
+              </a:ext>
+              <a:ext uri="{96DAC541-7B7A-43D3-8B79-37D633B846F1}">
+                <asvg:svgBlip xmlns:asvg="http://schemas.microsoft.com/office/drawing/2016/SVG/main" r:embed="rId3"/>
+              </a:ext>
+            </a:extLst>
+          </a:blip>
+          <a:stretch>
+            <a:fillRect/>
+          </a:stretch>
+        </p:blipFill>
+        <p:spPr>
+          <a:xfrm>
+            <a:off x="4164028" y="1509624"/>
+            <a:ext cx="6921486" cy="4804912"/>
+          </a:xfrm>
+        </p:spPr>
+      </p:pic>
     </p:spTree>
     <p:extLst>
       <p:ext uri="{BB962C8B-B14F-4D97-AF65-F5344CB8AC3E}">
@@ -5234,28 +5232,105 @@
           <a:p>
             <a:r>
               <a:rPr lang="en-US" dirty="0"/>
-              <a:t>Add a Slide Title - 4</a:t>
-            </a:r>
-          </a:p>
-        </p:txBody>
-      </p:sp>
+              <a:t>Catalogue Implementation</a:t>
+            </a:r>
+          </a:p>
+        </p:txBody>
+      </p:sp>
+      <p:sp>
+        <p:nvSpPr>
+          <p:cNvPr id="4" name="Content Placeholder 3"/>
+          <p:cNvSpPr>
+            <a:spLocks noGrp="1"/>
+          </p:cNvSpPr>
+          <p:nvPr>
+            <p:ph sz="half" idx="2"/>
+          </p:nvPr>
+        </p:nvSpPr>
+        <p:spPr>
+          <a:xfrm>
+            <a:off x="1104901" y="1509624"/>
+            <a:ext cx="2923636" cy="4325928"/>
+          </a:xfrm>
+        </p:spPr>
+        <p:txBody>
+          <a:bodyPr/>
+          <a:lstStyle/>
+          <a:p>
+            <a:pPr marL="0" indent="0">
+              <a:buNone/>
+            </a:pPr>
+            <a:r>
+              <a:rPr lang="en-US" dirty="0"/>
+              <a:t>The operations required to maintain a User database, Order database, and Product Catalogue were similar. So an interface served all three.</a:t>
+            </a:r>
+          </a:p>
+          <a:p>
+            <a:pPr marL="0" indent="0">
+              <a:buNone/>
+            </a:pPr>
+            <a:r>
+              <a:rPr lang="en-US" dirty="0"/>
+              <a:t>Each is implemented as a singleton.</a:t>
+            </a:r>
+          </a:p>
+        </p:txBody>
+      </p:sp>
+      <p:pic>
+        <p:nvPicPr>
+          <p:cNvPr id="7" name="Content Placeholder 6">
+            <a:extLst>
+              <a:ext uri="{FF2B5EF4-FFF2-40B4-BE49-F238E27FC236}">
+                <a16:creationId xmlns:a16="http://schemas.microsoft.com/office/drawing/2014/main" id="{6D3C28A3-71E5-D94F-CDF8-8BE2E952181E}"/>
+              </a:ext>
+            </a:extLst>
+          </p:cNvPr>
+          <p:cNvPicPr>
+            <a:picLocks noGrp="1" noChangeAspect="1"/>
+          </p:cNvPicPr>
+          <p:nvPr>
+            <p:ph sz="quarter" idx="4"/>
+          </p:nvPr>
+        </p:nvPicPr>
+        <p:blipFill>
+          <a:blip r:embed="rId2">
+            <a:extLst>
+              <a:ext uri="{28A0092B-C50C-407E-A947-70E740481C1C}">
+                <a14:useLocalDpi xmlns:a14="http://schemas.microsoft.com/office/drawing/2010/main" val="0"/>
+              </a:ext>
+              <a:ext uri="{96DAC541-7B7A-43D3-8B79-37D633B846F1}">
+                <asvg:svgBlip xmlns:asvg="http://schemas.microsoft.com/office/drawing/2016/SVG/main" r:embed="rId3"/>
+              </a:ext>
+            </a:extLst>
+          </a:blip>
+          <a:stretch>
+            <a:fillRect/>
+          </a:stretch>
+        </p:blipFill>
+        <p:spPr>
+          <a:xfrm>
+            <a:off x="4163574" y="1476745"/>
+            <a:ext cx="6922008" cy="4000419"/>
+          </a:xfrm>
+        </p:spPr>
+      </p:pic>
     </p:spTree>
     <p:extLst>
       <p:ext uri="{BB962C8B-B14F-4D97-AF65-F5344CB8AC3E}">
-        <p14:creationId xmlns:p14="http://schemas.microsoft.com/office/powerpoint/2010/main" val="1527004159"/>
+        <p14:creationId xmlns:p14="http://schemas.microsoft.com/office/powerpoint/2010/main" val="1438130022"/>
       </p:ext>
     </p:extLst>
   </p:cSld>
   <p:clrMapOvr>
     <a:masterClrMapping/>
   </p:clrMapOvr>
-  <mc:AlternateContent xmlns:mc="http://schemas.openxmlformats.org/markup-compatibility/2006" xmlns:p14="http://schemas.microsoft.com/office/powerpoint/2010/main">
-    <mc:Choice Requires="p14">
+  <mc:AlternateContent xmlns:mc="http://schemas.openxmlformats.org/markup-compatibility/2006">
+    <mc:Choice xmlns:p14="http://schemas.microsoft.com/office/powerpoint/2010/main" Requires="p14">
       <p:transition spd="med" p14:dur="700">
         <p:fade/>
       </p:transition>
     </mc:Choice>
-    <mc:Fallback xmlns="">
+    <mc:Fallback>
       <p:transition spd="med">
         <p:fade/>
       </p:transition>
@@ -5289,23 +5364,150 @@
           <a:chExt cx="0" cy="0"/>
         </a:xfrm>
       </p:grpSpPr>
+      <p:sp>
+        <p:nvSpPr>
+          <p:cNvPr id="2" name="Title 1"/>
+          <p:cNvSpPr>
+            <a:spLocks noGrp="1"/>
+          </p:cNvSpPr>
+          <p:nvPr>
+            <p:ph type="title"/>
+          </p:nvPr>
+        </p:nvSpPr>
+        <p:spPr/>
+        <p:txBody>
+          <a:bodyPr/>
+          <a:lstStyle/>
+          <a:p>
+            <a:r>
+              <a:rPr lang="en-US" dirty="0"/>
+              <a:t>User, Order, Shopping Cart</a:t>
+            </a:r>
+          </a:p>
+        </p:txBody>
+      </p:sp>
+      <p:sp>
+        <p:nvSpPr>
+          <p:cNvPr id="4" name="Content Placeholder 3"/>
+          <p:cNvSpPr>
+            <a:spLocks noGrp="1"/>
+          </p:cNvSpPr>
+          <p:nvPr>
+            <p:ph sz="half" idx="2"/>
+          </p:nvPr>
+        </p:nvSpPr>
+        <p:spPr>
+          <a:xfrm>
+            <a:off x="1104901" y="1509624"/>
+            <a:ext cx="2923636" cy="4325928"/>
+          </a:xfrm>
+        </p:spPr>
+        <p:txBody>
+          <a:bodyPr>
+            <a:normAutofit lnSpcReduction="10000"/>
+          </a:bodyPr>
+          <a:lstStyle/>
+          <a:p>
+            <a:pPr marL="0" indent="0">
+              <a:buNone/>
+            </a:pPr>
+            <a:r>
+              <a:rPr lang="en-US" dirty="0"/>
+              <a:t>A User class implements a </a:t>
+            </a:r>
+            <a:r>
+              <a:rPr lang="en-US" dirty="0" err="1"/>
+              <a:t>UserInterface</a:t>
+            </a:r>
+            <a:r>
+              <a:rPr lang="en-US" dirty="0"/>
+              <a:t>.</a:t>
+            </a:r>
+          </a:p>
+          <a:p>
+            <a:pPr marL="0" indent="0">
+              <a:buNone/>
+            </a:pPr>
+            <a:r>
+              <a:rPr lang="en-US" dirty="0"/>
+              <a:t>It keeps a list of Order numbers of orders that are associated with that user.</a:t>
+            </a:r>
+          </a:p>
+          <a:p>
+            <a:pPr marL="0" indent="0">
+              <a:buNone/>
+            </a:pPr>
+            <a:r>
+              <a:rPr lang="en-US" dirty="0"/>
+              <a:t>Orders are not generated until a User checks out their purchase.</a:t>
+            </a:r>
+          </a:p>
+          <a:p>
+            <a:pPr marL="0" indent="0">
+              <a:buNone/>
+            </a:pPr>
+            <a:r>
+              <a:rPr lang="en-US" dirty="0"/>
+              <a:t>A Shopping Cart is generated with a User. Only one instance may exist at any one time.</a:t>
+            </a:r>
+          </a:p>
+        </p:txBody>
+      </p:sp>
+      <p:pic>
+        <p:nvPicPr>
+          <p:cNvPr id="7" name="Content Placeholder 6">
+            <a:extLst>
+              <a:ext uri="{FF2B5EF4-FFF2-40B4-BE49-F238E27FC236}">
+                <a16:creationId xmlns:a16="http://schemas.microsoft.com/office/drawing/2014/main" id="{AA5E9D17-7ED3-B296-DD8C-8EEC638D5CEE}"/>
+              </a:ext>
+            </a:extLst>
+          </p:cNvPr>
+          <p:cNvPicPr>
+            <a:picLocks noGrp="1" noChangeAspect="1"/>
+          </p:cNvPicPr>
+          <p:nvPr>
+            <p:ph sz="quarter" idx="4"/>
+          </p:nvPr>
+        </p:nvPicPr>
+        <p:blipFill>
+          <a:blip r:embed="rId2">
+            <a:extLst>
+              <a:ext uri="{28A0092B-C50C-407E-A947-70E740481C1C}">
+                <a14:useLocalDpi xmlns:a14="http://schemas.microsoft.com/office/drawing/2010/main" val="0"/>
+              </a:ext>
+              <a:ext uri="{96DAC541-7B7A-43D3-8B79-37D633B846F1}">
+                <asvg:svgBlip xmlns:asvg="http://schemas.microsoft.com/office/drawing/2016/SVG/main" r:embed="rId3"/>
+              </a:ext>
+            </a:extLst>
+          </a:blip>
+          <a:stretch>
+            <a:fillRect/>
+          </a:stretch>
+        </p:blipFill>
+        <p:spPr>
+          <a:xfrm>
+            <a:off x="5888736" y="1509624"/>
+            <a:ext cx="5262061" cy="4937760"/>
+          </a:xfrm>
+        </p:spPr>
+      </p:pic>
     </p:spTree>
     <p:extLst>
       <p:ext uri="{BB962C8B-B14F-4D97-AF65-F5344CB8AC3E}">
-        <p14:creationId xmlns:p14="http://schemas.microsoft.com/office/powerpoint/2010/main" val="1800380133"/>
+        <p14:creationId xmlns:p14="http://schemas.microsoft.com/office/powerpoint/2010/main" val="4245364414"/>
       </p:ext>
     </p:extLst>
   </p:cSld>
   <p:clrMapOvr>
     <a:masterClrMapping/>
   </p:clrMapOvr>
-  <mc:AlternateContent xmlns:mc="http://schemas.openxmlformats.org/markup-compatibility/2006" xmlns:p14="http://schemas.microsoft.com/office/powerpoint/2010/main">
-    <mc:Choice Requires="p14">
+  <mc:AlternateContent xmlns:mc="http://schemas.openxmlformats.org/markup-compatibility/2006">
+    <mc:Choice xmlns:p14="http://schemas.microsoft.com/office/powerpoint/2010/main" Requires="p14">
       <p:transition spd="med" p14:dur="700">
         <p:fade/>
       </p:transition>
     </mc:Choice>
-    <mc:Fallback xmlns="">
+    <mc:Fallback>
       <p:transition spd="med">
         <p:fade/>
       </p:transition>
@@ -5356,66 +5558,148 @@
           <a:p>
             <a:r>
               <a:rPr lang="en-US" dirty="0"/>
-              <a:t>Add a Slide Title - 5</a:t>
-            </a:r>
-          </a:p>
-        </p:txBody>
-      </p:sp>
-      <p:sp>
-        <p:nvSpPr>
-          <p:cNvPr id="4" name="Text Placeholder 3"/>
-          <p:cNvSpPr>
-            <a:spLocks noGrp="1"/>
-          </p:cNvSpPr>
-          <p:nvPr>
-            <p:ph type="body" sz="half" idx="2"/>
-          </p:nvPr>
-        </p:nvSpPr>
-        <p:spPr/>
-        <p:txBody>
-          <a:bodyPr/>
+              <a:t>Authentication and Payment Processing</a:t>
+            </a:r>
+          </a:p>
+        </p:txBody>
+      </p:sp>
+      <p:sp>
+        <p:nvSpPr>
+          <p:cNvPr id="4" name="Content Placeholder 3"/>
+          <p:cNvSpPr>
+            <a:spLocks noGrp="1"/>
+          </p:cNvSpPr>
+          <p:nvPr>
+            <p:ph sz="half" idx="2"/>
+          </p:nvPr>
+        </p:nvSpPr>
+        <p:spPr>
+          <a:xfrm>
+            <a:off x="1104901" y="1509624"/>
+            <a:ext cx="2514588" cy="4325928"/>
+          </a:xfrm>
+        </p:spPr>
+        <p:txBody>
+          <a:bodyPr>
+            <a:normAutofit/>
+          </a:bodyPr>
           <a:lstStyle/>
           <a:p>
-            <a:endParaRPr lang="en-US"/>
-          </a:p>
-        </p:txBody>
-      </p:sp>
-      <p:sp>
-        <p:nvSpPr>
-          <p:cNvPr id="3" name="Content Placeholder 2"/>
-          <p:cNvSpPr>
-            <a:spLocks noGrp="1"/>
-          </p:cNvSpPr>
-          <p:nvPr>
-            <p:ph idx="1"/>
-          </p:nvPr>
-        </p:nvSpPr>
-        <p:spPr/>
-        <p:txBody>
-          <a:bodyPr/>
-          <a:lstStyle/>
-          <a:p>
-            <a:endParaRPr lang="en-US"/>
-          </a:p>
-        </p:txBody>
-      </p:sp>
+            <a:pPr marL="0" indent="0">
+              <a:buNone/>
+            </a:pPr>
+            <a:r>
+              <a:rPr lang="en-US" sz="1600" dirty="0"/>
+              <a:t>When a user clicks one of the buttons in the GUI, the application calls the </a:t>
+            </a:r>
+            <a:r>
+              <a:rPr lang="en-US" sz="1600" dirty="0" err="1"/>
+              <a:t>AccountHandler</a:t>
+            </a:r>
+            <a:r>
+              <a:rPr lang="en-US" sz="1600" dirty="0"/>
+              <a:t> class.</a:t>
+            </a:r>
+          </a:p>
+          <a:p>
+            <a:pPr marL="0" indent="0">
+              <a:buNone/>
+            </a:pPr>
+            <a:r>
+              <a:rPr lang="en-US" sz="1600" dirty="0"/>
+              <a:t>The </a:t>
+            </a:r>
+            <a:r>
+              <a:rPr lang="en-US" sz="1600" dirty="0" err="1"/>
+              <a:t>AccountHandler</a:t>
+            </a:r>
+            <a:r>
+              <a:rPr lang="en-US" sz="1600" dirty="0"/>
+              <a:t> class handles validating a User’s credentials and creating a new user.</a:t>
+            </a:r>
+          </a:p>
+          <a:p>
+            <a:pPr marL="0" indent="0">
+              <a:buNone/>
+            </a:pPr>
+            <a:r>
+              <a:rPr lang="en-US" sz="1600" dirty="0"/>
+              <a:t>The </a:t>
+            </a:r>
+            <a:r>
+              <a:rPr lang="en-US" sz="1600" dirty="0" err="1"/>
+              <a:t>PaymentProcessor</a:t>
+            </a:r>
+            <a:r>
+              <a:rPr lang="en-US" sz="1600" dirty="0"/>
+              <a:t> validates the User’s credit card information and then the </a:t>
+            </a:r>
+            <a:r>
+              <a:rPr lang="en-US" sz="1600" dirty="0" err="1"/>
+              <a:t>OrderProcessor</a:t>
+            </a:r>
+            <a:r>
+              <a:rPr lang="en-US" sz="1600" dirty="0"/>
+              <a:t> generates the order.</a:t>
+            </a:r>
+          </a:p>
+        </p:txBody>
+      </p:sp>
+      <p:pic>
+        <p:nvPicPr>
+          <p:cNvPr id="15" name="Content Placeholder 14">
+            <a:extLst>
+              <a:ext uri="{FF2B5EF4-FFF2-40B4-BE49-F238E27FC236}">
+                <a16:creationId xmlns:a16="http://schemas.microsoft.com/office/drawing/2014/main" id="{98F0170A-8104-6F1C-16E6-F20B81EB9F41}"/>
+              </a:ext>
+            </a:extLst>
+          </p:cNvPr>
+          <p:cNvPicPr>
+            <a:picLocks noGrp="1" noChangeAspect="1"/>
+          </p:cNvPicPr>
+          <p:nvPr>
+            <p:ph sz="quarter" idx="4"/>
+          </p:nvPr>
+        </p:nvPicPr>
+        <p:blipFill>
+          <a:blip r:embed="rId2">
+            <a:extLst>
+              <a:ext uri="{28A0092B-C50C-407E-A947-70E740481C1C}">
+                <a14:useLocalDpi xmlns:a14="http://schemas.microsoft.com/office/drawing/2010/main" val="0"/>
+              </a:ext>
+              <a:ext uri="{96DAC541-7B7A-43D3-8B79-37D633B846F1}">
+                <asvg:svgBlip xmlns:asvg="http://schemas.microsoft.com/office/drawing/2016/SVG/main" r:embed="rId3"/>
+              </a:ext>
+            </a:extLst>
+          </a:blip>
+          <a:stretch>
+            <a:fillRect/>
+          </a:stretch>
+        </p:blipFill>
+        <p:spPr>
+          <a:xfrm>
+            <a:off x="3881377" y="1509624"/>
+            <a:ext cx="7204206" cy="3528720"/>
+          </a:xfrm>
+        </p:spPr>
+      </p:pic>
     </p:spTree>
     <p:extLst>
       <p:ext uri="{BB962C8B-B14F-4D97-AF65-F5344CB8AC3E}">
-        <p14:creationId xmlns:p14="http://schemas.microsoft.com/office/powerpoint/2010/main" val="3197023440"/>
+        <p14:creationId xmlns:p14="http://schemas.microsoft.com/office/powerpoint/2010/main" val="1367495037"/>
       </p:ext>
     </p:extLst>
   </p:cSld>
   <p:clrMapOvr>
     <a:masterClrMapping/>
   </p:clrMapOvr>
-  <mc:AlternateContent xmlns:mc="http://schemas.openxmlformats.org/markup-compatibility/2006" xmlns:p14="http://schemas.microsoft.com/office/powerpoint/2010/main">
-    <mc:Choice Requires="p14">
+  <mc:AlternateContent xmlns:mc="http://schemas.openxmlformats.org/markup-compatibility/2006">
+    <mc:Choice xmlns:p14="http://schemas.microsoft.com/office/powerpoint/2010/main" Requires="p14">
       <p:transition spd="med" p14:dur="700">
         <p:fade/>
       </p:transition>
     </mc:Choice>
-    <mc:Fallback xmlns="">
+    <mc:Fallback>
       <p:transition spd="med">
         <p:fade/>
       </p:transition>
@@ -5456,7 +5740,7 @@
             <a:spLocks noGrp="1"/>
           </p:cNvSpPr>
           <p:nvPr>
-            <p:ph type="ctrTitle"/>
+            <p:ph type="title"/>
           </p:nvPr>
         </p:nvSpPr>
         <p:spPr/>
@@ -5465,48 +5749,170 @@
           <a:lstStyle/>
           <a:p>
             <a:r>
+              <a:rPr lang="en-US" dirty="0" err="1"/>
+              <a:t>LogWriter</a:t>
+            </a:r>
+            <a:r>
               <a:rPr lang="en-US" dirty="0"/>
-              <a:t>END</a:t>
-            </a:r>
-          </a:p>
-        </p:txBody>
-      </p:sp>
-      <p:sp>
-        <p:nvSpPr>
-          <p:cNvPr id="3" name="Subtitle 2"/>
-          <p:cNvSpPr>
-            <a:spLocks noGrp="1"/>
-          </p:cNvSpPr>
-          <p:nvPr>
-            <p:ph type="subTitle" idx="1"/>
-          </p:nvPr>
-        </p:nvSpPr>
-        <p:spPr/>
+              <a:t> Implementation</a:t>
+            </a:r>
+          </a:p>
+        </p:txBody>
+      </p:sp>
+      <p:sp>
+        <p:nvSpPr>
+          <p:cNvPr id="4" name="Content Placeholder 3"/>
+          <p:cNvSpPr>
+            <a:spLocks noGrp="1"/>
+          </p:cNvSpPr>
+          <p:nvPr>
+            <p:ph sz="half" idx="2"/>
+          </p:nvPr>
+        </p:nvSpPr>
+        <p:spPr>
+          <a:xfrm>
+            <a:off x="1104901" y="1509624"/>
+            <a:ext cx="2923636" cy="4325928"/>
+          </a:xfrm>
+        </p:spPr>
         <p:txBody>
           <a:bodyPr/>
           <a:lstStyle/>
           <a:p>
+            <a:pPr marL="0" indent="0">
+              <a:buNone/>
+            </a:pPr>
             <a:r>
               <a:rPr lang="en-US" dirty="0"/>
-              <a:t>William Berthouex</a:t>
-            </a:r>
-          </a:p>
-          <a:p>
+              <a:t>The </a:t>
+            </a:r>
             <a:r>
               <a:rPr lang="en-US" dirty="0" err="1"/>
-              <a:t>Github</a:t>
+              <a:t>LogWriter</a:t>
             </a:r>
             <a:r>
               <a:rPr lang="en-US" dirty="0"/>
-              <a:t> link: </a:t>
-            </a:r>
-            <a:r>
-              <a:rPr lang="en-US" dirty="0">
-                <a:hlinkClick r:id="rId2"/>
-              </a:rPr>
-              <a:t>https://github.com/StateControlled/SE450_Final_Project</a:t>
-            </a:r>
-            <a:endParaRPr lang="en-US" dirty="0"/>
+              <a:t> logs events to a log file.</a:t>
+            </a:r>
+          </a:p>
+          <a:p>
+            <a:pPr marL="0" indent="0">
+              <a:buNone/>
+            </a:pPr>
+            <a:r>
+              <a:rPr lang="en-US" dirty="0"/>
+              <a:t>Subsequent instances of the application will use the same log file.</a:t>
+            </a:r>
+          </a:p>
+        </p:txBody>
+      </p:sp>
+      <p:pic>
+        <p:nvPicPr>
+          <p:cNvPr id="7" name="Content Placeholder 6">
+            <a:extLst>
+              <a:ext uri="{FF2B5EF4-FFF2-40B4-BE49-F238E27FC236}">
+                <a16:creationId xmlns:a16="http://schemas.microsoft.com/office/drawing/2014/main" id="{24D6B984-0C92-0F71-8B02-8E22C42771A1}"/>
+              </a:ext>
+            </a:extLst>
+          </p:cNvPr>
+          <p:cNvPicPr>
+            <a:picLocks noGrp="1" noChangeAspect="1"/>
+          </p:cNvPicPr>
+          <p:nvPr>
+            <p:ph sz="quarter" idx="4"/>
+          </p:nvPr>
+        </p:nvPicPr>
+        <p:blipFill>
+          <a:blip r:embed="rId2">
+            <a:extLst>
+              <a:ext uri="{28A0092B-C50C-407E-A947-70E740481C1C}">
+                <a14:useLocalDpi xmlns:a14="http://schemas.microsoft.com/office/drawing/2010/main" val="0"/>
+              </a:ext>
+              <a:ext uri="{96DAC541-7B7A-43D3-8B79-37D633B846F1}">
+                <asvg:svgBlip xmlns:asvg="http://schemas.microsoft.com/office/drawing/2016/SVG/main" r:embed="rId3"/>
+              </a:ext>
+            </a:extLst>
+          </a:blip>
+          <a:stretch>
+            <a:fillRect/>
+          </a:stretch>
+        </p:blipFill>
+        <p:spPr>
+          <a:xfrm>
+            <a:off x="4461923" y="1509624"/>
+            <a:ext cx="6623660" cy="3450303"/>
+          </a:xfrm>
+        </p:spPr>
+      </p:pic>
+    </p:spTree>
+    <p:extLst>
+      <p:ext uri="{BB962C8B-B14F-4D97-AF65-F5344CB8AC3E}">
+        <p14:creationId xmlns:p14="http://schemas.microsoft.com/office/powerpoint/2010/main" val="3916905494"/>
+      </p:ext>
+    </p:extLst>
+  </p:cSld>
+  <p:clrMapOvr>
+    <a:masterClrMapping/>
+  </p:clrMapOvr>
+  <mc:AlternateContent xmlns:mc="http://schemas.openxmlformats.org/markup-compatibility/2006">
+    <mc:Choice xmlns:p14="http://schemas.microsoft.com/office/powerpoint/2010/main" Requires="p14">
+      <p:transition spd="med" p14:dur="700">
+        <p:fade/>
+      </p:transition>
+    </mc:Choice>
+    <mc:Fallback>
+      <p:transition spd="med">
+        <p:fade/>
+      </p:transition>
+    </mc:Fallback>
+  </mc:AlternateContent>
+</p:sld>
+</file>
+
+<file path=ppt/slides/slide15.xml><?xml version="1.0" encoding="utf-8"?>
+<p:sld xmlns:a="http://schemas.openxmlformats.org/drawingml/2006/main" xmlns:r="http://schemas.openxmlformats.org/officeDocument/2006/relationships" xmlns:p="http://schemas.openxmlformats.org/presentationml/2006/main">
+  <p:cSld>
+    <p:bg>
+      <p:bgPr>
+        <a:solidFill>
+          <a:schemeClr val="bg1"/>
+        </a:solidFill>
+        <a:effectLst/>
+      </p:bgPr>
+    </p:bg>
+    <p:spTree>
+      <p:nvGrpSpPr>
+        <p:cNvPr id="1" name=""/>
+        <p:cNvGrpSpPr/>
+        <p:nvPr/>
+      </p:nvGrpSpPr>
+      <p:grpSpPr>
+        <a:xfrm>
+          <a:off x="0" y="0"/>
+          <a:ext cx="0" cy="0"/>
+          <a:chOff x="0" y="0"/>
+          <a:chExt cx="0" cy="0"/>
+        </a:xfrm>
+      </p:grpSpPr>
+      <p:sp>
+        <p:nvSpPr>
+          <p:cNvPr id="2" name="Title 1"/>
+          <p:cNvSpPr>
+            <a:spLocks noGrp="1"/>
+          </p:cNvSpPr>
+          <p:nvPr>
+            <p:ph type="ctrTitle"/>
+          </p:nvPr>
+        </p:nvSpPr>
+        <p:spPr/>
+        <p:txBody>
+          <a:bodyPr/>
+          <a:lstStyle/>
+          <a:p>
+            <a:r>
+              <a:rPr lang="en-US" dirty="0"/>
+              <a:t>Application Demonstration</a:t>
+            </a:r>
           </a:p>
         </p:txBody>
       </p:sp>
@@ -7312,132 +7718,6 @@
 </file>
 
 <file path=customXml/item1.xml><?xml version="1.0" encoding="utf-8"?>
-<p:properties xmlns:p="http://schemas.microsoft.com/office/2006/metadata/properties" xmlns:xsi="http://www.w3.org/2001/XMLSchema-instance" xmlns:pc="http://schemas.microsoft.com/office/infopath/2007/PartnerControls">
-  <documentManagement>
-    <APDescription xmlns="4873beb7-5857-4685-be1f-d57550cc96cc" xsi:nil="true"/>
-    <AssetExpire xmlns="4873beb7-5857-4685-be1f-d57550cc96cc">2029-01-01T08:00:00+00:00</AssetExpire>
-    <CampaignTagsTaxHTField0 xmlns="4873beb7-5857-4685-be1f-d57550cc96cc">
-      <Terms xmlns="http://schemas.microsoft.com/office/infopath/2007/PartnerControls"/>
-    </CampaignTagsTaxHTField0>
-    <IntlLangReviewDate xmlns="4873beb7-5857-4685-be1f-d57550cc96cc" xsi:nil="true"/>
-    <TPFriendlyName xmlns="4873beb7-5857-4685-be1f-d57550cc96cc" xsi:nil="true"/>
-    <IntlLangReview xmlns="4873beb7-5857-4685-be1f-d57550cc96cc">false</IntlLangReview>
-    <LocLastLocAttemptVersionLookup xmlns="4873beb7-5857-4685-be1f-d57550cc96cc">855024</LocLastLocAttemptVersionLookup>
-    <PolicheckWords xmlns="4873beb7-5857-4685-be1f-d57550cc96cc" xsi:nil="true"/>
-    <SubmitterId xmlns="4873beb7-5857-4685-be1f-d57550cc96cc" xsi:nil="true"/>
-    <AcquiredFrom xmlns="4873beb7-5857-4685-be1f-d57550cc96cc">Internal MS</AcquiredFrom>
-    <EditorialStatus xmlns="4873beb7-5857-4685-be1f-d57550cc96cc">Complete</EditorialStatus>
-    <Markets xmlns="4873beb7-5857-4685-be1f-d57550cc96cc"/>
-    <OriginAsset xmlns="4873beb7-5857-4685-be1f-d57550cc96cc" xsi:nil="true"/>
-    <AssetStart xmlns="4873beb7-5857-4685-be1f-d57550cc96cc">2012-08-31T08:50:00+00:00</AssetStart>
-    <FriendlyTitle xmlns="4873beb7-5857-4685-be1f-d57550cc96cc" xsi:nil="true"/>
-    <MarketSpecific xmlns="4873beb7-5857-4685-be1f-d57550cc96cc">false</MarketSpecific>
-    <TPNamespace xmlns="4873beb7-5857-4685-be1f-d57550cc96cc" xsi:nil="true"/>
-    <PublishStatusLookup xmlns="4873beb7-5857-4685-be1f-d57550cc96cc">
-      <Value>1616423</Value>
-    </PublishStatusLookup>
-    <APAuthor xmlns="4873beb7-5857-4685-be1f-d57550cc96cc">
-      <UserInfo>
-        <DisplayName>REDMOND\kristaa</DisplayName>
-        <AccountId>136</AccountId>
-        <AccountType/>
-      </UserInfo>
-    </APAuthor>
-    <TPCommandLine xmlns="4873beb7-5857-4685-be1f-d57550cc96cc" xsi:nil="true"/>
-    <IntlLangReviewer xmlns="4873beb7-5857-4685-be1f-d57550cc96cc" xsi:nil="true"/>
-    <OpenTemplate xmlns="4873beb7-5857-4685-be1f-d57550cc96cc">true</OpenTemplate>
-    <CSXSubmissionDate xmlns="4873beb7-5857-4685-be1f-d57550cc96cc" xsi:nil="true"/>
-    <TaxCatchAll xmlns="4873beb7-5857-4685-be1f-d57550cc96cc"/>
-    <Manager xmlns="4873beb7-5857-4685-be1f-d57550cc96cc" xsi:nil="true"/>
-    <NumericId xmlns="4873beb7-5857-4685-be1f-d57550cc96cc" xsi:nil="true"/>
-    <ParentAssetId xmlns="4873beb7-5857-4685-be1f-d57550cc96cc" xsi:nil="true"/>
-    <OriginalSourceMarket xmlns="4873beb7-5857-4685-be1f-d57550cc96cc" xsi:nil="true"/>
-    <ApprovalStatus xmlns="4873beb7-5857-4685-be1f-d57550cc96cc">InProgress</ApprovalStatus>
-    <TPComponent xmlns="4873beb7-5857-4685-be1f-d57550cc96cc" xsi:nil="true"/>
-    <EditorialTags xmlns="4873beb7-5857-4685-be1f-d57550cc96cc" xsi:nil="true"/>
-    <TPExecutable xmlns="4873beb7-5857-4685-be1f-d57550cc96cc" xsi:nil="true"/>
-    <TPLaunchHelpLink xmlns="4873beb7-5857-4685-be1f-d57550cc96cc" xsi:nil="true"/>
-    <LocComments xmlns="4873beb7-5857-4685-be1f-d57550cc96cc" xsi:nil="true"/>
-    <LocRecommendedHandoff xmlns="4873beb7-5857-4685-be1f-d57550cc96cc" xsi:nil="true"/>
-    <SourceTitle xmlns="4873beb7-5857-4685-be1f-d57550cc96cc" xsi:nil="true"/>
-    <CSXUpdate xmlns="4873beb7-5857-4685-be1f-d57550cc96cc">false</CSXUpdate>
-    <IntlLocPriority xmlns="4873beb7-5857-4685-be1f-d57550cc96cc" xsi:nil="true"/>
-    <UAProjectedTotalWords xmlns="4873beb7-5857-4685-be1f-d57550cc96cc" xsi:nil="true"/>
-    <AssetType xmlns="4873beb7-5857-4685-be1f-d57550cc96cc">TP</AssetType>
-    <MachineTranslated xmlns="4873beb7-5857-4685-be1f-d57550cc96cc">false</MachineTranslated>
-    <OutputCachingOn xmlns="4873beb7-5857-4685-be1f-d57550cc96cc">false</OutputCachingOn>
-    <TemplateStatus xmlns="4873beb7-5857-4685-be1f-d57550cc96cc">Complete</TemplateStatus>
-    <IsSearchable xmlns="4873beb7-5857-4685-be1f-d57550cc96cc">true</IsSearchable>
-    <ContentItem xmlns="4873beb7-5857-4685-be1f-d57550cc96cc" xsi:nil="true"/>
-    <HandoffToMSDN xmlns="4873beb7-5857-4685-be1f-d57550cc96cc" xsi:nil="true"/>
-    <ShowIn xmlns="4873beb7-5857-4685-be1f-d57550cc96cc">Show everywhere</ShowIn>
-    <ThumbnailAssetId xmlns="4873beb7-5857-4685-be1f-d57550cc96cc" xsi:nil="true"/>
-    <UALocComments xmlns="4873beb7-5857-4685-be1f-d57550cc96cc" xsi:nil="true"/>
-    <UALocRecommendation xmlns="4873beb7-5857-4685-be1f-d57550cc96cc">Localize</UALocRecommendation>
-    <LastModifiedDateTime xmlns="4873beb7-5857-4685-be1f-d57550cc96cc" xsi:nil="true"/>
-    <LegacyData xmlns="4873beb7-5857-4685-be1f-d57550cc96cc" xsi:nil="true"/>
-    <LocManualTestRequired xmlns="4873beb7-5857-4685-be1f-d57550cc96cc">false</LocManualTestRequired>
-    <LocMarketGroupTiers2 xmlns="4873beb7-5857-4685-be1f-d57550cc96cc" xsi:nil="true"/>
-    <ClipArtFilename xmlns="4873beb7-5857-4685-be1f-d57550cc96cc" xsi:nil="true"/>
-    <TPApplication xmlns="4873beb7-5857-4685-be1f-d57550cc96cc" xsi:nil="true"/>
-    <CSXHash xmlns="4873beb7-5857-4685-be1f-d57550cc96cc" xsi:nil="true"/>
-    <DirectSourceMarket xmlns="4873beb7-5857-4685-be1f-d57550cc96cc" xsi:nil="true"/>
-    <PrimaryImageGen xmlns="4873beb7-5857-4685-be1f-d57550cc96cc">true</PrimaryImageGen>
-    <PlannedPubDate xmlns="4873beb7-5857-4685-be1f-d57550cc96cc" xsi:nil="true"/>
-    <CSXSubmissionMarket xmlns="4873beb7-5857-4685-be1f-d57550cc96cc" xsi:nil="true"/>
-    <Downloads xmlns="4873beb7-5857-4685-be1f-d57550cc96cc">0</Downloads>
-    <ArtSampleDocs xmlns="4873beb7-5857-4685-be1f-d57550cc96cc" xsi:nil="true"/>
-    <TrustLevel xmlns="4873beb7-5857-4685-be1f-d57550cc96cc">1 Microsoft Managed Content</TrustLevel>
-    <BlockPublish xmlns="4873beb7-5857-4685-be1f-d57550cc96cc">false</BlockPublish>
-    <TPLaunchHelpLinkType xmlns="4873beb7-5857-4685-be1f-d57550cc96cc">Template</TPLaunchHelpLinkType>
-    <LocalizationTagsTaxHTField0 xmlns="4873beb7-5857-4685-be1f-d57550cc96cc">
-      <Terms xmlns="http://schemas.microsoft.com/office/infopath/2007/PartnerControls"/>
-    </LocalizationTagsTaxHTField0>
-    <BusinessGroup xmlns="4873beb7-5857-4685-be1f-d57550cc96cc" xsi:nil="true"/>
-    <Providers xmlns="4873beb7-5857-4685-be1f-d57550cc96cc" xsi:nil="true"/>
-    <TemplateTemplateType xmlns="4873beb7-5857-4685-be1f-d57550cc96cc">PowerPoint Presentation Template</TemplateTemplateType>
-    <TimesCloned xmlns="4873beb7-5857-4685-be1f-d57550cc96cc" xsi:nil="true"/>
-    <TPAppVersion xmlns="4873beb7-5857-4685-be1f-d57550cc96cc" xsi:nil="true"/>
-    <VoteCount xmlns="4873beb7-5857-4685-be1f-d57550cc96cc" xsi:nil="true"/>
-    <AverageRating xmlns="4873beb7-5857-4685-be1f-d57550cc96cc" xsi:nil="true"/>
-    <FeatureTagsTaxHTField0 xmlns="4873beb7-5857-4685-be1f-d57550cc96cc">
-      <Terms xmlns="http://schemas.microsoft.com/office/infopath/2007/PartnerControls"/>
-    </FeatureTagsTaxHTField0>
-    <Provider xmlns="4873beb7-5857-4685-be1f-d57550cc96cc" xsi:nil="true"/>
-    <UACurrentWords xmlns="4873beb7-5857-4685-be1f-d57550cc96cc" xsi:nil="true"/>
-    <AssetId xmlns="4873beb7-5857-4685-be1f-d57550cc96cc">TP103431361</AssetId>
-    <TPClientViewer xmlns="4873beb7-5857-4685-be1f-d57550cc96cc" xsi:nil="true"/>
-    <DSATActionTaken xmlns="4873beb7-5857-4685-be1f-d57550cc96cc" xsi:nil="true"/>
-    <APEditor xmlns="4873beb7-5857-4685-be1f-d57550cc96cc">
-      <UserInfo>
-        <DisplayName/>
-        <AccountId xsi:nil="true"/>
-        <AccountType/>
-      </UserInfo>
-    </APEditor>
-    <TPInstallLocation xmlns="4873beb7-5857-4685-be1f-d57550cc96cc" xsi:nil="true"/>
-    <OOCacheId xmlns="4873beb7-5857-4685-be1f-d57550cc96cc" xsi:nil="true"/>
-    <IsDeleted xmlns="4873beb7-5857-4685-be1f-d57550cc96cc">false</IsDeleted>
-    <PublishTargets xmlns="4873beb7-5857-4685-be1f-d57550cc96cc">OfficeOnlineVNext</PublishTargets>
-    <ApprovalLog xmlns="4873beb7-5857-4685-be1f-d57550cc96cc" xsi:nil="true"/>
-    <BugNumber xmlns="4873beb7-5857-4685-be1f-d57550cc96cc" xsi:nil="true"/>
-    <CrawlForDependencies xmlns="4873beb7-5857-4685-be1f-d57550cc96cc">false</CrawlForDependencies>
-    <InternalTagsTaxHTField0 xmlns="4873beb7-5857-4685-be1f-d57550cc96cc">
-      <Terms xmlns="http://schemas.microsoft.com/office/infopath/2007/PartnerControls"/>
-    </InternalTagsTaxHTField0>
-    <LastHandOff xmlns="4873beb7-5857-4685-be1f-d57550cc96cc" xsi:nil="true"/>
-    <Milestone xmlns="4873beb7-5857-4685-be1f-d57550cc96cc" xsi:nil="true"/>
-    <OriginalRelease xmlns="4873beb7-5857-4685-be1f-d57550cc96cc">15</OriginalRelease>
-    <RecommendationsModifier xmlns="4873beb7-5857-4685-be1f-d57550cc96cc" xsi:nil="true"/>
-    <ScenarioTagsTaxHTField0 xmlns="4873beb7-5857-4685-be1f-d57550cc96cc">
-      <Terms xmlns="http://schemas.microsoft.com/office/infopath/2007/PartnerControls"/>
-    </ScenarioTagsTaxHTField0>
-    <UANotes xmlns="4873beb7-5857-4685-be1f-d57550cc96cc" xsi:nil="true"/>
-  </documentManagement>
-</p:properties>
-</file>
-
-<file path=customXml/item2.xml><?xml version="1.0" encoding="utf-8"?>
 <ct:contentTypeSchema xmlns:ct="http://schemas.microsoft.com/office/2006/metadata/contentType" xmlns:ma="http://schemas.microsoft.com/office/2006/metadata/properties/metaAttributes" ct:_="" ma:_="" ma:contentTypeName="TemplateFile" ma:contentTypeID="0x0101006EDDDB5EE6D98C44930B742096920B300400F5B6D36B3EF94B4E9A635CDF2A18F5B8" ma:contentTypeVersion="72" ma:contentTypeDescription="Create a new document." ma:contentTypeScope="" ma:versionID="a23e56308344d904b51738559c3d67c9">
   <xsd:schema xmlns:xsd="http://www.w3.org/2001/XMLSchema" xmlns:xs="http://www.w3.org/2001/XMLSchema" xmlns:p="http://schemas.microsoft.com/office/2006/metadata/properties" xmlns:ns2="4873beb7-5857-4685-be1f-d57550cc96cc" targetNamespace="http://schemas.microsoft.com/office/2006/metadata/properties" ma:root="true" ma:fieldsID="cd0908cc4600e77bf5da051303e00c8d" ns2:_="">
     <xsd:import namespace="4873beb7-5857-4685-be1f-d57550cc96cc"/>
@@ -8477,6 +8757,132 @@
 </ct:contentTypeSchema>
 </file>
 
+<file path=customXml/item2.xml><?xml version="1.0" encoding="utf-8"?>
+<p:properties xmlns:p="http://schemas.microsoft.com/office/2006/metadata/properties" xmlns:xsi="http://www.w3.org/2001/XMLSchema-instance" xmlns:pc="http://schemas.microsoft.com/office/infopath/2007/PartnerControls">
+  <documentManagement>
+    <APDescription xmlns="4873beb7-5857-4685-be1f-d57550cc96cc" xsi:nil="true"/>
+    <AssetExpire xmlns="4873beb7-5857-4685-be1f-d57550cc96cc">2029-01-01T08:00:00+00:00</AssetExpire>
+    <CampaignTagsTaxHTField0 xmlns="4873beb7-5857-4685-be1f-d57550cc96cc">
+      <Terms xmlns="http://schemas.microsoft.com/office/infopath/2007/PartnerControls"/>
+    </CampaignTagsTaxHTField0>
+    <IntlLangReviewDate xmlns="4873beb7-5857-4685-be1f-d57550cc96cc" xsi:nil="true"/>
+    <TPFriendlyName xmlns="4873beb7-5857-4685-be1f-d57550cc96cc" xsi:nil="true"/>
+    <IntlLangReview xmlns="4873beb7-5857-4685-be1f-d57550cc96cc">false</IntlLangReview>
+    <LocLastLocAttemptVersionLookup xmlns="4873beb7-5857-4685-be1f-d57550cc96cc">855024</LocLastLocAttemptVersionLookup>
+    <PolicheckWords xmlns="4873beb7-5857-4685-be1f-d57550cc96cc" xsi:nil="true"/>
+    <SubmitterId xmlns="4873beb7-5857-4685-be1f-d57550cc96cc" xsi:nil="true"/>
+    <AcquiredFrom xmlns="4873beb7-5857-4685-be1f-d57550cc96cc">Internal MS</AcquiredFrom>
+    <EditorialStatus xmlns="4873beb7-5857-4685-be1f-d57550cc96cc">Complete</EditorialStatus>
+    <Markets xmlns="4873beb7-5857-4685-be1f-d57550cc96cc"/>
+    <OriginAsset xmlns="4873beb7-5857-4685-be1f-d57550cc96cc" xsi:nil="true"/>
+    <AssetStart xmlns="4873beb7-5857-4685-be1f-d57550cc96cc">2012-08-31T08:50:00+00:00</AssetStart>
+    <FriendlyTitle xmlns="4873beb7-5857-4685-be1f-d57550cc96cc" xsi:nil="true"/>
+    <MarketSpecific xmlns="4873beb7-5857-4685-be1f-d57550cc96cc">false</MarketSpecific>
+    <TPNamespace xmlns="4873beb7-5857-4685-be1f-d57550cc96cc" xsi:nil="true"/>
+    <PublishStatusLookup xmlns="4873beb7-5857-4685-be1f-d57550cc96cc">
+      <Value>1616423</Value>
+    </PublishStatusLookup>
+    <APAuthor xmlns="4873beb7-5857-4685-be1f-d57550cc96cc">
+      <UserInfo>
+        <DisplayName>REDMOND\kristaa</DisplayName>
+        <AccountId>136</AccountId>
+        <AccountType/>
+      </UserInfo>
+    </APAuthor>
+    <TPCommandLine xmlns="4873beb7-5857-4685-be1f-d57550cc96cc" xsi:nil="true"/>
+    <IntlLangReviewer xmlns="4873beb7-5857-4685-be1f-d57550cc96cc" xsi:nil="true"/>
+    <OpenTemplate xmlns="4873beb7-5857-4685-be1f-d57550cc96cc">true</OpenTemplate>
+    <CSXSubmissionDate xmlns="4873beb7-5857-4685-be1f-d57550cc96cc" xsi:nil="true"/>
+    <TaxCatchAll xmlns="4873beb7-5857-4685-be1f-d57550cc96cc"/>
+    <Manager xmlns="4873beb7-5857-4685-be1f-d57550cc96cc" xsi:nil="true"/>
+    <NumericId xmlns="4873beb7-5857-4685-be1f-d57550cc96cc" xsi:nil="true"/>
+    <ParentAssetId xmlns="4873beb7-5857-4685-be1f-d57550cc96cc" xsi:nil="true"/>
+    <OriginalSourceMarket xmlns="4873beb7-5857-4685-be1f-d57550cc96cc" xsi:nil="true"/>
+    <ApprovalStatus xmlns="4873beb7-5857-4685-be1f-d57550cc96cc">InProgress</ApprovalStatus>
+    <TPComponent xmlns="4873beb7-5857-4685-be1f-d57550cc96cc" xsi:nil="true"/>
+    <EditorialTags xmlns="4873beb7-5857-4685-be1f-d57550cc96cc" xsi:nil="true"/>
+    <TPExecutable xmlns="4873beb7-5857-4685-be1f-d57550cc96cc" xsi:nil="true"/>
+    <TPLaunchHelpLink xmlns="4873beb7-5857-4685-be1f-d57550cc96cc" xsi:nil="true"/>
+    <LocComments xmlns="4873beb7-5857-4685-be1f-d57550cc96cc" xsi:nil="true"/>
+    <LocRecommendedHandoff xmlns="4873beb7-5857-4685-be1f-d57550cc96cc" xsi:nil="true"/>
+    <SourceTitle xmlns="4873beb7-5857-4685-be1f-d57550cc96cc" xsi:nil="true"/>
+    <CSXUpdate xmlns="4873beb7-5857-4685-be1f-d57550cc96cc">false</CSXUpdate>
+    <IntlLocPriority xmlns="4873beb7-5857-4685-be1f-d57550cc96cc" xsi:nil="true"/>
+    <UAProjectedTotalWords xmlns="4873beb7-5857-4685-be1f-d57550cc96cc" xsi:nil="true"/>
+    <AssetType xmlns="4873beb7-5857-4685-be1f-d57550cc96cc">TP</AssetType>
+    <MachineTranslated xmlns="4873beb7-5857-4685-be1f-d57550cc96cc">false</MachineTranslated>
+    <OutputCachingOn xmlns="4873beb7-5857-4685-be1f-d57550cc96cc">false</OutputCachingOn>
+    <TemplateStatus xmlns="4873beb7-5857-4685-be1f-d57550cc96cc">Complete</TemplateStatus>
+    <IsSearchable xmlns="4873beb7-5857-4685-be1f-d57550cc96cc">true</IsSearchable>
+    <ContentItem xmlns="4873beb7-5857-4685-be1f-d57550cc96cc" xsi:nil="true"/>
+    <HandoffToMSDN xmlns="4873beb7-5857-4685-be1f-d57550cc96cc" xsi:nil="true"/>
+    <ShowIn xmlns="4873beb7-5857-4685-be1f-d57550cc96cc">Show everywhere</ShowIn>
+    <ThumbnailAssetId xmlns="4873beb7-5857-4685-be1f-d57550cc96cc" xsi:nil="true"/>
+    <UALocComments xmlns="4873beb7-5857-4685-be1f-d57550cc96cc" xsi:nil="true"/>
+    <UALocRecommendation xmlns="4873beb7-5857-4685-be1f-d57550cc96cc">Localize</UALocRecommendation>
+    <LastModifiedDateTime xmlns="4873beb7-5857-4685-be1f-d57550cc96cc" xsi:nil="true"/>
+    <LegacyData xmlns="4873beb7-5857-4685-be1f-d57550cc96cc" xsi:nil="true"/>
+    <LocManualTestRequired xmlns="4873beb7-5857-4685-be1f-d57550cc96cc">false</LocManualTestRequired>
+    <LocMarketGroupTiers2 xmlns="4873beb7-5857-4685-be1f-d57550cc96cc" xsi:nil="true"/>
+    <ClipArtFilename xmlns="4873beb7-5857-4685-be1f-d57550cc96cc" xsi:nil="true"/>
+    <TPApplication xmlns="4873beb7-5857-4685-be1f-d57550cc96cc" xsi:nil="true"/>
+    <CSXHash xmlns="4873beb7-5857-4685-be1f-d57550cc96cc" xsi:nil="true"/>
+    <DirectSourceMarket xmlns="4873beb7-5857-4685-be1f-d57550cc96cc" xsi:nil="true"/>
+    <PrimaryImageGen xmlns="4873beb7-5857-4685-be1f-d57550cc96cc">true</PrimaryImageGen>
+    <PlannedPubDate xmlns="4873beb7-5857-4685-be1f-d57550cc96cc" xsi:nil="true"/>
+    <CSXSubmissionMarket xmlns="4873beb7-5857-4685-be1f-d57550cc96cc" xsi:nil="true"/>
+    <Downloads xmlns="4873beb7-5857-4685-be1f-d57550cc96cc">0</Downloads>
+    <ArtSampleDocs xmlns="4873beb7-5857-4685-be1f-d57550cc96cc" xsi:nil="true"/>
+    <TrustLevel xmlns="4873beb7-5857-4685-be1f-d57550cc96cc">1 Microsoft Managed Content</TrustLevel>
+    <BlockPublish xmlns="4873beb7-5857-4685-be1f-d57550cc96cc">false</BlockPublish>
+    <TPLaunchHelpLinkType xmlns="4873beb7-5857-4685-be1f-d57550cc96cc">Template</TPLaunchHelpLinkType>
+    <LocalizationTagsTaxHTField0 xmlns="4873beb7-5857-4685-be1f-d57550cc96cc">
+      <Terms xmlns="http://schemas.microsoft.com/office/infopath/2007/PartnerControls"/>
+    </LocalizationTagsTaxHTField0>
+    <BusinessGroup xmlns="4873beb7-5857-4685-be1f-d57550cc96cc" xsi:nil="true"/>
+    <Providers xmlns="4873beb7-5857-4685-be1f-d57550cc96cc" xsi:nil="true"/>
+    <TemplateTemplateType xmlns="4873beb7-5857-4685-be1f-d57550cc96cc">PowerPoint Presentation Template</TemplateTemplateType>
+    <TimesCloned xmlns="4873beb7-5857-4685-be1f-d57550cc96cc" xsi:nil="true"/>
+    <TPAppVersion xmlns="4873beb7-5857-4685-be1f-d57550cc96cc" xsi:nil="true"/>
+    <VoteCount xmlns="4873beb7-5857-4685-be1f-d57550cc96cc" xsi:nil="true"/>
+    <AverageRating xmlns="4873beb7-5857-4685-be1f-d57550cc96cc" xsi:nil="true"/>
+    <FeatureTagsTaxHTField0 xmlns="4873beb7-5857-4685-be1f-d57550cc96cc">
+      <Terms xmlns="http://schemas.microsoft.com/office/infopath/2007/PartnerControls"/>
+    </FeatureTagsTaxHTField0>
+    <Provider xmlns="4873beb7-5857-4685-be1f-d57550cc96cc" xsi:nil="true"/>
+    <UACurrentWords xmlns="4873beb7-5857-4685-be1f-d57550cc96cc" xsi:nil="true"/>
+    <AssetId xmlns="4873beb7-5857-4685-be1f-d57550cc96cc">TP103431361</AssetId>
+    <TPClientViewer xmlns="4873beb7-5857-4685-be1f-d57550cc96cc" xsi:nil="true"/>
+    <DSATActionTaken xmlns="4873beb7-5857-4685-be1f-d57550cc96cc" xsi:nil="true"/>
+    <APEditor xmlns="4873beb7-5857-4685-be1f-d57550cc96cc">
+      <UserInfo>
+        <DisplayName/>
+        <AccountId xsi:nil="true"/>
+        <AccountType/>
+      </UserInfo>
+    </APEditor>
+    <TPInstallLocation xmlns="4873beb7-5857-4685-be1f-d57550cc96cc" xsi:nil="true"/>
+    <OOCacheId xmlns="4873beb7-5857-4685-be1f-d57550cc96cc" xsi:nil="true"/>
+    <IsDeleted xmlns="4873beb7-5857-4685-be1f-d57550cc96cc">false</IsDeleted>
+    <PublishTargets xmlns="4873beb7-5857-4685-be1f-d57550cc96cc">OfficeOnlineVNext</PublishTargets>
+    <ApprovalLog xmlns="4873beb7-5857-4685-be1f-d57550cc96cc" xsi:nil="true"/>
+    <BugNumber xmlns="4873beb7-5857-4685-be1f-d57550cc96cc" xsi:nil="true"/>
+    <CrawlForDependencies xmlns="4873beb7-5857-4685-be1f-d57550cc96cc">false</CrawlForDependencies>
+    <InternalTagsTaxHTField0 xmlns="4873beb7-5857-4685-be1f-d57550cc96cc">
+      <Terms xmlns="http://schemas.microsoft.com/office/infopath/2007/PartnerControls"/>
+    </InternalTagsTaxHTField0>
+    <LastHandOff xmlns="4873beb7-5857-4685-be1f-d57550cc96cc" xsi:nil="true"/>
+    <Milestone xmlns="4873beb7-5857-4685-be1f-d57550cc96cc" xsi:nil="true"/>
+    <OriginalRelease xmlns="4873beb7-5857-4685-be1f-d57550cc96cc">15</OriginalRelease>
+    <RecommendationsModifier xmlns="4873beb7-5857-4685-be1f-d57550cc96cc" xsi:nil="true"/>
+    <ScenarioTagsTaxHTField0 xmlns="4873beb7-5857-4685-be1f-d57550cc96cc">
+      <Terms xmlns="http://schemas.microsoft.com/office/infopath/2007/PartnerControls"/>
+    </ScenarioTagsTaxHTField0>
+    <UANotes xmlns="4873beb7-5857-4685-be1f-d57550cc96cc" xsi:nil="true"/>
+  </documentManagement>
+</p:properties>
+</file>
+
 <file path=customXml/item3.xml><?xml version="1.0" encoding="utf-8"?>
 <?mso-contentType ?>
 <FormTemplates xmlns="http://schemas.microsoft.com/sharepoint/v3/contenttype/forms">
@@ -8487,22 +8893,6 @@
 </file>
 
 <file path=customXml/itemProps1.xml><?xml version="1.0" encoding="utf-8"?>
-<ds:datastoreItem xmlns:ds="http://schemas.openxmlformats.org/officeDocument/2006/customXml" ds:itemID="{8CDDBB83-77C1-4099-A0AA-289882E745E2}">
-  <ds:schemaRefs>
-    <ds:schemaRef ds:uri="http://purl.org/dc/elements/1.1/"/>
-    <ds:schemaRef ds:uri="http://schemas.microsoft.com/office/2006/metadata/properties"/>
-    <ds:schemaRef ds:uri="4873beb7-5857-4685-be1f-d57550cc96cc"/>
-    <ds:schemaRef ds:uri="http://schemas.openxmlformats.org/package/2006/metadata/core-properties"/>
-    <ds:schemaRef ds:uri="http://purl.org/dc/terms/"/>
-    <ds:schemaRef ds:uri="http://schemas.microsoft.com/office/2006/documentManagement/types"/>
-    <ds:schemaRef ds:uri="http://schemas.microsoft.com/office/infopath/2007/PartnerControls"/>
-    <ds:schemaRef ds:uri="http://www.w3.org/XML/1998/namespace"/>
-    <ds:schemaRef ds:uri="http://purl.org/dc/dcmitype/"/>
-  </ds:schemaRefs>
-</ds:datastoreItem>
-</file>
-
-<file path=customXml/itemProps2.xml><?xml version="1.0" encoding="utf-8"?>
 <ds:datastoreItem xmlns:ds="http://schemas.openxmlformats.org/officeDocument/2006/customXml" ds:itemID="{28C8B9CA-0273-4370-889A-FC05DA5C2FA5}">
   <ds:schemaRefs>
     <ds:schemaRef ds:uri="http://schemas.microsoft.com/office/2006/metadata/contentType"/>
@@ -8520,6 +8910,22 @@
 </ds:datastoreItem>
 </file>
 
+<file path=customXml/itemProps2.xml><?xml version="1.0" encoding="utf-8"?>
+<ds:datastoreItem xmlns:ds="http://schemas.openxmlformats.org/officeDocument/2006/customXml" ds:itemID="{8CDDBB83-77C1-4099-A0AA-289882E745E2}">
+  <ds:schemaRefs>
+    <ds:schemaRef ds:uri="http://purl.org/dc/elements/1.1/"/>
+    <ds:schemaRef ds:uri="http://schemas.microsoft.com/office/2006/metadata/properties"/>
+    <ds:schemaRef ds:uri="4873beb7-5857-4685-be1f-d57550cc96cc"/>
+    <ds:schemaRef ds:uri="http://schemas.openxmlformats.org/package/2006/metadata/core-properties"/>
+    <ds:schemaRef ds:uri="http://purl.org/dc/terms/"/>
+    <ds:schemaRef ds:uri="http://schemas.microsoft.com/office/2006/documentManagement/types"/>
+    <ds:schemaRef ds:uri="http://schemas.microsoft.com/office/infopath/2007/PartnerControls"/>
+    <ds:schemaRef ds:uri="http://www.w3.org/XML/1998/namespace"/>
+    <ds:schemaRef ds:uri="http://purl.org/dc/dcmitype/"/>
+  </ds:schemaRefs>
+</ds:datastoreItem>
+</file>
+
 <file path=customXml/itemProps3.xml><?xml version="1.0" encoding="utf-8"?>
 <ds:datastoreItem xmlns:ds="http://schemas.openxmlformats.org/officeDocument/2006/customXml" ds:itemID="{561E720F-F05D-4536-9C34-0CFCED65D3B7}">
   <ds:schemaRefs>

--- a/Final Project.pptx
+++ b/Final Project.pptx
@@ -15,8 +15,8 @@
     <p:sldId id="257" r:id="rId6"/>
     <p:sldId id="266" r:id="rId7"/>
     <p:sldId id="274" r:id="rId8"/>
-    <p:sldId id="270" r:id="rId9"/>
-    <p:sldId id="271" r:id="rId10"/>
+    <p:sldId id="271" r:id="rId9"/>
+    <p:sldId id="270" r:id="rId10"/>
     <p:sldId id="272" r:id="rId11"/>
     <p:sldId id="273" r:id="rId12"/>
     <p:sldId id="268" r:id="rId13"/>
@@ -228,7 +228,7 @@
           <a:p>
             <a:fld id="{23CEAAF3-9831-450B-8D59-2C09DB96C8FC}" type="datetimeFigureOut">
               <a:rPr lang="en-US"/>
-              <a:t>11/18/2023</a:t>
+              <a:t>11/19/2023</a:t>
             </a:fld>
             <a:endParaRPr/>
           </a:p>
@@ -393,7 +393,7 @@
           <a:p>
             <a:fld id="{2D50CD79-FC16-4410-AB61-17F26E6D3BC8}" type="datetimeFigureOut">
               <a:rPr lang="en-US"/>
-              <a:t>11/18/2023</a:t>
+              <a:t>11/19/2023</a:t>
             </a:fld>
             <a:endParaRPr/>
           </a:p>
@@ -742,6 +742,397 @@
 </p:notes>
 </file>
 
+<file path=ppt/notesSlides/notesSlide2.xml><?xml version="1.0" encoding="utf-8"?>
+<p:notes xmlns:a="http://schemas.openxmlformats.org/drawingml/2006/main" xmlns:r="http://schemas.openxmlformats.org/officeDocument/2006/relationships" xmlns:p="http://schemas.openxmlformats.org/presentationml/2006/main">
+  <p:cSld>
+    <p:spTree>
+      <p:nvGrpSpPr>
+        <p:cNvPr id="1" name=""/>
+        <p:cNvGrpSpPr/>
+        <p:nvPr/>
+      </p:nvGrpSpPr>
+      <p:grpSpPr>
+        <a:xfrm>
+          <a:off x="0" y="0"/>
+          <a:ext cx="0" cy="0"/>
+          <a:chOff x="0" y="0"/>
+          <a:chExt cx="0" cy="0"/>
+        </a:xfrm>
+      </p:grpSpPr>
+      <p:sp>
+        <p:nvSpPr>
+          <p:cNvPr id="2" name="Slide Image Placeholder 1"/>
+          <p:cNvSpPr>
+            <a:spLocks noGrp="1" noRot="1" noChangeAspect="1"/>
+          </p:cNvSpPr>
+          <p:nvPr>
+            <p:ph type="sldImg"/>
+          </p:nvPr>
+        </p:nvSpPr>
+        <p:spPr/>
+      </p:sp>
+      <p:sp>
+        <p:nvSpPr>
+          <p:cNvPr id="3" name="Notes Placeholder 2"/>
+          <p:cNvSpPr>
+            <a:spLocks noGrp="1"/>
+          </p:cNvSpPr>
+          <p:nvPr>
+            <p:ph type="body" idx="1"/>
+          </p:nvPr>
+        </p:nvSpPr>
+        <p:spPr/>
+        <p:txBody>
+          <a:bodyPr/>
+          <a:lstStyle/>
+          <a:p>
+            <a:r>
+              <a:rPr lang="en-US" dirty="0"/>
+              <a:t>Single Responsibility Principle hardest to adhere to in the application’s code.</a:t>
+            </a:r>
+          </a:p>
+          <a:p>
+            <a:endParaRPr lang="en-US" dirty="0"/>
+          </a:p>
+        </p:txBody>
+      </p:sp>
+      <p:sp>
+        <p:nvSpPr>
+          <p:cNvPr id="4" name="Slide Number Placeholder 3"/>
+          <p:cNvSpPr>
+            <a:spLocks noGrp="1"/>
+          </p:cNvSpPr>
+          <p:nvPr>
+            <p:ph type="sldNum" sz="quarter" idx="5"/>
+          </p:nvPr>
+        </p:nvSpPr>
+        <p:spPr/>
+        <p:txBody>
+          <a:bodyPr/>
+          <a:lstStyle/>
+          <a:p>
+            <a:fld id="{0A3C37BE-C303-496D-B5CD-85F2937540FC}" type="slidenum">
+              <a:rPr lang="en-US" smtClean="0"/>
+              <a:t>3</a:t>
+            </a:fld>
+            <a:endParaRPr lang="en-US"/>
+          </a:p>
+        </p:txBody>
+      </p:sp>
+    </p:spTree>
+    <p:extLst>
+      <p:ext uri="{BB962C8B-B14F-4D97-AF65-F5344CB8AC3E}">
+        <p14:creationId xmlns:p14="http://schemas.microsoft.com/office/powerpoint/2010/main" val="2743182252"/>
+      </p:ext>
+    </p:extLst>
+  </p:cSld>
+  <p:clrMapOvr>
+    <a:masterClrMapping/>
+  </p:clrMapOvr>
+</p:notes>
+</file>
+
+<file path=ppt/notesSlides/notesSlide3.xml><?xml version="1.0" encoding="utf-8"?>
+<p:notes xmlns:a="http://schemas.openxmlformats.org/drawingml/2006/main" xmlns:r="http://schemas.openxmlformats.org/officeDocument/2006/relationships" xmlns:p="http://schemas.openxmlformats.org/presentationml/2006/main">
+  <p:cSld>
+    <p:spTree>
+      <p:nvGrpSpPr>
+        <p:cNvPr id="1" name=""/>
+        <p:cNvGrpSpPr/>
+        <p:nvPr/>
+      </p:nvGrpSpPr>
+      <p:grpSpPr>
+        <a:xfrm>
+          <a:off x="0" y="0"/>
+          <a:ext cx="0" cy="0"/>
+          <a:chOff x="0" y="0"/>
+          <a:chExt cx="0" cy="0"/>
+        </a:xfrm>
+      </p:grpSpPr>
+      <p:sp>
+        <p:nvSpPr>
+          <p:cNvPr id="2" name="Slide Image Placeholder 1"/>
+          <p:cNvSpPr>
+            <a:spLocks noGrp="1" noRot="1" noChangeAspect="1"/>
+          </p:cNvSpPr>
+          <p:nvPr>
+            <p:ph type="sldImg"/>
+          </p:nvPr>
+        </p:nvSpPr>
+        <p:spPr/>
+      </p:sp>
+      <p:sp>
+        <p:nvSpPr>
+          <p:cNvPr id="3" name="Notes Placeholder 2"/>
+          <p:cNvSpPr>
+            <a:spLocks noGrp="1"/>
+          </p:cNvSpPr>
+          <p:nvPr>
+            <p:ph type="body" idx="1"/>
+          </p:nvPr>
+        </p:nvSpPr>
+        <p:spPr/>
+        <p:txBody>
+          <a:bodyPr/>
+          <a:lstStyle/>
+          <a:p>
+            <a:endParaRPr lang="en-US" dirty="0"/>
+          </a:p>
+        </p:txBody>
+      </p:sp>
+      <p:sp>
+        <p:nvSpPr>
+          <p:cNvPr id="4" name="Slide Number Placeholder 3"/>
+          <p:cNvSpPr>
+            <a:spLocks noGrp="1"/>
+          </p:cNvSpPr>
+          <p:nvPr>
+            <p:ph type="sldNum" sz="quarter" idx="5"/>
+          </p:nvPr>
+        </p:nvSpPr>
+        <p:spPr/>
+        <p:txBody>
+          <a:bodyPr/>
+          <a:lstStyle/>
+          <a:p>
+            <a:fld id="{0A3C37BE-C303-496D-B5CD-85F2937540FC}" type="slidenum">
+              <a:rPr lang="en-US" smtClean="0"/>
+              <a:t>4</a:t>
+            </a:fld>
+            <a:endParaRPr lang="en-US"/>
+          </a:p>
+        </p:txBody>
+      </p:sp>
+    </p:spTree>
+    <p:extLst>
+      <p:ext uri="{BB962C8B-B14F-4D97-AF65-F5344CB8AC3E}">
+        <p14:creationId xmlns:p14="http://schemas.microsoft.com/office/powerpoint/2010/main" val="3775716597"/>
+      </p:ext>
+    </p:extLst>
+  </p:cSld>
+  <p:clrMapOvr>
+    <a:masterClrMapping/>
+  </p:clrMapOvr>
+</p:notes>
+</file>
+
+<file path=ppt/notesSlides/notesSlide4.xml><?xml version="1.0" encoding="utf-8"?>
+<p:notes xmlns:a="http://schemas.openxmlformats.org/drawingml/2006/main" xmlns:r="http://schemas.openxmlformats.org/officeDocument/2006/relationships" xmlns:p="http://schemas.openxmlformats.org/presentationml/2006/main">
+  <p:cSld>
+    <p:spTree>
+      <p:nvGrpSpPr>
+        <p:cNvPr id="1" name=""/>
+        <p:cNvGrpSpPr/>
+        <p:nvPr/>
+      </p:nvGrpSpPr>
+      <p:grpSpPr>
+        <a:xfrm>
+          <a:off x="0" y="0"/>
+          <a:ext cx="0" cy="0"/>
+          <a:chOff x="0" y="0"/>
+          <a:chExt cx="0" cy="0"/>
+        </a:xfrm>
+      </p:grpSpPr>
+      <p:sp>
+        <p:nvSpPr>
+          <p:cNvPr id="2" name="Slide Image Placeholder 1"/>
+          <p:cNvSpPr>
+            <a:spLocks noGrp="1" noRot="1" noChangeAspect="1"/>
+          </p:cNvSpPr>
+          <p:nvPr>
+            <p:ph type="sldImg"/>
+          </p:nvPr>
+        </p:nvSpPr>
+        <p:spPr/>
+      </p:sp>
+      <p:sp>
+        <p:nvSpPr>
+          <p:cNvPr id="3" name="Notes Placeholder 2"/>
+          <p:cNvSpPr>
+            <a:spLocks noGrp="1"/>
+          </p:cNvSpPr>
+          <p:nvPr>
+            <p:ph type="body" idx="1"/>
+          </p:nvPr>
+        </p:nvSpPr>
+        <p:spPr/>
+        <p:txBody>
+          <a:bodyPr/>
+          <a:lstStyle/>
+          <a:p>
+            <a:r>
+              <a:rPr lang="en-US" dirty="0"/>
+              <a:t>I made a connection between storing information for products, users, and orders and so thought it was a good candidate for a common interface.</a:t>
+            </a:r>
+          </a:p>
+          <a:p>
+            <a:endParaRPr lang="en-US" dirty="0"/>
+          </a:p>
+          <a:p>
+            <a:r>
+              <a:rPr lang="en-US" dirty="0"/>
+              <a:t>The Catalogue is designed such that items could be added directly with code after instantiation.</a:t>
+            </a:r>
+          </a:p>
+        </p:txBody>
+      </p:sp>
+      <p:sp>
+        <p:nvSpPr>
+          <p:cNvPr id="4" name="Slide Number Placeholder 3"/>
+          <p:cNvSpPr>
+            <a:spLocks noGrp="1"/>
+          </p:cNvSpPr>
+          <p:nvPr>
+            <p:ph type="sldNum" sz="quarter" idx="5"/>
+          </p:nvPr>
+        </p:nvSpPr>
+        <p:spPr/>
+        <p:txBody>
+          <a:bodyPr/>
+          <a:lstStyle/>
+          <a:p>
+            <a:fld id="{0A3C37BE-C303-496D-B5CD-85F2937540FC}" type="slidenum">
+              <a:rPr lang="en-US" smtClean="0"/>
+              <a:t>5</a:t>
+            </a:fld>
+            <a:endParaRPr lang="en-US"/>
+          </a:p>
+        </p:txBody>
+      </p:sp>
+    </p:spTree>
+    <p:extLst>
+      <p:ext uri="{BB962C8B-B14F-4D97-AF65-F5344CB8AC3E}">
+        <p14:creationId xmlns:p14="http://schemas.microsoft.com/office/powerpoint/2010/main" val="1650020675"/>
+      </p:ext>
+    </p:extLst>
+  </p:cSld>
+  <p:clrMapOvr>
+    <a:masterClrMapping/>
+  </p:clrMapOvr>
+</p:notes>
+</file>
+
+<file path=ppt/notesSlides/notesSlide5.xml><?xml version="1.0" encoding="utf-8"?>
+<p:notes xmlns:a="http://schemas.openxmlformats.org/drawingml/2006/main" xmlns:r="http://schemas.openxmlformats.org/officeDocument/2006/relationships" xmlns:p="http://schemas.openxmlformats.org/presentationml/2006/main">
+  <p:cSld>
+    <p:spTree>
+      <p:nvGrpSpPr>
+        <p:cNvPr id="1" name=""/>
+        <p:cNvGrpSpPr/>
+        <p:nvPr/>
+      </p:nvGrpSpPr>
+      <p:grpSpPr>
+        <a:xfrm>
+          <a:off x="0" y="0"/>
+          <a:ext cx="0" cy="0"/>
+          <a:chOff x="0" y="0"/>
+          <a:chExt cx="0" cy="0"/>
+        </a:xfrm>
+      </p:grpSpPr>
+      <p:sp>
+        <p:nvSpPr>
+          <p:cNvPr id="2" name="Slide Image Placeholder 1"/>
+          <p:cNvSpPr>
+            <a:spLocks noGrp="1" noRot="1" noChangeAspect="1"/>
+          </p:cNvSpPr>
+          <p:nvPr>
+            <p:ph type="sldImg"/>
+          </p:nvPr>
+        </p:nvSpPr>
+        <p:spPr/>
+      </p:sp>
+      <p:sp>
+        <p:nvSpPr>
+          <p:cNvPr id="3" name="Notes Placeholder 2"/>
+          <p:cNvSpPr>
+            <a:spLocks noGrp="1"/>
+          </p:cNvSpPr>
+          <p:nvPr>
+            <p:ph type="body" idx="1"/>
+          </p:nvPr>
+        </p:nvSpPr>
+        <p:spPr/>
+        <p:txBody>
+          <a:bodyPr/>
+          <a:lstStyle/>
+          <a:p>
+            <a:pPr marL="0" marR="0" lvl="0" indent="0" algn="l" defTabSz="914400" rtl="0" eaLnBrk="1" fontAlgn="auto" latinLnBrk="0" hangingPunct="1">
+              <a:lnSpc>
+                <a:spcPct val="100000"/>
+              </a:lnSpc>
+              <a:spcBef>
+                <a:spcPts val="0"/>
+              </a:spcBef>
+              <a:spcAft>
+                <a:spcPts val="0"/>
+              </a:spcAft>
+              <a:buClrTx/>
+              <a:buSzTx/>
+              <a:buFontTx/>
+              <a:buNone/>
+              <a:tabLst/>
+              <a:defRPr/>
+            </a:pPr>
+            <a:r>
+              <a:rPr lang="en-US" dirty="0"/>
+              <a:t>Following best practices, the plaintext password is never stored. Only a hashed password is stored.</a:t>
+            </a:r>
+          </a:p>
+          <a:p>
+            <a:endParaRPr lang="en-US" dirty="0"/>
+          </a:p>
+          <a:p>
+            <a:r>
+              <a:rPr lang="en-US" dirty="0"/>
+              <a:t>A </a:t>
+            </a:r>
+            <a:r>
+              <a:rPr lang="en-US" dirty="0" err="1"/>
+              <a:t>UserDatabase</a:t>
+            </a:r>
+            <a:r>
+              <a:rPr lang="en-US" dirty="0"/>
+              <a:t> class – implementing the Catalogue Interface – maintains records of all users.</a:t>
+            </a:r>
+          </a:p>
+        </p:txBody>
+      </p:sp>
+      <p:sp>
+        <p:nvSpPr>
+          <p:cNvPr id="4" name="Slide Number Placeholder 3"/>
+          <p:cNvSpPr>
+            <a:spLocks noGrp="1"/>
+          </p:cNvSpPr>
+          <p:nvPr>
+            <p:ph type="sldNum" sz="quarter" idx="5"/>
+          </p:nvPr>
+        </p:nvSpPr>
+        <p:spPr/>
+        <p:txBody>
+          <a:bodyPr/>
+          <a:lstStyle/>
+          <a:p>
+            <a:fld id="{0A3C37BE-C303-496D-B5CD-85F2937540FC}" type="slidenum">
+              <a:rPr lang="en-US" smtClean="0"/>
+              <a:t>6</a:t>
+            </a:fld>
+            <a:endParaRPr lang="en-US"/>
+          </a:p>
+        </p:txBody>
+      </p:sp>
+    </p:spTree>
+    <p:extLst>
+      <p:ext uri="{BB962C8B-B14F-4D97-AF65-F5344CB8AC3E}">
+        <p14:creationId xmlns:p14="http://schemas.microsoft.com/office/powerpoint/2010/main" val="2512422823"/>
+      </p:ext>
+    </p:extLst>
+  </p:cSld>
+  <p:clrMapOvr>
+    <a:masterClrMapping/>
+  </p:clrMapOvr>
+</p:notes>
+</file>
+
 <file path=ppt/slideLayouts/slideLayout1.xml><?xml version="1.0" encoding="utf-8"?>
 <p:sldLayout xmlns:a="http://schemas.openxmlformats.org/drawingml/2006/main" xmlns:r="http://schemas.openxmlformats.org/officeDocument/2006/relationships" xmlns:p="http://schemas.openxmlformats.org/presentationml/2006/main" showMasterSp="0" type="title" preserve="1">
   <p:cSld name="Title Slide">
@@ -1023,7 +1414,7 @@
             <a:fld id="{402B9795-92DC-40DC-A1CA-9A4B349D7824}" type="datetimeFigureOut">
               <a:rPr lang="en-US" smtClean="0"/>
               <a:pPr/>
-              <a:t>11/18/2023</a:t>
+              <a:t>11/19/2023</a:t>
             </a:fld>
             <a:endParaRPr lang="en-US" dirty="0"/>
           </a:p>
@@ -1317,7 +1708,7 @@
           <a:p>
             <a:fld id="{402B9795-92DC-40DC-A1CA-9A4B349D7824}" type="datetimeFigureOut">
               <a:rPr lang="en-US"/>
-              <a:t>11/18/2023</a:t>
+              <a:t>11/19/2023</a:t>
             </a:fld>
             <a:endParaRPr/>
           </a:p>
@@ -1499,7 +1890,7 @@
           <a:p>
             <a:fld id="{402B9795-92DC-40DC-A1CA-9A4B349D7824}" type="datetimeFigureOut">
               <a:rPr lang="en-US"/>
-              <a:t>11/18/2023</a:t>
+              <a:t>11/19/2023</a:t>
             </a:fld>
             <a:endParaRPr/>
           </a:p>
@@ -1691,7 +2082,7 @@
           <a:p>
             <a:fld id="{402B9795-92DC-40DC-A1CA-9A4B349D7824}" type="datetimeFigureOut">
               <a:rPr lang="en-US"/>
-              <a:t>11/18/2023</a:t>
+              <a:t>11/19/2023</a:t>
             </a:fld>
             <a:endParaRPr/>
           </a:p>
@@ -1960,7 +2351,7 @@
           <a:p>
             <a:fld id="{402B9795-92DC-40DC-A1CA-9A4B349D7824}" type="datetimeFigureOut">
               <a:rPr lang="en-US"/>
-              <a:t>11/18/2023</a:t>
+              <a:t>11/19/2023</a:t>
             </a:fld>
             <a:endParaRPr/>
           </a:p>
@@ -2989,7 +3380,7 @@
           <a:p>
             <a:fld id="{402B9795-92DC-40DC-A1CA-9A4B349D7824}" type="datetimeFigureOut">
               <a:rPr lang="en-US"/>
-              <a:t>11/18/2023</a:t>
+              <a:t>11/19/2023</a:t>
             </a:fld>
             <a:endParaRPr/>
           </a:p>
@@ -3262,7 +3653,7 @@
           <a:p>
             <a:fld id="{402B9795-92DC-40DC-A1CA-9A4B349D7824}" type="datetimeFigureOut">
               <a:rPr lang="en-US"/>
-              <a:t>11/18/2023</a:t>
+              <a:t>11/19/2023</a:t>
             </a:fld>
             <a:endParaRPr/>
           </a:p>
@@ -3642,7 +4033,7 @@
           <a:p>
             <a:fld id="{402B9795-92DC-40DC-A1CA-9A4B349D7824}" type="datetimeFigureOut">
               <a:rPr lang="en-US"/>
-              <a:t>11/18/2023</a:t>
+              <a:t>11/19/2023</a:t>
             </a:fld>
             <a:endParaRPr/>
           </a:p>
@@ -3772,7 +4163,7 @@
           <a:p>
             <a:fld id="{402B9795-92DC-40DC-A1CA-9A4B349D7824}" type="datetimeFigureOut">
               <a:rPr lang="en-US"/>
-              <a:t>11/18/2023</a:t>
+              <a:t>11/19/2023</a:t>
             </a:fld>
             <a:endParaRPr/>
           </a:p>
@@ -3879,7 +4270,7 @@
           <a:p>
             <a:fld id="{402B9795-92DC-40DC-A1CA-9A4B349D7824}" type="datetimeFigureOut">
               <a:rPr lang="en-US"/>
-              <a:t>11/18/2023</a:t>
+              <a:t>11/19/2023</a:t>
             </a:fld>
             <a:endParaRPr/>
           </a:p>
@@ -4170,7 +4561,7 @@
           <a:p>
             <a:fld id="{402B9795-92DC-40DC-A1CA-9A4B349D7824}" type="datetimeFigureOut">
               <a:rPr lang="en-US"/>
-              <a:t>11/18/2023</a:t>
+              <a:t>11/19/2023</a:t>
             </a:fld>
             <a:endParaRPr/>
           </a:p>
@@ -4396,7 +4787,7 @@
             <a:fld id="{402B9795-92DC-40DC-A1CA-9A4B349D7824}" type="datetimeFigureOut">
               <a:rPr lang="en-US" smtClean="0"/>
               <a:pPr/>
-              <a:t>11/18/2023</a:t>
+              <a:t>11/19/2023</a:t>
             </a:fld>
             <a:endParaRPr lang="en-US"/>
           </a:p>
@@ -5324,13 +5715,13 @@
   <p:clrMapOvr>
     <a:masterClrMapping/>
   </p:clrMapOvr>
-  <mc:AlternateContent xmlns:mc="http://schemas.openxmlformats.org/markup-compatibility/2006">
-    <mc:Choice xmlns:p14="http://schemas.microsoft.com/office/powerpoint/2010/main" Requires="p14">
+  <mc:AlternateContent xmlns:mc="http://schemas.openxmlformats.org/markup-compatibility/2006" xmlns:p14="http://schemas.microsoft.com/office/powerpoint/2010/main">
+    <mc:Choice Requires="p14">
       <p:transition spd="med" p14:dur="700">
         <p:fade/>
       </p:transition>
     </mc:Choice>
-    <mc:Fallback>
+    <mc:Fallback xmlns="">
       <p:transition spd="med">
         <p:fade/>
       </p:transition>
@@ -5501,13 +5892,13 @@
   <p:clrMapOvr>
     <a:masterClrMapping/>
   </p:clrMapOvr>
-  <mc:AlternateContent xmlns:mc="http://schemas.openxmlformats.org/markup-compatibility/2006">
-    <mc:Choice xmlns:p14="http://schemas.microsoft.com/office/powerpoint/2010/main" Requires="p14">
+  <mc:AlternateContent xmlns:mc="http://schemas.openxmlformats.org/markup-compatibility/2006" xmlns:p14="http://schemas.microsoft.com/office/powerpoint/2010/main">
+    <mc:Choice Requires="p14">
       <p:transition spd="med" p14:dur="700">
         <p:fade/>
       </p:transition>
     </mc:Choice>
-    <mc:Fallback>
+    <mc:Fallback xmlns="">
       <p:transition spd="med">
         <p:fade/>
       </p:transition>
@@ -5693,13 +6084,13 @@
   <p:clrMapOvr>
     <a:masterClrMapping/>
   </p:clrMapOvr>
-  <mc:AlternateContent xmlns:mc="http://schemas.openxmlformats.org/markup-compatibility/2006">
-    <mc:Choice xmlns:p14="http://schemas.microsoft.com/office/powerpoint/2010/main" Requires="p14">
+  <mc:AlternateContent xmlns:mc="http://schemas.openxmlformats.org/markup-compatibility/2006" xmlns:p14="http://schemas.microsoft.com/office/powerpoint/2010/main">
+    <mc:Choice Requires="p14">
       <p:transition spd="med" p14:dur="700">
         <p:fade/>
       </p:transition>
     </mc:Choice>
-    <mc:Fallback>
+    <mc:Fallback xmlns="">
       <p:transition spd="med">
         <p:fade/>
       </p:transition>
@@ -5854,13 +6245,13 @@
   <p:clrMapOvr>
     <a:masterClrMapping/>
   </p:clrMapOvr>
-  <mc:AlternateContent xmlns:mc="http://schemas.openxmlformats.org/markup-compatibility/2006">
-    <mc:Choice xmlns:p14="http://schemas.microsoft.com/office/powerpoint/2010/main" Requires="p14">
+  <mc:AlternateContent xmlns:mc="http://schemas.openxmlformats.org/markup-compatibility/2006" xmlns:p14="http://schemas.microsoft.com/office/powerpoint/2010/main">
+    <mc:Choice Requires="p14">
       <p:transition spd="med" p14:dur="700">
         <p:fade/>
       </p:transition>
     </mc:Choice>
-    <mc:Fallback>
+    <mc:Fallback xmlns="">
       <p:transition spd="med">
         <p:fade/>
       </p:transition>
@@ -6175,7 +6566,7 @@
           </p:nvPr>
         </p:nvPicPr>
         <p:blipFill>
-          <a:blip r:embed="rId2">
+          <a:blip r:embed="rId3">
             <a:extLst>
               <a:ext uri="{28A0092B-C50C-407E-A947-70E740481C1C}">
                 <a14:useLocalDpi xmlns:a14="http://schemas.microsoft.com/office/drawing/2010/main" val="0"/>
@@ -6445,7 +6836,7 @@
           <a:p>
             <a:r>
               <a:rPr lang="en-US" dirty="0"/>
-              <a:t>User Authentication</a:t>
+              <a:t>Product Catalogue</a:t>
             </a:r>
           </a:p>
         </p:txBody>
@@ -6470,7 +6861,15 @@
             </a:pPr>
             <a:r>
               <a:rPr lang="en-US" dirty="0"/>
-              <a:t>When a user enters a username and password into the corresponding fields in the GUI, the application checks these against a “database” of existing users.</a:t>
+              <a:t>The </a:t>
+            </a:r>
+            <a:r>
+              <a:rPr lang="en-US" i="1" dirty="0"/>
+              <a:t>Catalogue</a:t>
+            </a:r>
+            <a:r>
+              <a:rPr lang="en-US" dirty="0"/>
+              <a:t> is implemented as a singleton pattern.</a:t>
             </a:r>
           </a:p>
           <a:p>
@@ -6479,7 +6878,7 @@
             </a:pPr>
             <a:r>
               <a:rPr lang="en-US" dirty="0"/>
-              <a:t>If the username and password match, the user is allowed to log in. A successful login displays the message “Welcome &lt;USERNAME&gt;!” on the GUI.</a:t>
+              <a:t>It is instantiated at the start of the application’s runtime.</a:t>
             </a:r>
           </a:p>
           <a:p>
@@ -6488,33 +6887,21 @@
             </a:pPr>
             <a:r>
               <a:rPr lang="en-US" dirty="0"/>
-              <a:t>If there is no match, nothing happens.</a:t>
+              <a:t>Populates the catalogue with a selection of items read from a file.</a:t>
             </a:r>
           </a:p>
           <a:p>
             <a:pPr marL="0" indent="0">
               <a:buNone/>
             </a:pPr>
-            <a:r>
-              <a:rPr lang="en-US" dirty="0"/>
-              <a:t>If the user opts to create a new account, a new record is added to the user database.</a:t>
-            </a:r>
-          </a:p>
-          <a:p>
-            <a:pPr marL="0" indent="0">
-              <a:buNone/>
-            </a:pPr>
-            <a:r>
-              <a:rPr lang="en-US" dirty="0"/>
-              <a:t>Following best practices, the plaintext password is never stored. Only a hashed password is stored.</a:t>
-            </a:r>
+            <a:endParaRPr lang="en-US" dirty="0"/>
           </a:p>
         </p:txBody>
       </p:sp>
     </p:spTree>
     <p:extLst>
       <p:ext uri="{BB962C8B-B14F-4D97-AF65-F5344CB8AC3E}">
-        <p14:creationId xmlns:p14="http://schemas.microsoft.com/office/powerpoint/2010/main" val="3713622924"/>
+        <p14:creationId xmlns:p14="http://schemas.microsoft.com/office/powerpoint/2010/main" val="144026131"/>
       </p:ext>
     </p:extLst>
   </p:cSld>
@@ -6578,7 +6965,7 @@
           <a:p>
             <a:r>
               <a:rPr lang="en-US" dirty="0"/>
-              <a:t>Product Catalogue</a:t>
+              <a:t>User Authentication</a:t>
             </a:r>
           </a:p>
         </p:txBody>
@@ -6603,15 +6990,16 @@
             </a:pPr>
             <a:r>
               <a:rPr lang="en-US" dirty="0"/>
-              <a:t>The </a:t>
-            </a:r>
-            <a:r>
-              <a:rPr lang="en-US" i="1" dirty="0"/>
-              <a:t>Catalogue</a:t>
-            </a:r>
+              <a:t>When a user enters a username and password into the corresponding fields in the GUI, the application checks these against a “database” of existing users.</a:t>
+            </a:r>
+          </a:p>
+          <a:p>
+            <a:pPr marL="0" indent="0">
+              <a:buNone/>
+            </a:pPr>
             <a:r>
               <a:rPr lang="en-US" dirty="0"/>
-              <a:t> is implemented as a singleton pattern.</a:t>
+              <a:t>If the username and password match, the user is allowed to log in. A successful login displays the message “Welcome &lt;USERNAME&gt;!” on the GUI.</a:t>
             </a:r>
           </a:p>
           <a:p>
@@ -6620,21 +7008,24 @@
             </a:pPr>
             <a:r>
               <a:rPr lang="en-US" dirty="0"/>
-              <a:t>It is instantiated at the start of the application’s runtime.</a:t>
+              <a:t>If there is no match, nothing happens.</a:t>
             </a:r>
           </a:p>
           <a:p>
             <a:pPr marL="0" indent="0">
               <a:buNone/>
             </a:pPr>
-            <a:endParaRPr lang="en-US" dirty="0"/>
+            <a:r>
+              <a:rPr lang="en-US" dirty="0"/>
+              <a:t>If a user creates a new account, the password is associated with their chosen username.</a:t>
+            </a:r>
           </a:p>
         </p:txBody>
       </p:sp>
     </p:spTree>
     <p:extLst>
       <p:ext uri="{BB962C8B-B14F-4D97-AF65-F5344CB8AC3E}">
-        <p14:creationId xmlns:p14="http://schemas.microsoft.com/office/powerpoint/2010/main" val="144026131"/>
+        <p14:creationId xmlns:p14="http://schemas.microsoft.com/office/powerpoint/2010/main" val="3713622924"/>
       </p:ext>
     </p:extLst>
   </p:cSld>
@@ -6853,6 +7244,23 @@
         <p:txBody>
           <a:bodyPr/>
           <a:lstStyle/>
+          <a:p>
+            <a:pPr marL="0" indent="0">
+              <a:buNone/>
+            </a:pPr>
+            <a:r>
+              <a:rPr lang="en-US" dirty="0"/>
+              <a:t>An </a:t>
+            </a:r>
+            <a:r>
+              <a:rPr lang="en-US" i="1" dirty="0" err="1"/>
+              <a:t>OrderProcessor</a:t>
+            </a:r>
+            <a:r>
+              <a:rPr lang="en-US" dirty="0"/>
+              <a:t> class handles the creation of new orders. </a:t>
+            </a:r>
+          </a:p>
           <a:p>
             <a:pPr marL="0" indent="0">
               <a:buNone/>
@@ -7718,6 +8126,132 @@
 </file>
 
 <file path=customXml/item1.xml><?xml version="1.0" encoding="utf-8"?>
+<p:properties xmlns:p="http://schemas.microsoft.com/office/2006/metadata/properties" xmlns:xsi="http://www.w3.org/2001/XMLSchema-instance" xmlns:pc="http://schemas.microsoft.com/office/infopath/2007/PartnerControls">
+  <documentManagement>
+    <APDescription xmlns="4873beb7-5857-4685-be1f-d57550cc96cc" xsi:nil="true"/>
+    <AssetExpire xmlns="4873beb7-5857-4685-be1f-d57550cc96cc">2029-01-01T08:00:00+00:00</AssetExpire>
+    <CampaignTagsTaxHTField0 xmlns="4873beb7-5857-4685-be1f-d57550cc96cc">
+      <Terms xmlns="http://schemas.microsoft.com/office/infopath/2007/PartnerControls"/>
+    </CampaignTagsTaxHTField0>
+    <IntlLangReviewDate xmlns="4873beb7-5857-4685-be1f-d57550cc96cc" xsi:nil="true"/>
+    <TPFriendlyName xmlns="4873beb7-5857-4685-be1f-d57550cc96cc" xsi:nil="true"/>
+    <IntlLangReview xmlns="4873beb7-5857-4685-be1f-d57550cc96cc">false</IntlLangReview>
+    <LocLastLocAttemptVersionLookup xmlns="4873beb7-5857-4685-be1f-d57550cc96cc">855024</LocLastLocAttemptVersionLookup>
+    <PolicheckWords xmlns="4873beb7-5857-4685-be1f-d57550cc96cc" xsi:nil="true"/>
+    <SubmitterId xmlns="4873beb7-5857-4685-be1f-d57550cc96cc" xsi:nil="true"/>
+    <AcquiredFrom xmlns="4873beb7-5857-4685-be1f-d57550cc96cc">Internal MS</AcquiredFrom>
+    <EditorialStatus xmlns="4873beb7-5857-4685-be1f-d57550cc96cc">Complete</EditorialStatus>
+    <Markets xmlns="4873beb7-5857-4685-be1f-d57550cc96cc"/>
+    <OriginAsset xmlns="4873beb7-5857-4685-be1f-d57550cc96cc" xsi:nil="true"/>
+    <AssetStart xmlns="4873beb7-5857-4685-be1f-d57550cc96cc">2012-08-31T08:50:00+00:00</AssetStart>
+    <FriendlyTitle xmlns="4873beb7-5857-4685-be1f-d57550cc96cc" xsi:nil="true"/>
+    <MarketSpecific xmlns="4873beb7-5857-4685-be1f-d57550cc96cc">false</MarketSpecific>
+    <TPNamespace xmlns="4873beb7-5857-4685-be1f-d57550cc96cc" xsi:nil="true"/>
+    <PublishStatusLookup xmlns="4873beb7-5857-4685-be1f-d57550cc96cc">
+      <Value>1616423</Value>
+    </PublishStatusLookup>
+    <APAuthor xmlns="4873beb7-5857-4685-be1f-d57550cc96cc">
+      <UserInfo>
+        <DisplayName>REDMOND\kristaa</DisplayName>
+        <AccountId>136</AccountId>
+        <AccountType/>
+      </UserInfo>
+    </APAuthor>
+    <TPCommandLine xmlns="4873beb7-5857-4685-be1f-d57550cc96cc" xsi:nil="true"/>
+    <IntlLangReviewer xmlns="4873beb7-5857-4685-be1f-d57550cc96cc" xsi:nil="true"/>
+    <OpenTemplate xmlns="4873beb7-5857-4685-be1f-d57550cc96cc">true</OpenTemplate>
+    <CSXSubmissionDate xmlns="4873beb7-5857-4685-be1f-d57550cc96cc" xsi:nil="true"/>
+    <TaxCatchAll xmlns="4873beb7-5857-4685-be1f-d57550cc96cc"/>
+    <Manager xmlns="4873beb7-5857-4685-be1f-d57550cc96cc" xsi:nil="true"/>
+    <NumericId xmlns="4873beb7-5857-4685-be1f-d57550cc96cc" xsi:nil="true"/>
+    <ParentAssetId xmlns="4873beb7-5857-4685-be1f-d57550cc96cc" xsi:nil="true"/>
+    <OriginalSourceMarket xmlns="4873beb7-5857-4685-be1f-d57550cc96cc" xsi:nil="true"/>
+    <ApprovalStatus xmlns="4873beb7-5857-4685-be1f-d57550cc96cc">InProgress</ApprovalStatus>
+    <TPComponent xmlns="4873beb7-5857-4685-be1f-d57550cc96cc" xsi:nil="true"/>
+    <EditorialTags xmlns="4873beb7-5857-4685-be1f-d57550cc96cc" xsi:nil="true"/>
+    <TPExecutable xmlns="4873beb7-5857-4685-be1f-d57550cc96cc" xsi:nil="true"/>
+    <TPLaunchHelpLink xmlns="4873beb7-5857-4685-be1f-d57550cc96cc" xsi:nil="true"/>
+    <LocComments xmlns="4873beb7-5857-4685-be1f-d57550cc96cc" xsi:nil="true"/>
+    <LocRecommendedHandoff xmlns="4873beb7-5857-4685-be1f-d57550cc96cc" xsi:nil="true"/>
+    <SourceTitle xmlns="4873beb7-5857-4685-be1f-d57550cc96cc" xsi:nil="true"/>
+    <CSXUpdate xmlns="4873beb7-5857-4685-be1f-d57550cc96cc">false</CSXUpdate>
+    <IntlLocPriority xmlns="4873beb7-5857-4685-be1f-d57550cc96cc" xsi:nil="true"/>
+    <UAProjectedTotalWords xmlns="4873beb7-5857-4685-be1f-d57550cc96cc" xsi:nil="true"/>
+    <AssetType xmlns="4873beb7-5857-4685-be1f-d57550cc96cc">TP</AssetType>
+    <MachineTranslated xmlns="4873beb7-5857-4685-be1f-d57550cc96cc">false</MachineTranslated>
+    <OutputCachingOn xmlns="4873beb7-5857-4685-be1f-d57550cc96cc">false</OutputCachingOn>
+    <TemplateStatus xmlns="4873beb7-5857-4685-be1f-d57550cc96cc">Complete</TemplateStatus>
+    <IsSearchable xmlns="4873beb7-5857-4685-be1f-d57550cc96cc">true</IsSearchable>
+    <ContentItem xmlns="4873beb7-5857-4685-be1f-d57550cc96cc" xsi:nil="true"/>
+    <HandoffToMSDN xmlns="4873beb7-5857-4685-be1f-d57550cc96cc" xsi:nil="true"/>
+    <ShowIn xmlns="4873beb7-5857-4685-be1f-d57550cc96cc">Show everywhere</ShowIn>
+    <ThumbnailAssetId xmlns="4873beb7-5857-4685-be1f-d57550cc96cc" xsi:nil="true"/>
+    <UALocComments xmlns="4873beb7-5857-4685-be1f-d57550cc96cc" xsi:nil="true"/>
+    <UALocRecommendation xmlns="4873beb7-5857-4685-be1f-d57550cc96cc">Localize</UALocRecommendation>
+    <LastModifiedDateTime xmlns="4873beb7-5857-4685-be1f-d57550cc96cc" xsi:nil="true"/>
+    <LegacyData xmlns="4873beb7-5857-4685-be1f-d57550cc96cc" xsi:nil="true"/>
+    <LocManualTestRequired xmlns="4873beb7-5857-4685-be1f-d57550cc96cc">false</LocManualTestRequired>
+    <LocMarketGroupTiers2 xmlns="4873beb7-5857-4685-be1f-d57550cc96cc" xsi:nil="true"/>
+    <ClipArtFilename xmlns="4873beb7-5857-4685-be1f-d57550cc96cc" xsi:nil="true"/>
+    <TPApplication xmlns="4873beb7-5857-4685-be1f-d57550cc96cc" xsi:nil="true"/>
+    <CSXHash xmlns="4873beb7-5857-4685-be1f-d57550cc96cc" xsi:nil="true"/>
+    <DirectSourceMarket xmlns="4873beb7-5857-4685-be1f-d57550cc96cc" xsi:nil="true"/>
+    <PrimaryImageGen xmlns="4873beb7-5857-4685-be1f-d57550cc96cc">true</PrimaryImageGen>
+    <PlannedPubDate xmlns="4873beb7-5857-4685-be1f-d57550cc96cc" xsi:nil="true"/>
+    <CSXSubmissionMarket xmlns="4873beb7-5857-4685-be1f-d57550cc96cc" xsi:nil="true"/>
+    <Downloads xmlns="4873beb7-5857-4685-be1f-d57550cc96cc">0</Downloads>
+    <ArtSampleDocs xmlns="4873beb7-5857-4685-be1f-d57550cc96cc" xsi:nil="true"/>
+    <TrustLevel xmlns="4873beb7-5857-4685-be1f-d57550cc96cc">1 Microsoft Managed Content</TrustLevel>
+    <BlockPublish xmlns="4873beb7-5857-4685-be1f-d57550cc96cc">false</BlockPublish>
+    <TPLaunchHelpLinkType xmlns="4873beb7-5857-4685-be1f-d57550cc96cc">Template</TPLaunchHelpLinkType>
+    <LocalizationTagsTaxHTField0 xmlns="4873beb7-5857-4685-be1f-d57550cc96cc">
+      <Terms xmlns="http://schemas.microsoft.com/office/infopath/2007/PartnerControls"/>
+    </LocalizationTagsTaxHTField0>
+    <BusinessGroup xmlns="4873beb7-5857-4685-be1f-d57550cc96cc" xsi:nil="true"/>
+    <Providers xmlns="4873beb7-5857-4685-be1f-d57550cc96cc" xsi:nil="true"/>
+    <TemplateTemplateType xmlns="4873beb7-5857-4685-be1f-d57550cc96cc">PowerPoint Presentation Template</TemplateTemplateType>
+    <TimesCloned xmlns="4873beb7-5857-4685-be1f-d57550cc96cc" xsi:nil="true"/>
+    <TPAppVersion xmlns="4873beb7-5857-4685-be1f-d57550cc96cc" xsi:nil="true"/>
+    <VoteCount xmlns="4873beb7-5857-4685-be1f-d57550cc96cc" xsi:nil="true"/>
+    <AverageRating xmlns="4873beb7-5857-4685-be1f-d57550cc96cc" xsi:nil="true"/>
+    <FeatureTagsTaxHTField0 xmlns="4873beb7-5857-4685-be1f-d57550cc96cc">
+      <Terms xmlns="http://schemas.microsoft.com/office/infopath/2007/PartnerControls"/>
+    </FeatureTagsTaxHTField0>
+    <Provider xmlns="4873beb7-5857-4685-be1f-d57550cc96cc" xsi:nil="true"/>
+    <UACurrentWords xmlns="4873beb7-5857-4685-be1f-d57550cc96cc" xsi:nil="true"/>
+    <AssetId xmlns="4873beb7-5857-4685-be1f-d57550cc96cc">TP103431361</AssetId>
+    <TPClientViewer xmlns="4873beb7-5857-4685-be1f-d57550cc96cc" xsi:nil="true"/>
+    <DSATActionTaken xmlns="4873beb7-5857-4685-be1f-d57550cc96cc" xsi:nil="true"/>
+    <APEditor xmlns="4873beb7-5857-4685-be1f-d57550cc96cc">
+      <UserInfo>
+        <DisplayName/>
+        <AccountId xsi:nil="true"/>
+        <AccountType/>
+      </UserInfo>
+    </APEditor>
+    <TPInstallLocation xmlns="4873beb7-5857-4685-be1f-d57550cc96cc" xsi:nil="true"/>
+    <OOCacheId xmlns="4873beb7-5857-4685-be1f-d57550cc96cc" xsi:nil="true"/>
+    <IsDeleted xmlns="4873beb7-5857-4685-be1f-d57550cc96cc">false</IsDeleted>
+    <PublishTargets xmlns="4873beb7-5857-4685-be1f-d57550cc96cc">OfficeOnlineVNext</PublishTargets>
+    <ApprovalLog xmlns="4873beb7-5857-4685-be1f-d57550cc96cc" xsi:nil="true"/>
+    <BugNumber xmlns="4873beb7-5857-4685-be1f-d57550cc96cc" xsi:nil="true"/>
+    <CrawlForDependencies xmlns="4873beb7-5857-4685-be1f-d57550cc96cc">false</CrawlForDependencies>
+    <InternalTagsTaxHTField0 xmlns="4873beb7-5857-4685-be1f-d57550cc96cc">
+      <Terms xmlns="http://schemas.microsoft.com/office/infopath/2007/PartnerControls"/>
+    </InternalTagsTaxHTField0>
+    <LastHandOff xmlns="4873beb7-5857-4685-be1f-d57550cc96cc" xsi:nil="true"/>
+    <Milestone xmlns="4873beb7-5857-4685-be1f-d57550cc96cc" xsi:nil="true"/>
+    <OriginalRelease xmlns="4873beb7-5857-4685-be1f-d57550cc96cc">15</OriginalRelease>
+    <RecommendationsModifier xmlns="4873beb7-5857-4685-be1f-d57550cc96cc" xsi:nil="true"/>
+    <ScenarioTagsTaxHTField0 xmlns="4873beb7-5857-4685-be1f-d57550cc96cc">
+      <Terms xmlns="http://schemas.microsoft.com/office/infopath/2007/PartnerControls"/>
+    </ScenarioTagsTaxHTField0>
+    <UANotes xmlns="4873beb7-5857-4685-be1f-d57550cc96cc" xsi:nil="true"/>
+  </documentManagement>
+</p:properties>
+</file>
+
+<file path=customXml/item2.xml><?xml version="1.0" encoding="utf-8"?>
 <ct:contentTypeSchema xmlns:ct="http://schemas.microsoft.com/office/2006/metadata/contentType" xmlns:ma="http://schemas.microsoft.com/office/2006/metadata/properties/metaAttributes" ct:_="" ma:_="" ma:contentTypeName="TemplateFile" ma:contentTypeID="0x0101006EDDDB5EE6D98C44930B742096920B300400F5B6D36B3EF94B4E9A635CDF2A18F5B8" ma:contentTypeVersion="72" ma:contentTypeDescription="Create a new document." ma:contentTypeScope="" ma:versionID="a23e56308344d904b51738559c3d67c9">
   <xsd:schema xmlns:xsd="http://www.w3.org/2001/XMLSchema" xmlns:xs="http://www.w3.org/2001/XMLSchema" xmlns:p="http://schemas.microsoft.com/office/2006/metadata/properties" xmlns:ns2="4873beb7-5857-4685-be1f-d57550cc96cc" targetNamespace="http://schemas.microsoft.com/office/2006/metadata/properties" ma:root="true" ma:fieldsID="cd0908cc4600e77bf5da051303e00c8d" ns2:_="">
     <xsd:import namespace="4873beb7-5857-4685-be1f-d57550cc96cc"/>
@@ -8757,132 +9291,6 @@
 </ct:contentTypeSchema>
 </file>
 
-<file path=customXml/item2.xml><?xml version="1.0" encoding="utf-8"?>
-<p:properties xmlns:p="http://schemas.microsoft.com/office/2006/metadata/properties" xmlns:xsi="http://www.w3.org/2001/XMLSchema-instance" xmlns:pc="http://schemas.microsoft.com/office/infopath/2007/PartnerControls">
-  <documentManagement>
-    <APDescription xmlns="4873beb7-5857-4685-be1f-d57550cc96cc" xsi:nil="true"/>
-    <AssetExpire xmlns="4873beb7-5857-4685-be1f-d57550cc96cc">2029-01-01T08:00:00+00:00</AssetExpire>
-    <CampaignTagsTaxHTField0 xmlns="4873beb7-5857-4685-be1f-d57550cc96cc">
-      <Terms xmlns="http://schemas.microsoft.com/office/infopath/2007/PartnerControls"/>
-    </CampaignTagsTaxHTField0>
-    <IntlLangReviewDate xmlns="4873beb7-5857-4685-be1f-d57550cc96cc" xsi:nil="true"/>
-    <TPFriendlyName xmlns="4873beb7-5857-4685-be1f-d57550cc96cc" xsi:nil="true"/>
-    <IntlLangReview xmlns="4873beb7-5857-4685-be1f-d57550cc96cc">false</IntlLangReview>
-    <LocLastLocAttemptVersionLookup xmlns="4873beb7-5857-4685-be1f-d57550cc96cc">855024</LocLastLocAttemptVersionLookup>
-    <PolicheckWords xmlns="4873beb7-5857-4685-be1f-d57550cc96cc" xsi:nil="true"/>
-    <SubmitterId xmlns="4873beb7-5857-4685-be1f-d57550cc96cc" xsi:nil="true"/>
-    <AcquiredFrom xmlns="4873beb7-5857-4685-be1f-d57550cc96cc">Internal MS</AcquiredFrom>
-    <EditorialStatus xmlns="4873beb7-5857-4685-be1f-d57550cc96cc">Complete</EditorialStatus>
-    <Markets xmlns="4873beb7-5857-4685-be1f-d57550cc96cc"/>
-    <OriginAsset xmlns="4873beb7-5857-4685-be1f-d57550cc96cc" xsi:nil="true"/>
-    <AssetStart xmlns="4873beb7-5857-4685-be1f-d57550cc96cc">2012-08-31T08:50:00+00:00</AssetStart>
-    <FriendlyTitle xmlns="4873beb7-5857-4685-be1f-d57550cc96cc" xsi:nil="true"/>
-    <MarketSpecific xmlns="4873beb7-5857-4685-be1f-d57550cc96cc">false</MarketSpecific>
-    <TPNamespace xmlns="4873beb7-5857-4685-be1f-d57550cc96cc" xsi:nil="true"/>
-    <PublishStatusLookup xmlns="4873beb7-5857-4685-be1f-d57550cc96cc">
-      <Value>1616423</Value>
-    </PublishStatusLookup>
-    <APAuthor xmlns="4873beb7-5857-4685-be1f-d57550cc96cc">
-      <UserInfo>
-        <DisplayName>REDMOND\kristaa</DisplayName>
-        <AccountId>136</AccountId>
-        <AccountType/>
-      </UserInfo>
-    </APAuthor>
-    <TPCommandLine xmlns="4873beb7-5857-4685-be1f-d57550cc96cc" xsi:nil="true"/>
-    <IntlLangReviewer xmlns="4873beb7-5857-4685-be1f-d57550cc96cc" xsi:nil="true"/>
-    <OpenTemplate xmlns="4873beb7-5857-4685-be1f-d57550cc96cc">true</OpenTemplate>
-    <CSXSubmissionDate xmlns="4873beb7-5857-4685-be1f-d57550cc96cc" xsi:nil="true"/>
-    <TaxCatchAll xmlns="4873beb7-5857-4685-be1f-d57550cc96cc"/>
-    <Manager xmlns="4873beb7-5857-4685-be1f-d57550cc96cc" xsi:nil="true"/>
-    <NumericId xmlns="4873beb7-5857-4685-be1f-d57550cc96cc" xsi:nil="true"/>
-    <ParentAssetId xmlns="4873beb7-5857-4685-be1f-d57550cc96cc" xsi:nil="true"/>
-    <OriginalSourceMarket xmlns="4873beb7-5857-4685-be1f-d57550cc96cc" xsi:nil="true"/>
-    <ApprovalStatus xmlns="4873beb7-5857-4685-be1f-d57550cc96cc">InProgress</ApprovalStatus>
-    <TPComponent xmlns="4873beb7-5857-4685-be1f-d57550cc96cc" xsi:nil="true"/>
-    <EditorialTags xmlns="4873beb7-5857-4685-be1f-d57550cc96cc" xsi:nil="true"/>
-    <TPExecutable xmlns="4873beb7-5857-4685-be1f-d57550cc96cc" xsi:nil="true"/>
-    <TPLaunchHelpLink xmlns="4873beb7-5857-4685-be1f-d57550cc96cc" xsi:nil="true"/>
-    <LocComments xmlns="4873beb7-5857-4685-be1f-d57550cc96cc" xsi:nil="true"/>
-    <LocRecommendedHandoff xmlns="4873beb7-5857-4685-be1f-d57550cc96cc" xsi:nil="true"/>
-    <SourceTitle xmlns="4873beb7-5857-4685-be1f-d57550cc96cc" xsi:nil="true"/>
-    <CSXUpdate xmlns="4873beb7-5857-4685-be1f-d57550cc96cc">false</CSXUpdate>
-    <IntlLocPriority xmlns="4873beb7-5857-4685-be1f-d57550cc96cc" xsi:nil="true"/>
-    <UAProjectedTotalWords xmlns="4873beb7-5857-4685-be1f-d57550cc96cc" xsi:nil="true"/>
-    <AssetType xmlns="4873beb7-5857-4685-be1f-d57550cc96cc">TP</AssetType>
-    <MachineTranslated xmlns="4873beb7-5857-4685-be1f-d57550cc96cc">false</MachineTranslated>
-    <OutputCachingOn xmlns="4873beb7-5857-4685-be1f-d57550cc96cc">false</OutputCachingOn>
-    <TemplateStatus xmlns="4873beb7-5857-4685-be1f-d57550cc96cc">Complete</TemplateStatus>
-    <IsSearchable xmlns="4873beb7-5857-4685-be1f-d57550cc96cc">true</IsSearchable>
-    <ContentItem xmlns="4873beb7-5857-4685-be1f-d57550cc96cc" xsi:nil="true"/>
-    <HandoffToMSDN xmlns="4873beb7-5857-4685-be1f-d57550cc96cc" xsi:nil="true"/>
-    <ShowIn xmlns="4873beb7-5857-4685-be1f-d57550cc96cc">Show everywhere</ShowIn>
-    <ThumbnailAssetId xmlns="4873beb7-5857-4685-be1f-d57550cc96cc" xsi:nil="true"/>
-    <UALocComments xmlns="4873beb7-5857-4685-be1f-d57550cc96cc" xsi:nil="true"/>
-    <UALocRecommendation xmlns="4873beb7-5857-4685-be1f-d57550cc96cc">Localize</UALocRecommendation>
-    <LastModifiedDateTime xmlns="4873beb7-5857-4685-be1f-d57550cc96cc" xsi:nil="true"/>
-    <LegacyData xmlns="4873beb7-5857-4685-be1f-d57550cc96cc" xsi:nil="true"/>
-    <LocManualTestRequired xmlns="4873beb7-5857-4685-be1f-d57550cc96cc">false</LocManualTestRequired>
-    <LocMarketGroupTiers2 xmlns="4873beb7-5857-4685-be1f-d57550cc96cc" xsi:nil="true"/>
-    <ClipArtFilename xmlns="4873beb7-5857-4685-be1f-d57550cc96cc" xsi:nil="true"/>
-    <TPApplication xmlns="4873beb7-5857-4685-be1f-d57550cc96cc" xsi:nil="true"/>
-    <CSXHash xmlns="4873beb7-5857-4685-be1f-d57550cc96cc" xsi:nil="true"/>
-    <DirectSourceMarket xmlns="4873beb7-5857-4685-be1f-d57550cc96cc" xsi:nil="true"/>
-    <PrimaryImageGen xmlns="4873beb7-5857-4685-be1f-d57550cc96cc">true</PrimaryImageGen>
-    <PlannedPubDate xmlns="4873beb7-5857-4685-be1f-d57550cc96cc" xsi:nil="true"/>
-    <CSXSubmissionMarket xmlns="4873beb7-5857-4685-be1f-d57550cc96cc" xsi:nil="true"/>
-    <Downloads xmlns="4873beb7-5857-4685-be1f-d57550cc96cc">0</Downloads>
-    <ArtSampleDocs xmlns="4873beb7-5857-4685-be1f-d57550cc96cc" xsi:nil="true"/>
-    <TrustLevel xmlns="4873beb7-5857-4685-be1f-d57550cc96cc">1 Microsoft Managed Content</TrustLevel>
-    <BlockPublish xmlns="4873beb7-5857-4685-be1f-d57550cc96cc">false</BlockPublish>
-    <TPLaunchHelpLinkType xmlns="4873beb7-5857-4685-be1f-d57550cc96cc">Template</TPLaunchHelpLinkType>
-    <LocalizationTagsTaxHTField0 xmlns="4873beb7-5857-4685-be1f-d57550cc96cc">
-      <Terms xmlns="http://schemas.microsoft.com/office/infopath/2007/PartnerControls"/>
-    </LocalizationTagsTaxHTField0>
-    <BusinessGroup xmlns="4873beb7-5857-4685-be1f-d57550cc96cc" xsi:nil="true"/>
-    <Providers xmlns="4873beb7-5857-4685-be1f-d57550cc96cc" xsi:nil="true"/>
-    <TemplateTemplateType xmlns="4873beb7-5857-4685-be1f-d57550cc96cc">PowerPoint Presentation Template</TemplateTemplateType>
-    <TimesCloned xmlns="4873beb7-5857-4685-be1f-d57550cc96cc" xsi:nil="true"/>
-    <TPAppVersion xmlns="4873beb7-5857-4685-be1f-d57550cc96cc" xsi:nil="true"/>
-    <VoteCount xmlns="4873beb7-5857-4685-be1f-d57550cc96cc" xsi:nil="true"/>
-    <AverageRating xmlns="4873beb7-5857-4685-be1f-d57550cc96cc" xsi:nil="true"/>
-    <FeatureTagsTaxHTField0 xmlns="4873beb7-5857-4685-be1f-d57550cc96cc">
-      <Terms xmlns="http://schemas.microsoft.com/office/infopath/2007/PartnerControls"/>
-    </FeatureTagsTaxHTField0>
-    <Provider xmlns="4873beb7-5857-4685-be1f-d57550cc96cc" xsi:nil="true"/>
-    <UACurrentWords xmlns="4873beb7-5857-4685-be1f-d57550cc96cc" xsi:nil="true"/>
-    <AssetId xmlns="4873beb7-5857-4685-be1f-d57550cc96cc">TP103431361</AssetId>
-    <TPClientViewer xmlns="4873beb7-5857-4685-be1f-d57550cc96cc" xsi:nil="true"/>
-    <DSATActionTaken xmlns="4873beb7-5857-4685-be1f-d57550cc96cc" xsi:nil="true"/>
-    <APEditor xmlns="4873beb7-5857-4685-be1f-d57550cc96cc">
-      <UserInfo>
-        <DisplayName/>
-        <AccountId xsi:nil="true"/>
-        <AccountType/>
-      </UserInfo>
-    </APEditor>
-    <TPInstallLocation xmlns="4873beb7-5857-4685-be1f-d57550cc96cc" xsi:nil="true"/>
-    <OOCacheId xmlns="4873beb7-5857-4685-be1f-d57550cc96cc" xsi:nil="true"/>
-    <IsDeleted xmlns="4873beb7-5857-4685-be1f-d57550cc96cc">false</IsDeleted>
-    <PublishTargets xmlns="4873beb7-5857-4685-be1f-d57550cc96cc">OfficeOnlineVNext</PublishTargets>
-    <ApprovalLog xmlns="4873beb7-5857-4685-be1f-d57550cc96cc" xsi:nil="true"/>
-    <BugNumber xmlns="4873beb7-5857-4685-be1f-d57550cc96cc" xsi:nil="true"/>
-    <CrawlForDependencies xmlns="4873beb7-5857-4685-be1f-d57550cc96cc">false</CrawlForDependencies>
-    <InternalTagsTaxHTField0 xmlns="4873beb7-5857-4685-be1f-d57550cc96cc">
-      <Terms xmlns="http://schemas.microsoft.com/office/infopath/2007/PartnerControls"/>
-    </InternalTagsTaxHTField0>
-    <LastHandOff xmlns="4873beb7-5857-4685-be1f-d57550cc96cc" xsi:nil="true"/>
-    <Milestone xmlns="4873beb7-5857-4685-be1f-d57550cc96cc" xsi:nil="true"/>
-    <OriginalRelease xmlns="4873beb7-5857-4685-be1f-d57550cc96cc">15</OriginalRelease>
-    <RecommendationsModifier xmlns="4873beb7-5857-4685-be1f-d57550cc96cc" xsi:nil="true"/>
-    <ScenarioTagsTaxHTField0 xmlns="4873beb7-5857-4685-be1f-d57550cc96cc">
-      <Terms xmlns="http://schemas.microsoft.com/office/infopath/2007/PartnerControls"/>
-    </ScenarioTagsTaxHTField0>
-    <UANotes xmlns="4873beb7-5857-4685-be1f-d57550cc96cc" xsi:nil="true"/>
-  </documentManagement>
-</p:properties>
-</file>
-
 <file path=customXml/item3.xml><?xml version="1.0" encoding="utf-8"?>
 <?mso-contentType ?>
 <FormTemplates xmlns="http://schemas.microsoft.com/sharepoint/v3/contenttype/forms">
@@ -8893,6 +9301,22 @@
 </file>
 
 <file path=customXml/itemProps1.xml><?xml version="1.0" encoding="utf-8"?>
+<ds:datastoreItem xmlns:ds="http://schemas.openxmlformats.org/officeDocument/2006/customXml" ds:itemID="{8CDDBB83-77C1-4099-A0AA-289882E745E2}">
+  <ds:schemaRefs>
+    <ds:schemaRef ds:uri="http://purl.org/dc/elements/1.1/"/>
+    <ds:schemaRef ds:uri="http://schemas.microsoft.com/office/2006/metadata/properties"/>
+    <ds:schemaRef ds:uri="4873beb7-5857-4685-be1f-d57550cc96cc"/>
+    <ds:schemaRef ds:uri="http://schemas.openxmlformats.org/package/2006/metadata/core-properties"/>
+    <ds:schemaRef ds:uri="http://purl.org/dc/terms/"/>
+    <ds:schemaRef ds:uri="http://schemas.microsoft.com/office/2006/documentManagement/types"/>
+    <ds:schemaRef ds:uri="http://schemas.microsoft.com/office/infopath/2007/PartnerControls"/>
+    <ds:schemaRef ds:uri="http://www.w3.org/XML/1998/namespace"/>
+    <ds:schemaRef ds:uri="http://purl.org/dc/dcmitype/"/>
+  </ds:schemaRefs>
+</ds:datastoreItem>
+</file>
+
+<file path=customXml/itemProps2.xml><?xml version="1.0" encoding="utf-8"?>
 <ds:datastoreItem xmlns:ds="http://schemas.openxmlformats.org/officeDocument/2006/customXml" ds:itemID="{28C8B9CA-0273-4370-889A-FC05DA5C2FA5}">
   <ds:schemaRefs>
     <ds:schemaRef ds:uri="http://schemas.microsoft.com/office/2006/metadata/contentType"/>
@@ -8910,22 +9334,6 @@
 </ds:datastoreItem>
 </file>
 
-<file path=customXml/itemProps2.xml><?xml version="1.0" encoding="utf-8"?>
-<ds:datastoreItem xmlns:ds="http://schemas.openxmlformats.org/officeDocument/2006/customXml" ds:itemID="{8CDDBB83-77C1-4099-A0AA-289882E745E2}">
-  <ds:schemaRefs>
-    <ds:schemaRef ds:uri="http://purl.org/dc/elements/1.1/"/>
-    <ds:schemaRef ds:uri="http://schemas.microsoft.com/office/2006/metadata/properties"/>
-    <ds:schemaRef ds:uri="4873beb7-5857-4685-be1f-d57550cc96cc"/>
-    <ds:schemaRef ds:uri="http://schemas.openxmlformats.org/package/2006/metadata/core-properties"/>
-    <ds:schemaRef ds:uri="http://purl.org/dc/terms/"/>
-    <ds:schemaRef ds:uri="http://schemas.microsoft.com/office/2006/documentManagement/types"/>
-    <ds:schemaRef ds:uri="http://schemas.microsoft.com/office/infopath/2007/PartnerControls"/>
-    <ds:schemaRef ds:uri="http://www.w3.org/XML/1998/namespace"/>
-    <ds:schemaRef ds:uri="http://purl.org/dc/dcmitype/"/>
-  </ds:schemaRefs>
-</ds:datastoreItem>
-</file>
-
 <file path=customXml/itemProps3.xml><?xml version="1.0" encoding="utf-8"?>
 <ds:datastoreItem xmlns:ds="http://schemas.openxmlformats.org/officeDocument/2006/customXml" ds:itemID="{561E720F-F05D-4536-9C34-0CFCED65D3B7}">
   <ds:schemaRefs>
